--- a/Phase 3 Docs/Phase 3 - Presentation.pptx
+++ b/Phase 3 Docs/Phase 3 - Presentation.pptx
@@ -5,28 +5,29 @@
     <p:sldMasterId id="2147483648" r:id="rId4"/>
   </p:sldMasterIdLst>
   <p:notesMasterIdLst>
-    <p:notesMasterId r:id="rId21"/>
+    <p:notesMasterId r:id="rId22"/>
   </p:notesMasterIdLst>
   <p:handoutMasterIdLst>
-    <p:handoutMasterId r:id="rId22"/>
+    <p:handoutMasterId r:id="rId23"/>
   </p:handoutMasterIdLst>
   <p:sldIdLst>
     <p:sldId id="2448" r:id="rId5"/>
     <p:sldId id="259" r:id="rId6"/>
     <p:sldId id="2472" r:id="rId7"/>
     <p:sldId id="2463" r:id="rId8"/>
-    <p:sldId id="2468" r:id="rId9"/>
-    <p:sldId id="2469" r:id="rId10"/>
-    <p:sldId id="2470" r:id="rId11"/>
-    <p:sldId id="2471" r:id="rId12"/>
-    <p:sldId id="2474" r:id="rId13"/>
-    <p:sldId id="2466" r:id="rId14"/>
-    <p:sldId id="2467" r:id="rId15"/>
-    <p:sldId id="2473" r:id="rId16"/>
-    <p:sldId id="2464" r:id="rId17"/>
-    <p:sldId id="2453" r:id="rId18"/>
-    <p:sldId id="2475" r:id="rId19"/>
-    <p:sldId id="2436" r:id="rId20"/>
+    <p:sldId id="2476" r:id="rId9"/>
+    <p:sldId id="2477" r:id="rId10"/>
+    <p:sldId id="2469" r:id="rId11"/>
+    <p:sldId id="2470" r:id="rId12"/>
+    <p:sldId id="2471" r:id="rId13"/>
+    <p:sldId id="2474" r:id="rId14"/>
+    <p:sldId id="2466" r:id="rId15"/>
+    <p:sldId id="2467" r:id="rId16"/>
+    <p:sldId id="2473" r:id="rId17"/>
+    <p:sldId id="2464" r:id="rId18"/>
+    <p:sldId id="2453" r:id="rId19"/>
+    <p:sldId id="2475" r:id="rId20"/>
+    <p:sldId id="2436" r:id="rId21"/>
   </p:sldIdLst>
   <p:sldSz cx="12192000" cy="6858000"/>
   <p:notesSz cx="6858000" cy="9144000"/>
@@ -815,7 +816,7 @@
           <a:p>
             <a:fld id="{966D5B4E-BF3E-3B45-A4BA-D6C3B92870D7}" type="datetimeFigureOut">
               <a:rPr lang="en-US" smtClean="0"/>
-              <a:t>4/8/2024</a:t>
+              <a:t>4/9/2024</a:t>
             </a:fld>
             <a:endParaRPr lang="en-US" dirty="0"/>
           </a:p>
@@ -1226,7 +1227,7 @@
           <a:p>
             <a:fld id="{F5A8621B-8C8E-49BA-8772-41D0FE75A082}" type="datetimeFigureOut">
               <a:rPr lang="en-US" smtClean="0"/>
-              <a:t>4/8/2024</a:t>
+              <a:t>4/9/2024</a:t>
             </a:fld>
             <a:endParaRPr lang="en-US" dirty="0"/>
           </a:p>
@@ -6154,6 +6155,185 @@
   <p:cSld>
     <p:spTree>
       <p:nvGrpSpPr>
+        <p:cNvPr id="1" name="">
+          <a:extLst>
+            <a:ext uri="{FF2B5EF4-FFF2-40B4-BE49-F238E27FC236}">
+              <a16:creationId xmlns:a16="http://schemas.microsoft.com/office/drawing/2014/main" id="{B985BD57-F3EB-28BD-65C8-04BCFC9F83AE}"/>
+            </a:ext>
+          </a:extLst>
+        </p:cNvPr>
+        <p:cNvGrpSpPr/>
+        <p:nvPr/>
+      </p:nvGrpSpPr>
+      <p:grpSpPr>
+        <a:xfrm>
+          <a:off x="0" y="0"/>
+          <a:ext cx="0" cy="0"/>
+          <a:chOff x="0" y="0"/>
+          <a:chExt cx="0" cy="0"/>
+        </a:xfrm>
+      </p:grpSpPr>
+      <p:pic>
+        <p:nvPicPr>
+          <p:cNvPr id="3" name="Picture Placeholder 2">
+            <a:extLst>
+              <a:ext uri="{FF2B5EF4-FFF2-40B4-BE49-F238E27FC236}">
+                <a16:creationId xmlns:a16="http://schemas.microsoft.com/office/drawing/2014/main" id="{3A310403-C338-B3EA-47A9-8964B7741E48}"/>
+              </a:ext>
+            </a:extLst>
+          </p:cNvPr>
+          <p:cNvPicPr>
+            <a:picLocks noGrp="1" noChangeAspect="1"/>
+          </p:cNvPicPr>
+          <p:nvPr>
+            <p:ph type="pic" sz="quarter" idx="14"/>
+          </p:nvPr>
+        </p:nvPicPr>
+        <p:blipFill rotWithShape="1">
+          <a:blip r:embed="rId2"/>
+          <a:srcRect l="8488" t="10257" r="17782"/>
+          <a:stretch/>
+        </p:blipFill>
+        <p:spPr>
+          <a:xfrm>
+            <a:off x="0" y="0"/>
+            <a:ext cx="5416550" cy="6858000"/>
+          </a:xfrm>
+        </p:spPr>
+      </p:pic>
+      <p:sp>
+        <p:nvSpPr>
+          <p:cNvPr id="4" name="Slide Number Placeholder 3">
+            <a:extLst>
+              <a:ext uri="{FF2B5EF4-FFF2-40B4-BE49-F238E27FC236}">
+                <a16:creationId xmlns:a16="http://schemas.microsoft.com/office/drawing/2014/main" id="{4778571F-E358-6D86-4C9C-AF8D01C793C1}"/>
+              </a:ext>
+            </a:extLst>
+          </p:cNvPr>
+          <p:cNvSpPr>
+            <a:spLocks noGrp="1"/>
+          </p:cNvSpPr>
+          <p:nvPr>
+            <p:ph type="sldNum" sz="quarter" idx="4"/>
+          </p:nvPr>
+        </p:nvSpPr>
+        <p:spPr/>
+        <p:txBody>
+          <a:bodyPr/>
+          <a:lstStyle/>
+          <a:p>
+            <a:fld id="{819D3A82-D293-4907-9B25-3B6254918E46}" type="slidenum">
+              <a:rPr lang="en-US" smtClean="0"/>
+              <a:t>10</a:t>
+            </a:fld>
+            <a:endParaRPr lang="en-US"/>
+          </a:p>
+        </p:txBody>
+      </p:sp>
+      <p:sp>
+        <p:nvSpPr>
+          <p:cNvPr id="6" name="Content Placeholder 5">
+            <a:extLst>
+              <a:ext uri="{FF2B5EF4-FFF2-40B4-BE49-F238E27FC236}">
+                <a16:creationId xmlns:a16="http://schemas.microsoft.com/office/drawing/2014/main" id="{E8C9D08E-7AF8-9086-0B73-AEC1BEAFFCD4}"/>
+              </a:ext>
+            </a:extLst>
+          </p:cNvPr>
+          <p:cNvSpPr>
+            <a:spLocks noGrp="1"/>
+          </p:cNvSpPr>
+          <p:nvPr>
+            <p:ph idx="1"/>
+          </p:nvPr>
+        </p:nvSpPr>
+        <p:spPr/>
+        <p:txBody>
+          <a:bodyPr/>
+          <a:lstStyle/>
+          <a:p>
+            <a:r>
+              <a:rPr lang="en-US" dirty="0"/>
+              <a:t>Different links for the different functions users can do</a:t>
+            </a:r>
+          </a:p>
+          <a:p>
+            <a:pPr lvl="1"/>
+            <a:r>
+              <a:rPr lang="en-US" dirty="0"/>
+              <a:t>Upload a picture to be recognized</a:t>
+            </a:r>
+          </a:p>
+          <a:p>
+            <a:pPr lvl="1"/>
+            <a:r>
+              <a:rPr lang="en-US" dirty="0"/>
+              <a:t>View names that the user has saved as favorites</a:t>
+            </a:r>
+          </a:p>
+          <a:p>
+            <a:pPr lvl="1"/>
+            <a:r>
+              <a:rPr lang="en-US" dirty="0"/>
+              <a:t>Delete and Update Account</a:t>
+            </a:r>
+          </a:p>
+          <a:p>
+            <a:pPr marL="0" indent="0">
+              <a:buNone/>
+            </a:pPr>
+            <a:endParaRPr lang="en-US" dirty="0"/>
+          </a:p>
+          <a:p>
+            <a:endParaRPr lang="en-US" dirty="0"/>
+          </a:p>
+        </p:txBody>
+      </p:sp>
+      <p:sp>
+        <p:nvSpPr>
+          <p:cNvPr id="5" name="Title 4">
+            <a:extLst>
+              <a:ext uri="{FF2B5EF4-FFF2-40B4-BE49-F238E27FC236}">
+                <a16:creationId xmlns:a16="http://schemas.microsoft.com/office/drawing/2014/main" id="{AA7980AD-D949-FA12-91E4-3105A4E6A465}"/>
+              </a:ext>
+            </a:extLst>
+          </p:cNvPr>
+          <p:cNvSpPr>
+            <a:spLocks noGrp="1"/>
+          </p:cNvSpPr>
+          <p:nvPr>
+            <p:ph type="title"/>
+          </p:nvPr>
+        </p:nvSpPr>
+        <p:spPr/>
+        <p:txBody>
+          <a:bodyPr/>
+          <a:lstStyle/>
+          <a:p>
+            <a:r>
+              <a:rPr lang="en-US" dirty="0"/>
+              <a:t>Authenticated Home </a:t>
+            </a:r>
+          </a:p>
+        </p:txBody>
+      </p:sp>
+    </p:spTree>
+    <p:extLst>
+      <p:ext uri="{BB962C8B-B14F-4D97-AF65-F5344CB8AC3E}">
+        <p14:creationId xmlns:p14="http://schemas.microsoft.com/office/powerpoint/2010/main" val="2894545000"/>
+      </p:ext>
+    </p:extLst>
+  </p:cSld>
+  <p:clrMapOvr>
+    <a:masterClrMapping/>
+  </p:clrMapOvr>
+</p:sld>
+</file>
+
+<file path=ppt/slides/slide11.xml><?xml version="1.0" encoding="utf-8"?>
+<p:sld xmlns:a="http://schemas.openxmlformats.org/drawingml/2006/main" xmlns:r="http://schemas.openxmlformats.org/officeDocument/2006/relationships" xmlns:p="http://schemas.openxmlformats.org/presentationml/2006/main">
+  <p:cSld>
+    <p:spTree>
+      <p:nvGrpSpPr>
         <p:cNvPr id="1" name=""/>
         <p:cNvGrpSpPr/>
         <p:nvPr/>
@@ -6299,7 +6479,7 @@
           <a:p>
             <a:fld id="{8C2E478F-E849-4A8C-AF1F-CBCC78A7CBFA}" type="slidenum">
               <a:rPr lang="en-US" smtClean="0"/>
-              <a:t>10</a:t>
+              <a:t>11</a:t>
             </a:fld>
             <a:endParaRPr lang="en-US" dirty="0"/>
           </a:p>
@@ -6580,7 +6760,7 @@
 </p:sld>
 </file>
 
-<file path=ppt/slides/slide11.xml><?xml version="1.0" encoding="utf-8"?>
+<file path=ppt/slides/slide12.xml><?xml version="1.0" encoding="utf-8"?>
 <p:sld xmlns:a="http://schemas.openxmlformats.org/drawingml/2006/main" xmlns:r="http://schemas.openxmlformats.org/officeDocument/2006/relationships" xmlns:p="http://schemas.openxmlformats.org/presentationml/2006/main">
   <p:cSld>
     <p:spTree>
@@ -6736,7 +6916,7 @@
           <a:p>
             <a:fld id="{8C2E478F-E849-4A8C-AF1F-CBCC78A7CBFA}" type="slidenum">
               <a:rPr lang="en-US" smtClean="0"/>
-              <a:t>11</a:t>
+              <a:t>12</a:t>
             </a:fld>
             <a:endParaRPr lang="en-US" dirty="0"/>
           </a:p>
@@ -7029,7 +7209,7 @@
 </p:sld>
 </file>
 
-<file path=ppt/slides/slide12.xml><?xml version="1.0" encoding="utf-8"?>
+<file path=ppt/slides/slide13.xml><?xml version="1.0" encoding="utf-8"?>
 <p:sld xmlns:a="http://schemas.openxmlformats.org/drawingml/2006/main" xmlns:r="http://schemas.openxmlformats.org/officeDocument/2006/relationships" xmlns:p="http://schemas.openxmlformats.org/presentationml/2006/main">
   <p:cSld>
     <p:spTree>
@@ -7185,7 +7365,7 @@
           <a:p>
             <a:fld id="{8C2E478F-E849-4A8C-AF1F-CBCC78A7CBFA}" type="slidenum">
               <a:rPr lang="en-US" smtClean="0"/>
-              <a:t>12</a:t>
+              <a:t>13</a:t>
             </a:fld>
             <a:endParaRPr lang="en-US" dirty="0"/>
           </a:p>
@@ -7421,7 +7601,7 @@
 </p:sld>
 </file>
 
-<file path=ppt/slides/slide13.xml><?xml version="1.0" encoding="utf-8"?>
+<file path=ppt/slides/slide14.xml><?xml version="1.0" encoding="utf-8"?>
 <p:sld xmlns:a="http://schemas.openxmlformats.org/drawingml/2006/main" xmlns:r="http://schemas.openxmlformats.org/officeDocument/2006/relationships" xmlns:p="http://schemas.openxmlformats.org/presentationml/2006/main">
   <p:cSld>
     <p:spTree>
@@ -7494,7 +7674,7 @@
           <a:p>
             <a:fld id="{8C2E478F-E849-4A8C-AF1F-CBCC78A7CBFA}" type="slidenum">
               <a:rPr lang="en-US" smtClean="0"/>
-              <a:t>13</a:t>
+              <a:t>14</a:t>
             </a:fld>
             <a:endParaRPr lang="en-US" dirty="0"/>
           </a:p>
@@ -7759,7 +7939,7 @@
 </p:sld>
 </file>
 
-<file path=ppt/slides/slide14.xml><?xml version="1.0" encoding="utf-8"?>
+<file path=ppt/slides/slide15.xml><?xml version="1.0" encoding="utf-8"?>
 <p:sld xmlns:a="http://schemas.openxmlformats.org/drawingml/2006/main" xmlns:r="http://schemas.openxmlformats.org/officeDocument/2006/relationships" xmlns:p="http://schemas.openxmlformats.org/presentationml/2006/main">
   <p:cSld>
     <p:spTree>
@@ -8718,7 +8898,7 @@
           <a:p>
             <a:fld id="{8C2E478F-E849-4A8C-AF1F-CBCC78A7CBFA}" type="slidenum">
               <a:rPr lang="en-US" smtClean="0"/>
-              <a:t>14</a:t>
+              <a:t>15</a:t>
             </a:fld>
             <a:endParaRPr lang="en-US" dirty="0"/>
           </a:p>
@@ -8737,7 +8917,7 @@
 </p:sld>
 </file>
 
-<file path=ppt/slides/slide15.xml><?xml version="1.0" encoding="utf-8"?>
+<file path=ppt/slides/slide16.xml><?xml version="1.0" encoding="utf-8"?>
 <p:sld xmlns:a="http://schemas.openxmlformats.org/drawingml/2006/main" xmlns:r="http://schemas.openxmlformats.org/officeDocument/2006/relationships" xmlns:p="http://schemas.openxmlformats.org/presentationml/2006/main">
   <p:cSld>
     <p:spTree>
@@ -8777,7 +8957,7 @@
           <a:p>
             <a:fld id="{8C2E478F-E849-4A8C-AF1F-CBCC78A7CBFA}" type="slidenum">
               <a:rPr lang="en-US" smtClean="0"/>
-              <a:t>15</a:t>
+              <a:t>16</a:t>
             </a:fld>
             <a:endParaRPr lang="en-US" dirty="0"/>
           </a:p>
@@ -8820,7 +9000,7 @@
 </p:sld>
 </file>
 
-<file path=ppt/slides/slide16.xml><?xml version="1.0" encoding="utf-8"?>
+<file path=ppt/slides/slide17.xml><?xml version="1.0" encoding="utf-8"?>
 <p:sld xmlns:a="http://schemas.openxmlformats.org/drawingml/2006/main" xmlns:r="http://schemas.openxmlformats.org/officeDocument/2006/relationships" xmlns:p="http://schemas.openxmlformats.org/presentationml/2006/main">
   <p:cSld>
     <p:bg>
@@ -9219,35 +9399,6 @@
           <a:chExt cx="0" cy="0"/>
         </a:xfrm>
       </p:grpSpPr>
-      <p:pic>
-        <p:nvPicPr>
-          <p:cNvPr id="9" name="Picture Placeholder 7">
-            <a:extLst>
-              <a:ext uri="{FF2B5EF4-FFF2-40B4-BE49-F238E27FC236}">
-                <a16:creationId xmlns:a16="http://schemas.microsoft.com/office/drawing/2014/main" id="{4A0EB61E-4604-76AF-6122-43154C0DE16E}"/>
-              </a:ext>
-            </a:extLst>
-          </p:cNvPr>
-          <p:cNvPicPr>
-            <a:picLocks noChangeAspect="1"/>
-          </p:cNvPicPr>
-          <p:nvPr/>
-        </p:nvPicPr>
-        <p:blipFill>
-          <a:blip r:embed="rId2"/>
-          <a:srcRect l="7453" r="7453"/>
-          <a:stretch/>
-        </p:blipFill>
-        <p:spPr>
-          <a:xfrm>
-            <a:off x="-1" y="0"/>
-            <a:ext cx="7854044" cy="6858000"/>
-          </a:xfrm>
-          <a:prstGeom prst="rect">
-            <a:avLst/>
-          </a:prstGeom>
-        </p:spPr>
-      </p:pic>
       <p:sp>
         <p:nvSpPr>
           <p:cNvPr id="3" name="Title 2">
@@ -9537,7 +9688,15 @@
             </a:pPr>
             <a:r>
               <a:rPr lang="en-US" dirty="0"/>
-              <a:t>High level view at the different pages and data flows of our app.</a:t>
+              <a:t>Same as phase 2 with the Azure AI </a:t>
+            </a:r>
+            <a:r>
+              <a:rPr lang="en-US" dirty="0" err="1"/>
+              <a:t>api</a:t>
+            </a:r>
+            <a:r>
+              <a:rPr lang="en-US" dirty="0"/>
+              <a:t> functionality</a:t>
             </a:r>
           </a:p>
           <a:p>
@@ -9694,6 +9853,853 @@
           <a:xfrm>
             <a:off x="6362330" y="2432483"/>
             <a:ext cx="5517781" cy="3764132"/>
+          </a:xfrm>
+          <a:prstGeom prst="rect">
+            <a:avLst/>
+          </a:prstGeom>
+          <a:noFill/>
+        </p:spPr>
+        <p:txBody>
+          <a:bodyPr vert="horz" lIns="91440" tIns="45720" rIns="91440" bIns="45720" rtlCol="0" anchor="t">
+            <a:normAutofit/>
+          </a:bodyPr>
+          <a:lstStyle>
+            <a:defPPr>
+              <a:defRPr lang="en-US"/>
+            </a:defPPr>
+            <a:lvl1pPr indent="0">
+              <a:lnSpc>
+                <a:spcPct val="120000"/>
+              </a:lnSpc>
+              <a:spcBef>
+                <a:spcPts val="0"/>
+              </a:spcBef>
+              <a:buFont typeface="Arial" panose="020B0604020202020204" pitchFamily="34" charset="0"/>
+              <a:buNone/>
+              <a:defRPr sz="2400" cap="none" spc="0" baseline="0">
+                <a:solidFill>
+                  <a:sysClr val="windowText" lastClr="000000"/>
+                </a:solidFill>
+                <a:effectLst/>
+              </a:defRPr>
+            </a:lvl1pPr>
+            <a:lvl2pPr indent="0">
+              <a:lnSpc>
+                <a:spcPct val="150000"/>
+              </a:lnSpc>
+              <a:spcBef>
+                <a:spcPts val="500"/>
+              </a:spcBef>
+              <a:buFont typeface="Arial" panose="020B0604020202020204" pitchFamily="34" charset="0"/>
+              <a:buNone/>
+              <a:defRPr sz="2000">
+                <a:solidFill>
+                  <a:schemeClr val="tx1">
+                    <a:tint val="75000"/>
+                  </a:schemeClr>
+                </a:solidFill>
+              </a:defRPr>
+            </a:lvl2pPr>
+            <a:lvl3pPr indent="0">
+              <a:lnSpc>
+                <a:spcPct val="150000"/>
+              </a:lnSpc>
+              <a:spcBef>
+                <a:spcPts val="500"/>
+              </a:spcBef>
+              <a:buFont typeface="Arial" panose="020B0604020202020204" pitchFamily="34" charset="0"/>
+              <a:buNone/>
+              <a:defRPr>
+                <a:solidFill>
+                  <a:schemeClr val="tx1">
+                    <a:tint val="75000"/>
+                  </a:schemeClr>
+                </a:solidFill>
+              </a:defRPr>
+            </a:lvl3pPr>
+            <a:lvl4pPr indent="0">
+              <a:lnSpc>
+                <a:spcPct val="150000"/>
+              </a:lnSpc>
+              <a:spcBef>
+                <a:spcPts val="500"/>
+              </a:spcBef>
+              <a:buFont typeface="Arial" panose="020B0604020202020204" pitchFamily="34" charset="0"/>
+              <a:buNone/>
+              <a:defRPr sz="1600">
+                <a:solidFill>
+                  <a:schemeClr val="tx1">
+                    <a:tint val="75000"/>
+                  </a:schemeClr>
+                </a:solidFill>
+              </a:defRPr>
+            </a:lvl4pPr>
+            <a:lvl5pPr indent="0">
+              <a:lnSpc>
+                <a:spcPct val="150000"/>
+              </a:lnSpc>
+              <a:spcBef>
+                <a:spcPts val="500"/>
+              </a:spcBef>
+              <a:buFont typeface="Arial" panose="020B0604020202020204" pitchFamily="34" charset="0"/>
+              <a:buNone/>
+              <a:defRPr sz="1600">
+                <a:solidFill>
+                  <a:schemeClr val="tx1">
+                    <a:tint val="75000"/>
+                  </a:schemeClr>
+                </a:solidFill>
+              </a:defRPr>
+            </a:lvl5pPr>
+            <a:lvl6pPr indent="0">
+              <a:lnSpc>
+                <a:spcPct val="90000"/>
+              </a:lnSpc>
+              <a:spcBef>
+                <a:spcPts val="500"/>
+              </a:spcBef>
+              <a:buFont typeface="Arial" panose="020B0604020202020204" pitchFamily="34" charset="0"/>
+              <a:buNone/>
+              <a:defRPr sz="1600">
+                <a:solidFill>
+                  <a:schemeClr val="tx1">
+                    <a:tint val="75000"/>
+                  </a:schemeClr>
+                </a:solidFill>
+              </a:defRPr>
+            </a:lvl6pPr>
+            <a:lvl7pPr indent="0">
+              <a:lnSpc>
+                <a:spcPct val="90000"/>
+              </a:lnSpc>
+              <a:spcBef>
+                <a:spcPts val="500"/>
+              </a:spcBef>
+              <a:buFont typeface="Arial" panose="020B0604020202020204" pitchFamily="34" charset="0"/>
+              <a:buNone/>
+              <a:defRPr sz="1600">
+                <a:solidFill>
+                  <a:schemeClr val="tx1">
+                    <a:tint val="75000"/>
+                  </a:schemeClr>
+                </a:solidFill>
+              </a:defRPr>
+            </a:lvl7pPr>
+            <a:lvl8pPr indent="0">
+              <a:lnSpc>
+                <a:spcPct val="90000"/>
+              </a:lnSpc>
+              <a:spcBef>
+                <a:spcPts val="500"/>
+              </a:spcBef>
+              <a:buFont typeface="Arial" panose="020B0604020202020204" pitchFamily="34" charset="0"/>
+              <a:buNone/>
+              <a:defRPr sz="1600">
+                <a:solidFill>
+                  <a:schemeClr val="tx1">
+                    <a:tint val="75000"/>
+                  </a:schemeClr>
+                </a:solidFill>
+              </a:defRPr>
+            </a:lvl8pPr>
+            <a:lvl9pPr indent="0">
+              <a:lnSpc>
+                <a:spcPct val="90000"/>
+              </a:lnSpc>
+              <a:spcBef>
+                <a:spcPts val="500"/>
+              </a:spcBef>
+              <a:buFont typeface="Arial" panose="020B0604020202020204" pitchFamily="34" charset="0"/>
+              <a:buNone/>
+              <a:defRPr sz="1600">
+                <a:solidFill>
+                  <a:schemeClr val="tx1">
+                    <a:tint val="75000"/>
+                  </a:schemeClr>
+                </a:solidFill>
+              </a:defRPr>
+            </a:lvl9pPr>
+          </a:lstStyle>
+          <a:p>
+            <a:pPr marL="342900" indent="-342900">
+              <a:spcBef>
+                <a:spcPts val="1200"/>
+              </a:spcBef>
+              <a:buFont typeface="Arial" panose="020B0604020202020204" pitchFamily="34" charset="0"/>
+              <a:buChar char="•"/>
+            </a:pPr>
+            <a:r>
+              <a:rPr lang="en-US" dirty="0"/>
+              <a:t>Landing page with account creation</a:t>
+            </a:r>
+          </a:p>
+          <a:p>
+            <a:pPr marL="342900" indent="-342900">
+              <a:spcBef>
+                <a:spcPts val="1200"/>
+              </a:spcBef>
+              <a:buFont typeface="Arial" panose="020B0604020202020204" pitchFamily="34" charset="0"/>
+              <a:buChar char="•"/>
+            </a:pPr>
+            <a:r>
+              <a:rPr lang="en-US" dirty="0"/>
+              <a:t>Picture upload screen</a:t>
+            </a:r>
+          </a:p>
+          <a:p>
+            <a:pPr marL="342900" indent="-342900">
+              <a:spcBef>
+                <a:spcPts val="1200"/>
+              </a:spcBef>
+              <a:buFont typeface="Arial" panose="020B0604020202020204" pitchFamily="34" charset="0"/>
+              <a:buChar char="•"/>
+            </a:pPr>
+            <a:r>
+              <a:rPr lang="en-US" dirty="0"/>
+              <a:t>Picture recognition response</a:t>
+            </a:r>
+          </a:p>
+          <a:p>
+            <a:pPr marL="342900" indent="-342900">
+              <a:spcBef>
+                <a:spcPts val="1200"/>
+              </a:spcBef>
+              <a:buFont typeface="Arial" panose="020B0604020202020204" pitchFamily="34" charset="0"/>
+              <a:buChar char="•"/>
+            </a:pPr>
+            <a:r>
+              <a:rPr lang="en-US" dirty="0"/>
+              <a:t>Name suggestions from designated databases based on the animal</a:t>
+            </a:r>
+          </a:p>
+        </p:txBody>
+      </p:sp>
+      <p:pic>
+        <p:nvPicPr>
+          <p:cNvPr id="4" name="Picture Placeholder 7" descr="close up of computer code">
+            <a:extLst>
+              <a:ext uri="{FF2B5EF4-FFF2-40B4-BE49-F238E27FC236}">
+                <a16:creationId xmlns:a16="http://schemas.microsoft.com/office/drawing/2014/main" id="{EFC42499-7A07-6EF5-2A4A-AD93E002BC94}"/>
+              </a:ext>
+            </a:extLst>
+          </p:cNvPr>
+          <p:cNvPicPr>
+            <a:picLocks noChangeAspect="1"/>
+          </p:cNvPicPr>
+          <p:nvPr/>
+        </p:nvPicPr>
+        <p:blipFill rotWithShape="1">
+          <a:blip r:embed="rId2">
+            <a:extLst>
+              <a:ext uri="{BEBA8EAE-BF5A-486C-A8C5-ECC9F3942E4B}">
+                <a14:imgProps xmlns:a14="http://schemas.microsoft.com/office/drawing/2010/main">
+                  <a14:imgLayer r:embed="rId3">
+                    <a14:imgEffect>
+                      <a14:saturation sat="0"/>
+                    </a14:imgEffect>
+                  </a14:imgLayer>
+                </a14:imgProps>
+              </a:ext>
+            </a:extLst>
+          </a:blip>
+          <a:srcRect l="20370" r="20370"/>
+          <a:stretch/>
+        </p:blipFill>
+        <p:spPr>
+          <a:xfrm>
+            <a:off x="0" y="0"/>
+            <a:ext cx="6096000" cy="6867922"/>
+          </a:xfrm>
+          <a:custGeom>
+            <a:avLst/>
+            <a:gdLst>
+              <a:gd name="connsiteX0" fmla="*/ 0 w 6096000"/>
+              <a:gd name="connsiteY0" fmla="*/ 0 h 6858000"/>
+              <a:gd name="connsiteX1" fmla="*/ 6096000 w 6096000"/>
+              <a:gd name="connsiteY1" fmla="*/ 0 h 6858000"/>
+              <a:gd name="connsiteX2" fmla="*/ 6096000 w 6096000"/>
+              <a:gd name="connsiteY2" fmla="*/ 6858000 h 6858000"/>
+              <a:gd name="connsiteX3" fmla="*/ 0 w 6096000"/>
+              <a:gd name="connsiteY3" fmla="*/ 6858000 h 6858000"/>
+              <a:gd name="connsiteX4" fmla="*/ 0 w 6096000"/>
+              <a:gd name="connsiteY4" fmla="*/ 0 h 6858000"/>
+              <a:gd name="connsiteX0" fmla="*/ 0 w 6096000"/>
+              <a:gd name="connsiteY0" fmla="*/ 0 h 6858000"/>
+              <a:gd name="connsiteX1" fmla="*/ 6096000 w 6096000"/>
+              <a:gd name="connsiteY1" fmla="*/ 0 h 6858000"/>
+              <a:gd name="connsiteX2" fmla="*/ 4242487 w 6096000"/>
+              <a:gd name="connsiteY2" fmla="*/ 6833286 h 6858000"/>
+              <a:gd name="connsiteX3" fmla="*/ 0 w 6096000"/>
+              <a:gd name="connsiteY3" fmla="*/ 6858000 h 6858000"/>
+              <a:gd name="connsiteX4" fmla="*/ 0 w 6096000"/>
+              <a:gd name="connsiteY4" fmla="*/ 0 h 6858000"/>
+              <a:gd name="connsiteX0" fmla="*/ 0 w 6096000"/>
+              <a:gd name="connsiteY0" fmla="*/ 0 h 6867922"/>
+              <a:gd name="connsiteX1" fmla="*/ 6096000 w 6096000"/>
+              <a:gd name="connsiteY1" fmla="*/ 0 h 6867922"/>
+              <a:gd name="connsiteX2" fmla="*/ 4228633 w 6096000"/>
+              <a:gd name="connsiteY2" fmla="*/ 6867922 h 6867922"/>
+              <a:gd name="connsiteX3" fmla="*/ 0 w 6096000"/>
+              <a:gd name="connsiteY3" fmla="*/ 6858000 h 6867922"/>
+              <a:gd name="connsiteX4" fmla="*/ 0 w 6096000"/>
+              <a:gd name="connsiteY4" fmla="*/ 0 h 6867922"/>
+            </a:gdLst>
+            <a:ahLst/>
+            <a:cxnLst>
+              <a:cxn ang="0">
+                <a:pos x="connsiteX0" y="connsiteY0"/>
+              </a:cxn>
+              <a:cxn ang="0">
+                <a:pos x="connsiteX1" y="connsiteY1"/>
+              </a:cxn>
+              <a:cxn ang="0">
+                <a:pos x="connsiteX2" y="connsiteY2"/>
+              </a:cxn>
+              <a:cxn ang="0">
+                <a:pos x="connsiteX3" y="connsiteY3"/>
+              </a:cxn>
+              <a:cxn ang="0">
+                <a:pos x="connsiteX4" y="connsiteY4"/>
+              </a:cxn>
+            </a:cxnLst>
+            <a:rect l="l" t="t" r="r" b="b"/>
+            <a:pathLst>
+              <a:path w="6096000" h="6867922">
+                <a:moveTo>
+                  <a:pt x="0" y="0"/>
+                </a:moveTo>
+                <a:lnTo>
+                  <a:pt x="6096000" y="0"/>
+                </a:lnTo>
+                <a:lnTo>
+                  <a:pt x="4228633" y="6867922"/>
+                </a:lnTo>
+                <a:lnTo>
+                  <a:pt x="0" y="6858000"/>
+                </a:lnTo>
+                <a:lnTo>
+                  <a:pt x="0" y="0"/>
+                </a:lnTo>
+                <a:close/>
+              </a:path>
+            </a:pathLst>
+          </a:custGeom>
+          <a:effectLst/>
+        </p:spPr>
+      </p:pic>
+    </p:spTree>
+    <p:extLst>
+      <p:ext uri="{BB962C8B-B14F-4D97-AF65-F5344CB8AC3E}">
+        <p14:creationId xmlns:p14="http://schemas.microsoft.com/office/powerpoint/2010/main" val="4094892012"/>
+      </p:ext>
+    </p:extLst>
+  </p:cSld>
+  <p:clrMapOvr>
+    <a:masterClrMapping/>
+  </p:clrMapOvr>
+</p:sld>
+</file>
+
+<file path=ppt/slides/slide5.xml><?xml version="1.0" encoding="utf-8"?>
+<p:sld xmlns:a="http://schemas.openxmlformats.org/drawingml/2006/main" xmlns:r="http://schemas.openxmlformats.org/officeDocument/2006/relationships" xmlns:p="http://schemas.openxmlformats.org/presentationml/2006/main">
+  <p:cSld>
+    <p:spTree>
+      <p:nvGrpSpPr>
+        <p:cNvPr id="1" name=""/>
+        <p:cNvGrpSpPr/>
+        <p:nvPr/>
+      </p:nvGrpSpPr>
+      <p:grpSpPr>
+        <a:xfrm>
+          <a:off x="0" y="0"/>
+          <a:ext cx="0" cy="0"/>
+          <a:chOff x="0" y="0"/>
+          <a:chExt cx="0" cy="0"/>
+        </a:xfrm>
+      </p:grpSpPr>
+      <p:sp>
+        <p:nvSpPr>
+          <p:cNvPr id="3" name="Title 2">
+            <a:extLst>
+              <a:ext uri="{FF2B5EF4-FFF2-40B4-BE49-F238E27FC236}">
+                <a16:creationId xmlns:a16="http://schemas.microsoft.com/office/drawing/2014/main" id="{1D24B42B-925B-494C-A986-BD85E8117E1E}"/>
+              </a:ext>
+            </a:extLst>
+          </p:cNvPr>
+          <p:cNvSpPr>
+            <a:spLocks noGrp="1"/>
+          </p:cNvSpPr>
+          <p:nvPr>
+            <p:ph type="title"/>
+          </p:nvPr>
+        </p:nvSpPr>
+        <p:spPr>
+          <a:xfrm>
+            <a:off x="6362330" y="411225"/>
+            <a:ext cx="5251450" cy="956373"/>
+          </a:xfrm>
+        </p:spPr>
+        <p:txBody>
+          <a:bodyPr anchor="t">
+            <a:normAutofit/>
+          </a:bodyPr>
+          <a:lstStyle/>
+          <a:p>
+            <a:r>
+              <a:rPr lang="en-US" sz="4800" dirty="0"/>
+              <a:t>Landing page</a:t>
+            </a:r>
+          </a:p>
+        </p:txBody>
+      </p:sp>
+      <p:sp>
+        <p:nvSpPr>
+          <p:cNvPr id="5" name="Text Placeholder 4">
+            <a:extLst>
+              <a:ext uri="{FF2B5EF4-FFF2-40B4-BE49-F238E27FC236}">
+                <a16:creationId xmlns:a16="http://schemas.microsoft.com/office/drawing/2014/main" id="{AF9B872F-6332-408E-9135-B871F0C90C00}"/>
+              </a:ext>
+            </a:extLst>
+          </p:cNvPr>
+          <p:cNvSpPr>
+            <a:spLocks noGrp="1"/>
+          </p:cNvSpPr>
+          <p:nvPr>
+            <p:ph type="body" idx="1"/>
+          </p:nvPr>
+        </p:nvSpPr>
+        <p:spPr>
+          <a:xfrm>
+            <a:off x="6362330" y="2025552"/>
+            <a:ext cx="5829669" cy="365125"/>
+          </a:xfrm>
+        </p:spPr>
+        <p:txBody>
+          <a:bodyPr/>
+          <a:lstStyle/>
+          <a:p>
+            <a:r>
+              <a:rPr lang="en-US" spc="300" dirty="0"/>
+              <a:t> </a:t>
+            </a:r>
+          </a:p>
+        </p:txBody>
+      </p:sp>
+      <p:sp>
+        <p:nvSpPr>
+          <p:cNvPr id="2" name="Slide Number Placeholder 1">
+            <a:extLst>
+              <a:ext uri="{FF2B5EF4-FFF2-40B4-BE49-F238E27FC236}">
+                <a16:creationId xmlns:a16="http://schemas.microsoft.com/office/drawing/2014/main" id="{948DD8A0-BD53-4DBF-949B-0D64D12DADA9}"/>
+              </a:ext>
+            </a:extLst>
+          </p:cNvPr>
+          <p:cNvSpPr>
+            <a:spLocks noGrp="1"/>
+          </p:cNvSpPr>
+          <p:nvPr>
+            <p:ph type="sldNum" sz="quarter" idx="12"/>
+          </p:nvPr>
+        </p:nvSpPr>
+        <p:spPr/>
+        <p:txBody>
+          <a:bodyPr/>
+          <a:lstStyle/>
+          <a:p>
+            <a:fld id="{8C2E478F-E849-4A8C-AF1F-CBCC78A7CBFA}" type="slidenum">
+              <a:rPr lang="en-US" smtClean="0"/>
+              <a:t>5</a:t>
+            </a:fld>
+            <a:endParaRPr lang="en-US" dirty="0"/>
+          </a:p>
+        </p:txBody>
+      </p:sp>
+      <p:sp>
+        <p:nvSpPr>
+          <p:cNvPr id="6" name="Content Placeholder 8">
+            <a:extLst>
+              <a:ext uri="{FF2B5EF4-FFF2-40B4-BE49-F238E27FC236}">
+                <a16:creationId xmlns:a16="http://schemas.microsoft.com/office/drawing/2014/main" id="{3B4F2E0F-78BC-2FE8-4808-2A26179B55EA}"/>
+              </a:ext>
+            </a:extLst>
+          </p:cNvPr>
+          <p:cNvSpPr txBox="1">
+            <a:spLocks/>
+          </p:cNvSpPr>
+          <p:nvPr/>
+        </p:nvSpPr>
+        <p:spPr>
+          <a:xfrm>
+            <a:off x="6362330" y="2574543"/>
+            <a:ext cx="4646246" cy="3038482"/>
+          </a:xfrm>
+          <a:prstGeom prst="rect">
+            <a:avLst/>
+          </a:prstGeom>
+          <a:noFill/>
+        </p:spPr>
+        <p:txBody>
+          <a:bodyPr vert="horz" lIns="91440" tIns="45720" rIns="91440" bIns="45720" rtlCol="0" anchor="t">
+            <a:normAutofit/>
+          </a:bodyPr>
+          <a:lstStyle>
+            <a:defPPr>
+              <a:defRPr lang="en-US"/>
+            </a:defPPr>
+            <a:lvl1pPr indent="0">
+              <a:lnSpc>
+                <a:spcPct val="120000"/>
+              </a:lnSpc>
+              <a:spcBef>
+                <a:spcPts val="0"/>
+              </a:spcBef>
+              <a:buFont typeface="Arial" panose="020B0604020202020204" pitchFamily="34" charset="0"/>
+              <a:buNone/>
+              <a:defRPr sz="2400" cap="none" spc="0" baseline="0">
+                <a:solidFill>
+                  <a:sysClr val="windowText" lastClr="000000"/>
+                </a:solidFill>
+                <a:effectLst/>
+              </a:defRPr>
+            </a:lvl1pPr>
+            <a:lvl2pPr indent="0">
+              <a:lnSpc>
+                <a:spcPct val="150000"/>
+              </a:lnSpc>
+              <a:spcBef>
+                <a:spcPts val="500"/>
+              </a:spcBef>
+              <a:buFont typeface="Arial" panose="020B0604020202020204" pitchFamily="34" charset="0"/>
+              <a:buNone/>
+              <a:defRPr sz="2000">
+                <a:solidFill>
+                  <a:schemeClr val="tx1">
+                    <a:tint val="75000"/>
+                  </a:schemeClr>
+                </a:solidFill>
+              </a:defRPr>
+            </a:lvl2pPr>
+            <a:lvl3pPr indent="0">
+              <a:lnSpc>
+                <a:spcPct val="150000"/>
+              </a:lnSpc>
+              <a:spcBef>
+                <a:spcPts val="500"/>
+              </a:spcBef>
+              <a:buFont typeface="Arial" panose="020B0604020202020204" pitchFamily="34" charset="0"/>
+              <a:buNone/>
+              <a:defRPr>
+                <a:solidFill>
+                  <a:schemeClr val="tx1">
+                    <a:tint val="75000"/>
+                  </a:schemeClr>
+                </a:solidFill>
+              </a:defRPr>
+            </a:lvl3pPr>
+            <a:lvl4pPr indent="0">
+              <a:lnSpc>
+                <a:spcPct val="150000"/>
+              </a:lnSpc>
+              <a:spcBef>
+                <a:spcPts val="500"/>
+              </a:spcBef>
+              <a:buFont typeface="Arial" panose="020B0604020202020204" pitchFamily="34" charset="0"/>
+              <a:buNone/>
+              <a:defRPr sz="1600">
+                <a:solidFill>
+                  <a:schemeClr val="tx1">
+                    <a:tint val="75000"/>
+                  </a:schemeClr>
+                </a:solidFill>
+              </a:defRPr>
+            </a:lvl4pPr>
+            <a:lvl5pPr indent="0">
+              <a:lnSpc>
+                <a:spcPct val="150000"/>
+              </a:lnSpc>
+              <a:spcBef>
+                <a:spcPts val="500"/>
+              </a:spcBef>
+              <a:buFont typeface="Arial" panose="020B0604020202020204" pitchFamily="34" charset="0"/>
+              <a:buNone/>
+              <a:defRPr sz="1600">
+                <a:solidFill>
+                  <a:schemeClr val="tx1">
+                    <a:tint val="75000"/>
+                  </a:schemeClr>
+                </a:solidFill>
+              </a:defRPr>
+            </a:lvl5pPr>
+            <a:lvl6pPr indent="0">
+              <a:lnSpc>
+                <a:spcPct val="90000"/>
+              </a:lnSpc>
+              <a:spcBef>
+                <a:spcPts val="500"/>
+              </a:spcBef>
+              <a:buFont typeface="Arial" panose="020B0604020202020204" pitchFamily="34" charset="0"/>
+              <a:buNone/>
+              <a:defRPr sz="1600">
+                <a:solidFill>
+                  <a:schemeClr val="tx1">
+                    <a:tint val="75000"/>
+                  </a:schemeClr>
+                </a:solidFill>
+              </a:defRPr>
+            </a:lvl6pPr>
+            <a:lvl7pPr indent="0">
+              <a:lnSpc>
+                <a:spcPct val="90000"/>
+              </a:lnSpc>
+              <a:spcBef>
+                <a:spcPts val="500"/>
+              </a:spcBef>
+              <a:buFont typeface="Arial" panose="020B0604020202020204" pitchFamily="34" charset="0"/>
+              <a:buNone/>
+              <a:defRPr sz="1600">
+                <a:solidFill>
+                  <a:schemeClr val="tx1">
+                    <a:tint val="75000"/>
+                  </a:schemeClr>
+                </a:solidFill>
+              </a:defRPr>
+            </a:lvl7pPr>
+            <a:lvl8pPr indent="0">
+              <a:lnSpc>
+                <a:spcPct val="90000"/>
+              </a:lnSpc>
+              <a:spcBef>
+                <a:spcPts val="500"/>
+              </a:spcBef>
+              <a:buFont typeface="Arial" panose="020B0604020202020204" pitchFamily="34" charset="0"/>
+              <a:buNone/>
+              <a:defRPr sz="1600">
+                <a:solidFill>
+                  <a:schemeClr val="tx1">
+                    <a:tint val="75000"/>
+                  </a:schemeClr>
+                </a:solidFill>
+              </a:defRPr>
+            </a:lvl8pPr>
+            <a:lvl9pPr indent="0">
+              <a:lnSpc>
+                <a:spcPct val="90000"/>
+              </a:lnSpc>
+              <a:spcBef>
+                <a:spcPts val="500"/>
+              </a:spcBef>
+              <a:buFont typeface="Arial" panose="020B0604020202020204" pitchFamily="34" charset="0"/>
+              <a:buNone/>
+              <a:defRPr sz="1600">
+                <a:solidFill>
+                  <a:schemeClr val="tx1">
+                    <a:tint val="75000"/>
+                  </a:schemeClr>
+                </a:solidFill>
+              </a:defRPr>
+            </a:lvl9pPr>
+          </a:lstStyle>
+          <a:p>
+            <a:pPr marL="342900" indent="-342900">
+              <a:spcAft>
+                <a:spcPts val="1200"/>
+              </a:spcAft>
+              <a:buFont typeface="Arial" panose="020B0604020202020204" pitchFamily="34" charset="0"/>
+              <a:buChar char="•"/>
+            </a:pPr>
+            <a:r>
+              <a:rPr lang="en-US" dirty="0"/>
+              <a:t>The first page seen if the domain was www.petnamer.com</a:t>
+            </a:r>
+          </a:p>
+          <a:p>
+            <a:pPr marL="342900" indent="-342900">
+              <a:spcAft>
+                <a:spcPts val="1200"/>
+              </a:spcAft>
+              <a:buFont typeface="Arial" panose="020B0604020202020204" pitchFamily="34" charset="0"/>
+              <a:buChar char="•"/>
+            </a:pPr>
+            <a:r>
+              <a:rPr lang="en-US" dirty="0"/>
+              <a:t>Greeted by adorable animals</a:t>
+            </a:r>
+          </a:p>
+          <a:p>
+            <a:pPr marL="342900" indent="-342900">
+              <a:spcAft>
+                <a:spcPts val="1200"/>
+              </a:spcAft>
+              <a:buFont typeface="Arial" panose="020B0604020202020204" pitchFamily="34" charset="0"/>
+              <a:buChar char="•"/>
+            </a:pPr>
+            <a:r>
+              <a:rPr lang="en-US" dirty="0">
+                <a:solidFill>
+                  <a:srgbClr val="FF0000"/>
+                </a:solidFill>
+              </a:rPr>
+              <a:t>Get started </a:t>
+            </a:r>
+            <a:r>
+              <a:rPr lang="en-US" dirty="0"/>
+              <a:t>takes you to the login/account creation screen</a:t>
+            </a:r>
+          </a:p>
+        </p:txBody>
+      </p:sp>
+    </p:spTree>
+    <p:extLst>
+      <p:ext uri="{BB962C8B-B14F-4D97-AF65-F5344CB8AC3E}">
+        <p14:creationId xmlns:p14="http://schemas.microsoft.com/office/powerpoint/2010/main" val="1709041580"/>
+      </p:ext>
+    </p:extLst>
+  </p:cSld>
+  <p:clrMapOvr>
+    <a:masterClrMapping/>
+  </p:clrMapOvr>
+</p:sld>
+</file>
+
+<file path=ppt/slides/slide6.xml><?xml version="1.0" encoding="utf-8"?>
+<p:sld xmlns:a="http://schemas.openxmlformats.org/drawingml/2006/main" xmlns:r="http://schemas.openxmlformats.org/officeDocument/2006/relationships" xmlns:p="http://schemas.openxmlformats.org/presentationml/2006/main">
+  <p:cSld>
+    <p:spTree>
+      <p:nvGrpSpPr>
+        <p:cNvPr id="1" name=""/>
+        <p:cNvGrpSpPr/>
+        <p:nvPr/>
+      </p:nvGrpSpPr>
+      <p:grpSpPr>
+        <a:xfrm>
+          <a:off x="0" y="0"/>
+          <a:ext cx="0" cy="0"/>
+          <a:chOff x="0" y="0"/>
+          <a:chExt cx="0" cy="0"/>
+        </a:xfrm>
+      </p:grpSpPr>
+      <p:sp>
+        <p:nvSpPr>
+          <p:cNvPr id="3" name="Title 2">
+            <a:extLst>
+              <a:ext uri="{FF2B5EF4-FFF2-40B4-BE49-F238E27FC236}">
+                <a16:creationId xmlns:a16="http://schemas.microsoft.com/office/drawing/2014/main" id="{1D24B42B-925B-494C-A986-BD85E8117E1E}"/>
+              </a:ext>
+            </a:extLst>
+          </p:cNvPr>
+          <p:cNvSpPr>
+            <a:spLocks noGrp="1"/>
+          </p:cNvSpPr>
+          <p:nvPr>
+            <p:ph type="title"/>
+          </p:nvPr>
+        </p:nvSpPr>
+        <p:spPr>
+          <a:xfrm>
+            <a:off x="6362330" y="411225"/>
+            <a:ext cx="5474070" cy="956373"/>
+          </a:xfrm>
+        </p:spPr>
+        <p:txBody>
+          <a:bodyPr anchor="t">
+            <a:normAutofit fontScale="90000"/>
+          </a:bodyPr>
+          <a:lstStyle/>
+          <a:p>
+            <a:r>
+              <a:rPr lang="en-US" sz="4800" dirty="0"/>
+              <a:t>Login/</a:t>
+            </a:r>
+            <a:br>
+              <a:rPr lang="en-US" sz="4800" dirty="0"/>
+            </a:br>
+            <a:r>
+              <a:rPr lang="en-US" sz="4800" dirty="0"/>
+              <a:t>account creation</a:t>
+            </a:r>
+          </a:p>
+        </p:txBody>
+      </p:sp>
+      <p:sp>
+        <p:nvSpPr>
+          <p:cNvPr id="5" name="Text Placeholder 4">
+            <a:extLst>
+              <a:ext uri="{FF2B5EF4-FFF2-40B4-BE49-F238E27FC236}">
+                <a16:creationId xmlns:a16="http://schemas.microsoft.com/office/drawing/2014/main" id="{AF9B872F-6332-408E-9135-B871F0C90C00}"/>
+              </a:ext>
+            </a:extLst>
+          </p:cNvPr>
+          <p:cNvSpPr>
+            <a:spLocks noGrp="1"/>
+          </p:cNvSpPr>
+          <p:nvPr>
+            <p:ph type="body" idx="1"/>
+          </p:nvPr>
+        </p:nvSpPr>
+        <p:spPr>
+          <a:xfrm>
+            <a:off x="6362330" y="2025552"/>
+            <a:ext cx="5829669" cy="365125"/>
+          </a:xfrm>
+        </p:spPr>
+        <p:txBody>
+          <a:bodyPr/>
+          <a:lstStyle/>
+          <a:p>
+            <a:r>
+              <a:rPr lang="en-US" spc="300" dirty="0"/>
+              <a:t> </a:t>
+            </a:r>
+          </a:p>
+        </p:txBody>
+      </p:sp>
+      <p:sp>
+        <p:nvSpPr>
+          <p:cNvPr id="2" name="Slide Number Placeholder 1">
+            <a:extLst>
+              <a:ext uri="{FF2B5EF4-FFF2-40B4-BE49-F238E27FC236}">
+                <a16:creationId xmlns:a16="http://schemas.microsoft.com/office/drawing/2014/main" id="{948DD8A0-BD53-4DBF-949B-0D64D12DADA9}"/>
+              </a:ext>
+            </a:extLst>
+          </p:cNvPr>
+          <p:cNvSpPr>
+            <a:spLocks noGrp="1"/>
+          </p:cNvSpPr>
+          <p:nvPr>
+            <p:ph type="sldNum" sz="quarter" idx="12"/>
+          </p:nvPr>
+        </p:nvSpPr>
+        <p:spPr/>
+        <p:txBody>
+          <a:bodyPr/>
+          <a:lstStyle/>
+          <a:p>
+            <a:fld id="{8C2E478F-E849-4A8C-AF1F-CBCC78A7CBFA}" type="slidenum">
+              <a:rPr lang="en-US" smtClean="0"/>
+              <a:t>6</a:t>
+            </a:fld>
+            <a:endParaRPr lang="en-US" dirty="0"/>
+          </a:p>
+        </p:txBody>
+      </p:sp>
+      <p:sp>
+        <p:nvSpPr>
+          <p:cNvPr id="6" name="Content Placeholder 8">
+            <a:extLst>
+              <a:ext uri="{FF2B5EF4-FFF2-40B4-BE49-F238E27FC236}">
+                <a16:creationId xmlns:a16="http://schemas.microsoft.com/office/drawing/2014/main" id="{3B4F2E0F-78BC-2FE8-4808-2A26179B55EA}"/>
+              </a:ext>
+            </a:extLst>
+          </p:cNvPr>
+          <p:cNvSpPr txBox="1">
+            <a:spLocks/>
+          </p:cNvSpPr>
+          <p:nvPr/>
+        </p:nvSpPr>
+        <p:spPr>
+          <a:xfrm>
+            <a:off x="6362330" y="2574543"/>
+            <a:ext cx="4646246" cy="3038482"/>
           </a:xfrm>
           <a:prstGeom prst="rect">
             <a:avLst/>
@@ -9863,188 +10869,49 @@
           </a:lstStyle>
           <a:p>
             <a:pPr marL="342900" indent="-342900">
-              <a:spcBef>
+              <a:spcAft>
                 <a:spcPts val="1200"/>
-              </a:spcBef>
+              </a:spcAft>
               <a:buFont typeface="Arial" panose="020B0604020202020204" pitchFamily="34" charset="0"/>
               <a:buChar char="•"/>
             </a:pPr>
             <a:r>
               <a:rPr lang="en-US" dirty="0"/>
-              <a:t>Landing page with account creation</a:t>
+              <a:t>In order to receive pet name suggestions a user will need to login to their account</a:t>
             </a:r>
           </a:p>
           <a:p>
             <a:pPr marL="342900" indent="-342900">
-              <a:spcBef>
+              <a:spcAft>
                 <a:spcPts val="1200"/>
-              </a:spcBef>
+              </a:spcAft>
               <a:buFont typeface="Arial" panose="020B0604020202020204" pitchFamily="34" charset="0"/>
               <a:buChar char="•"/>
             </a:pPr>
             <a:r>
               <a:rPr lang="en-US" dirty="0"/>
-              <a:t>Picture upload screen</a:t>
+              <a:t>In order to save names, user must be logged in</a:t>
             </a:r>
           </a:p>
           <a:p>
             <a:pPr marL="342900" indent="-342900">
-              <a:spcBef>
+              <a:spcAft>
                 <a:spcPts val="1200"/>
-              </a:spcBef>
+              </a:spcAft>
               <a:buFont typeface="Arial" panose="020B0604020202020204" pitchFamily="34" charset="0"/>
               <a:buChar char="•"/>
             </a:pPr>
             <a:r>
               <a:rPr lang="en-US" dirty="0"/>
-              <a:t>Picture recognition response</a:t>
-            </a:r>
-          </a:p>
-          <a:p>
-            <a:pPr marL="342900" indent="-342900">
-              <a:spcBef>
-                <a:spcPts val="1200"/>
-              </a:spcBef>
-              <a:buFont typeface="Arial" panose="020B0604020202020204" pitchFamily="34" charset="0"/>
-              <a:buChar char="•"/>
-            </a:pPr>
-            <a:r>
-              <a:rPr lang="en-US" dirty="0"/>
-              <a:t>Name suggestions from designated databases based on the animal and obvious features</a:t>
-            </a:r>
-          </a:p>
-          <a:p>
-            <a:pPr marL="342900" indent="-342900">
-              <a:spcBef>
-                <a:spcPts val="1200"/>
-              </a:spcBef>
-              <a:buFont typeface="Arial" panose="020B0604020202020204" pitchFamily="34" charset="0"/>
-              <a:buChar char="•"/>
-            </a:pPr>
-            <a:r>
-              <a:rPr lang="en-US" dirty="0"/>
-              <a:t>Ability to save favorite names to account database</a:t>
-            </a:r>
-          </a:p>
-        </p:txBody>
-      </p:sp>
-      <p:pic>
-        <p:nvPicPr>
-          <p:cNvPr id="4" name="Picture Placeholder 7" descr="close up of computer code">
-            <a:extLst>
-              <a:ext uri="{FF2B5EF4-FFF2-40B4-BE49-F238E27FC236}">
-                <a16:creationId xmlns:a16="http://schemas.microsoft.com/office/drawing/2014/main" id="{EFC42499-7A07-6EF5-2A4A-AD93E002BC94}"/>
-              </a:ext>
-            </a:extLst>
-          </p:cNvPr>
-          <p:cNvPicPr>
-            <a:picLocks noChangeAspect="1"/>
-          </p:cNvPicPr>
-          <p:nvPr/>
-        </p:nvPicPr>
-        <p:blipFill rotWithShape="1">
-          <a:blip r:embed="rId2">
-            <a:extLst>
-              <a:ext uri="{BEBA8EAE-BF5A-486C-A8C5-ECC9F3942E4B}">
-                <a14:imgProps xmlns:a14="http://schemas.microsoft.com/office/drawing/2010/main">
-                  <a14:imgLayer r:embed="rId3">
-                    <a14:imgEffect>
-                      <a14:saturation sat="0"/>
-                    </a14:imgEffect>
-                  </a14:imgLayer>
-                </a14:imgProps>
-              </a:ext>
-            </a:extLst>
-          </a:blip>
-          <a:srcRect l="20370" r="20370"/>
-          <a:stretch/>
-        </p:blipFill>
-        <p:spPr>
-          <a:xfrm>
-            <a:off x="0" y="0"/>
-            <a:ext cx="6096000" cy="6867922"/>
-          </a:xfrm>
-          <a:custGeom>
-            <a:avLst/>
-            <a:gdLst>
-              <a:gd name="connsiteX0" fmla="*/ 0 w 6096000"/>
-              <a:gd name="connsiteY0" fmla="*/ 0 h 6858000"/>
-              <a:gd name="connsiteX1" fmla="*/ 6096000 w 6096000"/>
-              <a:gd name="connsiteY1" fmla="*/ 0 h 6858000"/>
-              <a:gd name="connsiteX2" fmla="*/ 6096000 w 6096000"/>
-              <a:gd name="connsiteY2" fmla="*/ 6858000 h 6858000"/>
-              <a:gd name="connsiteX3" fmla="*/ 0 w 6096000"/>
-              <a:gd name="connsiteY3" fmla="*/ 6858000 h 6858000"/>
-              <a:gd name="connsiteX4" fmla="*/ 0 w 6096000"/>
-              <a:gd name="connsiteY4" fmla="*/ 0 h 6858000"/>
-              <a:gd name="connsiteX0" fmla="*/ 0 w 6096000"/>
-              <a:gd name="connsiteY0" fmla="*/ 0 h 6858000"/>
-              <a:gd name="connsiteX1" fmla="*/ 6096000 w 6096000"/>
-              <a:gd name="connsiteY1" fmla="*/ 0 h 6858000"/>
-              <a:gd name="connsiteX2" fmla="*/ 4242487 w 6096000"/>
-              <a:gd name="connsiteY2" fmla="*/ 6833286 h 6858000"/>
-              <a:gd name="connsiteX3" fmla="*/ 0 w 6096000"/>
-              <a:gd name="connsiteY3" fmla="*/ 6858000 h 6858000"/>
-              <a:gd name="connsiteX4" fmla="*/ 0 w 6096000"/>
-              <a:gd name="connsiteY4" fmla="*/ 0 h 6858000"/>
-              <a:gd name="connsiteX0" fmla="*/ 0 w 6096000"/>
-              <a:gd name="connsiteY0" fmla="*/ 0 h 6867922"/>
-              <a:gd name="connsiteX1" fmla="*/ 6096000 w 6096000"/>
-              <a:gd name="connsiteY1" fmla="*/ 0 h 6867922"/>
-              <a:gd name="connsiteX2" fmla="*/ 4228633 w 6096000"/>
-              <a:gd name="connsiteY2" fmla="*/ 6867922 h 6867922"/>
-              <a:gd name="connsiteX3" fmla="*/ 0 w 6096000"/>
-              <a:gd name="connsiteY3" fmla="*/ 6858000 h 6867922"/>
-              <a:gd name="connsiteX4" fmla="*/ 0 w 6096000"/>
-              <a:gd name="connsiteY4" fmla="*/ 0 h 6867922"/>
-            </a:gdLst>
-            <a:ahLst/>
-            <a:cxnLst>
-              <a:cxn ang="0">
-                <a:pos x="connsiteX0" y="connsiteY0"/>
-              </a:cxn>
-              <a:cxn ang="0">
-                <a:pos x="connsiteX1" y="connsiteY1"/>
-              </a:cxn>
-              <a:cxn ang="0">
-                <a:pos x="connsiteX2" y="connsiteY2"/>
-              </a:cxn>
-              <a:cxn ang="0">
-                <a:pos x="connsiteX3" y="connsiteY3"/>
-              </a:cxn>
-              <a:cxn ang="0">
-                <a:pos x="connsiteX4" y="connsiteY4"/>
-              </a:cxn>
-            </a:cxnLst>
-            <a:rect l="l" t="t" r="r" b="b"/>
-            <a:pathLst>
-              <a:path w="6096000" h="6867922">
-                <a:moveTo>
-                  <a:pt x="0" y="0"/>
-                </a:moveTo>
-                <a:lnTo>
-                  <a:pt x="6096000" y="0"/>
-                </a:lnTo>
-                <a:lnTo>
-                  <a:pt x="4228633" y="6867922"/>
-                </a:lnTo>
-                <a:lnTo>
-                  <a:pt x="0" y="6858000"/>
-                </a:lnTo>
-                <a:lnTo>
-                  <a:pt x="0" y="0"/>
-                </a:lnTo>
-                <a:close/>
-              </a:path>
-            </a:pathLst>
-          </a:custGeom>
-          <a:effectLst/>
-        </p:spPr>
-      </p:pic>
+              <a:t>Use either Google Account or create account credentials</a:t>
+            </a:r>
+          </a:p>
+        </p:txBody>
+      </p:sp>
     </p:spTree>
     <p:extLst>
       <p:ext uri="{BB962C8B-B14F-4D97-AF65-F5344CB8AC3E}">
-        <p14:creationId xmlns:p14="http://schemas.microsoft.com/office/powerpoint/2010/main" val="4094892012"/>
+        <p14:creationId xmlns:p14="http://schemas.microsoft.com/office/powerpoint/2010/main" val="2281850531"/>
       </p:ext>
     </p:extLst>
   </p:cSld>
@@ -10054,165 +10921,7 @@
 </p:sld>
 </file>
 
-<file path=ppt/slides/slide5.xml><?xml version="1.0" encoding="utf-8"?>
-<p:sld xmlns:a="http://schemas.openxmlformats.org/drawingml/2006/main" xmlns:r="http://schemas.openxmlformats.org/officeDocument/2006/relationships" xmlns:p="http://schemas.openxmlformats.org/presentationml/2006/main">
-  <p:cSld>
-    <p:spTree>
-      <p:nvGrpSpPr>
-        <p:cNvPr id="1" name=""/>
-        <p:cNvGrpSpPr/>
-        <p:nvPr/>
-      </p:nvGrpSpPr>
-      <p:grpSpPr>
-        <a:xfrm>
-          <a:off x="0" y="0"/>
-          <a:ext cx="0" cy="0"/>
-          <a:chOff x="0" y="0"/>
-          <a:chExt cx="0" cy="0"/>
-        </a:xfrm>
-      </p:grpSpPr>
-      <p:pic>
-        <p:nvPicPr>
-          <p:cNvPr id="3" name="Picture Placeholder 2" descr="A screenshot of a computer&#10;&#10;Description automatically generated">
-            <a:extLst>
-              <a:ext uri="{FF2B5EF4-FFF2-40B4-BE49-F238E27FC236}">
-                <a16:creationId xmlns:a16="http://schemas.microsoft.com/office/drawing/2014/main" id="{55ABDE32-A7BD-7D54-85BD-901EE45C173F}"/>
-              </a:ext>
-            </a:extLst>
-          </p:cNvPr>
-          <p:cNvPicPr>
-            <a:picLocks noGrp="1" noChangeAspect="1"/>
-          </p:cNvPicPr>
-          <p:nvPr>
-            <p:ph type="pic" sz="quarter" idx="14"/>
-          </p:nvPr>
-        </p:nvPicPr>
-        <p:blipFill rotWithShape="1">
-          <a:blip r:embed="rId2"/>
-          <a:srcRect l="27786" t="11343" r="27786"/>
-          <a:stretch/>
-        </p:blipFill>
-        <p:spPr>
-          <a:xfrm>
-            <a:off x="0" y="777922"/>
-            <a:ext cx="5416550" cy="6080078"/>
-          </a:xfrm>
-        </p:spPr>
-      </p:pic>
-      <p:sp>
-        <p:nvSpPr>
-          <p:cNvPr id="4" name="Slide Number Placeholder 3">
-            <a:extLst>
-              <a:ext uri="{FF2B5EF4-FFF2-40B4-BE49-F238E27FC236}">
-                <a16:creationId xmlns:a16="http://schemas.microsoft.com/office/drawing/2014/main" id="{DCD819CA-ACE0-FD85-75B9-4D388971BB1A}"/>
-              </a:ext>
-            </a:extLst>
-          </p:cNvPr>
-          <p:cNvSpPr>
-            <a:spLocks noGrp="1"/>
-          </p:cNvSpPr>
-          <p:nvPr>
-            <p:ph type="sldNum" sz="quarter" idx="4"/>
-          </p:nvPr>
-        </p:nvSpPr>
-        <p:spPr/>
-        <p:txBody>
-          <a:bodyPr/>
-          <a:lstStyle/>
-          <a:p>
-            <a:fld id="{819D3A82-D293-4907-9B25-3B6254918E46}" type="slidenum">
-              <a:rPr lang="en-US" smtClean="0"/>
-              <a:t>5</a:t>
-            </a:fld>
-            <a:endParaRPr lang="en-US"/>
-          </a:p>
-        </p:txBody>
-      </p:sp>
-      <p:sp>
-        <p:nvSpPr>
-          <p:cNvPr id="6" name="Content Placeholder 5">
-            <a:extLst>
-              <a:ext uri="{FF2B5EF4-FFF2-40B4-BE49-F238E27FC236}">
-                <a16:creationId xmlns:a16="http://schemas.microsoft.com/office/drawing/2014/main" id="{B323A812-71AE-C398-0C02-58C3F3570F61}"/>
-              </a:ext>
-            </a:extLst>
-          </p:cNvPr>
-          <p:cNvSpPr>
-            <a:spLocks noGrp="1"/>
-          </p:cNvSpPr>
-          <p:nvPr>
-            <p:ph idx="1"/>
-          </p:nvPr>
-        </p:nvSpPr>
-        <p:spPr/>
-        <p:txBody>
-          <a:bodyPr/>
-          <a:lstStyle/>
-          <a:p>
-            <a:r>
-              <a:rPr lang="en-US" dirty="0"/>
-              <a:t>The first page seen if the domain was www.petnamer.com</a:t>
-            </a:r>
-          </a:p>
-          <a:p>
-            <a:r>
-              <a:rPr lang="en-US" dirty="0"/>
-              <a:t>Greeted by adorable animals</a:t>
-            </a:r>
-          </a:p>
-          <a:p>
-            <a:r>
-              <a:rPr lang="en-US" dirty="0"/>
-              <a:t>Create an account in order to be able to save name suggestions</a:t>
-            </a:r>
-          </a:p>
-          <a:p>
-            <a:endParaRPr lang="en-US" dirty="0"/>
-          </a:p>
-        </p:txBody>
-      </p:sp>
-      <p:sp>
-        <p:nvSpPr>
-          <p:cNvPr id="5" name="Title 4">
-            <a:extLst>
-              <a:ext uri="{FF2B5EF4-FFF2-40B4-BE49-F238E27FC236}">
-                <a16:creationId xmlns:a16="http://schemas.microsoft.com/office/drawing/2014/main" id="{D948CBD0-DBC1-E2D4-992B-863241B46F23}"/>
-              </a:ext>
-            </a:extLst>
-          </p:cNvPr>
-          <p:cNvSpPr>
-            <a:spLocks noGrp="1"/>
-          </p:cNvSpPr>
-          <p:nvPr>
-            <p:ph type="title"/>
-          </p:nvPr>
-        </p:nvSpPr>
-        <p:spPr/>
-        <p:txBody>
-          <a:bodyPr/>
-          <a:lstStyle/>
-          <a:p>
-            <a:r>
-              <a:rPr lang="en-US" dirty="0"/>
-              <a:t>LANDING PAGE</a:t>
-            </a:r>
-          </a:p>
-        </p:txBody>
-      </p:sp>
-    </p:spTree>
-    <p:extLst>
-      <p:ext uri="{BB962C8B-B14F-4D97-AF65-F5344CB8AC3E}">
-        <p14:creationId xmlns:p14="http://schemas.microsoft.com/office/powerpoint/2010/main" val="1059502915"/>
-      </p:ext>
-    </p:extLst>
-  </p:cSld>
-  <p:clrMapOvr>
-    <a:masterClrMapping/>
-  </p:clrMapOvr>
-</p:sld>
-</file>
-
-<file path=ppt/slides/slide6.xml><?xml version="1.0" encoding="utf-8"?>
+<file path=ppt/slides/slide7.xml><?xml version="1.0" encoding="utf-8"?>
 <p:sld xmlns:a="http://schemas.openxmlformats.org/drawingml/2006/main" xmlns:r="http://schemas.openxmlformats.org/officeDocument/2006/relationships" xmlns:p="http://schemas.openxmlformats.org/presentationml/2006/main">
   <p:cSld>
     <p:spTree>
@@ -10283,7 +10992,7 @@
           <a:p>
             <a:fld id="{819D3A82-D293-4907-9B25-3B6254918E46}" type="slidenum">
               <a:rPr lang="en-US" smtClean="0"/>
-              <a:t>6</a:t>
+              <a:t>7</a:t>
             </a:fld>
             <a:endParaRPr lang="en-US"/>
           </a:p>
@@ -10376,7 +11085,7 @@
 </p:sld>
 </file>
 
-<file path=ppt/slides/slide7.xml><?xml version="1.0" encoding="utf-8"?>
+<file path=ppt/slides/slide8.xml><?xml version="1.0" encoding="utf-8"?>
 <p:sld xmlns:a="http://schemas.openxmlformats.org/drawingml/2006/main" xmlns:r="http://schemas.openxmlformats.org/officeDocument/2006/relationships" xmlns:p="http://schemas.openxmlformats.org/presentationml/2006/main">
   <p:cSld>
     <p:spTree>
@@ -10447,7 +11156,7 @@
           <a:p>
             <a:fld id="{819D3A82-D293-4907-9B25-3B6254918E46}" type="slidenum">
               <a:rPr lang="en-US" smtClean="0"/>
-              <a:t>7</a:t>
+              <a:t>8</a:t>
             </a:fld>
             <a:endParaRPr lang="en-US"/>
           </a:p>
@@ -10537,7 +11246,7 @@
 </p:sld>
 </file>
 
-<file path=ppt/slides/slide8.xml><?xml version="1.0" encoding="utf-8"?>
+<file path=ppt/slides/slide9.xml><?xml version="1.0" encoding="utf-8"?>
 <p:sld xmlns:a="http://schemas.openxmlformats.org/drawingml/2006/main" xmlns:r="http://schemas.openxmlformats.org/officeDocument/2006/relationships" xmlns:p="http://schemas.openxmlformats.org/presentationml/2006/main">
   <p:cSld>
     <p:spTree>
@@ -10614,7 +11323,7 @@
           <a:p>
             <a:fld id="{819D3A82-D293-4907-9B25-3B6254918E46}" type="slidenum">
               <a:rPr lang="en-US" smtClean="0"/>
-              <a:t>8</a:t>
+              <a:t>9</a:t>
             </a:fld>
             <a:endParaRPr lang="en-US"/>
           </a:p>
@@ -11185,185 +11894,6 @@
     <p:extLst>
       <p:ext uri="{BB962C8B-B14F-4D97-AF65-F5344CB8AC3E}">
         <p14:creationId xmlns:p14="http://schemas.microsoft.com/office/powerpoint/2010/main" val="1312085451"/>
-      </p:ext>
-    </p:extLst>
-  </p:cSld>
-  <p:clrMapOvr>
-    <a:masterClrMapping/>
-  </p:clrMapOvr>
-</p:sld>
-</file>
-
-<file path=ppt/slides/slide9.xml><?xml version="1.0" encoding="utf-8"?>
-<p:sld xmlns:a="http://schemas.openxmlformats.org/drawingml/2006/main" xmlns:r="http://schemas.openxmlformats.org/officeDocument/2006/relationships" xmlns:p="http://schemas.openxmlformats.org/presentationml/2006/main">
-  <p:cSld>
-    <p:spTree>
-      <p:nvGrpSpPr>
-        <p:cNvPr id="1" name="">
-          <a:extLst>
-            <a:ext uri="{FF2B5EF4-FFF2-40B4-BE49-F238E27FC236}">
-              <a16:creationId xmlns:a16="http://schemas.microsoft.com/office/drawing/2014/main" id="{B985BD57-F3EB-28BD-65C8-04BCFC9F83AE}"/>
-            </a:ext>
-          </a:extLst>
-        </p:cNvPr>
-        <p:cNvGrpSpPr/>
-        <p:nvPr/>
-      </p:nvGrpSpPr>
-      <p:grpSpPr>
-        <a:xfrm>
-          <a:off x="0" y="0"/>
-          <a:ext cx="0" cy="0"/>
-          <a:chOff x="0" y="0"/>
-          <a:chExt cx="0" cy="0"/>
-        </a:xfrm>
-      </p:grpSpPr>
-      <p:pic>
-        <p:nvPicPr>
-          <p:cNvPr id="3" name="Picture Placeholder 2">
-            <a:extLst>
-              <a:ext uri="{FF2B5EF4-FFF2-40B4-BE49-F238E27FC236}">
-                <a16:creationId xmlns:a16="http://schemas.microsoft.com/office/drawing/2014/main" id="{3A310403-C338-B3EA-47A9-8964B7741E48}"/>
-              </a:ext>
-            </a:extLst>
-          </p:cNvPr>
-          <p:cNvPicPr>
-            <a:picLocks noGrp="1" noChangeAspect="1"/>
-          </p:cNvPicPr>
-          <p:nvPr>
-            <p:ph type="pic" sz="quarter" idx="14"/>
-          </p:nvPr>
-        </p:nvPicPr>
-        <p:blipFill rotWithShape="1">
-          <a:blip r:embed="rId2"/>
-          <a:srcRect l="8488" t="10257" r="17782"/>
-          <a:stretch/>
-        </p:blipFill>
-        <p:spPr>
-          <a:xfrm>
-            <a:off x="0" y="0"/>
-            <a:ext cx="5416550" cy="6858000"/>
-          </a:xfrm>
-        </p:spPr>
-      </p:pic>
-      <p:sp>
-        <p:nvSpPr>
-          <p:cNvPr id="4" name="Slide Number Placeholder 3">
-            <a:extLst>
-              <a:ext uri="{FF2B5EF4-FFF2-40B4-BE49-F238E27FC236}">
-                <a16:creationId xmlns:a16="http://schemas.microsoft.com/office/drawing/2014/main" id="{4778571F-E358-6D86-4C9C-AF8D01C793C1}"/>
-              </a:ext>
-            </a:extLst>
-          </p:cNvPr>
-          <p:cNvSpPr>
-            <a:spLocks noGrp="1"/>
-          </p:cNvSpPr>
-          <p:nvPr>
-            <p:ph type="sldNum" sz="quarter" idx="4"/>
-          </p:nvPr>
-        </p:nvSpPr>
-        <p:spPr/>
-        <p:txBody>
-          <a:bodyPr/>
-          <a:lstStyle/>
-          <a:p>
-            <a:fld id="{819D3A82-D293-4907-9B25-3B6254918E46}" type="slidenum">
-              <a:rPr lang="en-US" smtClean="0"/>
-              <a:t>9</a:t>
-            </a:fld>
-            <a:endParaRPr lang="en-US"/>
-          </a:p>
-        </p:txBody>
-      </p:sp>
-      <p:sp>
-        <p:nvSpPr>
-          <p:cNvPr id="6" name="Content Placeholder 5">
-            <a:extLst>
-              <a:ext uri="{FF2B5EF4-FFF2-40B4-BE49-F238E27FC236}">
-                <a16:creationId xmlns:a16="http://schemas.microsoft.com/office/drawing/2014/main" id="{E8C9D08E-7AF8-9086-0B73-AEC1BEAFFCD4}"/>
-              </a:ext>
-            </a:extLst>
-          </p:cNvPr>
-          <p:cNvSpPr>
-            <a:spLocks noGrp="1"/>
-          </p:cNvSpPr>
-          <p:nvPr>
-            <p:ph idx="1"/>
-          </p:nvPr>
-        </p:nvSpPr>
-        <p:spPr/>
-        <p:txBody>
-          <a:bodyPr/>
-          <a:lstStyle/>
-          <a:p>
-            <a:r>
-              <a:rPr lang="en-US" dirty="0"/>
-              <a:t>Different links for the different functions users can do</a:t>
-            </a:r>
-          </a:p>
-          <a:p>
-            <a:pPr lvl="1"/>
-            <a:r>
-              <a:rPr lang="en-US" dirty="0"/>
-              <a:t>Upload a picture to be recognized</a:t>
-            </a:r>
-          </a:p>
-          <a:p>
-            <a:pPr lvl="1"/>
-            <a:r>
-              <a:rPr lang="en-US" dirty="0"/>
-              <a:t>View names that the user has saved as favorites</a:t>
-            </a:r>
-          </a:p>
-          <a:p>
-            <a:pPr lvl="1"/>
-            <a:r>
-              <a:rPr lang="en-US" dirty="0"/>
-              <a:t>Delete and Update Account</a:t>
-            </a:r>
-          </a:p>
-          <a:p>
-            <a:pPr marL="0" indent="0">
-              <a:buNone/>
-            </a:pPr>
-            <a:endParaRPr lang="en-US" dirty="0"/>
-          </a:p>
-          <a:p>
-            <a:endParaRPr lang="en-US" dirty="0"/>
-          </a:p>
-        </p:txBody>
-      </p:sp>
-      <p:sp>
-        <p:nvSpPr>
-          <p:cNvPr id="5" name="Title 4">
-            <a:extLst>
-              <a:ext uri="{FF2B5EF4-FFF2-40B4-BE49-F238E27FC236}">
-                <a16:creationId xmlns:a16="http://schemas.microsoft.com/office/drawing/2014/main" id="{AA7980AD-D949-FA12-91E4-3105A4E6A465}"/>
-              </a:ext>
-            </a:extLst>
-          </p:cNvPr>
-          <p:cNvSpPr>
-            <a:spLocks noGrp="1"/>
-          </p:cNvSpPr>
-          <p:nvPr>
-            <p:ph type="title"/>
-          </p:nvPr>
-        </p:nvSpPr>
-        <p:spPr/>
-        <p:txBody>
-          <a:bodyPr/>
-          <a:lstStyle/>
-          <a:p>
-            <a:r>
-              <a:rPr lang="en-US" dirty="0"/>
-              <a:t>Authenticated Home </a:t>
-            </a:r>
-          </a:p>
-        </p:txBody>
-      </p:sp>
-    </p:spTree>
-    <p:extLst>
-      <p:ext uri="{BB962C8B-B14F-4D97-AF65-F5344CB8AC3E}">
-        <p14:creationId xmlns:p14="http://schemas.microsoft.com/office/powerpoint/2010/main" val="2894545000"/>
       </p:ext>
     </p:extLst>
   </p:cSld>
@@ -12259,12 +12789,23 @@
 </file>
 
 <file path=customXml/item1.xml><?xml version="1.0" encoding="utf-8"?>
-<?mso-contentType ?>
-<FormTemplates xmlns="http://schemas.microsoft.com/sharepoint/v3/contenttype/forms">
-  <Display>DocumentLibraryForm</Display>
-  <Edit>DocumentLibraryForm</Edit>
-  <New>DocumentLibraryForm</New>
-</FormTemplates>
+<p:properties xmlns:p="http://schemas.microsoft.com/office/2006/metadata/properties" xmlns:xsi="http://www.w3.org/2001/XMLSchema-instance" xmlns:pc="http://schemas.microsoft.com/office/infopath/2007/PartnerControls">
+  <documentManagement>
+    <Status xmlns="71af3243-3dd4-4a8d-8c0d-dd76da1f02a5">Not started</Status>
+    <MediaServiceKeyPoints xmlns="71af3243-3dd4-4a8d-8c0d-dd76da1f02a5" xsi:nil="true"/>
+    <_ip_UnifiedCompliancePolicyUIAction xmlns="http://schemas.microsoft.com/sharepoint/v3" xsi:nil="true"/>
+    <Image xmlns="71af3243-3dd4-4a8d-8c0d-dd76da1f02a5">
+      <Url xsi:nil="true"/>
+      <Description xsi:nil="true"/>
+    </Image>
+    <Background xmlns="71af3243-3dd4-4a8d-8c0d-dd76da1f02a5">false</Background>
+    <_ip_UnifiedCompliancePolicyProperties xmlns="http://schemas.microsoft.com/sharepoint/v3" xsi:nil="true"/>
+    <ImageTagsTaxHTField xmlns="71af3243-3dd4-4a8d-8c0d-dd76da1f02a5">
+      <Terms xmlns="http://schemas.microsoft.com/office/infopath/2007/PartnerControls"/>
+    </ImageTagsTaxHTField>
+    <TaxCatchAll xmlns="230e9df3-be65-4c73-a93b-d1236ebd677e" xsi:nil="true"/>
+  </documentManagement>
+</p:properties>
 </file>
 
 <file path=customXml/item2.xml><?xml version="1.0" encoding="utf-8"?>
@@ -12580,29 +13121,22 @@
 </file>
 
 <file path=customXml/item3.xml><?xml version="1.0" encoding="utf-8"?>
-<p:properties xmlns:p="http://schemas.microsoft.com/office/2006/metadata/properties" xmlns:xsi="http://www.w3.org/2001/XMLSchema-instance" xmlns:pc="http://schemas.microsoft.com/office/infopath/2007/PartnerControls">
-  <documentManagement>
-    <Status xmlns="71af3243-3dd4-4a8d-8c0d-dd76da1f02a5">Not started</Status>
-    <MediaServiceKeyPoints xmlns="71af3243-3dd4-4a8d-8c0d-dd76da1f02a5" xsi:nil="true"/>
-    <_ip_UnifiedCompliancePolicyUIAction xmlns="http://schemas.microsoft.com/sharepoint/v3" xsi:nil="true"/>
-    <Image xmlns="71af3243-3dd4-4a8d-8c0d-dd76da1f02a5">
-      <Url xsi:nil="true"/>
-      <Description xsi:nil="true"/>
-    </Image>
-    <Background xmlns="71af3243-3dd4-4a8d-8c0d-dd76da1f02a5">false</Background>
-    <_ip_UnifiedCompliancePolicyProperties xmlns="http://schemas.microsoft.com/sharepoint/v3" xsi:nil="true"/>
-    <ImageTagsTaxHTField xmlns="71af3243-3dd4-4a8d-8c0d-dd76da1f02a5">
-      <Terms xmlns="http://schemas.microsoft.com/office/infopath/2007/PartnerControls"/>
-    </ImageTagsTaxHTField>
-    <TaxCatchAll xmlns="230e9df3-be65-4c73-a93b-d1236ebd677e" xsi:nil="true"/>
-  </documentManagement>
-</p:properties>
+<?mso-contentType ?>
+<FormTemplates xmlns="http://schemas.microsoft.com/sharepoint/v3/contenttype/forms">
+  <Display>DocumentLibraryForm</Display>
+  <Edit>DocumentLibraryForm</Edit>
+  <New>DocumentLibraryForm</New>
+</FormTemplates>
 </file>
 
 <file path=customXml/itemProps1.xml><?xml version="1.0" encoding="utf-8"?>
-<ds:datastoreItem xmlns:ds="http://schemas.openxmlformats.org/officeDocument/2006/customXml" ds:itemID="{99E4EAC9-33DC-4CF0-BA31-C98F61CE4785}">
+<ds:datastoreItem xmlns:ds="http://schemas.openxmlformats.org/officeDocument/2006/customXml" ds:itemID="{8002A8ED-1331-4C1D-8649-743D7BE164DD}">
   <ds:schemaRefs>
-    <ds:schemaRef ds:uri="http://schemas.microsoft.com/sharepoint/v3/contenttype/forms"/>
+    <ds:schemaRef ds:uri="http://schemas.microsoft.com/office/2006/metadata/properties"/>
+    <ds:schemaRef ds:uri="http://schemas.microsoft.com/office/infopath/2007/PartnerControls"/>
+    <ds:schemaRef ds:uri="71af3243-3dd4-4a8d-8c0d-dd76da1f02a5"/>
+    <ds:schemaRef ds:uri="http://schemas.microsoft.com/sharepoint/v3"/>
+    <ds:schemaRef ds:uri="230e9df3-be65-4c73-a93b-d1236ebd677e"/>
   </ds:schemaRefs>
 </ds:datastoreItem>
 </file>
@@ -12629,13 +13163,9 @@
 </file>
 
 <file path=customXml/itemProps3.xml><?xml version="1.0" encoding="utf-8"?>
-<ds:datastoreItem xmlns:ds="http://schemas.openxmlformats.org/officeDocument/2006/customXml" ds:itemID="{8002A8ED-1331-4C1D-8649-743D7BE164DD}">
+<ds:datastoreItem xmlns:ds="http://schemas.openxmlformats.org/officeDocument/2006/customXml" ds:itemID="{99E4EAC9-33DC-4CF0-BA31-C98F61CE4785}">
   <ds:schemaRefs>
-    <ds:schemaRef ds:uri="http://schemas.microsoft.com/office/2006/metadata/properties"/>
-    <ds:schemaRef ds:uri="http://schemas.microsoft.com/office/infopath/2007/PartnerControls"/>
-    <ds:schemaRef ds:uri="71af3243-3dd4-4a8d-8c0d-dd76da1f02a5"/>
-    <ds:schemaRef ds:uri="http://schemas.microsoft.com/sharepoint/v3"/>
-    <ds:schemaRef ds:uri="230e9df3-be65-4c73-a93b-d1236ebd677e"/>
+    <ds:schemaRef ds:uri="http://schemas.microsoft.com/sharepoint/v3/contenttype/forms"/>
   </ds:schemaRefs>
 </ds:datastoreItem>
 </file>

--- a/Phase 3 Docs/Phase 3 - Presentation.pptx
+++ b/Phase 3 Docs/Phase 3 - Presentation.pptx
@@ -5,29 +5,32 @@
     <p:sldMasterId id="2147483648" r:id="rId4"/>
   </p:sldMasterIdLst>
   <p:notesMasterIdLst>
-    <p:notesMasterId r:id="rId22"/>
+    <p:notesMasterId r:id="rId25"/>
   </p:notesMasterIdLst>
   <p:handoutMasterIdLst>
-    <p:handoutMasterId r:id="rId23"/>
+    <p:handoutMasterId r:id="rId26"/>
   </p:handoutMasterIdLst>
   <p:sldIdLst>
     <p:sldId id="2448" r:id="rId5"/>
     <p:sldId id="259" r:id="rId6"/>
     <p:sldId id="2472" r:id="rId7"/>
-    <p:sldId id="2463" r:id="rId8"/>
-    <p:sldId id="2476" r:id="rId9"/>
-    <p:sldId id="2477" r:id="rId10"/>
-    <p:sldId id="2469" r:id="rId11"/>
-    <p:sldId id="2470" r:id="rId12"/>
-    <p:sldId id="2471" r:id="rId13"/>
-    <p:sldId id="2474" r:id="rId14"/>
-    <p:sldId id="2466" r:id="rId15"/>
-    <p:sldId id="2467" r:id="rId16"/>
-    <p:sldId id="2473" r:id="rId17"/>
-    <p:sldId id="2464" r:id="rId18"/>
-    <p:sldId id="2453" r:id="rId19"/>
-    <p:sldId id="2475" r:id="rId20"/>
-    <p:sldId id="2436" r:id="rId21"/>
+    <p:sldId id="2469" r:id="rId8"/>
+    <p:sldId id="2479" r:id="rId9"/>
+    <p:sldId id="2463" r:id="rId10"/>
+    <p:sldId id="2476" r:id="rId11"/>
+    <p:sldId id="2477" r:id="rId12"/>
+    <p:sldId id="2480" r:id="rId13"/>
+    <p:sldId id="2478" r:id="rId14"/>
+    <p:sldId id="2470" r:id="rId15"/>
+    <p:sldId id="2471" r:id="rId16"/>
+    <p:sldId id="2474" r:id="rId17"/>
+    <p:sldId id="2466" r:id="rId18"/>
+    <p:sldId id="2467" r:id="rId19"/>
+    <p:sldId id="2473" r:id="rId20"/>
+    <p:sldId id="2464" r:id="rId21"/>
+    <p:sldId id="2453" r:id="rId22"/>
+    <p:sldId id="2475" r:id="rId23"/>
+    <p:sldId id="2436" r:id="rId24"/>
   </p:sldIdLst>
   <p:sldSz cx="12192000" cy="6858000"/>
   <p:notesSz cx="6858000" cy="9144000"/>
@@ -6158,6 +6161,988 @@
         <p:cNvPr id="1" name="">
           <a:extLst>
             <a:ext uri="{FF2B5EF4-FFF2-40B4-BE49-F238E27FC236}">
+              <a16:creationId xmlns:a16="http://schemas.microsoft.com/office/drawing/2014/main" id="{AFB7A949-189E-7DB6-E819-62A049CB474B}"/>
+            </a:ext>
+          </a:extLst>
+        </p:cNvPr>
+        <p:cNvGrpSpPr/>
+        <p:nvPr/>
+      </p:nvGrpSpPr>
+      <p:grpSpPr>
+        <a:xfrm>
+          <a:off x="0" y="0"/>
+          <a:ext cx="0" cy="0"/>
+          <a:chOff x="0" y="0"/>
+          <a:chExt cx="0" cy="0"/>
+        </a:xfrm>
+      </p:grpSpPr>
+      <p:pic>
+        <p:nvPicPr>
+          <p:cNvPr id="3" name="Picture Placeholder 2" descr="A computer screen shot of a computer screen&#10;&#10;Description automatically generated">
+            <a:extLst>
+              <a:ext uri="{FF2B5EF4-FFF2-40B4-BE49-F238E27FC236}">
+                <a16:creationId xmlns:a16="http://schemas.microsoft.com/office/drawing/2014/main" id="{357F7275-9335-5902-A322-7641D2F18812}"/>
+              </a:ext>
+            </a:extLst>
+          </p:cNvPr>
+          <p:cNvPicPr>
+            <a:picLocks noGrp="1" noChangeAspect="1"/>
+          </p:cNvPicPr>
+          <p:nvPr>
+            <p:ph type="pic" sz="quarter" idx="14"/>
+          </p:nvPr>
+        </p:nvPicPr>
+        <p:blipFill>
+          <a:blip r:embed="rId2"/>
+          <a:srcRect l="27786" r="27786"/>
+          <a:stretch>
+            <a:fillRect/>
+          </a:stretch>
+        </p:blipFill>
+        <p:spPr/>
+      </p:pic>
+      <p:sp>
+        <p:nvSpPr>
+          <p:cNvPr id="4" name="Slide Number Placeholder 3">
+            <a:extLst>
+              <a:ext uri="{FF2B5EF4-FFF2-40B4-BE49-F238E27FC236}">
+                <a16:creationId xmlns:a16="http://schemas.microsoft.com/office/drawing/2014/main" id="{88A6E483-AAF0-9221-4031-B831F9B5E91A}"/>
+              </a:ext>
+            </a:extLst>
+          </p:cNvPr>
+          <p:cNvSpPr>
+            <a:spLocks noGrp="1"/>
+          </p:cNvSpPr>
+          <p:nvPr>
+            <p:ph type="sldNum" sz="quarter" idx="4"/>
+          </p:nvPr>
+        </p:nvSpPr>
+        <p:spPr/>
+        <p:txBody>
+          <a:bodyPr/>
+          <a:lstStyle/>
+          <a:p>
+            <a:fld id="{819D3A82-D293-4907-9B25-3B6254918E46}" type="slidenum">
+              <a:rPr lang="en-US" smtClean="0"/>
+              <a:t>10</a:t>
+            </a:fld>
+            <a:endParaRPr lang="en-US"/>
+          </a:p>
+        </p:txBody>
+      </p:sp>
+      <p:sp>
+        <p:nvSpPr>
+          <p:cNvPr id="6" name="Content Placeholder 5">
+            <a:extLst>
+              <a:ext uri="{FF2B5EF4-FFF2-40B4-BE49-F238E27FC236}">
+                <a16:creationId xmlns:a16="http://schemas.microsoft.com/office/drawing/2014/main" id="{15EF89C1-58E9-143E-4516-6CE661231491}"/>
+              </a:ext>
+            </a:extLst>
+          </p:cNvPr>
+          <p:cNvSpPr>
+            <a:spLocks noGrp="1"/>
+          </p:cNvSpPr>
+          <p:nvPr>
+            <p:ph idx="1"/>
+          </p:nvPr>
+        </p:nvSpPr>
+        <p:spPr/>
+        <p:txBody>
+          <a:bodyPr/>
+          <a:lstStyle/>
+          <a:p>
+            <a:r>
+              <a:rPr lang="en-US" dirty="0"/>
+              <a:t>In order to receive pet name suggestions a user will need to login to their account</a:t>
+            </a:r>
+          </a:p>
+          <a:p>
+            <a:r>
+              <a:rPr lang="en-US" dirty="0"/>
+              <a:t>In order to save names, user must be logged in</a:t>
+            </a:r>
+          </a:p>
+          <a:p>
+            <a:r>
+              <a:rPr lang="en-US" dirty="0"/>
+              <a:t>Use either Google Account or create account credentials</a:t>
+            </a:r>
+          </a:p>
+          <a:p>
+            <a:endParaRPr lang="en-US" dirty="0"/>
+          </a:p>
+          <a:p>
+            <a:endParaRPr lang="en-US" dirty="0"/>
+          </a:p>
+        </p:txBody>
+      </p:sp>
+      <p:sp>
+        <p:nvSpPr>
+          <p:cNvPr id="5" name="Title 4">
+            <a:extLst>
+              <a:ext uri="{FF2B5EF4-FFF2-40B4-BE49-F238E27FC236}">
+                <a16:creationId xmlns:a16="http://schemas.microsoft.com/office/drawing/2014/main" id="{ED886450-E40D-103A-1652-65669FEF6EF7}"/>
+              </a:ext>
+            </a:extLst>
+          </p:cNvPr>
+          <p:cNvSpPr>
+            <a:spLocks noGrp="1"/>
+          </p:cNvSpPr>
+          <p:nvPr>
+            <p:ph type="title"/>
+          </p:nvPr>
+        </p:nvSpPr>
+        <p:spPr/>
+        <p:txBody>
+          <a:bodyPr/>
+          <a:lstStyle/>
+          <a:p>
+            <a:r>
+              <a:rPr lang="en-US" dirty="0"/>
+              <a:t>Login Page</a:t>
+            </a:r>
+          </a:p>
+        </p:txBody>
+      </p:sp>
+    </p:spTree>
+    <p:extLst>
+      <p:ext uri="{BB962C8B-B14F-4D97-AF65-F5344CB8AC3E}">
+        <p14:creationId xmlns:p14="http://schemas.microsoft.com/office/powerpoint/2010/main" val="916723500"/>
+      </p:ext>
+    </p:extLst>
+  </p:cSld>
+  <p:clrMapOvr>
+    <a:masterClrMapping/>
+  </p:clrMapOvr>
+</p:sld>
+</file>
+
+<file path=ppt/slides/slide11.xml><?xml version="1.0" encoding="utf-8"?>
+<p:sld xmlns:a="http://schemas.openxmlformats.org/drawingml/2006/main" xmlns:r="http://schemas.openxmlformats.org/officeDocument/2006/relationships" xmlns:p="http://schemas.openxmlformats.org/presentationml/2006/main">
+  <p:cSld>
+    <p:spTree>
+      <p:nvGrpSpPr>
+        <p:cNvPr id="1" name="">
+          <a:extLst>
+            <a:ext uri="{FF2B5EF4-FFF2-40B4-BE49-F238E27FC236}">
+              <a16:creationId xmlns:a16="http://schemas.microsoft.com/office/drawing/2014/main" id="{A32CD3AB-A521-2277-FA58-48F93D3EB467}"/>
+            </a:ext>
+          </a:extLst>
+        </p:cNvPr>
+        <p:cNvGrpSpPr/>
+        <p:nvPr/>
+      </p:nvGrpSpPr>
+      <p:grpSpPr>
+        <a:xfrm>
+          <a:off x="0" y="0"/>
+          <a:ext cx="0" cy="0"/>
+          <a:chOff x="0" y="0"/>
+          <a:chExt cx="0" cy="0"/>
+        </a:xfrm>
+      </p:grpSpPr>
+      <p:pic>
+        <p:nvPicPr>
+          <p:cNvPr id="3" name="Picture Placeholder 2" descr="A computer screen shot of a computer&#10;&#10;Description automatically generated">
+            <a:extLst>
+              <a:ext uri="{FF2B5EF4-FFF2-40B4-BE49-F238E27FC236}">
+                <a16:creationId xmlns:a16="http://schemas.microsoft.com/office/drawing/2014/main" id="{FADC1EAB-8470-28E6-D19F-1A7351C7637A}"/>
+              </a:ext>
+            </a:extLst>
+          </p:cNvPr>
+          <p:cNvPicPr>
+            <a:picLocks noGrp="1" noChangeAspect="1"/>
+          </p:cNvPicPr>
+          <p:nvPr>
+            <p:ph type="pic" sz="quarter" idx="14"/>
+          </p:nvPr>
+        </p:nvPicPr>
+        <p:blipFill>
+          <a:blip r:embed="rId2"/>
+          <a:srcRect l="27786" r="27786"/>
+          <a:stretch>
+            <a:fillRect/>
+          </a:stretch>
+        </p:blipFill>
+        <p:spPr/>
+      </p:pic>
+      <p:sp>
+        <p:nvSpPr>
+          <p:cNvPr id="4" name="Slide Number Placeholder 3">
+            <a:extLst>
+              <a:ext uri="{FF2B5EF4-FFF2-40B4-BE49-F238E27FC236}">
+                <a16:creationId xmlns:a16="http://schemas.microsoft.com/office/drawing/2014/main" id="{30F5338E-D570-BF54-7CAA-C4C70555E422}"/>
+              </a:ext>
+            </a:extLst>
+          </p:cNvPr>
+          <p:cNvSpPr>
+            <a:spLocks noGrp="1"/>
+          </p:cNvSpPr>
+          <p:nvPr>
+            <p:ph type="sldNum" sz="quarter" idx="4"/>
+          </p:nvPr>
+        </p:nvSpPr>
+        <p:spPr/>
+        <p:txBody>
+          <a:bodyPr/>
+          <a:lstStyle/>
+          <a:p>
+            <a:fld id="{819D3A82-D293-4907-9B25-3B6254918E46}" type="slidenum">
+              <a:rPr lang="en-US" smtClean="0"/>
+              <a:t>11</a:t>
+            </a:fld>
+            <a:endParaRPr lang="en-US"/>
+          </a:p>
+        </p:txBody>
+      </p:sp>
+      <p:sp>
+        <p:nvSpPr>
+          <p:cNvPr id="6" name="Content Placeholder 5">
+            <a:extLst>
+              <a:ext uri="{FF2B5EF4-FFF2-40B4-BE49-F238E27FC236}">
+                <a16:creationId xmlns:a16="http://schemas.microsoft.com/office/drawing/2014/main" id="{1406276E-A709-AB8D-7D6E-AA8AD4992916}"/>
+              </a:ext>
+            </a:extLst>
+          </p:cNvPr>
+          <p:cNvSpPr>
+            <a:spLocks noGrp="1"/>
+          </p:cNvSpPr>
+          <p:nvPr>
+            <p:ph idx="1"/>
+          </p:nvPr>
+        </p:nvSpPr>
+        <p:spPr/>
+        <p:txBody>
+          <a:bodyPr/>
+          <a:lstStyle/>
+          <a:p>
+            <a:r>
+              <a:rPr lang="en-US" dirty="0"/>
+              <a:t>Uses Django Authentication Form</a:t>
+            </a:r>
+          </a:p>
+          <a:p>
+            <a:r>
+              <a:rPr lang="en-US" dirty="0"/>
+              <a:t>Checks if username is in user, if password is valid, if passwords match</a:t>
+            </a:r>
+          </a:p>
+          <a:p>
+            <a:r>
+              <a:rPr lang="en-US" dirty="0"/>
+              <a:t>Redirects to login page upon successful creation</a:t>
+            </a:r>
+          </a:p>
+          <a:p>
+            <a:endParaRPr lang="en-US" dirty="0"/>
+          </a:p>
+        </p:txBody>
+      </p:sp>
+      <p:sp>
+        <p:nvSpPr>
+          <p:cNvPr id="5" name="Title 4">
+            <a:extLst>
+              <a:ext uri="{FF2B5EF4-FFF2-40B4-BE49-F238E27FC236}">
+                <a16:creationId xmlns:a16="http://schemas.microsoft.com/office/drawing/2014/main" id="{FEC88E3F-389F-44C0-4B16-5F4223065E86}"/>
+              </a:ext>
+            </a:extLst>
+          </p:cNvPr>
+          <p:cNvSpPr>
+            <a:spLocks noGrp="1"/>
+          </p:cNvSpPr>
+          <p:nvPr>
+            <p:ph type="title"/>
+          </p:nvPr>
+        </p:nvSpPr>
+        <p:spPr/>
+        <p:txBody>
+          <a:bodyPr/>
+          <a:lstStyle/>
+          <a:p>
+            <a:r>
+              <a:rPr lang="en-US" dirty="0"/>
+              <a:t>Signup Page</a:t>
+            </a:r>
+          </a:p>
+        </p:txBody>
+      </p:sp>
+    </p:spTree>
+    <p:extLst>
+      <p:ext uri="{BB962C8B-B14F-4D97-AF65-F5344CB8AC3E}">
+        <p14:creationId xmlns:p14="http://schemas.microsoft.com/office/powerpoint/2010/main" val="2369157316"/>
+      </p:ext>
+    </p:extLst>
+  </p:cSld>
+  <p:clrMapOvr>
+    <a:masterClrMapping/>
+  </p:clrMapOvr>
+</p:sld>
+</file>
+
+<file path=ppt/slides/slide12.xml><?xml version="1.0" encoding="utf-8"?>
+<p:sld xmlns:a="http://schemas.openxmlformats.org/drawingml/2006/main" xmlns:r="http://schemas.openxmlformats.org/officeDocument/2006/relationships" xmlns:p="http://schemas.openxmlformats.org/presentationml/2006/main">
+  <p:cSld>
+    <p:spTree>
+      <p:nvGrpSpPr>
+        <p:cNvPr id="1" name="">
+          <a:extLst>
+            <a:ext uri="{FF2B5EF4-FFF2-40B4-BE49-F238E27FC236}">
+              <a16:creationId xmlns:a16="http://schemas.microsoft.com/office/drawing/2014/main" id="{AD458DA5-560D-DBD2-FECA-EBE66AE03F11}"/>
+            </a:ext>
+          </a:extLst>
+        </p:cNvPr>
+        <p:cNvGrpSpPr/>
+        <p:nvPr/>
+      </p:nvGrpSpPr>
+      <p:grpSpPr>
+        <a:xfrm>
+          <a:off x="0" y="0"/>
+          <a:ext cx="0" cy="0"/>
+          <a:chOff x="0" y="0"/>
+          <a:chExt cx="0" cy="0"/>
+        </a:xfrm>
+      </p:grpSpPr>
+      <p:pic>
+        <p:nvPicPr>
+          <p:cNvPr id="3" name="Picture Placeholder 2">
+            <a:extLst>
+              <a:ext uri="{FF2B5EF4-FFF2-40B4-BE49-F238E27FC236}">
+                <a16:creationId xmlns:a16="http://schemas.microsoft.com/office/drawing/2014/main" id="{BB7D641B-1561-0418-4F14-6EF9F0152FDC}"/>
+              </a:ext>
+            </a:extLst>
+          </p:cNvPr>
+          <p:cNvPicPr>
+            <a:picLocks noGrp="1" noChangeAspect="1"/>
+          </p:cNvPicPr>
+          <p:nvPr>
+            <p:ph type="pic" sz="quarter" idx="14"/>
+          </p:nvPr>
+        </p:nvPicPr>
+        <p:blipFill rotWithShape="1">
+          <a:blip r:embed="rId2"/>
+          <a:srcRect l="19832" t="11122" r="19832"/>
+          <a:stretch/>
+        </p:blipFill>
+        <p:spPr>
+          <a:xfrm>
+            <a:off x="198783" y="337624"/>
+            <a:ext cx="5669280" cy="6182751"/>
+          </a:xfrm>
+          <a:prstGeom prst="rect">
+            <a:avLst/>
+          </a:prstGeom>
+        </p:spPr>
+      </p:pic>
+      <p:sp>
+        <p:nvSpPr>
+          <p:cNvPr id="4" name="Slide Number Placeholder 3">
+            <a:extLst>
+              <a:ext uri="{FF2B5EF4-FFF2-40B4-BE49-F238E27FC236}">
+                <a16:creationId xmlns:a16="http://schemas.microsoft.com/office/drawing/2014/main" id="{5D7FE657-8379-19C5-DACA-6DAF5B3F02BC}"/>
+              </a:ext>
+            </a:extLst>
+          </p:cNvPr>
+          <p:cNvSpPr>
+            <a:spLocks noGrp="1"/>
+          </p:cNvSpPr>
+          <p:nvPr>
+            <p:ph type="sldNum" sz="quarter" idx="4"/>
+          </p:nvPr>
+        </p:nvSpPr>
+        <p:spPr/>
+        <p:txBody>
+          <a:bodyPr/>
+          <a:lstStyle/>
+          <a:p>
+            <a:fld id="{819D3A82-D293-4907-9B25-3B6254918E46}" type="slidenum">
+              <a:rPr lang="en-US" smtClean="0"/>
+              <a:t>12</a:t>
+            </a:fld>
+            <a:endParaRPr lang="en-US"/>
+          </a:p>
+        </p:txBody>
+      </p:sp>
+      <p:sp>
+        <p:nvSpPr>
+          <p:cNvPr id="6" name="Content Placeholder 5">
+            <a:extLst>
+              <a:ext uri="{FF2B5EF4-FFF2-40B4-BE49-F238E27FC236}">
+                <a16:creationId xmlns:a16="http://schemas.microsoft.com/office/drawing/2014/main" id="{233A5E1A-139D-5C57-AAA8-4ED4AA98ACE8}"/>
+              </a:ext>
+            </a:extLst>
+          </p:cNvPr>
+          <p:cNvSpPr>
+            <a:spLocks noGrp="1"/>
+          </p:cNvSpPr>
+          <p:nvPr>
+            <p:ph idx="1"/>
+          </p:nvPr>
+        </p:nvSpPr>
+        <p:spPr/>
+        <p:txBody>
+          <a:bodyPr/>
+          <a:lstStyle/>
+          <a:p>
+            <a:r>
+              <a:rPr lang="en-US" dirty="0"/>
+              <a:t>Choose Google account to link to </a:t>
+            </a:r>
+            <a:r>
+              <a:rPr lang="en-US" dirty="0" err="1"/>
+              <a:t>PetNamer</a:t>
+            </a:r>
+            <a:r>
+              <a:rPr lang="en-US" dirty="0"/>
+              <a:t> app</a:t>
+            </a:r>
+          </a:p>
+          <a:p>
+            <a:r>
+              <a:rPr lang="en-US" dirty="0"/>
+              <a:t>Will use email and name to create account</a:t>
+            </a:r>
+          </a:p>
+          <a:p>
+            <a:endParaRPr lang="en-US" dirty="0"/>
+          </a:p>
+          <a:p>
+            <a:endParaRPr lang="en-US" dirty="0"/>
+          </a:p>
+        </p:txBody>
+      </p:sp>
+      <p:sp>
+        <p:nvSpPr>
+          <p:cNvPr id="5" name="Title 4">
+            <a:extLst>
+              <a:ext uri="{FF2B5EF4-FFF2-40B4-BE49-F238E27FC236}">
+                <a16:creationId xmlns:a16="http://schemas.microsoft.com/office/drawing/2014/main" id="{51413CEB-3B25-953C-286C-16A9902048C0}"/>
+              </a:ext>
+            </a:extLst>
+          </p:cNvPr>
+          <p:cNvSpPr>
+            <a:spLocks noGrp="1"/>
+          </p:cNvSpPr>
+          <p:nvPr>
+            <p:ph type="title"/>
+          </p:nvPr>
+        </p:nvSpPr>
+        <p:spPr>
+          <a:xfrm>
+            <a:off x="6000465" y="407320"/>
+            <a:ext cx="5897218" cy="884238"/>
+          </a:xfrm>
+        </p:spPr>
+        <p:txBody>
+          <a:bodyPr/>
+          <a:lstStyle/>
+          <a:p>
+            <a:r>
+              <a:rPr lang="en-US" dirty="0"/>
+              <a:t>Google Login</a:t>
+            </a:r>
+          </a:p>
+        </p:txBody>
+      </p:sp>
+      <mc:AlternateContent xmlns:mc="http://schemas.openxmlformats.org/markup-compatibility/2006" xmlns:p14="http://schemas.microsoft.com/office/powerpoint/2010/main">
+        <mc:Choice Requires="p14">
+          <p:contentPart p14:bwMode="auto" r:id="rId3">
+            <p14:nvContentPartPr>
+              <p14:cNvPr id="9" name="Ink 8">
+                <a:extLst>
+                  <a:ext uri="{FF2B5EF4-FFF2-40B4-BE49-F238E27FC236}">
+                    <a16:creationId xmlns:a16="http://schemas.microsoft.com/office/drawing/2014/main" id="{8AB6F95B-9B5D-ECF2-AFEA-78BC897B3F49}"/>
+                  </a:ext>
+                </a:extLst>
+              </p14:cNvPr>
+              <p14:cNvContentPartPr/>
+              <p14:nvPr/>
+            </p14:nvContentPartPr>
+            <p14:xfrm>
+              <a:off x="3362095" y="2958148"/>
+              <a:ext cx="1011600" cy="360"/>
+            </p14:xfrm>
+          </p:contentPart>
+        </mc:Choice>
+        <mc:Fallback xmlns="">
+          <p:pic>
+            <p:nvPicPr>
+              <p:cNvPr id="9" name="Ink 8">
+                <a:extLst>
+                  <a:ext uri="{FF2B5EF4-FFF2-40B4-BE49-F238E27FC236}">
+                    <a16:creationId xmlns:a16="http://schemas.microsoft.com/office/drawing/2014/main" id="{8AB6F95B-9B5D-ECF2-AFEA-78BC897B3F49}"/>
+                  </a:ext>
+                </a:extLst>
+              </p:cNvPr>
+              <p:cNvPicPr/>
+              <p:nvPr/>
+            </p:nvPicPr>
+            <p:blipFill>
+              <a:blip r:embed="rId4"/>
+              <a:stretch>
+                <a:fillRect/>
+              </a:stretch>
+            </p:blipFill>
+            <p:spPr>
+              <a:xfrm>
+                <a:off x="3299095" y="2895148"/>
+                <a:ext cx="1137240" cy="126000"/>
+              </a:xfrm>
+              <a:prstGeom prst="rect">
+                <a:avLst/>
+              </a:prstGeom>
+            </p:spPr>
+          </p:pic>
+        </mc:Fallback>
+      </mc:AlternateContent>
+      <mc:AlternateContent xmlns:mc="http://schemas.openxmlformats.org/markup-compatibility/2006" xmlns:p14="http://schemas.microsoft.com/office/powerpoint/2010/main">
+        <mc:Choice Requires="p14">
+          <p:contentPart p14:bwMode="auto" r:id="rId5">
+            <p14:nvContentPartPr>
+              <p14:cNvPr id="10" name="Ink 9">
+                <a:extLst>
+                  <a:ext uri="{FF2B5EF4-FFF2-40B4-BE49-F238E27FC236}">
+                    <a16:creationId xmlns:a16="http://schemas.microsoft.com/office/drawing/2014/main" id="{8236EFF7-CB2D-141E-D0B3-DABCC078268C}"/>
+                  </a:ext>
+                </a:extLst>
+              </p14:cNvPr>
+              <p14:cNvContentPartPr/>
+              <p14:nvPr/>
+            </p14:nvContentPartPr>
+            <p14:xfrm>
+              <a:off x="3348055" y="3422188"/>
+              <a:ext cx="631440" cy="360"/>
+            </p14:xfrm>
+          </p:contentPart>
+        </mc:Choice>
+        <mc:Fallback xmlns="">
+          <p:pic>
+            <p:nvPicPr>
+              <p:cNvPr id="10" name="Ink 9">
+                <a:extLst>
+                  <a:ext uri="{FF2B5EF4-FFF2-40B4-BE49-F238E27FC236}">
+                    <a16:creationId xmlns:a16="http://schemas.microsoft.com/office/drawing/2014/main" id="{8236EFF7-CB2D-141E-D0B3-DABCC078268C}"/>
+                  </a:ext>
+                </a:extLst>
+              </p:cNvPr>
+              <p:cNvPicPr/>
+              <p:nvPr/>
+            </p:nvPicPr>
+            <p:blipFill>
+              <a:blip r:embed="rId6"/>
+              <a:stretch>
+                <a:fillRect/>
+              </a:stretch>
+            </p:blipFill>
+            <p:spPr>
+              <a:xfrm>
+                <a:off x="3285415" y="3359548"/>
+                <a:ext cx="757080" cy="126000"/>
+              </a:xfrm>
+              <a:prstGeom prst="rect">
+                <a:avLst/>
+              </a:prstGeom>
+            </p:spPr>
+          </p:pic>
+        </mc:Fallback>
+      </mc:AlternateContent>
+      <mc:AlternateContent xmlns:mc="http://schemas.openxmlformats.org/markup-compatibility/2006" xmlns:p14="http://schemas.microsoft.com/office/powerpoint/2010/main">
+        <mc:Choice Requires="p14">
+          <p:contentPart p14:bwMode="auto" r:id="rId7">
+            <p14:nvContentPartPr>
+              <p14:cNvPr id="14" name="Ink 13">
+                <a:extLst>
+                  <a:ext uri="{FF2B5EF4-FFF2-40B4-BE49-F238E27FC236}">
+                    <a16:creationId xmlns:a16="http://schemas.microsoft.com/office/drawing/2014/main" id="{1A2CA15E-79C1-7DF0-6FB1-7326C327617F}"/>
+                  </a:ext>
+                </a:extLst>
+              </p14:cNvPr>
+              <p14:cNvContentPartPr/>
+              <p14:nvPr/>
+            </p14:nvContentPartPr>
+            <p14:xfrm>
+              <a:off x="3150775" y="2901988"/>
+              <a:ext cx="1378440" cy="360"/>
+            </p14:xfrm>
+          </p:contentPart>
+        </mc:Choice>
+        <mc:Fallback xmlns="">
+          <p:pic>
+            <p:nvPicPr>
+              <p:cNvPr id="14" name="Ink 13">
+                <a:extLst>
+                  <a:ext uri="{FF2B5EF4-FFF2-40B4-BE49-F238E27FC236}">
+                    <a16:creationId xmlns:a16="http://schemas.microsoft.com/office/drawing/2014/main" id="{1A2CA15E-79C1-7DF0-6FB1-7326C327617F}"/>
+                  </a:ext>
+                </a:extLst>
+              </p:cNvPr>
+              <p:cNvPicPr/>
+              <p:nvPr/>
+            </p:nvPicPr>
+            <p:blipFill>
+              <a:blip r:embed="rId8"/>
+              <a:stretch>
+                <a:fillRect/>
+              </a:stretch>
+            </p:blipFill>
+            <p:spPr>
+              <a:xfrm>
+                <a:off x="3088135" y="2838988"/>
+                <a:ext cx="1504080" cy="126000"/>
+              </a:xfrm>
+              <a:prstGeom prst="rect">
+                <a:avLst/>
+              </a:prstGeom>
+            </p:spPr>
+          </p:pic>
+        </mc:Fallback>
+      </mc:AlternateContent>
+      <mc:AlternateContent xmlns:mc="http://schemas.openxmlformats.org/markup-compatibility/2006" xmlns:p14="http://schemas.microsoft.com/office/powerpoint/2010/main">
+        <mc:Choice Requires="p14">
+          <p:contentPart p14:bwMode="auto" r:id="rId9">
+            <p14:nvContentPartPr>
+              <p14:cNvPr id="15" name="Ink 14">
+                <a:extLst>
+                  <a:ext uri="{FF2B5EF4-FFF2-40B4-BE49-F238E27FC236}">
+                    <a16:creationId xmlns:a16="http://schemas.microsoft.com/office/drawing/2014/main" id="{C0451767-FEA0-130C-59F4-7B7BA951F09D}"/>
+                  </a:ext>
+                </a:extLst>
+              </p14:cNvPr>
+              <p14:cNvContentPartPr/>
+              <p14:nvPr/>
+            </p14:nvContentPartPr>
+            <p14:xfrm>
+              <a:off x="3137095" y="2789308"/>
+              <a:ext cx="1457640" cy="360"/>
+            </p14:xfrm>
+          </p:contentPart>
+        </mc:Choice>
+        <mc:Fallback xmlns="">
+          <p:pic>
+            <p:nvPicPr>
+              <p:cNvPr id="15" name="Ink 14">
+                <a:extLst>
+                  <a:ext uri="{FF2B5EF4-FFF2-40B4-BE49-F238E27FC236}">
+                    <a16:creationId xmlns:a16="http://schemas.microsoft.com/office/drawing/2014/main" id="{C0451767-FEA0-130C-59F4-7B7BA951F09D}"/>
+                  </a:ext>
+                </a:extLst>
+              </p:cNvPr>
+              <p:cNvPicPr/>
+              <p:nvPr/>
+            </p:nvPicPr>
+            <p:blipFill>
+              <a:blip r:embed="rId10"/>
+              <a:stretch>
+                <a:fillRect/>
+              </a:stretch>
+            </p:blipFill>
+            <p:spPr>
+              <a:xfrm>
+                <a:off x="3074095" y="2726668"/>
+                <a:ext cx="1583280" cy="126000"/>
+              </a:xfrm>
+              <a:prstGeom prst="rect">
+                <a:avLst/>
+              </a:prstGeom>
+            </p:spPr>
+          </p:pic>
+        </mc:Fallback>
+      </mc:AlternateContent>
+      <p:grpSp>
+        <p:nvGrpSpPr>
+          <p:cNvPr id="17" name="Group 16">
+            <a:extLst>
+              <a:ext uri="{FF2B5EF4-FFF2-40B4-BE49-F238E27FC236}">
+                <a16:creationId xmlns:a16="http://schemas.microsoft.com/office/drawing/2014/main" id="{36FA8B52-1B56-C267-0523-74C8665D74B3}"/>
+              </a:ext>
+            </a:extLst>
+          </p:cNvPr>
+          <p:cNvGrpSpPr/>
+          <p:nvPr/>
+        </p:nvGrpSpPr>
+        <p:grpSpPr>
+          <a:xfrm>
+            <a:off x="3109015" y="2986228"/>
+            <a:ext cx="1523160" cy="42480"/>
+            <a:chOff x="3109015" y="2986228"/>
+            <a:chExt cx="1523160" cy="42480"/>
+          </a:xfrm>
+        </p:grpSpPr>
+        <mc:AlternateContent xmlns:mc="http://schemas.openxmlformats.org/markup-compatibility/2006" xmlns:p14="http://schemas.microsoft.com/office/powerpoint/2010/main">
+          <mc:Choice Requires="p14">
+            <p:contentPart p14:bwMode="auto" r:id="rId11">
+              <p14:nvContentPartPr>
+                <p14:cNvPr id="11" name="Ink 10">
+                  <a:extLst>
+                    <a:ext uri="{FF2B5EF4-FFF2-40B4-BE49-F238E27FC236}">
+                      <a16:creationId xmlns:a16="http://schemas.microsoft.com/office/drawing/2014/main" id="{E81B5462-A8A3-4DA2-B032-2FD607338990}"/>
+                    </a:ext>
+                  </a:extLst>
+                </p14:cNvPr>
+                <p14:cNvContentPartPr/>
+                <p14:nvPr/>
+              </p14:nvContentPartPr>
+              <p14:xfrm>
+                <a:off x="3165175" y="3028348"/>
+                <a:ext cx="360" cy="360"/>
+              </p14:xfrm>
+            </p:contentPart>
+          </mc:Choice>
+          <mc:Fallback xmlns="">
+            <p:pic>
+              <p:nvPicPr>
+                <p:cNvPr id="11" name="Ink 10">
+                  <a:extLst>
+                    <a:ext uri="{FF2B5EF4-FFF2-40B4-BE49-F238E27FC236}">
+                      <a16:creationId xmlns:a16="http://schemas.microsoft.com/office/drawing/2014/main" id="{E81B5462-A8A3-4DA2-B032-2FD607338990}"/>
+                    </a:ext>
+                  </a:extLst>
+                </p:cNvPr>
+                <p:cNvPicPr/>
+                <p:nvPr/>
+              </p:nvPicPr>
+              <p:blipFill>
+                <a:blip r:embed="rId12"/>
+                <a:stretch>
+                  <a:fillRect/>
+                </a:stretch>
+              </p:blipFill>
+              <p:spPr>
+                <a:xfrm>
+                  <a:off x="3102535" y="2965708"/>
+                  <a:ext cx="126000" cy="126000"/>
+                </a:xfrm>
+                <a:prstGeom prst="rect">
+                  <a:avLst/>
+                </a:prstGeom>
+              </p:spPr>
+            </p:pic>
+          </mc:Fallback>
+        </mc:AlternateContent>
+        <mc:AlternateContent xmlns:mc="http://schemas.openxmlformats.org/markup-compatibility/2006" xmlns:p14="http://schemas.microsoft.com/office/powerpoint/2010/main">
+          <mc:Choice Requires="p14">
+            <p:contentPart p14:bwMode="auto" r:id="rId13">
+              <p14:nvContentPartPr>
+                <p14:cNvPr id="12" name="Ink 11">
+                  <a:extLst>
+                    <a:ext uri="{FF2B5EF4-FFF2-40B4-BE49-F238E27FC236}">
+                      <a16:creationId xmlns:a16="http://schemas.microsoft.com/office/drawing/2014/main" id="{237249C2-0F8E-0B5B-E865-595E28F79401}"/>
+                    </a:ext>
+                  </a:extLst>
+                </p14:cNvPr>
+                <p14:cNvContentPartPr/>
+                <p14:nvPr/>
+              </p14:nvContentPartPr>
+              <p14:xfrm>
+                <a:off x="3178855" y="3028348"/>
+                <a:ext cx="1320840" cy="360"/>
+              </p14:xfrm>
+            </p:contentPart>
+          </mc:Choice>
+          <mc:Fallback xmlns="">
+            <p:pic>
+              <p:nvPicPr>
+                <p:cNvPr id="12" name="Ink 11">
+                  <a:extLst>
+                    <a:ext uri="{FF2B5EF4-FFF2-40B4-BE49-F238E27FC236}">
+                      <a16:creationId xmlns:a16="http://schemas.microsoft.com/office/drawing/2014/main" id="{237249C2-0F8E-0B5B-E865-595E28F79401}"/>
+                    </a:ext>
+                  </a:extLst>
+                </p:cNvPr>
+                <p:cNvPicPr/>
+                <p:nvPr/>
+              </p:nvPicPr>
+              <p:blipFill>
+                <a:blip r:embed="rId14"/>
+                <a:stretch>
+                  <a:fillRect/>
+                </a:stretch>
+              </p:blipFill>
+              <p:spPr>
+                <a:xfrm>
+                  <a:off x="3116215" y="2965708"/>
+                  <a:ext cx="1446480" cy="126000"/>
+                </a:xfrm>
+                <a:prstGeom prst="rect">
+                  <a:avLst/>
+                </a:prstGeom>
+              </p:spPr>
+            </p:pic>
+          </mc:Fallback>
+        </mc:AlternateContent>
+        <mc:AlternateContent xmlns:mc="http://schemas.openxmlformats.org/markup-compatibility/2006" xmlns:p14="http://schemas.microsoft.com/office/powerpoint/2010/main">
+          <mc:Choice Requires="p14">
+            <p:contentPart p14:bwMode="auto" r:id="rId15">
+              <p14:nvContentPartPr>
+                <p14:cNvPr id="16" name="Ink 15">
+                  <a:extLst>
+                    <a:ext uri="{FF2B5EF4-FFF2-40B4-BE49-F238E27FC236}">
+                      <a16:creationId xmlns:a16="http://schemas.microsoft.com/office/drawing/2014/main" id="{66A8DA5D-BE5D-94C1-DC45-FADFBDE02981}"/>
+                    </a:ext>
+                  </a:extLst>
+                </p14:cNvPr>
+                <p14:cNvContentPartPr/>
+                <p14:nvPr/>
+              </p14:nvContentPartPr>
+              <p14:xfrm>
+                <a:off x="3109015" y="2986228"/>
+                <a:ext cx="1523160" cy="360"/>
+              </p14:xfrm>
+            </p:contentPart>
+          </mc:Choice>
+          <mc:Fallback xmlns="">
+            <p:pic>
+              <p:nvPicPr>
+                <p:cNvPr id="16" name="Ink 15">
+                  <a:extLst>
+                    <a:ext uri="{FF2B5EF4-FFF2-40B4-BE49-F238E27FC236}">
+                      <a16:creationId xmlns:a16="http://schemas.microsoft.com/office/drawing/2014/main" id="{66A8DA5D-BE5D-94C1-DC45-FADFBDE02981}"/>
+                    </a:ext>
+                  </a:extLst>
+                </p:cNvPr>
+                <p:cNvPicPr/>
+                <p:nvPr/>
+              </p:nvPicPr>
+              <p:blipFill>
+                <a:blip r:embed="rId16"/>
+                <a:stretch>
+                  <a:fillRect/>
+                </a:stretch>
+              </p:blipFill>
+              <p:spPr>
+                <a:xfrm>
+                  <a:off x="3046015" y="2923588"/>
+                  <a:ext cx="1648800" cy="126000"/>
+                </a:xfrm>
+                <a:prstGeom prst="rect">
+                  <a:avLst/>
+                </a:prstGeom>
+              </p:spPr>
+            </p:pic>
+          </mc:Fallback>
+        </mc:AlternateContent>
+      </p:grpSp>
+      <mc:AlternateContent xmlns:mc="http://schemas.openxmlformats.org/markup-compatibility/2006" xmlns:p14="http://schemas.microsoft.com/office/powerpoint/2010/main">
+        <mc:Choice Requires="p14">
+          <p:contentPart p14:bwMode="auto" r:id="rId17">
+            <p14:nvContentPartPr>
+              <p14:cNvPr id="18" name="Ink 17">
+                <a:extLst>
+                  <a:ext uri="{FF2B5EF4-FFF2-40B4-BE49-F238E27FC236}">
+                    <a16:creationId xmlns:a16="http://schemas.microsoft.com/office/drawing/2014/main" id="{9E22F79A-1701-0AEF-8D84-E0FB208B7205}"/>
+                  </a:ext>
+                </a:extLst>
+              </p14:cNvPr>
+              <p14:cNvContentPartPr/>
+              <p14:nvPr/>
+            </p14:nvContentPartPr>
+            <p14:xfrm>
+              <a:off x="3109015" y="2887948"/>
+              <a:ext cx="1517760" cy="360"/>
+            </p14:xfrm>
+          </p:contentPart>
+        </mc:Choice>
+        <mc:Fallback xmlns="">
+          <p:pic>
+            <p:nvPicPr>
+              <p:cNvPr id="18" name="Ink 17">
+                <a:extLst>
+                  <a:ext uri="{FF2B5EF4-FFF2-40B4-BE49-F238E27FC236}">
+                    <a16:creationId xmlns:a16="http://schemas.microsoft.com/office/drawing/2014/main" id="{9E22F79A-1701-0AEF-8D84-E0FB208B7205}"/>
+                  </a:ext>
+                </a:extLst>
+              </p:cNvPr>
+              <p:cNvPicPr/>
+              <p:nvPr/>
+            </p:nvPicPr>
+            <p:blipFill>
+              <a:blip r:embed="rId18"/>
+              <a:stretch>
+                <a:fillRect/>
+              </a:stretch>
+            </p:blipFill>
+            <p:spPr>
+              <a:xfrm>
+                <a:off x="3046015" y="2824948"/>
+                <a:ext cx="1643400" cy="126000"/>
+              </a:xfrm>
+              <a:prstGeom prst="rect">
+                <a:avLst/>
+              </a:prstGeom>
+            </p:spPr>
+          </p:pic>
+        </mc:Fallback>
+      </mc:AlternateContent>
+      <mc:AlternateContent xmlns:mc="http://schemas.openxmlformats.org/markup-compatibility/2006" xmlns:p14="http://schemas.microsoft.com/office/powerpoint/2010/main">
+        <mc:Choice Requires="p14">
+          <p:contentPart p14:bwMode="auto" r:id="rId19">
+            <p14:nvContentPartPr>
+              <p14:cNvPr id="19" name="Ink 18">
+                <a:extLst>
+                  <a:ext uri="{FF2B5EF4-FFF2-40B4-BE49-F238E27FC236}">
+                    <a16:creationId xmlns:a16="http://schemas.microsoft.com/office/drawing/2014/main" id="{C347B492-78E1-11B1-C1B5-1F7C76345EDE}"/>
+                  </a:ext>
+                </a:extLst>
+              </p14:cNvPr>
+              <p14:cNvContentPartPr/>
+              <p14:nvPr/>
+            </p14:nvContentPartPr>
+            <p14:xfrm>
+              <a:off x="3333655" y="3900628"/>
+              <a:ext cx="941760" cy="360"/>
+            </p14:xfrm>
+          </p:contentPart>
+        </mc:Choice>
+        <mc:Fallback xmlns="">
+          <p:pic>
+            <p:nvPicPr>
+              <p:cNvPr id="19" name="Ink 18">
+                <a:extLst>
+                  <a:ext uri="{FF2B5EF4-FFF2-40B4-BE49-F238E27FC236}">
+                    <a16:creationId xmlns:a16="http://schemas.microsoft.com/office/drawing/2014/main" id="{C347B492-78E1-11B1-C1B5-1F7C76345EDE}"/>
+                  </a:ext>
+                </a:extLst>
+              </p:cNvPr>
+              <p:cNvPicPr/>
+              <p:nvPr/>
+            </p:nvPicPr>
+            <p:blipFill>
+              <a:blip r:embed="rId20"/>
+              <a:stretch>
+                <a:fillRect/>
+              </a:stretch>
+            </p:blipFill>
+            <p:spPr>
+              <a:xfrm>
+                <a:off x="3271015" y="3837988"/>
+                <a:ext cx="1067400" cy="126000"/>
+              </a:xfrm>
+              <a:prstGeom prst="rect">
+                <a:avLst/>
+              </a:prstGeom>
+            </p:spPr>
+          </p:pic>
+        </mc:Fallback>
+      </mc:AlternateContent>
+    </p:spTree>
+    <p:extLst>
+      <p:ext uri="{BB962C8B-B14F-4D97-AF65-F5344CB8AC3E}">
+        <p14:creationId xmlns:p14="http://schemas.microsoft.com/office/powerpoint/2010/main" val="1312085451"/>
+      </p:ext>
+    </p:extLst>
+  </p:cSld>
+  <p:clrMapOvr>
+    <a:masterClrMapping/>
+  </p:clrMapOvr>
+</p:sld>
+</file>
+
+<file path=ppt/slides/slide13.xml><?xml version="1.0" encoding="utf-8"?>
+<p:sld xmlns:a="http://schemas.openxmlformats.org/drawingml/2006/main" xmlns:r="http://schemas.openxmlformats.org/officeDocument/2006/relationships" xmlns:p="http://schemas.openxmlformats.org/presentationml/2006/main">
+  <p:cSld>
+    <p:spTree>
+      <p:nvGrpSpPr>
+        <p:cNvPr id="1" name="">
+          <a:extLst>
+            <a:ext uri="{FF2B5EF4-FFF2-40B4-BE49-F238E27FC236}">
               <a16:creationId xmlns:a16="http://schemas.microsoft.com/office/drawing/2014/main" id="{B985BD57-F3EB-28BD-65C8-04BCFC9F83AE}"/>
             </a:ext>
           </a:extLst>
@@ -6224,7 +7209,7 @@
           <a:p>
             <a:fld id="{819D3A82-D293-4907-9B25-3B6254918E46}" type="slidenum">
               <a:rPr lang="en-US" smtClean="0"/>
-              <a:t>10</a:t>
+              <a:t>13</a:t>
             </a:fld>
             <a:endParaRPr lang="en-US"/>
           </a:p>
@@ -6329,7 +7314,7 @@
 </p:sld>
 </file>
 
-<file path=ppt/slides/slide11.xml><?xml version="1.0" encoding="utf-8"?>
+<file path=ppt/slides/slide14.xml><?xml version="1.0" encoding="utf-8"?>
 <p:sld xmlns:a="http://schemas.openxmlformats.org/drawingml/2006/main" xmlns:r="http://schemas.openxmlformats.org/officeDocument/2006/relationships" xmlns:p="http://schemas.openxmlformats.org/presentationml/2006/main">
   <p:cSld>
     <p:spTree>
@@ -6479,7 +7464,7 @@
           <a:p>
             <a:fld id="{8C2E478F-E849-4A8C-AF1F-CBCC78A7CBFA}" type="slidenum">
               <a:rPr lang="en-US" smtClean="0"/>
-              <a:t>11</a:t>
+              <a:t>14</a:t>
             </a:fld>
             <a:endParaRPr lang="en-US" dirty="0"/>
           </a:p>
@@ -6760,7 +7745,7 @@
 </p:sld>
 </file>
 
-<file path=ppt/slides/slide12.xml><?xml version="1.0" encoding="utf-8"?>
+<file path=ppt/slides/slide15.xml><?xml version="1.0" encoding="utf-8"?>
 <p:sld xmlns:a="http://schemas.openxmlformats.org/drawingml/2006/main" xmlns:r="http://schemas.openxmlformats.org/officeDocument/2006/relationships" xmlns:p="http://schemas.openxmlformats.org/presentationml/2006/main">
   <p:cSld>
     <p:spTree>
@@ -6916,7 +7901,7 @@
           <a:p>
             <a:fld id="{8C2E478F-E849-4A8C-AF1F-CBCC78A7CBFA}" type="slidenum">
               <a:rPr lang="en-US" smtClean="0"/>
-              <a:t>12</a:t>
+              <a:t>15</a:t>
             </a:fld>
             <a:endParaRPr lang="en-US" dirty="0"/>
           </a:p>
@@ -7209,7 +8194,7 @@
 </p:sld>
 </file>
 
-<file path=ppt/slides/slide13.xml><?xml version="1.0" encoding="utf-8"?>
+<file path=ppt/slides/slide16.xml><?xml version="1.0" encoding="utf-8"?>
 <p:sld xmlns:a="http://schemas.openxmlformats.org/drawingml/2006/main" xmlns:r="http://schemas.openxmlformats.org/officeDocument/2006/relationships" xmlns:p="http://schemas.openxmlformats.org/presentationml/2006/main">
   <p:cSld>
     <p:spTree>
@@ -7365,7 +8350,7 @@
           <a:p>
             <a:fld id="{8C2E478F-E849-4A8C-AF1F-CBCC78A7CBFA}" type="slidenum">
               <a:rPr lang="en-US" smtClean="0"/>
-              <a:t>13</a:t>
+              <a:t>16</a:t>
             </a:fld>
             <a:endParaRPr lang="en-US" dirty="0"/>
           </a:p>
@@ -7601,7 +8586,7 @@
 </p:sld>
 </file>
 
-<file path=ppt/slides/slide14.xml><?xml version="1.0" encoding="utf-8"?>
+<file path=ppt/slides/slide17.xml><?xml version="1.0" encoding="utf-8"?>
 <p:sld xmlns:a="http://schemas.openxmlformats.org/drawingml/2006/main" xmlns:r="http://schemas.openxmlformats.org/officeDocument/2006/relationships" xmlns:p="http://schemas.openxmlformats.org/presentationml/2006/main">
   <p:cSld>
     <p:spTree>
@@ -7674,7 +8659,7 @@
           <a:p>
             <a:fld id="{8C2E478F-E849-4A8C-AF1F-CBCC78A7CBFA}" type="slidenum">
               <a:rPr lang="en-US" smtClean="0"/>
-              <a:t>14</a:t>
+              <a:t>17</a:t>
             </a:fld>
             <a:endParaRPr lang="en-US" dirty="0"/>
           </a:p>
@@ -7939,7 +8924,7 @@
 </p:sld>
 </file>
 
-<file path=ppt/slides/slide15.xml><?xml version="1.0" encoding="utf-8"?>
+<file path=ppt/slides/slide18.xml><?xml version="1.0" encoding="utf-8"?>
 <p:sld xmlns:a="http://schemas.openxmlformats.org/drawingml/2006/main" xmlns:r="http://schemas.openxmlformats.org/officeDocument/2006/relationships" xmlns:p="http://schemas.openxmlformats.org/presentationml/2006/main">
   <p:cSld>
     <p:spTree>
@@ -8898,7 +9883,7 @@
           <a:p>
             <a:fld id="{8C2E478F-E849-4A8C-AF1F-CBCC78A7CBFA}" type="slidenum">
               <a:rPr lang="en-US" smtClean="0"/>
-              <a:t>15</a:t>
+              <a:t>18</a:t>
             </a:fld>
             <a:endParaRPr lang="en-US" dirty="0"/>
           </a:p>
@@ -8917,7 +9902,7 @@
 </p:sld>
 </file>
 
-<file path=ppt/slides/slide16.xml><?xml version="1.0" encoding="utf-8"?>
+<file path=ppt/slides/slide19.xml><?xml version="1.0" encoding="utf-8"?>
 <p:sld xmlns:a="http://schemas.openxmlformats.org/drawingml/2006/main" xmlns:r="http://schemas.openxmlformats.org/officeDocument/2006/relationships" xmlns:p="http://schemas.openxmlformats.org/presentationml/2006/main">
   <p:cSld>
     <p:spTree>
@@ -8957,7 +9942,7 @@
           <a:p>
             <a:fld id="{8C2E478F-E849-4A8C-AF1F-CBCC78A7CBFA}" type="slidenum">
               <a:rPr lang="en-US" smtClean="0"/>
-              <a:t>16</a:t>
+              <a:t>19</a:t>
             </a:fld>
             <a:endParaRPr lang="en-US" dirty="0"/>
           </a:p>
@@ -9000,7 +9985,234 @@
 </p:sld>
 </file>
 
-<file path=ppt/slides/slide17.xml><?xml version="1.0" encoding="utf-8"?>
+<file path=ppt/slides/slide2.xml><?xml version="1.0" encoding="utf-8"?>
+<p:sld xmlns:a="http://schemas.openxmlformats.org/drawingml/2006/main" xmlns:r="http://schemas.openxmlformats.org/officeDocument/2006/relationships" xmlns:p="http://schemas.openxmlformats.org/presentationml/2006/main">
+  <p:cSld>
+    <p:spTree>
+      <p:nvGrpSpPr>
+        <p:cNvPr id="1" name=""/>
+        <p:cNvGrpSpPr/>
+        <p:nvPr/>
+      </p:nvGrpSpPr>
+      <p:grpSpPr>
+        <a:xfrm>
+          <a:off x="0" y="0"/>
+          <a:ext cx="0" cy="0"/>
+          <a:chOff x="0" y="0"/>
+          <a:chExt cx="0" cy="0"/>
+        </a:xfrm>
+      </p:grpSpPr>
+      <p:sp>
+        <p:nvSpPr>
+          <p:cNvPr id="8" name="Title 7">
+            <a:extLst>
+              <a:ext uri="{FF2B5EF4-FFF2-40B4-BE49-F238E27FC236}">
+                <a16:creationId xmlns:a16="http://schemas.microsoft.com/office/drawing/2014/main" id="{103950CF-5BF2-4FB0-A36C-48C194F39E12}"/>
+              </a:ext>
+            </a:extLst>
+          </p:cNvPr>
+          <p:cNvSpPr>
+            <a:spLocks noGrp="1"/>
+          </p:cNvSpPr>
+          <p:nvPr>
+            <p:ph type="title"/>
+          </p:nvPr>
+        </p:nvSpPr>
+        <p:spPr>
+          <a:xfrm>
+            <a:off x="6415596" y="341643"/>
+            <a:ext cx="5251450" cy="1661297"/>
+          </a:xfrm>
+        </p:spPr>
+        <p:txBody>
+          <a:bodyPr/>
+          <a:lstStyle/>
+          <a:p>
+            <a:pPr>
+              <a:lnSpc>
+                <a:spcPct val="100000"/>
+              </a:lnSpc>
+              <a:spcBef>
+                <a:spcPts val="0"/>
+              </a:spcBef>
+            </a:pPr>
+            <a:r>
+              <a:rPr lang="en-US" sz="4000" dirty="0"/>
+              <a:t>“We’re not to blame for your pet’s bad name”</a:t>
+            </a:r>
+          </a:p>
+        </p:txBody>
+      </p:sp>
+      <p:sp>
+        <p:nvSpPr>
+          <p:cNvPr id="10" name="Text Placeholder 9">
+            <a:extLst>
+              <a:ext uri="{FF2B5EF4-FFF2-40B4-BE49-F238E27FC236}">
+                <a16:creationId xmlns:a16="http://schemas.microsoft.com/office/drawing/2014/main" id="{255FA470-23EB-4512-8FFB-28DDAB08B002}"/>
+              </a:ext>
+            </a:extLst>
+          </p:cNvPr>
+          <p:cNvSpPr>
+            <a:spLocks noGrp="1"/>
+          </p:cNvSpPr>
+          <p:nvPr>
+            <p:ph type="body" idx="1"/>
+          </p:nvPr>
+        </p:nvSpPr>
+        <p:spPr>
+          <a:xfrm>
+            <a:off x="6297819" y="2240305"/>
+            <a:ext cx="5251450" cy="365125"/>
+          </a:xfrm>
+        </p:spPr>
+        <p:txBody>
+          <a:bodyPr/>
+          <a:lstStyle/>
+          <a:p>
+            <a:r>
+              <a:rPr lang="en-US" sz="2400" dirty="0"/>
+              <a:t>PET NAMER</a:t>
+            </a:r>
+          </a:p>
+        </p:txBody>
+      </p:sp>
+      <p:sp>
+        <p:nvSpPr>
+          <p:cNvPr id="4" name="Slide Number Placeholder 3">
+            <a:extLst>
+              <a:ext uri="{FF2B5EF4-FFF2-40B4-BE49-F238E27FC236}">
+                <a16:creationId xmlns:a16="http://schemas.microsoft.com/office/drawing/2014/main" id="{A4BADA18-8F0E-4249-A144-6CB8259BA65B}"/>
+              </a:ext>
+            </a:extLst>
+          </p:cNvPr>
+          <p:cNvSpPr>
+            <a:spLocks noGrp="1"/>
+          </p:cNvSpPr>
+          <p:nvPr>
+            <p:ph type="sldNum" sz="quarter" idx="12"/>
+          </p:nvPr>
+        </p:nvSpPr>
+        <p:spPr/>
+        <p:txBody>
+          <a:bodyPr/>
+          <a:lstStyle/>
+          <a:p>
+            <a:fld id="{8C2E478F-E849-4A8C-AF1F-CBCC78A7CBFA}" type="slidenum">
+              <a:rPr lang="en-US" smtClean="0"/>
+              <a:t>2</a:t>
+            </a:fld>
+            <a:endParaRPr lang="en-US" dirty="0"/>
+          </a:p>
+        </p:txBody>
+      </p:sp>
+      <p:sp>
+        <p:nvSpPr>
+          <p:cNvPr id="9" name="Content Placeholder 8">
+            <a:extLst>
+              <a:ext uri="{FF2B5EF4-FFF2-40B4-BE49-F238E27FC236}">
+                <a16:creationId xmlns:a16="http://schemas.microsoft.com/office/drawing/2014/main" id="{256319DF-036A-473B-95D3-C5F6FF849FD4}"/>
+              </a:ext>
+            </a:extLst>
+          </p:cNvPr>
+          <p:cNvSpPr>
+            <a:spLocks noGrp="1"/>
+          </p:cNvSpPr>
+          <p:nvPr>
+            <p:ph idx="4294967295"/>
+          </p:nvPr>
+        </p:nvSpPr>
+        <p:spPr>
+          <a:xfrm>
+            <a:off x="6297817" y="2842795"/>
+            <a:ext cx="5251451" cy="3388143"/>
+          </a:xfrm>
+        </p:spPr>
+        <p:txBody>
+          <a:bodyPr>
+            <a:normAutofit fontScale="92500" lnSpcReduction="10000"/>
+          </a:bodyPr>
+          <a:lstStyle/>
+          <a:p>
+            <a:pPr marL="0" indent="0">
+              <a:lnSpc>
+                <a:spcPct val="160000"/>
+              </a:lnSpc>
+              <a:buNone/>
+            </a:pPr>
+            <a:r>
+              <a:rPr lang="en-US" sz="2800" cap="small" spc="50" dirty="0">
+                <a:cs typeface="Biome Light" panose="020B0303030204020804" pitchFamily="34" charset="0"/>
+              </a:rPr>
+              <a:t>Would you like help picking a name for your pet? </a:t>
+            </a:r>
+          </a:p>
+          <a:p>
+            <a:pPr marL="0" indent="0">
+              <a:lnSpc>
+                <a:spcPct val="160000"/>
+              </a:lnSpc>
+              <a:buNone/>
+            </a:pPr>
+            <a:r>
+              <a:rPr lang="en-US" sz="2800" cap="small" spc="50" dirty="0">
+                <a:cs typeface="Biome Light" panose="020B0303030204020804" pitchFamily="34" charset="0"/>
+              </a:rPr>
+              <a:t>Simply upload a picture and we’ll recommend a few different names for you!</a:t>
+            </a:r>
+          </a:p>
+          <a:p>
+            <a:pPr marL="0" indent="0">
+              <a:buNone/>
+            </a:pPr>
+            <a:endParaRPr lang="en-US" sz="2800" cap="small" spc="50" dirty="0"/>
+          </a:p>
+          <a:p>
+            <a:pPr marL="0" indent="0">
+              <a:buNone/>
+            </a:pPr>
+            <a:endParaRPr lang="en-US" sz="2800" cap="small" spc="50" dirty="0"/>
+          </a:p>
+        </p:txBody>
+      </p:sp>
+      <p:pic>
+        <p:nvPicPr>
+          <p:cNvPr id="22" name="Picture Placeholder 21">
+            <a:extLst>
+              <a:ext uri="{FF2B5EF4-FFF2-40B4-BE49-F238E27FC236}">
+                <a16:creationId xmlns:a16="http://schemas.microsoft.com/office/drawing/2014/main" id="{D9C80755-2787-0578-1231-F139AB30B8DC}"/>
+              </a:ext>
+            </a:extLst>
+          </p:cNvPr>
+          <p:cNvPicPr>
+            <a:picLocks noGrp="1" noChangeAspect="1"/>
+          </p:cNvPicPr>
+          <p:nvPr>
+            <p:ph type="pic" sz="quarter" idx="13"/>
+          </p:nvPr>
+        </p:nvPicPr>
+        <p:blipFill>
+          <a:blip r:embed="rId3"/>
+          <a:srcRect l="5617" r="5617"/>
+          <a:stretch>
+            <a:fillRect/>
+          </a:stretch>
+        </p:blipFill>
+        <p:spPr/>
+      </p:pic>
+    </p:spTree>
+    <p:extLst>
+      <p:ext uri="{BB962C8B-B14F-4D97-AF65-F5344CB8AC3E}">
+        <p14:creationId xmlns:p14="http://schemas.microsoft.com/office/powerpoint/2010/main" val="1325373587"/>
+      </p:ext>
+    </p:extLst>
+  </p:cSld>
+  <p:clrMapOvr>
+    <a:masterClrMapping/>
+  </p:clrMapOvr>
+</p:sld>
+</file>
+
+<file path=ppt/slides/slide20.xml><?xml version="1.0" encoding="utf-8"?>
 <p:sld xmlns:a="http://schemas.openxmlformats.org/drawingml/2006/main" xmlns:r="http://schemas.openxmlformats.org/officeDocument/2006/relationships" xmlns:p="http://schemas.openxmlformats.org/presentationml/2006/main">
   <p:cSld>
     <p:bg>
@@ -9140,233 +10352,6 @@
     <p:extLst>
       <p:ext uri="{BB962C8B-B14F-4D97-AF65-F5344CB8AC3E}">
         <p14:creationId xmlns:p14="http://schemas.microsoft.com/office/powerpoint/2010/main" val="927727573"/>
-      </p:ext>
-    </p:extLst>
-  </p:cSld>
-  <p:clrMapOvr>
-    <a:masterClrMapping/>
-  </p:clrMapOvr>
-</p:sld>
-</file>
-
-<file path=ppt/slides/slide2.xml><?xml version="1.0" encoding="utf-8"?>
-<p:sld xmlns:a="http://schemas.openxmlformats.org/drawingml/2006/main" xmlns:r="http://schemas.openxmlformats.org/officeDocument/2006/relationships" xmlns:p="http://schemas.openxmlformats.org/presentationml/2006/main">
-  <p:cSld>
-    <p:spTree>
-      <p:nvGrpSpPr>
-        <p:cNvPr id="1" name=""/>
-        <p:cNvGrpSpPr/>
-        <p:nvPr/>
-      </p:nvGrpSpPr>
-      <p:grpSpPr>
-        <a:xfrm>
-          <a:off x="0" y="0"/>
-          <a:ext cx="0" cy="0"/>
-          <a:chOff x="0" y="0"/>
-          <a:chExt cx="0" cy="0"/>
-        </a:xfrm>
-      </p:grpSpPr>
-      <p:sp>
-        <p:nvSpPr>
-          <p:cNvPr id="8" name="Title 7">
-            <a:extLst>
-              <a:ext uri="{FF2B5EF4-FFF2-40B4-BE49-F238E27FC236}">
-                <a16:creationId xmlns:a16="http://schemas.microsoft.com/office/drawing/2014/main" id="{103950CF-5BF2-4FB0-A36C-48C194F39E12}"/>
-              </a:ext>
-            </a:extLst>
-          </p:cNvPr>
-          <p:cNvSpPr>
-            <a:spLocks noGrp="1"/>
-          </p:cNvSpPr>
-          <p:nvPr>
-            <p:ph type="title"/>
-          </p:nvPr>
-        </p:nvSpPr>
-        <p:spPr>
-          <a:xfrm>
-            <a:off x="6415596" y="341643"/>
-            <a:ext cx="5251450" cy="1661297"/>
-          </a:xfrm>
-        </p:spPr>
-        <p:txBody>
-          <a:bodyPr/>
-          <a:lstStyle/>
-          <a:p>
-            <a:pPr>
-              <a:lnSpc>
-                <a:spcPct val="100000"/>
-              </a:lnSpc>
-              <a:spcBef>
-                <a:spcPts val="0"/>
-              </a:spcBef>
-            </a:pPr>
-            <a:r>
-              <a:rPr lang="en-US" sz="4000" dirty="0"/>
-              <a:t>“We’re not to blame for your pet’s bad name”</a:t>
-            </a:r>
-          </a:p>
-        </p:txBody>
-      </p:sp>
-      <p:sp>
-        <p:nvSpPr>
-          <p:cNvPr id="10" name="Text Placeholder 9">
-            <a:extLst>
-              <a:ext uri="{FF2B5EF4-FFF2-40B4-BE49-F238E27FC236}">
-                <a16:creationId xmlns:a16="http://schemas.microsoft.com/office/drawing/2014/main" id="{255FA470-23EB-4512-8FFB-28DDAB08B002}"/>
-              </a:ext>
-            </a:extLst>
-          </p:cNvPr>
-          <p:cNvSpPr>
-            <a:spLocks noGrp="1"/>
-          </p:cNvSpPr>
-          <p:nvPr>
-            <p:ph type="body" idx="1"/>
-          </p:nvPr>
-        </p:nvSpPr>
-        <p:spPr>
-          <a:xfrm>
-            <a:off x="6297819" y="2240305"/>
-            <a:ext cx="5251450" cy="365125"/>
-          </a:xfrm>
-        </p:spPr>
-        <p:txBody>
-          <a:bodyPr/>
-          <a:lstStyle/>
-          <a:p>
-            <a:r>
-              <a:rPr lang="en-US" sz="2400" dirty="0"/>
-              <a:t>PET NAMER</a:t>
-            </a:r>
-          </a:p>
-        </p:txBody>
-      </p:sp>
-      <p:sp>
-        <p:nvSpPr>
-          <p:cNvPr id="4" name="Slide Number Placeholder 3">
-            <a:extLst>
-              <a:ext uri="{FF2B5EF4-FFF2-40B4-BE49-F238E27FC236}">
-                <a16:creationId xmlns:a16="http://schemas.microsoft.com/office/drawing/2014/main" id="{A4BADA18-8F0E-4249-A144-6CB8259BA65B}"/>
-              </a:ext>
-            </a:extLst>
-          </p:cNvPr>
-          <p:cNvSpPr>
-            <a:spLocks noGrp="1"/>
-          </p:cNvSpPr>
-          <p:nvPr>
-            <p:ph type="sldNum" sz="quarter" idx="12"/>
-          </p:nvPr>
-        </p:nvSpPr>
-        <p:spPr/>
-        <p:txBody>
-          <a:bodyPr/>
-          <a:lstStyle/>
-          <a:p>
-            <a:fld id="{8C2E478F-E849-4A8C-AF1F-CBCC78A7CBFA}" type="slidenum">
-              <a:rPr lang="en-US" smtClean="0"/>
-              <a:t>2</a:t>
-            </a:fld>
-            <a:endParaRPr lang="en-US" dirty="0"/>
-          </a:p>
-        </p:txBody>
-      </p:sp>
-      <p:sp>
-        <p:nvSpPr>
-          <p:cNvPr id="9" name="Content Placeholder 8">
-            <a:extLst>
-              <a:ext uri="{FF2B5EF4-FFF2-40B4-BE49-F238E27FC236}">
-                <a16:creationId xmlns:a16="http://schemas.microsoft.com/office/drawing/2014/main" id="{256319DF-036A-473B-95D3-C5F6FF849FD4}"/>
-              </a:ext>
-            </a:extLst>
-          </p:cNvPr>
-          <p:cNvSpPr>
-            <a:spLocks noGrp="1"/>
-          </p:cNvSpPr>
-          <p:nvPr>
-            <p:ph idx="4294967295"/>
-          </p:nvPr>
-        </p:nvSpPr>
-        <p:spPr>
-          <a:xfrm>
-            <a:off x="6297817" y="2842795"/>
-            <a:ext cx="5251451" cy="3388143"/>
-          </a:xfrm>
-        </p:spPr>
-        <p:txBody>
-          <a:bodyPr>
-            <a:normAutofit fontScale="92500" lnSpcReduction="10000"/>
-          </a:bodyPr>
-          <a:lstStyle/>
-          <a:p>
-            <a:pPr marL="0" indent="0">
-              <a:lnSpc>
-                <a:spcPct val="160000"/>
-              </a:lnSpc>
-              <a:buNone/>
-            </a:pPr>
-            <a:r>
-              <a:rPr lang="en-US" sz="2800" cap="small" spc="50" dirty="0">
-                <a:cs typeface="Biome Light" panose="020B0303030204020804" pitchFamily="34" charset="0"/>
-              </a:rPr>
-              <a:t>Would you like help picking a name for your pet? </a:t>
-            </a:r>
-          </a:p>
-          <a:p>
-            <a:pPr marL="0" indent="0">
-              <a:lnSpc>
-                <a:spcPct val="160000"/>
-              </a:lnSpc>
-              <a:buNone/>
-            </a:pPr>
-            <a:r>
-              <a:rPr lang="en-US" sz="2800" cap="small" spc="50" dirty="0">
-                <a:cs typeface="Biome Light" panose="020B0303030204020804" pitchFamily="34" charset="0"/>
-              </a:rPr>
-              <a:t>Simply upload a picture and we’ll recommend a few different names for you!</a:t>
-            </a:r>
-          </a:p>
-          <a:p>
-            <a:pPr marL="0" indent="0">
-              <a:buNone/>
-            </a:pPr>
-            <a:endParaRPr lang="en-US" sz="2800" cap="small" spc="50" dirty="0"/>
-          </a:p>
-          <a:p>
-            <a:pPr marL="0" indent="0">
-              <a:buNone/>
-            </a:pPr>
-            <a:endParaRPr lang="en-US" sz="2800" cap="small" spc="50" dirty="0"/>
-          </a:p>
-        </p:txBody>
-      </p:sp>
-      <p:pic>
-        <p:nvPicPr>
-          <p:cNvPr id="22" name="Picture Placeholder 21">
-            <a:extLst>
-              <a:ext uri="{FF2B5EF4-FFF2-40B4-BE49-F238E27FC236}">
-                <a16:creationId xmlns:a16="http://schemas.microsoft.com/office/drawing/2014/main" id="{D9C80755-2787-0578-1231-F139AB30B8DC}"/>
-              </a:ext>
-            </a:extLst>
-          </p:cNvPr>
-          <p:cNvPicPr>
-            <a:picLocks noGrp="1" noChangeAspect="1"/>
-          </p:cNvPicPr>
-          <p:nvPr>
-            <p:ph type="pic" sz="quarter" idx="13"/>
-          </p:nvPr>
-        </p:nvPicPr>
-        <p:blipFill>
-          <a:blip r:embed="rId3"/>
-          <a:srcRect l="5617" r="5617"/>
-          <a:stretch>
-            <a:fillRect/>
-          </a:stretch>
-        </p:blipFill>
-        <p:spPr/>
-      </p:pic>
-    </p:spTree>
-    <p:extLst>
-      <p:ext uri="{BB962C8B-B14F-4D97-AF65-F5344CB8AC3E}">
-        <p14:creationId xmlns:p14="http://schemas.microsoft.com/office/powerpoint/2010/main" val="1325373587"/>
       </p:ext>
     </p:extLst>
   </p:cSld>
@@ -9399,41 +10384,6 @@
           <a:chExt cx="0" cy="0"/>
         </a:xfrm>
       </p:grpSpPr>
-      <p:sp>
-        <p:nvSpPr>
-          <p:cNvPr id="3" name="Title 2">
-            <a:extLst>
-              <a:ext uri="{FF2B5EF4-FFF2-40B4-BE49-F238E27FC236}">
-                <a16:creationId xmlns:a16="http://schemas.microsoft.com/office/drawing/2014/main" id="{E01A69BC-07A2-0CF1-85EC-F5A48B575F66}"/>
-              </a:ext>
-            </a:extLst>
-          </p:cNvPr>
-          <p:cNvSpPr>
-            <a:spLocks noGrp="1"/>
-          </p:cNvSpPr>
-          <p:nvPr>
-            <p:ph type="title"/>
-          </p:nvPr>
-        </p:nvSpPr>
-        <p:spPr>
-          <a:xfrm>
-            <a:off x="8124389" y="122305"/>
-            <a:ext cx="3489391" cy="926727"/>
-          </a:xfrm>
-        </p:spPr>
-        <p:txBody>
-          <a:bodyPr anchor="t">
-            <a:noAutofit/>
-          </a:bodyPr>
-          <a:lstStyle/>
-          <a:p>
-            <a:r>
-              <a:rPr lang="en-US" sz="2800" dirty="0"/>
-              <a:t>System Architecture and Data Flow Diagram</a:t>
-            </a:r>
-          </a:p>
-        </p:txBody>
-      </p:sp>
       <p:sp>
         <p:nvSpPr>
           <p:cNvPr id="5" name="Text Placeholder 4">
@@ -9726,6 +10676,396 @@
   <p:cSld>
     <p:spTree>
       <p:nvGrpSpPr>
+        <p:cNvPr id="1" name="">
+          <a:extLst>
+            <a:ext uri="{FF2B5EF4-FFF2-40B4-BE49-F238E27FC236}">
+              <a16:creationId xmlns:a16="http://schemas.microsoft.com/office/drawing/2014/main" id="{AFB7A949-189E-7DB6-E819-62A049CB474B}"/>
+            </a:ext>
+          </a:extLst>
+        </p:cNvPr>
+        <p:cNvGrpSpPr/>
+        <p:nvPr/>
+      </p:nvGrpSpPr>
+      <p:grpSpPr>
+        <a:xfrm>
+          <a:off x="0" y="0"/>
+          <a:ext cx="0" cy="0"/>
+          <a:chOff x="0" y="0"/>
+          <a:chExt cx="0" cy="0"/>
+        </a:xfrm>
+      </p:grpSpPr>
+      <p:sp>
+        <p:nvSpPr>
+          <p:cNvPr id="4" name="Slide Number Placeholder 3">
+            <a:extLst>
+              <a:ext uri="{FF2B5EF4-FFF2-40B4-BE49-F238E27FC236}">
+                <a16:creationId xmlns:a16="http://schemas.microsoft.com/office/drawing/2014/main" id="{88A6E483-AAF0-9221-4031-B831F9B5E91A}"/>
+              </a:ext>
+            </a:extLst>
+          </p:cNvPr>
+          <p:cNvSpPr>
+            <a:spLocks noGrp="1"/>
+          </p:cNvSpPr>
+          <p:nvPr>
+            <p:ph type="sldNum" sz="quarter" idx="4"/>
+          </p:nvPr>
+        </p:nvSpPr>
+        <p:spPr/>
+        <p:txBody>
+          <a:bodyPr/>
+          <a:lstStyle/>
+          <a:p>
+            <a:fld id="{819D3A82-D293-4907-9B25-3B6254918E46}" type="slidenum">
+              <a:rPr lang="en-US" smtClean="0"/>
+              <a:t>4</a:t>
+            </a:fld>
+            <a:endParaRPr lang="en-US"/>
+          </a:p>
+        </p:txBody>
+      </p:sp>
+      <p:sp>
+        <p:nvSpPr>
+          <p:cNvPr id="6" name="Content Placeholder 5">
+            <a:extLst>
+              <a:ext uri="{FF2B5EF4-FFF2-40B4-BE49-F238E27FC236}">
+                <a16:creationId xmlns:a16="http://schemas.microsoft.com/office/drawing/2014/main" id="{15EF89C1-58E9-143E-4516-6CE661231491}"/>
+              </a:ext>
+            </a:extLst>
+          </p:cNvPr>
+          <p:cNvSpPr>
+            <a:spLocks noGrp="1"/>
+          </p:cNvSpPr>
+          <p:nvPr>
+            <p:ph idx="1"/>
+          </p:nvPr>
+        </p:nvSpPr>
+        <p:spPr>
+          <a:xfrm>
+            <a:off x="1439333" y="5384800"/>
+            <a:ext cx="3797484" cy="1448628"/>
+          </a:xfrm>
+        </p:spPr>
+        <p:txBody>
+          <a:bodyPr/>
+          <a:lstStyle/>
+          <a:p>
+            <a:r>
+              <a:rPr lang="en-US" sz="1800" dirty="0"/>
+              <a:t>Same as phase 2 with the Azure AI </a:t>
+            </a:r>
+            <a:r>
+              <a:rPr lang="en-US" sz="1800" dirty="0" err="1"/>
+              <a:t>api</a:t>
+            </a:r>
+            <a:r>
+              <a:rPr lang="en-US" sz="1800" dirty="0"/>
+              <a:t> functionality included</a:t>
+            </a:r>
+          </a:p>
+          <a:p>
+            <a:endParaRPr lang="en-US" sz="1800" dirty="0"/>
+          </a:p>
+          <a:p>
+            <a:endParaRPr lang="en-US" sz="1800" dirty="0"/>
+          </a:p>
+        </p:txBody>
+      </p:sp>
+      <p:pic>
+        <p:nvPicPr>
+          <p:cNvPr id="8" name="Picture 7">
+            <a:extLst>
+              <a:ext uri="{FF2B5EF4-FFF2-40B4-BE49-F238E27FC236}">
+                <a16:creationId xmlns:a16="http://schemas.microsoft.com/office/drawing/2014/main" id="{152A2369-15FD-29BA-AFF7-3EDF3CFD293E}"/>
+              </a:ext>
+            </a:extLst>
+          </p:cNvPr>
+          <p:cNvPicPr>
+            <a:picLocks noChangeAspect="1"/>
+          </p:cNvPicPr>
+          <p:nvPr/>
+        </p:nvPicPr>
+        <p:blipFill>
+          <a:blip r:embed="rId2"/>
+          <a:stretch>
+            <a:fillRect/>
+          </a:stretch>
+        </p:blipFill>
+        <p:spPr>
+          <a:xfrm>
+            <a:off x="1049867" y="863598"/>
+            <a:ext cx="5046467" cy="4016807"/>
+          </a:xfrm>
+          <a:prstGeom prst="rect">
+            <a:avLst/>
+          </a:prstGeom>
+        </p:spPr>
+      </p:pic>
+      <p:sp>
+        <p:nvSpPr>
+          <p:cNvPr id="9" name="Title 2">
+            <a:extLst>
+              <a:ext uri="{FF2B5EF4-FFF2-40B4-BE49-F238E27FC236}">
+                <a16:creationId xmlns:a16="http://schemas.microsoft.com/office/drawing/2014/main" id="{E01A69BC-07A2-0CF1-85EC-F5A48B575F66}"/>
+              </a:ext>
+            </a:extLst>
+          </p:cNvPr>
+          <p:cNvSpPr txBox="1">
+            <a:spLocks/>
+          </p:cNvSpPr>
+          <p:nvPr/>
+        </p:nvSpPr>
+        <p:spPr>
+          <a:xfrm>
+            <a:off x="389467" y="0"/>
+            <a:ext cx="4847350" cy="605828"/>
+          </a:xfrm>
+          <a:prstGeom prst="rect">
+            <a:avLst/>
+          </a:prstGeom>
+        </p:spPr>
+        <p:txBody>
+          <a:bodyPr vert="horz" lIns="91440" tIns="45720" rIns="91440" bIns="45720" rtlCol="0" anchor="t">
+            <a:noAutofit/>
+          </a:bodyPr>
+          <a:lstStyle>
+            <a:lvl1pPr algn="l" defTabSz="914400" rtl="0" eaLnBrk="1" latinLnBrk="0" hangingPunct="1">
+              <a:lnSpc>
+                <a:spcPct val="150000"/>
+              </a:lnSpc>
+              <a:spcBef>
+                <a:spcPts val="1000"/>
+              </a:spcBef>
+              <a:buNone/>
+              <a:defRPr sz="3200" kern="1200" cap="all" baseline="0">
+                <a:solidFill>
+                  <a:schemeClr val="tx1"/>
+                </a:solidFill>
+                <a:latin typeface="+mj-lt"/>
+                <a:ea typeface="+mj-ea"/>
+                <a:cs typeface="+mj-cs"/>
+              </a:defRPr>
+            </a:lvl1pPr>
+          </a:lstStyle>
+          <a:p>
+            <a:r>
+              <a:rPr lang="en-US" sz="3600" dirty="0"/>
+              <a:t>Data Flow Diagram</a:t>
+            </a:r>
+          </a:p>
+        </p:txBody>
+      </p:sp>
+      <p:pic>
+        <p:nvPicPr>
+          <p:cNvPr id="13" name="Picture 12">
+            <a:extLst>
+              <a:ext uri="{FF2B5EF4-FFF2-40B4-BE49-F238E27FC236}">
+                <a16:creationId xmlns:a16="http://schemas.microsoft.com/office/drawing/2014/main" id="{FD5380E7-D3CF-0AA7-185C-CE120D35B320}"/>
+              </a:ext>
+            </a:extLst>
+          </p:cNvPr>
+          <p:cNvPicPr>
+            <a:picLocks noChangeAspect="1"/>
+          </p:cNvPicPr>
+          <p:nvPr/>
+        </p:nvPicPr>
+        <p:blipFill>
+          <a:blip r:embed="rId3"/>
+          <a:stretch>
+            <a:fillRect/>
+          </a:stretch>
+        </p:blipFill>
+        <p:spPr>
+          <a:xfrm>
+            <a:off x="7145867" y="152400"/>
+            <a:ext cx="4847350" cy="6100035"/>
+          </a:xfrm>
+          <a:prstGeom prst="rect">
+            <a:avLst/>
+          </a:prstGeom>
+        </p:spPr>
+      </p:pic>
+    </p:spTree>
+    <p:extLst>
+      <p:ext uri="{BB962C8B-B14F-4D97-AF65-F5344CB8AC3E}">
+        <p14:creationId xmlns:p14="http://schemas.microsoft.com/office/powerpoint/2010/main" val="1957036992"/>
+      </p:ext>
+    </p:extLst>
+  </p:cSld>
+  <p:clrMapOvr>
+    <a:masterClrMapping/>
+  </p:clrMapOvr>
+</p:sld>
+</file>
+
+<file path=ppt/slides/slide5.xml><?xml version="1.0" encoding="utf-8"?>
+<p:sld xmlns:a="http://schemas.openxmlformats.org/drawingml/2006/main" xmlns:r="http://schemas.openxmlformats.org/officeDocument/2006/relationships" xmlns:p="http://schemas.openxmlformats.org/presentationml/2006/main">
+  <p:cSld>
+    <p:spTree>
+      <p:nvGrpSpPr>
+        <p:cNvPr id="1" name="">
+          <a:extLst>
+            <a:ext uri="{FF2B5EF4-FFF2-40B4-BE49-F238E27FC236}">
+              <a16:creationId xmlns:a16="http://schemas.microsoft.com/office/drawing/2014/main" id="{AFB7A949-189E-7DB6-E819-62A049CB474B}"/>
+            </a:ext>
+          </a:extLst>
+        </p:cNvPr>
+        <p:cNvGrpSpPr/>
+        <p:nvPr/>
+      </p:nvGrpSpPr>
+      <p:grpSpPr>
+        <a:xfrm>
+          <a:off x="0" y="0"/>
+          <a:ext cx="0" cy="0"/>
+          <a:chOff x="0" y="0"/>
+          <a:chExt cx="0" cy="0"/>
+        </a:xfrm>
+      </p:grpSpPr>
+      <p:pic>
+        <p:nvPicPr>
+          <p:cNvPr id="3" name="Picture Placeholder 2" descr="A computer screen shot of a computer screen&#10;&#10;Description automatically generated">
+            <a:extLst>
+              <a:ext uri="{FF2B5EF4-FFF2-40B4-BE49-F238E27FC236}">
+                <a16:creationId xmlns:a16="http://schemas.microsoft.com/office/drawing/2014/main" id="{357F7275-9335-5902-A322-7641D2F18812}"/>
+              </a:ext>
+            </a:extLst>
+          </p:cNvPr>
+          <p:cNvPicPr>
+            <a:picLocks noGrp="1" noChangeAspect="1"/>
+          </p:cNvPicPr>
+          <p:nvPr>
+            <p:ph type="pic" sz="quarter" idx="14"/>
+          </p:nvPr>
+        </p:nvPicPr>
+        <p:blipFill>
+          <a:blip r:embed="rId2"/>
+          <a:srcRect l="27786" r="27786"/>
+          <a:stretch>
+            <a:fillRect/>
+          </a:stretch>
+        </p:blipFill>
+        <p:spPr/>
+      </p:pic>
+      <p:sp>
+        <p:nvSpPr>
+          <p:cNvPr id="4" name="Slide Number Placeholder 3">
+            <a:extLst>
+              <a:ext uri="{FF2B5EF4-FFF2-40B4-BE49-F238E27FC236}">
+                <a16:creationId xmlns:a16="http://schemas.microsoft.com/office/drawing/2014/main" id="{88A6E483-AAF0-9221-4031-B831F9B5E91A}"/>
+              </a:ext>
+            </a:extLst>
+          </p:cNvPr>
+          <p:cNvSpPr>
+            <a:spLocks noGrp="1"/>
+          </p:cNvSpPr>
+          <p:nvPr>
+            <p:ph type="sldNum" sz="quarter" idx="4"/>
+          </p:nvPr>
+        </p:nvSpPr>
+        <p:spPr/>
+        <p:txBody>
+          <a:bodyPr/>
+          <a:lstStyle/>
+          <a:p>
+            <a:fld id="{819D3A82-D293-4907-9B25-3B6254918E46}" type="slidenum">
+              <a:rPr lang="en-US" smtClean="0"/>
+              <a:t>5</a:t>
+            </a:fld>
+            <a:endParaRPr lang="en-US"/>
+          </a:p>
+        </p:txBody>
+      </p:sp>
+      <p:sp>
+        <p:nvSpPr>
+          <p:cNvPr id="6" name="Content Placeholder 5">
+            <a:extLst>
+              <a:ext uri="{FF2B5EF4-FFF2-40B4-BE49-F238E27FC236}">
+                <a16:creationId xmlns:a16="http://schemas.microsoft.com/office/drawing/2014/main" id="{15EF89C1-58E9-143E-4516-6CE661231491}"/>
+              </a:ext>
+            </a:extLst>
+          </p:cNvPr>
+          <p:cNvSpPr>
+            <a:spLocks noGrp="1"/>
+          </p:cNvSpPr>
+          <p:nvPr>
+            <p:ph idx="1"/>
+          </p:nvPr>
+        </p:nvSpPr>
+        <p:spPr/>
+        <p:txBody>
+          <a:bodyPr/>
+          <a:lstStyle/>
+          <a:p>
+            <a:r>
+              <a:rPr lang="en-US" dirty="0"/>
+              <a:t>In order to receive pet name suggestions a user will need to login to their account</a:t>
+            </a:r>
+          </a:p>
+          <a:p>
+            <a:r>
+              <a:rPr lang="en-US" dirty="0"/>
+              <a:t>In order to save names, user must be logged in</a:t>
+            </a:r>
+          </a:p>
+          <a:p>
+            <a:r>
+              <a:rPr lang="en-US" dirty="0"/>
+              <a:t>Use either Google Account or create account credentials</a:t>
+            </a:r>
+          </a:p>
+          <a:p>
+            <a:endParaRPr lang="en-US" dirty="0"/>
+          </a:p>
+          <a:p>
+            <a:endParaRPr lang="en-US" dirty="0"/>
+          </a:p>
+        </p:txBody>
+      </p:sp>
+      <p:sp>
+        <p:nvSpPr>
+          <p:cNvPr id="5" name="Title 4">
+            <a:extLst>
+              <a:ext uri="{FF2B5EF4-FFF2-40B4-BE49-F238E27FC236}">
+                <a16:creationId xmlns:a16="http://schemas.microsoft.com/office/drawing/2014/main" id="{ED886450-E40D-103A-1652-65669FEF6EF7}"/>
+              </a:ext>
+            </a:extLst>
+          </p:cNvPr>
+          <p:cNvSpPr>
+            <a:spLocks noGrp="1"/>
+          </p:cNvSpPr>
+          <p:nvPr>
+            <p:ph type="title"/>
+          </p:nvPr>
+        </p:nvSpPr>
+        <p:spPr/>
+        <p:txBody>
+          <a:bodyPr/>
+          <a:lstStyle/>
+          <a:p>
+            <a:r>
+              <a:rPr lang="en-US" dirty="0"/>
+              <a:t>Login Page</a:t>
+            </a:r>
+          </a:p>
+        </p:txBody>
+      </p:sp>
+    </p:spTree>
+    <p:extLst>
+      <p:ext uri="{BB962C8B-B14F-4D97-AF65-F5344CB8AC3E}">
+        <p14:creationId xmlns:p14="http://schemas.microsoft.com/office/powerpoint/2010/main" val="3808885948"/>
+      </p:ext>
+    </p:extLst>
+  </p:cSld>
+  <p:clrMapOvr>
+    <a:masterClrMapping/>
+  </p:clrMapOvr>
+</p:sld>
+</file>
+
+<file path=ppt/slides/slide6.xml><?xml version="1.0" encoding="utf-8"?>
+<p:sld xmlns:a="http://schemas.openxmlformats.org/drawingml/2006/main" xmlns:r="http://schemas.openxmlformats.org/officeDocument/2006/relationships" xmlns:p="http://schemas.openxmlformats.org/presentationml/2006/main">
+  <p:cSld>
+    <p:spTree>
+      <p:nvGrpSpPr>
         <p:cNvPr id="1" name=""/>
         <p:cNvGrpSpPr/>
         <p:nvPr/>
@@ -9829,7 +11169,7 @@
           <a:p>
             <a:fld id="{8C2E478F-E849-4A8C-AF1F-CBCC78A7CBFA}" type="slidenum">
               <a:rPr lang="en-US" smtClean="0"/>
-              <a:t>4</a:t>
+              <a:t>6</a:t>
             </a:fld>
             <a:endParaRPr lang="en-US" dirty="0"/>
           </a:p>
@@ -10200,7 +11540,7 @@
 </p:sld>
 </file>
 
-<file path=ppt/slides/slide5.xml><?xml version="1.0" encoding="utf-8"?>
+<file path=ppt/slides/slide7.xml><?xml version="1.0" encoding="utf-8"?>
 <p:sld xmlns:a="http://schemas.openxmlformats.org/drawingml/2006/main" xmlns:r="http://schemas.openxmlformats.org/officeDocument/2006/relationships" xmlns:p="http://schemas.openxmlformats.org/presentationml/2006/main">
   <p:cSld>
     <p:spTree>
@@ -10308,7 +11648,7 @@
           <a:p>
             <a:fld id="{8C2E478F-E849-4A8C-AF1F-CBCC78A7CBFA}" type="slidenum">
               <a:rPr lang="en-US" smtClean="0"/>
-              <a:t>5</a:t>
+              <a:t>7</a:t>
             </a:fld>
             <a:endParaRPr lang="en-US" dirty="0"/>
           </a:p>
@@ -10561,7 +11901,7 @@
 </p:sld>
 </file>
 
-<file path=ppt/slides/slide6.xml><?xml version="1.0" encoding="utf-8"?>
+<file path=ppt/slides/slide8.xml><?xml version="1.0" encoding="utf-8"?>
 <p:sld xmlns:a="http://schemas.openxmlformats.org/drawingml/2006/main" xmlns:r="http://schemas.openxmlformats.org/officeDocument/2006/relationships" xmlns:p="http://schemas.openxmlformats.org/presentationml/2006/main">
   <p:cSld>
     <p:spTree>
@@ -10676,7 +12016,7 @@
           <a:p>
             <a:fld id="{8C2E478F-E849-4A8C-AF1F-CBCC78A7CBFA}" type="slidenum">
               <a:rPr lang="en-US" smtClean="0"/>
-              <a:t>6</a:t>
+              <a:t>8</a:t>
             </a:fld>
             <a:endParaRPr lang="en-US" dirty="0"/>
           </a:p>
@@ -10921,18 +12261,12 @@
 </p:sld>
 </file>
 
-<file path=ppt/slides/slide7.xml><?xml version="1.0" encoding="utf-8"?>
+<file path=ppt/slides/slide9.xml><?xml version="1.0" encoding="utf-8"?>
 <p:sld xmlns:a="http://schemas.openxmlformats.org/drawingml/2006/main" xmlns:r="http://schemas.openxmlformats.org/officeDocument/2006/relationships" xmlns:p="http://schemas.openxmlformats.org/presentationml/2006/main">
   <p:cSld>
     <p:spTree>
       <p:nvGrpSpPr>
-        <p:cNvPr id="1" name="">
-          <a:extLst>
-            <a:ext uri="{FF2B5EF4-FFF2-40B4-BE49-F238E27FC236}">
-              <a16:creationId xmlns:a16="http://schemas.microsoft.com/office/drawing/2014/main" id="{AFB7A949-189E-7DB6-E819-62A049CB474B}"/>
-            </a:ext>
-          </a:extLst>
-        </p:cNvPr>
+        <p:cNvPr id="1" name=""/>
         <p:cNvGrpSpPr/>
         <p:nvPr/>
       </p:nvGrpSpPr>
@@ -10944,37 +12278,12 @@
           <a:chExt cx="0" cy="0"/>
         </a:xfrm>
       </p:grpSpPr>
-      <p:pic>
-        <p:nvPicPr>
-          <p:cNvPr id="3" name="Picture Placeholder 2" descr="A computer screen shot of a computer screen&#10;&#10;Description automatically generated">
-            <a:extLst>
-              <a:ext uri="{FF2B5EF4-FFF2-40B4-BE49-F238E27FC236}">
-                <a16:creationId xmlns:a16="http://schemas.microsoft.com/office/drawing/2014/main" id="{357F7275-9335-5902-A322-7641D2F18812}"/>
-              </a:ext>
-            </a:extLst>
-          </p:cNvPr>
-          <p:cNvPicPr>
-            <a:picLocks noGrp="1" noChangeAspect="1"/>
-          </p:cNvPicPr>
-          <p:nvPr>
-            <p:ph type="pic" sz="quarter" idx="14"/>
-          </p:nvPr>
-        </p:nvPicPr>
-        <p:blipFill>
-          <a:blip r:embed="rId2"/>
-          <a:srcRect l="27786" r="27786"/>
-          <a:stretch>
-            <a:fillRect/>
-          </a:stretch>
-        </p:blipFill>
-        <p:spPr/>
-      </p:pic>
-      <p:sp>
-        <p:nvSpPr>
-          <p:cNvPr id="4" name="Slide Number Placeholder 3">
-            <a:extLst>
-              <a:ext uri="{FF2B5EF4-FFF2-40B4-BE49-F238E27FC236}">
-                <a16:creationId xmlns:a16="http://schemas.microsoft.com/office/drawing/2014/main" id="{88A6E483-AAF0-9221-4031-B831F9B5E91A}"/>
+      <p:sp>
+        <p:nvSpPr>
+          <p:cNvPr id="3" name="Title 2">
+            <a:extLst>
+              <a:ext uri="{FF2B5EF4-FFF2-40B4-BE49-F238E27FC236}">
+                <a16:creationId xmlns:a16="http://schemas.microsoft.com/office/drawing/2014/main" id="{1D24B42B-925B-494C-A986-BD85E8117E1E}"/>
               </a:ext>
             </a:extLst>
           </p:cNvPr>
@@ -10982,28 +12291,71 @@
             <a:spLocks noGrp="1"/>
           </p:cNvSpPr>
           <p:nvPr>
-            <p:ph type="sldNum" sz="quarter" idx="4"/>
-          </p:nvPr>
-        </p:nvSpPr>
-        <p:spPr/>
+            <p:ph type="title"/>
+          </p:nvPr>
+        </p:nvSpPr>
+        <p:spPr>
+          <a:xfrm>
+            <a:off x="6362330" y="411225"/>
+            <a:ext cx="5474070" cy="956373"/>
+          </a:xfrm>
+        </p:spPr>
+        <p:txBody>
+          <a:bodyPr anchor="t">
+            <a:normAutofit/>
+          </a:bodyPr>
+          <a:lstStyle/>
+          <a:p>
+            <a:r>
+              <a:rPr lang="en-US" sz="4800" dirty="0" err="1"/>
+              <a:t>SuBmit</a:t>
+            </a:r>
+            <a:r>
+              <a:rPr lang="en-US" sz="4800" dirty="0"/>
+              <a:t> an image</a:t>
+            </a:r>
+          </a:p>
+        </p:txBody>
+      </p:sp>
+      <p:sp>
+        <p:nvSpPr>
+          <p:cNvPr id="5" name="Text Placeholder 4">
+            <a:extLst>
+              <a:ext uri="{FF2B5EF4-FFF2-40B4-BE49-F238E27FC236}">
+                <a16:creationId xmlns:a16="http://schemas.microsoft.com/office/drawing/2014/main" id="{AF9B872F-6332-408E-9135-B871F0C90C00}"/>
+              </a:ext>
+            </a:extLst>
+          </p:cNvPr>
+          <p:cNvSpPr>
+            <a:spLocks noGrp="1"/>
+          </p:cNvSpPr>
+          <p:nvPr>
+            <p:ph type="body" idx="1"/>
+          </p:nvPr>
+        </p:nvSpPr>
+        <p:spPr>
+          <a:xfrm>
+            <a:off x="6362330" y="2025552"/>
+            <a:ext cx="5829669" cy="365125"/>
+          </a:xfrm>
+        </p:spPr>
         <p:txBody>
           <a:bodyPr/>
           <a:lstStyle/>
           <a:p>
-            <a:fld id="{819D3A82-D293-4907-9B25-3B6254918E46}" type="slidenum">
-              <a:rPr lang="en-US" smtClean="0"/>
-              <a:t>7</a:t>
-            </a:fld>
-            <a:endParaRPr lang="en-US"/>
-          </a:p>
-        </p:txBody>
-      </p:sp>
-      <p:sp>
-        <p:nvSpPr>
-          <p:cNvPr id="6" name="Content Placeholder 5">
-            <a:extLst>
-              <a:ext uri="{FF2B5EF4-FFF2-40B4-BE49-F238E27FC236}">
-                <a16:creationId xmlns:a16="http://schemas.microsoft.com/office/drawing/2014/main" id="{15EF89C1-58E9-143E-4516-6CE661231491}"/>
+            <a:r>
+              <a:rPr lang="en-US" spc="300" dirty="0"/>
+              <a:t> </a:t>
+            </a:r>
+          </a:p>
+        </p:txBody>
+      </p:sp>
+      <p:sp>
+        <p:nvSpPr>
+          <p:cNvPr id="2" name="Slide Number Placeholder 1">
+            <a:extLst>
+              <a:ext uri="{FF2B5EF4-FFF2-40B4-BE49-F238E27FC236}">
+                <a16:creationId xmlns:a16="http://schemas.microsoft.com/office/drawing/2014/main" id="{948DD8A0-BD53-4DBF-949B-0D64D12DADA9}"/>
               </a:ext>
             </a:extLst>
           </p:cNvPr>
@@ -11011,7 +12363,7 @@
             <a:spLocks noGrp="1"/>
           </p:cNvSpPr>
           <p:nvPr>
-            <p:ph idx="1"/>
+            <p:ph type="sldNum" sz="quarter" idx="12"/>
           </p:nvPr>
         </p:nvSpPr>
         <p:spPr/>
@@ -11019,881 +12371,244 @@
           <a:bodyPr/>
           <a:lstStyle/>
           <a:p>
-            <a:r>
-              <a:rPr lang="en-US" dirty="0"/>
-              <a:t>In order to receive pet name suggestions a user will need to login to their account</a:t>
-            </a:r>
-          </a:p>
-          <a:p>
-            <a:r>
-              <a:rPr lang="en-US" dirty="0"/>
-              <a:t>In order to save names, user must be logged in</a:t>
-            </a:r>
-          </a:p>
-          <a:p>
-            <a:r>
-              <a:rPr lang="en-US" dirty="0"/>
-              <a:t>Use either Google Account or create account credentials</a:t>
-            </a:r>
-          </a:p>
-          <a:p>
+            <a:fld id="{8C2E478F-E849-4A8C-AF1F-CBCC78A7CBFA}" type="slidenum">
+              <a:rPr lang="en-US" smtClean="0"/>
+              <a:t>9</a:t>
+            </a:fld>
             <a:endParaRPr lang="en-US" dirty="0"/>
           </a:p>
-          <a:p>
-            <a:endParaRPr lang="en-US" dirty="0"/>
-          </a:p>
-        </p:txBody>
-      </p:sp>
-      <p:sp>
-        <p:nvSpPr>
-          <p:cNvPr id="5" name="Title 4">
-            <a:extLst>
-              <a:ext uri="{FF2B5EF4-FFF2-40B4-BE49-F238E27FC236}">
-                <a16:creationId xmlns:a16="http://schemas.microsoft.com/office/drawing/2014/main" id="{ED886450-E40D-103A-1652-65669FEF6EF7}"/>
-              </a:ext>
-            </a:extLst>
-          </p:cNvPr>
-          <p:cNvSpPr>
-            <a:spLocks noGrp="1"/>
-          </p:cNvSpPr>
-          <p:nvPr>
-            <p:ph type="title"/>
-          </p:nvPr>
-        </p:nvSpPr>
-        <p:spPr/>
-        <p:txBody>
-          <a:bodyPr/>
-          <a:lstStyle/>
-          <a:p>
-            <a:r>
-              <a:rPr lang="en-US" dirty="0"/>
-              <a:t>Login Page</a:t>
-            </a:r>
-          </a:p>
-        </p:txBody>
-      </p:sp>
-    </p:spTree>
-    <p:extLst>
-      <p:ext uri="{BB962C8B-B14F-4D97-AF65-F5344CB8AC3E}">
-        <p14:creationId xmlns:p14="http://schemas.microsoft.com/office/powerpoint/2010/main" val="1957036992"/>
-      </p:ext>
-    </p:extLst>
-  </p:cSld>
-  <p:clrMapOvr>
-    <a:masterClrMapping/>
-  </p:clrMapOvr>
-</p:sld>
-</file>
-
-<file path=ppt/slides/slide8.xml><?xml version="1.0" encoding="utf-8"?>
-<p:sld xmlns:a="http://schemas.openxmlformats.org/drawingml/2006/main" xmlns:r="http://schemas.openxmlformats.org/officeDocument/2006/relationships" xmlns:p="http://schemas.openxmlformats.org/presentationml/2006/main">
-  <p:cSld>
-    <p:spTree>
-      <p:nvGrpSpPr>
-        <p:cNvPr id="1" name="">
-          <a:extLst>
-            <a:ext uri="{FF2B5EF4-FFF2-40B4-BE49-F238E27FC236}">
-              <a16:creationId xmlns:a16="http://schemas.microsoft.com/office/drawing/2014/main" id="{A32CD3AB-A521-2277-FA58-48F93D3EB467}"/>
-            </a:ext>
-          </a:extLst>
-        </p:cNvPr>
-        <p:cNvGrpSpPr/>
-        <p:nvPr/>
-      </p:nvGrpSpPr>
-      <p:grpSpPr>
-        <a:xfrm>
-          <a:off x="0" y="0"/>
-          <a:ext cx="0" cy="0"/>
-          <a:chOff x="0" y="0"/>
-          <a:chExt cx="0" cy="0"/>
-        </a:xfrm>
-      </p:grpSpPr>
-      <p:pic>
-        <p:nvPicPr>
-          <p:cNvPr id="3" name="Picture Placeholder 2" descr="A computer screen shot of a computer&#10;&#10;Description automatically generated">
-            <a:extLst>
-              <a:ext uri="{FF2B5EF4-FFF2-40B4-BE49-F238E27FC236}">
-                <a16:creationId xmlns:a16="http://schemas.microsoft.com/office/drawing/2014/main" id="{FADC1EAB-8470-28E6-D19F-1A7351C7637A}"/>
-              </a:ext>
-            </a:extLst>
-          </p:cNvPr>
-          <p:cNvPicPr>
-            <a:picLocks noGrp="1" noChangeAspect="1"/>
-          </p:cNvPicPr>
-          <p:nvPr>
-            <p:ph type="pic" sz="quarter" idx="14"/>
-          </p:nvPr>
-        </p:nvPicPr>
-        <p:blipFill>
-          <a:blip r:embed="rId2"/>
-          <a:srcRect l="27786" r="27786"/>
-          <a:stretch>
-            <a:fillRect/>
-          </a:stretch>
-        </p:blipFill>
-        <p:spPr/>
-      </p:pic>
-      <p:sp>
-        <p:nvSpPr>
-          <p:cNvPr id="4" name="Slide Number Placeholder 3">
-            <a:extLst>
-              <a:ext uri="{FF2B5EF4-FFF2-40B4-BE49-F238E27FC236}">
-                <a16:creationId xmlns:a16="http://schemas.microsoft.com/office/drawing/2014/main" id="{30F5338E-D570-BF54-7CAA-C4C70555E422}"/>
-              </a:ext>
-            </a:extLst>
-          </p:cNvPr>
-          <p:cNvSpPr>
-            <a:spLocks noGrp="1"/>
-          </p:cNvSpPr>
-          <p:nvPr>
-            <p:ph type="sldNum" sz="quarter" idx="4"/>
-          </p:nvPr>
-        </p:nvSpPr>
-        <p:spPr/>
-        <p:txBody>
-          <a:bodyPr/>
-          <a:lstStyle/>
-          <a:p>
-            <a:fld id="{819D3A82-D293-4907-9B25-3B6254918E46}" type="slidenum">
-              <a:rPr lang="en-US" smtClean="0"/>
-              <a:t>8</a:t>
-            </a:fld>
-            <a:endParaRPr lang="en-US"/>
-          </a:p>
-        </p:txBody>
-      </p:sp>
-      <p:sp>
-        <p:nvSpPr>
-          <p:cNvPr id="6" name="Content Placeholder 5">
-            <a:extLst>
-              <a:ext uri="{FF2B5EF4-FFF2-40B4-BE49-F238E27FC236}">
-                <a16:creationId xmlns:a16="http://schemas.microsoft.com/office/drawing/2014/main" id="{1406276E-A709-AB8D-7D6E-AA8AD4992916}"/>
-              </a:ext>
-            </a:extLst>
-          </p:cNvPr>
-          <p:cNvSpPr>
-            <a:spLocks noGrp="1"/>
-          </p:cNvSpPr>
-          <p:nvPr>
-            <p:ph idx="1"/>
-          </p:nvPr>
-        </p:nvSpPr>
-        <p:spPr/>
-        <p:txBody>
-          <a:bodyPr/>
-          <a:lstStyle/>
-          <a:p>
-            <a:r>
-              <a:rPr lang="en-US" dirty="0"/>
-              <a:t>Uses Django Authentication Form</a:t>
-            </a:r>
-          </a:p>
-          <a:p>
-            <a:r>
-              <a:rPr lang="en-US" dirty="0"/>
-              <a:t>Checks if username is in user, if password is valid, if passwords match</a:t>
-            </a:r>
-          </a:p>
-          <a:p>
-            <a:r>
-              <a:rPr lang="en-US" dirty="0"/>
-              <a:t>Redirects to login page upon successful creation</a:t>
-            </a:r>
-          </a:p>
-          <a:p>
-            <a:endParaRPr lang="en-US" dirty="0"/>
-          </a:p>
-        </p:txBody>
-      </p:sp>
-      <p:sp>
-        <p:nvSpPr>
-          <p:cNvPr id="5" name="Title 4">
-            <a:extLst>
-              <a:ext uri="{FF2B5EF4-FFF2-40B4-BE49-F238E27FC236}">
-                <a16:creationId xmlns:a16="http://schemas.microsoft.com/office/drawing/2014/main" id="{FEC88E3F-389F-44C0-4B16-5F4223065E86}"/>
-              </a:ext>
-            </a:extLst>
-          </p:cNvPr>
-          <p:cNvSpPr>
-            <a:spLocks noGrp="1"/>
-          </p:cNvSpPr>
-          <p:nvPr>
-            <p:ph type="title"/>
-          </p:nvPr>
-        </p:nvSpPr>
-        <p:spPr/>
-        <p:txBody>
-          <a:bodyPr/>
-          <a:lstStyle/>
-          <a:p>
-            <a:r>
-              <a:rPr lang="en-US" dirty="0"/>
-              <a:t>Signup Page</a:t>
-            </a:r>
-          </a:p>
-        </p:txBody>
-      </p:sp>
-    </p:spTree>
-    <p:extLst>
-      <p:ext uri="{BB962C8B-B14F-4D97-AF65-F5344CB8AC3E}">
-        <p14:creationId xmlns:p14="http://schemas.microsoft.com/office/powerpoint/2010/main" val="2369157316"/>
-      </p:ext>
-    </p:extLst>
-  </p:cSld>
-  <p:clrMapOvr>
-    <a:masterClrMapping/>
-  </p:clrMapOvr>
-</p:sld>
-</file>
-
-<file path=ppt/slides/slide9.xml><?xml version="1.0" encoding="utf-8"?>
-<p:sld xmlns:a="http://schemas.openxmlformats.org/drawingml/2006/main" xmlns:r="http://schemas.openxmlformats.org/officeDocument/2006/relationships" xmlns:p="http://schemas.openxmlformats.org/presentationml/2006/main">
-  <p:cSld>
-    <p:spTree>
-      <p:nvGrpSpPr>
-        <p:cNvPr id="1" name="">
-          <a:extLst>
-            <a:ext uri="{FF2B5EF4-FFF2-40B4-BE49-F238E27FC236}">
-              <a16:creationId xmlns:a16="http://schemas.microsoft.com/office/drawing/2014/main" id="{AD458DA5-560D-DBD2-FECA-EBE66AE03F11}"/>
-            </a:ext>
-          </a:extLst>
-        </p:cNvPr>
-        <p:cNvGrpSpPr/>
-        <p:nvPr/>
-      </p:nvGrpSpPr>
-      <p:grpSpPr>
-        <a:xfrm>
-          <a:off x="0" y="0"/>
-          <a:ext cx="0" cy="0"/>
-          <a:chOff x="0" y="0"/>
-          <a:chExt cx="0" cy="0"/>
-        </a:xfrm>
-      </p:grpSpPr>
-      <p:pic>
-        <p:nvPicPr>
-          <p:cNvPr id="3" name="Picture Placeholder 2">
-            <a:extLst>
-              <a:ext uri="{FF2B5EF4-FFF2-40B4-BE49-F238E27FC236}">
-                <a16:creationId xmlns:a16="http://schemas.microsoft.com/office/drawing/2014/main" id="{BB7D641B-1561-0418-4F14-6EF9F0152FDC}"/>
-              </a:ext>
-            </a:extLst>
-          </p:cNvPr>
-          <p:cNvPicPr>
-            <a:picLocks noGrp="1" noChangeAspect="1"/>
-          </p:cNvPicPr>
-          <p:nvPr>
-            <p:ph type="pic" sz="quarter" idx="14"/>
-          </p:nvPr>
-        </p:nvPicPr>
-        <p:blipFill rotWithShape="1">
-          <a:blip r:embed="rId2"/>
-          <a:srcRect l="19832" t="11122" r="19832"/>
-          <a:stretch/>
-        </p:blipFill>
+        </p:txBody>
+      </p:sp>
+      <p:sp>
+        <p:nvSpPr>
+          <p:cNvPr id="6" name="Content Placeholder 8">
+            <a:extLst>
+              <a:ext uri="{FF2B5EF4-FFF2-40B4-BE49-F238E27FC236}">
+                <a16:creationId xmlns:a16="http://schemas.microsoft.com/office/drawing/2014/main" id="{3B4F2E0F-78BC-2FE8-4808-2A26179B55EA}"/>
+              </a:ext>
+            </a:extLst>
+          </p:cNvPr>
+          <p:cNvSpPr txBox="1">
+            <a:spLocks/>
+          </p:cNvSpPr>
+          <p:nvPr/>
+        </p:nvSpPr>
         <p:spPr>
           <a:xfrm>
-            <a:off x="198783" y="337624"/>
-            <a:ext cx="5669280" cy="6182751"/>
+            <a:off x="6362330" y="2574543"/>
+            <a:ext cx="4646246" cy="3038482"/>
           </a:xfrm>
           <a:prstGeom prst="rect">
             <a:avLst/>
           </a:prstGeom>
+          <a:noFill/>
         </p:spPr>
-      </p:pic>
-      <p:sp>
-        <p:nvSpPr>
-          <p:cNvPr id="4" name="Slide Number Placeholder 3">
-            <a:extLst>
-              <a:ext uri="{FF2B5EF4-FFF2-40B4-BE49-F238E27FC236}">
-                <a16:creationId xmlns:a16="http://schemas.microsoft.com/office/drawing/2014/main" id="{5D7FE657-8379-19C5-DACA-6DAF5B3F02BC}"/>
-              </a:ext>
-            </a:extLst>
-          </p:cNvPr>
-          <p:cNvSpPr>
-            <a:spLocks noGrp="1"/>
-          </p:cNvSpPr>
-          <p:nvPr>
-            <p:ph type="sldNum" sz="quarter" idx="4"/>
-          </p:nvPr>
-        </p:nvSpPr>
-        <p:spPr/>
-        <p:txBody>
-          <a:bodyPr/>
-          <a:lstStyle/>
-          <a:p>
-            <a:fld id="{819D3A82-D293-4907-9B25-3B6254918E46}" type="slidenum">
-              <a:rPr lang="en-US" smtClean="0"/>
-              <a:t>9</a:t>
-            </a:fld>
-            <a:endParaRPr lang="en-US"/>
-          </a:p>
-        </p:txBody>
-      </p:sp>
-      <p:sp>
-        <p:nvSpPr>
-          <p:cNvPr id="6" name="Content Placeholder 5">
-            <a:extLst>
-              <a:ext uri="{FF2B5EF4-FFF2-40B4-BE49-F238E27FC236}">
-                <a16:creationId xmlns:a16="http://schemas.microsoft.com/office/drawing/2014/main" id="{233A5E1A-139D-5C57-AAA8-4ED4AA98ACE8}"/>
-              </a:ext>
-            </a:extLst>
-          </p:cNvPr>
-          <p:cNvSpPr>
-            <a:spLocks noGrp="1"/>
-          </p:cNvSpPr>
-          <p:nvPr>
-            <p:ph idx="1"/>
-          </p:nvPr>
-        </p:nvSpPr>
-        <p:spPr/>
-        <p:txBody>
-          <a:bodyPr/>
-          <a:lstStyle/>
-          <a:p>
+        <p:txBody>
+          <a:bodyPr vert="horz" lIns="91440" tIns="45720" rIns="91440" bIns="45720" rtlCol="0" anchor="t">
+            <a:normAutofit fontScale="92500" lnSpcReduction="10000"/>
+          </a:bodyPr>
+          <a:lstStyle>
+            <a:defPPr>
+              <a:defRPr lang="en-US"/>
+            </a:defPPr>
+            <a:lvl1pPr indent="0">
+              <a:lnSpc>
+                <a:spcPct val="120000"/>
+              </a:lnSpc>
+              <a:spcBef>
+                <a:spcPts val="0"/>
+              </a:spcBef>
+              <a:buFont typeface="Arial" panose="020B0604020202020204" pitchFamily="34" charset="0"/>
+              <a:buNone/>
+              <a:defRPr sz="2400" cap="none" spc="0" baseline="0">
+                <a:solidFill>
+                  <a:sysClr val="windowText" lastClr="000000"/>
+                </a:solidFill>
+                <a:effectLst/>
+              </a:defRPr>
+            </a:lvl1pPr>
+            <a:lvl2pPr indent="0">
+              <a:lnSpc>
+                <a:spcPct val="150000"/>
+              </a:lnSpc>
+              <a:spcBef>
+                <a:spcPts val="500"/>
+              </a:spcBef>
+              <a:buFont typeface="Arial" panose="020B0604020202020204" pitchFamily="34" charset="0"/>
+              <a:buNone/>
+              <a:defRPr sz="2000">
+                <a:solidFill>
+                  <a:schemeClr val="tx1">
+                    <a:tint val="75000"/>
+                  </a:schemeClr>
+                </a:solidFill>
+              </a:defRPr>
+            </a:lvl2pPr>
+            <a:lvl3pPr indent="0">
+              <a:lnSpc>
+                <a:spcPct val="150000"/>
+              </a:lnSpc>
+              <a:spcBef>
+                <a:spcPts val="500"/>
+              </a:spcBef>
+              <a:buFont typeface="Arial" panose="020B0604020202020204" pitchFamily="34" charset="0"/>
+              <a:buNone/>
+              <a:defRPr>
+                <a:solidFill>
+                  <a:schemeClr val="tx1">
+                    <a:tint val="75000"/>
+                  </a:schemeClr>
+                </a:solidFill>
+              </a:defRPr>
+            </a:lvl3pPr>
+            <a:lvl4pPr indent="0">
+              <a:lnSpc>
+                <a:spcPct val="150000"/>
+              </a:lnSpc>
+              <a:spcBef>
+                <a:spcPts val="500"/>
+              </a:spcBef>
+              <a:buFont typeface="Arial" panose="020B0604020202020204" pitchFamily="34" charset="0"/>
+              <a:buNone/>
+              <a:defRPr sz="1600">
+                <a:solidFill>
+                  <a:schemeClr val="tx1">
+                    <a:tint val="75000"/>
+                  </a:schemeClr>
+                </a:solidFill>
+              </a:defRPr>
+            </a:lvl4pPr>
+            <a:lvl5pPr indent="0">
+              <a:lnSpc>
+                <a:spcPct val="150000"/>
+              </a:lnSpc>
+              <a:spcBef>
+                <a:spcPts val="500"/>
+              </a:spcBef>
+              <a:buFont typeface="Arial" panose="020B0604020202020204" pitchFamily="34" charset="0"/>
+              <a:buNone/>
+              <a:defRPr sz="1600">
+                <a:solidFill>
+                  <a:schemeClr val="tx1">
+                    <a:tint val="75000"/>
+                  </a:schemeClr>
+                </a:solidFill>
+              </a:defRPr>
+            </a:lvl5pPr>
+            <a:lvl6pPr indent="0">
+              <a:lnSpc>
+                <a:spcPct val="90000"/>
+              </a:lnSpc>
+              <a:spcBef>
+                <a:spcPts val="500"/>
+              </a:spcBef>
+              <a:buFont typeface="Arial" panose="020B0604020202020204" pitchFamily="34" charset="0"/>
+              <a:buNone/>
+              <a:defRPr sz="1600">
+                <a:solidFill>
+                  <a:schemeClr val="tx1">
+                    <a:tint val="75000"/>
+                  </a:schemeClr>
+                </a:solidFill>
+              </a:defRPr>
+            </a:lvl6pPr>
+            <a:lvl7pPr indent="0">
+              <a:lnSpc>
+                <a:spcPct val="90000"/>
+              </a:lnSpc>
+              <a:spcBef>
+                <a:spcPts val="500"/>
+              </a:spcBef>
+              <a:buFont typeface="Arial" panose="020B0604020202020204" pitchFamily="34" charset="0"/>
+              <a:buNone/>
+              <a:defRPr sz="1600">
+                <a:solidFill>
+                  <a:schemeClr val="tx1">
+                    <a:tint val="75000"/>
+                  </a:schemeClr>
+                </a:solidFill>
+              </a:defRPr>
+            </a:lvl7pPr>
+            <a:lvl8pPr indent="0">
+              <a:lnSpc>
+                <a:spcPct val="90000"/>
+              </a:lnSpc>
+              <a:spcBef>
+                <a:spcPts val="500"/>
+              </a:spcBef>
+              <a:buFont typeface="Arial" panose="020B0604020202020204" pitchFamily="34" charset="0"/>
+              <a:buNone/>
+              <a:defRPr sz="1600">
+                <a:solidFill>
+                  <a:schemeClr val="tx1">
+                    <a:tint val="75000"/>
+                  </a:schemeClr>
+                </a:solidFill>
+              </a:defRPr>
+            </a:lvl8pPr>
+            <a:lvl9pPr indent="0">
+              <a:lnSpc>
+                <a:spcPct val="90000"/>
+              </a:lnSpc>
+              <a:spcBef>
+                <a:spcPts val="500"/>
+              </a:spcBef>
+              <a:buFont typeface="Arial" panose="020B0604020202020204" pitchFamily="34" charset="0"/>
+              <a:buNone/>
+              <a:defRPr sz="1600">
+                <a:solidFill>
+                  <a:schemeClr val="tx1">
+                    <a:tint val="75000"/>
+                  </a:schemeClr>
+                </a:solidFill>
+              </a:defRPr>
+            </a:lvl9pPr>
+          </a:lstStyle>
+          <a:p>
+            <a:pPr marL="342900" indent="-342900">
+              <a:spcAft>
+                <a:spcPts val="1200"/>
+              </a:spcAft>
+              <a:buFont typeface="Arial" panose="020B0604020202020204" pitchFamily="34" charset="0"/>
+              <a:buChar char="•"/>
+            </a:pPr>
             <a:r>
               <a:rPr lang="en-US" dirty="0"/>
-              <a:t>Choose Google account to link to </a:t>
-            </a:r>
-            <a:r>
-              <a:rPr lang="en-US" dirty="0" err="1"/>
-              <a:t>PetNamer</a:t>
-            </a:r>
+              <a:t>In order to receive pet name suggestions a user will need to login to their account</a:t>
+            </a:r>
+          </a:p>
+          <a:p>
+            <a:pPr marL="342900" indent="-342900">
+              <a:spcAft>
+                <a:spcPts val="1200"/>
+              </a:spcAft>
+              <a:buFont typeface="Arial" panose="020B0604020202020204" pitchFamily="34" charset="0"/>
+              <a:buChar char="•"/>
+            </a:pPr>
             <a:r>
               <a:rPr lang="en-US" dirty="0"/>
-              <a:t> app</a:t>
-            </a:r>
-          </a:p>
-          <a:p>
+              <a:t>In order to save names, user must be logged in</a:t>
+            </a:r>
+          </a:p>
+          <a:p>
+            <a:pPr marL="342900" indent="-342900">
+              <a:spcAft>
+                <a:spcPts val="1200"/>
+              </a:spcAft>
+              <a:buFont typeface="Arial" panose="020B0604020202020204" pitchFamily="34" charset="0"/>
+              <a:buChar char="•"/>
+            </a:pPr>
             <a:r>
               <a:rPr lang="en-US" dirty="0"/>
-              <a:t>Will use email and name to create account</a:t>
-            </a:r>
-          </a:p>
-          <a:p>
-            <a:endParaRPr lang="en-US" dirty="0"/>
-          </a:p>
-          <a:p>
-            <a:endParaRPr lang="en-US" dirty="0"/>
-          </a:p>
-        </p:txBody>
-      </p:sp>
-      <p:sp>
-        <p:nvSpPr>
-          <p:cNvPr id="5" name="Title 4">
-            <a:extLst>
-              <a:ext uri="{FF2B5EF4-FFF2-40B4-BE49-F238E27FC236}">
-                <a16:creationId xmlns:a16="http://schemas.microsoft.com/office/drawing/2014/main" id="{51413CEB-3B25-953C-286C-16A9902048C0}"/>
-              </a:ext>
-            </a:extLst>
-          </p:cNvPr>
-          <p:cNvSpPr>
-            <a:spLocks noGrp="1"/>
-          </p:cNvSpPr>
-          <p:nvPr>
-            <p:ph type="title"/>
-          </p:nvPr>
-        </p:nvSpPr>
-        <p:spPr>
-          <a:xfrm>
-            <a:off x="6000465" y="407320"/>
-            <a:ext cx="5897218" cy="884238"/>
-          </a:xfrm>
-        </p:spPr>
-        <p:txBody>
-          <a:bodyPr/>
-          <a:lstStyle/>
-          <a:p>
-            <a:r>
-              <a:rPr lang="en-US" dirty="0"/>
-              <a:t>Google Login</a:t>
-            </a:r>
-          </a:p>
-        </p:txBody>
-      </p:sp>
-      <mc:AlternateContent xmlns:mc="http://schemas.openxmlformats.org/markup-compatibility/2006" xmlns:p14="http://schemas.microsoft.com/office/powerpoint/2010/main">
-        <mc:Choice Requires="p14">
-          <p:contentPart p14:bwMode="auto" r:id="rId3">
-            <p14:nvContentPartPr>
-              <p14:cNvPr id="9" name="Ink 8">
-                <a:extLst>
-                  <a:ext uri="{FF2B5EF4-FFF2-40B4-BE49-F238E27FC236}">
-                    <a16:creationId xmlns:a16="http://schemas.microsoft.com/office/drawing/2014/main" id="{8AB6F95B-9B5D-ECF2-AFEA-78BC897B3F49}"/>
-                  </a:ext>
-                </a:extLst>
-              </p14:cNvPr>
-              <p14:cNvContentPartPr/>
-              <p14:nvPr/>
-            </p14:nvContentPartPr>
-            <p14:xfrm>
-              <a:off x="3362095" y="2958148"/>
-              <a:ext cx="1011600" cy="360"/>
-            </p14:xfrm>
-          </p:contentPart>
-        </mc:Choice>
-        <mc:Fallback xmlns="">
-          <p:pic>
-            <p:nvPicPr>
-              <p:cNvPr id="9" name="Ink 8">
-                <a:extLst>
-                  <a:ext uri="{FF2B5EF4-FFF2-40B4-BE49-F238E27FC236}">
-                    <a16:creationId xmlns:a16="http://schemas.microsoft.com/office/drawing/2014/main" id="{8AB6F95B-9B5D-ECF2-AFEA-78BC897B3F49}"/>
-                  </a:ext>
-                </a:extLst>
-              </p:cNvPr>
-              <p:cNvPicPr/>
-              <p:nvPr/>
-            </p:nvPicPr>
-            <p:blipFill>
-              <a:blip r:embed="rId4"/>
-              <a:stretch>
-                <a:fillRect/>
-              </a:stretch>
-            </p:blipFill>
-            <p:spPr>
-              <a:xfrm>
-                <a:off x="3299095" y="2895148"/>
-                <a:ext cx="1137240" cy="126000"/>
-              </a:xfrm>
-              <a:prstGeom prst="rect">
-                <a:avLst/>
-              </a:prstGeom>
-            </p:spPr>
-          </p:pic>
-        </mc:Fallback>
-      </mc:AlternateContent>
-      <mc:AlternateContent xmlns:mc="http://schemas.openxmlformats.org/markup-compatibility/2006" xmlns:p14="http://schemas.microsoft.com/office/powerpoint/2010/main">
-        <mc:Choice Requires="p14">
-          <p:contentPart p14:bwMode="auto" r:id="rId5">
-            <p14:nvContentPartPr>
-              <p14:cNvPr id="10" name="Ink 9">
-                <a:extLst>
-                  <a:ext uri="{FF2B5EF4-FFF2-40B4-BE49-F238E27FC236}">
-                    <a16:creationId xmlns:a16="http://schemas.microsoft.com/office/drawing/2014/main" id="{8236EFF7-CB2D-141E-D0B3-DABCC078268C}"/>
-                  </a:ext>
-                </a:extLst>
-              </p14:cNvPr>
-              <p14:cNvContentPartPr/>
-              <p14:nvPr/>
-            </p14:nvContentPartPr>
-            <p14:xfrm>
-              <a:off x="3348055" y="3422188"/>
-              <a:ext cx="631440" cy="360"/>
-            </p14:xfrm>
-          </p:contentPart>
-        </mc:Choice>
-        <mc:Fallback xmlns="">
-          <p:pic>
-            <p:nvPicPr>
-              <p:cNvPr id="10" name="Ink 9">
-                <a:extLst>
-                  <a:ext uri="{FF2B5EF4-FFF2-40B4-BE49-F238E27FC236}">
-                    <a16:creationId xmlns:a16="http://schemas.microsoft.com/office/drawing/2014/main" id="{8236EFF7-CB2D-141E-D0B3-DABCC078268C}"/>
-                  </a:ext>
-                </a:extLst>
-              </p:cNvPr>
-              <p:cNvPicPr/>
-              <p:nvPr/>
-            </p:nvPicPr>
-            <p:blipFill>
-              <a:blip r:embed="rId6"/>
-              <a:stretch>
-                <a:fillRect/>
-              </a:stretch>
-            </p:blipFill>
-            <p:spPr>
-              <a:xfrm>
-                <a:off x="3285415" y="3359548"/>
-                <a:ext cx="757080" cy="126000"/>
-              </a:xfrm>
-              <a:prstGeom prst="rect">
-                <a:avLst/>
-              </a:prstGeom>
-            </p:spPr>
-          </p:pic>
-        </mc:Fallback>
-      </mc:AlternateContent>
-      <mc:AlternateContent xmlns:mc="http://schemas.openxmlformats.org/markup-compatibility/2006" xmlns:p14="http://schemas.microsoft.com/office/powerpoint/2010/main">
-        <mc:Choice Requires="p14">
-          <p:contentPart p14:bwMode="auto" r:id="rId7">
-            <p14:nvContentPartPr>
-              <p14:cNvPr id="14" name="Ink 13">
-                <a:extLst>
-                  <a:ext uri="{FF2B5EF4-FFF2-40B4-BE49-F238E27FC236}">
-                    <a16:creationId xmlns:a16="http://schemas.microsoft.com/office/drawing/2014/main" id="{1A2CA15E-79C1-7DF0-6FB1-7326C327617F}"/>
-                  </a:ext>
-                </a:extLst>
-              </p14:cNvPr>
-              <p14:cNvContentPartPr/>
-              <p14:nvPr/>
-            </p14:nvContentPartPr>
-            <p14:xfrm>
-              <a:off x="3150775" y="2901988"/>
-              <a:ext cx="1378440" cy="360"/>
-            </p14:xfrm>
-          </p:contentPart>
-        </mc:Choice>
-        <mc:Fallback xmlns="">
-          <p:pic>
-            <p:nvPicPr>
-              <p:cNvPr id="14" name="Ink 13">
-                <a:extLst>
-                  <a:ext uri="{FF2B5EF4-FFF2-40B4-BE49-F238E27FC236}">
-                    <a16:creationId xmlns:a16="http://schemas.microsoft.com/office/drawing/2014/main" id="{1A2CA15E-79C1-7DF0-6FB1-7326C327617F}"/>
-                  </a:ext>
-                </a:extLst>
-              </p:cNvPr>
-              <p:cNvPicPr/>
-              <p:nvPr/>
-            </p:nvPicPr>
-            <p:blipFill>
-              <a:blip r:embed="rId8"/>
-              <a:stretch>
-                <a:fillRect/>
-              </a:stretch>
-            </p:blipFill>
-            <p:spPr>
-              <a:xfrm>
-                <a:off x="3088135" y="2838988"/>
-                <a:ext cx="1504080" cy="126000"/>
-              </a:xfrm>
-              <a:prstGeom prst="rect">
-                <a:avLst/>
-              </a:prstGeom>
-            </p:spPr>
-          </p:pic>
-        </mc:Fallback>
-      </mc:AlternateContent>
-      <mc:AlternateContent xmlns:mc="http://schemas.openxmlformats.org/markup-compatibility/2006" xmlns:p14="http://schemas.microsoft.com/office/powerpoint/2010/main">
-        <mc:Choice Requires="p14">
-          <p:contentPart p14:bwMode="auto" r:id="rId9">
-            <p14:nvContentPartPr>
-              <p14:cNvPr id="15" name="Ink 14">
-                <a:extLst>
-                  <a:ext uri="{FF2B5EF4-FFF2-40B4-BE49-F238E27FC236}">
-                    <a16:creationId xmlns:a16="http://schemas.microsoft.com/office/drawing/2014/main" id="{C0451767-FEA0-130C-59F4-7B7BA951F09D}"/>
-                  </a:ext>
-                </a:extLst>
-              </p14:cNvPr>
-              <p14:cNvContentPartPr/>
-              <p14:nvPr/>
-            </p14:nvContentPartPr>
-            <p14:xfrm>
-              <a:off x="3137095" y="2789308"/>
-              <a:ext cx="1457640" cy="360"/>
-            </p14:xfrm>
-          </p:contentPart>
-        </mc:Choice>
-        <mc:Fallback xmlns="">
-          <p:pic>
-            <p:nvPicPr>
-              <p:cNvPr id="15" name="Ink 14">
-                <a:extLst>
-                  <a:ext uri="{FF2B5EF4-FFF2-40B4-BE49-F238E27FC236}">
-                    <a16:creationId xmlns:a16="http://schemas.microsoft.com/office/drawing/2014/main" id="{C0451767-FEA0-130C-59F4-7B7BA951F09D}"/>
-                  </a:ext>
-                </a:extLst>
-              </p:cNvPr>
-              <p:cNvPicPr/>
-              <p:nvPr/>
-            </p:nvPicPr>
-            <p:blipFill>
-              <a:blip r:embed="rId10"/>
-              <a:stretch>
-                <a:fillRect/>
-              </a:stretch>
-            </p:blipFill>
-            <p:spPr>
-              <a:xfrm>
-                <a:off x="3074095" y="2726668"/>
-                <a:ext cx="1583280" cy="126000"/>
-              </a:xfrm>
-              <a:prstGeom prst="rect">
-                <a:avLst/>
-              </a:prstGeom>
-            </p:spPr>
-          </p:pic>
-        </mc:Fallback>
-      </mc:AlternateContent>
-      <p:grpSp>
-        <p:nvGrpSpPr>
-          <p:cNvPr id="17" name="Group 16">
-            <a:extLst>
-              <a:ext uri="{FF2B5EF4-FFF2-40B4-BE49-F238E27FC236}">
-                <a16:creationId xmlns:a16="http://schemas.microsoft.com/office/drawing/2014/main" id="{36FA8B52-1B56-C267-0523-74C8665D74B3}"/>
-              </a:ext>
-            </a:extLst>
-          </p:cNvPr>
-          <p:cNvGrpSpPr/>
-          <p:nvPr/>
-        </p:nvGrpSpPr>
-        <p:grpSpPr>
-          <a:xfrm>
-            <a:off x="3109015" y="2986228"/>
-            <a:ext cx="1523160" cy="42480"/>
-            <a:chOff x="3109015" y="2986228"/>
-            <a:chExt cx="1523160" cy="42480"/>
-          </a:xfrm>
-        </p:grpSpPr>
-        <mc:AlternateContent xmlns:mc="http://schemas.openxmlformats.org/markup-compatibility/2006" xmlns:p14="http://schemas.microsoft.com/office/powerpoint/2010/main">
-          <mc:Choice Requires="p14">
-            <p:contentPart p14:bwMode="auto" r:id="rId11">
-              <p14:nvContentPartPr>
-                <p14:cNvPr id="11" name="Ink 10">
-                  <a:extLst>
-                    <a:ext uri="{FF2B5EF4-FFF2-40B4-BE49-F238E27FC236}">
-                      <a16:creationId xmlns:a16="http://schemas.microsoft.com/office/drawing/2014/main" id="{E81B5462-A8A3-4DA2-B032-2FD607338990}"/>
-                    </a:ext>
-                  </a:extLst>
-                </p14:cNvPr>
-                <p14:cNvContentPartPr/>
-                <p14:nvPr/>
-              </p14:nvContentPartPr>
-              <p14:xfrm>
-                <a:off x="3165175" y="3028348"/>
-                <a:ext cx="360" cy="360"/>
-              </p14:xfrm>
-            </p:contentPart>
-          </mc:Choice>
-          <mc:Fallback xmlns="">
-            <p:pic>
-              <p:nvPicPr>
-                <p:cNvPr id="11" name="Ink 10">
-                  <a:extLst>
-                    <a:ext uri="{FF2B5EF4-FFF2-40B4-BE49-F238E27FC236}">
-                      <a16:creationId xmlns:a16="http://schemas.microsoft.com/office/drawing/2014/main" id="{E81B5462-A8A3-4DA2-B032-2FD607338990}"/>
-                    </a:ext>
-                  </a:extLst>
-                </p:cNvPr>
-                <p:cNvPicPr/>
-                <p:nvPr/>
-              </p:nvPicPr>
-              <p:blipFill>
-                <a:blip r:embed="rId12"/>
-                <a:stretch>
-                  <a:fillRect/>
-                </a:stretch>
-              </p:blipFill>
-              <p:spPr>
-                <a:xfrm>
-                  <a:off x="3102535" y="2965708"/>
-                  <a:ext cx="126000" cy="126000"/>
-                </a:xfrm>
-                <a:prstGeom prst="rect">
-                  <a:avLst/>
-                </a:prstGeom>
-              </p:spPr>
-            </p:pic>
-          </mc:Fallback>
-        </mc:AlternateContent>
-        <mc:AlternateContent xmlns:mc="http://schemas.openxmlformats.org/markup-compatibility/2006" xmlns:p14="http://schemas.microsoft.com/office/powerpoint/2010/main">
-          <mc:Choice Requires="p14">
-            <p:contentPart p14:bwMode="auto" r:id="rId13">
-              <p14:nvContentPartPr>
-                <p14:cNvPr id="12" name="Ink 11">
-                  <a:extLst>
-                    <a:ext uri="{FF2B5EF4-FFF2-40B4-BE49-F238E27FC236}">
-                      <a16:creationId xmlns:a16="http://schemas.microsoft.com/office/drawing/2014/main" id="{237249C2-0F8E-0B5B-E865-595E28F79401}"/>
-                    </a:ext>
-                  </a:extLst>
-                </p14:cNvPr>
-                <p14:cNvContentPartPr/>
-                <p14:nvPr/>
-              </p14:nvContentPartPr>
-              <p14:xfrm>
-                <a:off x="3178855" y="3028348"/>
-                <a:ext cx="1320840" cy="360"/>
-              </p14:xfrm>
-            </p:contentPart>
-          </mc:Choice>
-          <mc:Fallback xmlns="">
-            <p:pic>
-              <p:nvPicPr>
-                <p:cNvPr id="12" name="Ink 11">
-                  <a:extLst>
-                    <a:ext uri="{FF2B5EF4-FFF2-40B4-BE49-F238E27FC236}">
-                      <a16:creationId xmlns:a16="http://schemas.microsoft.com/office/drawing/2014/main" id="{237249C2-0F8E-0B5B-E865-595E28F79401}"/>
-                    </a:ext>
-                  </a:extLst>
-                </p:cNvPr>
-                <p:cNvPicPr/>
-                <p:nvPr/>
-              </p:nvPicPr>
-              <p:blipFill>
-                <a:blip r:embed="rId14"/>
-                <a:stretch>
-                  <a:fillRect/>
-                </a:stretch>
-              </p:blipFill>
-              <p:spPr>
-                <a:xfrm>
-                  <a:off x="3116215" y="2965708"/>
-                  <a:ext cx="1446480" cy="126000"/>
-                </a:xfrm>
-                <a:prstGeom prst="rect">
-                  <a:avLst/>
-                </a:prstGeom>
-              </p:spPr>
-            </p:pic>
-          </mc:Fallback>
-        </mc:AlternateContent>
-        <mc:AlternateContent xmlns:mc="http://schemas.openxmlformats.org/markup-compatibility/2006" xmlns:p14="http://schemas.microsoft.com/office/powerpoint/2010/main">
-          <mc:Choice Requires="p14">
-            <p:contentPart p14:bwMode="auto" r:id="rId15">
-              <p14:nvContentPartPr>
-                <p14:cNvPr id="16" name="Ink 15">
-                  <a:extLst>
-                    <a:ext uri="{FF2B5EF4-FFF2-40B4-BE49-F238E27FC236}">
-                      <a16:creationId xmlns:a16="http://schemas.microsoft.com/office/drawing/2014/main" id="{66A8DA5D-BE5D-94C1-DC45-FADFBDE02981}"/>
-                    </a:ext>
-                  </a:extLst>
-                </p14:cNvPr>
-                <p14:cNvContentPartPr/>
-                <p14:nvPr/>
-              </p14:nvContentPartPr>
-              <p14:xfrm>
-                <a:off x="3109015" y="2986228"/>
-                <a:ext cx="1523160" cy="360"/>
-              </p14:xfrm>
-            </p:contentPart>
-          </mc:Choice>
-          <mc:Fallback xmlns="">
-            <p:pic>
-              <p:nvPicPr>
-                <p:cNvPr id="16" name="Ink 15">
-                  <a:extLst>
-                    <a:ext uri="{FF2B5EF4-FFF2-40B4-BE49-F238E27FC236}">
-                      <a16:creationId xmlns:a16="http://schemas.microsoft.com/office/drawing/2014/main" id="{66A8DA5D-BE5D-94C1-DC45-FADFBDE02981}"/>
-                    </a:ext>
-                  </a:extLst>
-                </p:cNvPr>
-                <p:cNvPicPr/>
-                <p:nvPr/>
-              </p:nvPicPr>
-              <p:blipFill>
-                <a:blip r:embed="rId16"/>
-                <a:stretch>
-                  <a:fillRect/>
-                </a:stretch>
-              </p:blipFill>
-              <p:spPr>
-                <a:xfrm>
-                  <a:off x="3046015" y="2923588"/>
-                  <a:ext cx="1648800" cy="126000"/>
-                </a:xfrm>
-                <a:prstGeom prst="rect">
-                  <a:avLst/>
-                </a:prstGeom>
-              </p:spPr>
-            </p:pic>
-          </mc:Fallback>
-        </mc:AlternateContent>
-      </p:grpSp>
-      <mc:AlternateContent xmlns:mc="http://schemas.openxmlformats.org/markup-compatibility/2006" xmlns:p14="http://schemas.microsoft.com/office/powerpoint/2010/main">
-        <mc:Choice Requires="p14">
-          <p:contentPart p14:bwMode="auto" r:id="rId17">
-            <p14:nvContentPartPr>
-              <p14:cNvPr id="18" name="Ink 17">
-                <a:extLst>
-                  <a:ext uri="{FF2B5EF4-FFF2-40B4-BE49-F238E27FC236}">
-                    <a16:creationId xmlns:a16="http://schemas.microsoft.com/office/drawing/2014/main" id="{9E22F79A-1701-0AEF-8D84-E0FB208B7205}"/>
-                  </a:ext>
-                </a:extLst>
-              </p14:cNvPr>
-              <p14:cNvContentPartPr/>
-              <p14:nvPr/>
-            </p14:nvContentPartPr>
-            <p14:xfrm>
-              <a:off x="3109015" y="2887948"/>
-              <a:ext cx="1517760" cy="360"/>
-            </p14:xfrm>
-          </p:contentPart>
-        </mc:Choice>
-        <mc:Fallback xmlns="">
-          <p:pic>
-            <p:nvPicPr>
-              <p:cNvPr id="18" name="Ink 17">
-                <a:extLst>
-                  <a:ext uri="{FF2B5EF4-FFF2-40B4-BE49-F238E27FC236}">
-                    <a16:creationId xmlns:a16="http://schemas.microsoft.com/office/drawing/2014/main" id="{9E22F79A-1701-0AEF-8D84-E0FB208B7205}"/>
-                  </a:ext>
-                </a:extLst>
-              </p:cNvPr>
-              <p:cNvPicPr/>
-              <p:nvPr/>
-            </p:nvPicPr>
-            <p:blipFill>
-              <a:blip r:embed="rId18"/>
-              <a:stretch>
-                <a:fillRect/>
-              </a:stretch>
-            </p:blipFill>
-            <p:spPr>
-              <a:xfrm>
-                <a:off x="3046015" y="2824948"/>
-                <a:ext cx="1643400" cy="126000"/>
-              </a:xfrm>
-              <a:prstGeom prst="rect">
-                <a:avLst/>
-              </a:prstGeom>
-            </p:spPr>
-          </p:pic>
-        </mc:Fallback>
-      </mc:AlternateContent>
-      <mc:AlternateContent xmlns:mc="http://schemas.openxmlformats.org/markup-compatibility/2006" xmlns:p14="http://schemas.microsoft.com/office/powerpoint/2010/main">
-        <mc:Choice Requires="p14">
-          <p:contentPart p14:bwMode="auto" r:id="rId19">
-            <p14:nvContentPartPr>
-              <p14:cNvPr id="19" name="Ink 18">
-                <a:extLst>
-                  <a:ext uri="{FF2B5EF4-FFF2-40B4-BE49-F238E27FC236}">
-                    <a16:creationId xmlns:a16="http://schemas.microsoft.com/office/drawing/2014/main" id="{C347B492-78E1-11B1-C1B5-1F7C76345EDE}"/>
-                  </a:ext>
-                </a:extLst>
-              </p14:cNvPr>
-              <p14:cNvContentPartPr/>
-              <p14:nvPr/>
-            </p14:nvContentPartPr>
-            <p14:xfrm>
-              <a:off x="3333655" y="3900628"/>
-              <a:ext cx="941760" cy="360"/>
-            </p14:xfrm>
-          </p:contentPart>
-        </mc:Choice>
-        <mc:Fallback xmlns="">
-          <p:pic>
-            <p:nvPicPr>
-              <p:cNvPr id="19" name="Ink 18">
-                <a:extLst>
-                  <a:ext uri="{FF2B5EF4-FFF2-40B4-BE49-F238E27FC236}">
-                    <a16:creationId xmlns:a16="http://schemas.microsoft.com/office/drawing/2014/main" id="{C347B492-78E1-11B1-C1B5-1F7C76345EDE}"/>
-                  </a:ext>
-                </a:extLst>
-              </p:cNvPr>
-              <p:cNvPicPr/>
-              <p:nvPr/>
-            </p:nvPicPr>
-            <p:blipFill>
-              <a:blip r:embed="rId20"/>
-              <a:stretch>
-                <a:fillRect/>
-              </a:stretch>
-            </p:blipFill>
-            <p:spPr>
-              <a:xfrm>
-                <a:off x="3271015" y="3837988"/>
-                <a:ext cx="1067400" cy="126000"/>
-              </a:xfrm>
-              <a:prstGeom prst="rect">
-                <a:avLst/>
-              </a:prstGeom>
-            </p:spPr>
-          </p:pic>
-        </mc:Fallback>
-      </mc:AlternateContent>
+              <a:t>Use either Google Account or create account credentials</a:t>
+            </a:r>
+          </a:p>
+        </p:txBody>
+      </p:sp>
     </p:spTree>
     <p:extLst>
       <p:ext uri="{BB962C8B-B14F-4D97-AF65-F5344CB8AC3E}">
-        <p14:creationId xmlns:p14="http://schemas.microsoft.com/office/powerpoint/2010/main" val="1312085451"/>
+        <p14:creationId xmlns:p14="http://schemas.microsoft.com/office/powerpoint/2010/main" val="3147156588"/>
       </p:ext>
     </p:extLst>
   </p:cSld>
@@ -12789,23 +13504,12 @@
 </file>
 
 <file path=customXml/item1.xml><?xml version="1.0" encoding="utf-8"?>
-<p:properties xmlns:p="http://schemas.microsoft.com/office/2006/metadata/properties" xmlns:xsi="http://www.w3.org/2001/XMLSchema-instance" xmlns:pc="http://schemas.microsoft.com/office/infopath/2007/PartnerControls">
-  <documentManagement>
-    <Status xmlns="71af3243-3dd4-4a8d-8c0d-dd76da1f02a5">Not started</Status>
-    <MediaServiceKeyPoints xmlns="71af3243-3dd4-4a8d-8c0d-dd76da1f02a5" xsi:nil="true"/>
-    <_ip_UnifiedCompliancePolicyUIAction xmlns="http://schemas.microsoft.com/sharepoint/v3" xsi:nil="true"/>
-    <Image xmlns="71af3243-3dd4-4a8d-8c0d-dd76da1f02a5">
-      <Url xsi:nil="true"/>
-      <Description xsi:nil="true"/>
-    </Image>
-    <Background xmlns="71af3243-3dd4-4a8d-8c0d-dd76da1f02a5">false</Background>
-    <_ip_UnifiedCompliancePolicyProperties xmlns="http://schemas.microsoft.com/sharepoint/v3" xsi:nil="true"/>
-    <ImageTagsTaxHTField xmlns="71af3243-3dd4-4a8d-8c0d-dd76da1f02a5">
-      <Terms xmlns="http://schemas.microsoft.com/office/infopath/2007/PartnerControls"/>
-    </ImageTagsTaxHTField>
-    <TaxCatchAll xmlns="230e9df3-be65-4c73-a93b-d1236ebd677e" xsi:nil="true"/>
-  </documentManagement>
-</p:properties>
+<?mso-contentType ?>
+<FormTemplates xmlns="http://schemas.microsoft.com/sharepoint/v3/contenttype/forms">
+  <Display>DocumentLibraryForm</Display>
+  <Edit>DocumentLibraryForm</Edit>
+  <New>DocumentLibraryForm</New>
+</FormTemplates>
 </file>
 
 <file path=customXml/item2.xml><?xml version="1.0" encoding="utf-8"?>
@@ -13121,22 +13825,29 @@
 </file>
 
 <file path=customXml/item3.xml><?xml version="1.0" encoding="utf-8"?>
-<?mso-contentType ?>
-<FormTemplates xmlns="http://schemas.microsoft.com/sharepoint/v3/contenttype/forms">
-  <Display>DocumentLibraryForm</Display>
-  <Edit>DocumentLibraryForm</Edit>
-  <New>DocumentLibraryForm</New>
-</FormTemplates>
+<p:properties xmlns:p="http://schemas.microsoft.com/office/2006/metadata/properties" xmlns:xsi="http://www.w3.org/2001/XMLSchema-instance" xmlns:pc="http://schemas.microsoft.com/office/infopath/2007/PartnerControls">
+  <documentManagement>
+    <Status xmlns="71af3243-3dd4-4a8d-8c0d-dd76da1f02a5">Not started</Status>
+    <MediaServiceKeyPoints xmlns="71af3243-3dd4-4a8d-8c0d-dd76da1f02a5" xsi:nil="true"/>
+    <_ip_UnifiedCompliancePolicyUIAction xmlns="http://schemas.microsoft.com/sharepoint/v3" xsi:nil="true"/>
+    <Image xmlns="71af3243-3dd4-4a8d-8c0d-dd76da1f02a5">
+      <Url xsi:nil="true"/>
+      <Description xsi:nil="true"/>
+    </Image>
+    <Background xmlns="71af3243-3dd4-4a8d-8c0d-dd76da1f02a5">false</Background>
+    <_ip_UnifiedCompliancePolicyProperties xmlns="http://schemas.microsoft.com/sharepoint/v3" xsi:nil="true"/>
+    <ImageTagsTaxHTField xmlns="71af3243-3dd4-4a8d-8c0d-dd76da1f02a5">
+      <Terms xmlns="http://schemas.microsoft.com/office/infopath/2007/PartnerControls"/>
+    </ImageTagsTaxHTField>
+    <TaxCatchAll xmlns="230e9df3-be65-4c73-a93b-d1236ebd677e" xsi:nil="true"/>
+  </documentManagement>
+</p:properties>
 </file>
 
 <file path=customXml/itemProps1.xml><?xml version="1.0" encoding="utf-8"?>
-<ds:datastoreItem xmlns:ds="http://schemas.openxmlformats.org/officeDocument/2006/customXml" ds:itemID="{8002A8ED-1331-4C1D-8649-743D7BE164DD}">
+<ds:datastoreItem xmlns:ds="http://schemas.openxmlformats.org/officeDocument/2006/customXml" ds:itemID="{99E4EAC9-33DC-4CF0-BA31-C98F61CE4785}">
   <ds:schemaRefs>
-    <ds:schemaRef ds:uri="http://schemas.microsoft.com/office/2006/metadata/properties"/>
-    <ds:schemaRef ds:uri="http://schemas.microsoft.com/office/infopath/2007/PartnerControls"/>
-    <ds:schemaRef ds:uri="71af3243-3dd4-4a8d-8c0d-dd76da1f02a5"/>
-    <ds:schemaRef ds:uri="http://schemas.microsoft.com/sharepoint/v3"/>
-    <ds:schemaRef ds:uri="230e9df3-be65-4c73-a93b-d1236ebd677e"/>
+    <ds:schemaRef ds:uri="http://schemas.microsoft.com/sharepoint/v3/contenttype/forms"/>
   </ds:schemaRefs>
 </ds:datastoreItem>
 </file>
@@ -13163,9 +13874,13 @@
 </file>
 
 <file path=customXml/itemProps3.xml><?xml version="1.0" encoding="utf-8"?>
-<ds:datastoreItem xmlns:ds="http://schemas.openxmlformats.org/officeDocument/2006/customXml" ds:itemID="{99E4EAC9-33DC-4CF0-BA31-C98F61CE4785}">
+<ds:datastoreItem xmlns:ds="http://schemas.openxmlformats.org/officeDocument/2006/customXml" ds:itemID="{8002A8ED-1331-4C1D-8649-743D7BE164DD}">
   <ds:schemaRefs>
-    <ds:schemaRef ds:uri="http://schemas.microsoft.com/sharepoint/v3/contenttype/forms"/>
+    <ds:schemaRef ds:uri="http://schemas.microsoft.com/office/2006/metadata/properties"/>
+    <ds:schemaRef ds:uri="http://schemas.microsoft.com/office/infopath/2007/PartnerControls"/>
+    <ds:schemaRef ds:uri="71af3243-3dd4-4a8d-8c0d-dd76da1f02a5"/>
+    <ds:schemaRef ds:uri="http://schemas.microsoft.com/sharepoint/v3"/>
+    <ds:schemaRef ds:uri="230e9df3-be65-4c73-a93b-d1236ebd677e"/>
   </ds:schemaRefs>
 </ds:datastoreItem>
 </file>

--- a/Phase 3 Docs/Phase 3 - Presentation.pptx
+++ b/Phase 3 Docs/Phase 3 - Presentation.pptx
@@ -5,32 +5,22 @@
     <p:sldMasterId id="2147483648" r:id="rId4"/>
   </p:sldMasterIdLst>
   <p:notesMasterIdLst>
-    <p:notesMasterId r:id="rId25"/>
+    <p:notesMasterId r:id="rId15"/>
   </p:notesMasterIdLst>
   <p:handoutMasterIdLst>
-    <p:handoutMasterId r:id="rId26"/>
+    <p:handoutMasterId r:id="rId16"/>
   </p:handoutMasterIdLst>
   <p:sldIdLst>
     <p:sldId id="2448" r:id="rId5"/>
     <p:sldId id="259" r:id="rId6"/>
-    <p:sldId id="2472" r:id="rId7"/>
-    <p:sldId id="2469" r:id="rId8"/>
-    <p:sldId id="2479" r:id="rId9"/>
-    <p:sldId id="2463" r:id="rId10"/>
-    <p:sldId id="2476" r:id="rId11"/>
-    <p:sldId id="2477" r:id="rId12"/>
+    <p:sldId id="2466" r:id="rId7"/>
+    <p:sldId id="2467" r:id="rId8"/>
+    <p:sldId id="2463" r:id="rId9"/>
+    <p:sldId id="2476" r:id="rId10"/>
+    <p:sldId id="2482" r:id="rId11"/>
+    <p:sldId id="2481" r:id="rId12"/>
     <p:sldId id="2480" r:id="rId13"/>
-    <p:sldId id="2478" r:id="rId14"/>
-    <p:sldId id="2470" r:id="rId15"/>
-    <p:sldId id="2471" r:id="rId16"/>
-    <p:sldId id="2474" r:id="rId17"/>
-    <p:sldId id="2466" r:id="rId18"/>
-    <p:sldId id="2467" r:id="rId19"/>
-    <p:sldId id="2473" r:id="rId20"/>
-    <p:sldId id="2464" r:id="rId21"/>
-    <p:sldId id="2453" r:id="rId22"/>
-    <p:sldId id="2475" r:id="rId23"/>
-    <p:sldId id="2436" r:id="rId24"/>
+    <p:sldId id="2436" r:id="rId14"/>
   </p:sldIdLst>
   <p:sldSz cx="12192000" cy="6858000"/>
   <p:notesSz cx="6858000" cy="9144000"/>
@@ -156,575 +146,6 @@
 </p:presentation>
 </file>
 
-<file path=ppt/charts/chart1.xml><?xml version="1.0" encoding="utf-8"?>
-<c:chartSpace xmlns:c="http://schemas.openxmlformats.org/drawingml/2006/chart" xmlns:a="http://schemas.openxmlformats.org/drawingml/2006/main" xmlns:r="http://schemas.openxmlformats.org/officeDocument/2006/relationships" xmlns:c16r2="http://schemas.microsoft.com/office/drawing/2015/06/chart">
-  <c:date1904 val="0"/>
-  <c:lang val="en-US"/>
-  <c:roundedCorners val="0"/>
-  <mc:AlternateContent xmlns:mc="http://schemas.openxmlformats.org/markup-compatibility/2006">
-    <mc:Choice xmlns:c14="http://schemas.microsoft.com/office/drawing/2007/8/2/chart" Requires="c14">
-      <c14:style val="118"/>
-    </mc:Choice>
-    <mc:Fallback>
-      <c:style val="18"/>
-    </mc:Fallback>
-  </mc:AlternateContent>
-  <c:chart>
-    <c:title>
-      <c:tx>
-        <c:rich>
-          <a:bodyPr/>
-          <a:lstStyle/>
-          <a:p>
-            <a:pPr>
-              <a:defRPr/>
-            </a:pPr>
-            <a:r>
-              <a:rPr lang="en-US"/>
-              <a:t>Gantt Chart</a:t>
-            </a:r>
-            <a:endParaRPr lang="en-US" baseline="0"/>
-          </a:p>
-        </c:rich>
-      </c:tx>
-      <c:layout>
-        <c:manualLayout>
-          <c:xMode val="edge"/>
-          <c:yMode val="edge"/>
-          <c:x val="0.344222805482648"/>
-          <c:y val="9.5238095238095195E-3"/>
-        </c:manualLayout>
-      </c:layout>
-      <c:overlay val="0"/>
-    </c:title>
-    <c:autoTitleDeleted val="0"/>
-    <c:plotArea>
-      <c:layout/>
-      <c:barChart>
-        <c:barDir val="bar"/>
-        <c:grouping val="stacked"/>
-        <c:varyColors val="0"/>
-        <c:ser>
-          <c:idx val="0"/>
-          <c:order val="0"/>
-          <c:tx>
-            <c:strRef>
-              <c:f>Sheet1!$C$5:$C$13</c:f>
-              <c:strCache>
-                <c:ptCount val="9"/>
-                <c:pt idx="0">
-                  <c:v>1/28/2024</c:v>
-                </c:pt>
-                <c:pt idx="1">
-                  <c:v>2/4/2024</c:v>
-                </c:pt>
-                <c:pt idx="2">
-                  <c:v>2/6/2024</c:v>
-                </c:pt>
-                <c:pt idx="3">
-                  <c:v>2/8/2024</c:v>
-                </c:pt>
-                <c:pt idx="4">
-                  <c:v>3/5/2024</c:v>
-                </c:pt>
-                <c:pt idx="5">
-                  <c:v>3/7/2024</c:v>
-                </c:pt>
-                <c:pt idx="6">
-                  <c:v>4/9/2024</c:v>
-                </c:pt>
-                <c:pt idx="7">
-                  <c:v>4/11/2024</c:v>
-                </c:pt>
-                <c:pt idx="8">
-                  <c:v>4/30/2024</c:v>
-                </c:pt>
-              </c:strCache>
-            </c:strRef>
-          </c:tx>
-          <c:spPr>
-            <a:noFill/>
-            <a:ln>
-              <a:noFill/>
-            </a:ln>
-            <a:effectLst/>
-          </c:spPr>
-          <c:invertIfNegative val="0"/>
-          <c:cat>
-            <c:strRef>
-              <c:f>Sheet1!$B$5:$B$13</c:f>
-              <c:strCache>
-                <c:ptCount val="9"/>
-                <c:pt idx="0">
-                  <c:v>Team assembled</c:v>
-                </c:pt>
-                <c:pt idx="1">
-                  <c:v>Ideas exchanged</c:v>
-                </c:pt>
-                <c:pt idx="2">
-                  <c:v>Phase 1 due</c:v>
-                </c:pt>
-                <c:pt idx="3">
-                  <c:v>Front End development</c:v>
-                </c:pt>
-                <c:pt idx="4">
-                  <c:v>Phase 2 due</c:v>
-                </c:pt>
-                <c:pt idx="5">
-                  <c:v>Back End development</c:v>
-                </c:pt>
-                <c:pt idx="6">
-                  <c:v>Phase 3 due</c:v>
-                </c:pt>
-                <c:pt idx="7">
-                  <c:v>Testing and adjustment</c:v>
-                </c:pt>
-                <c:pt idx="8">
-                  <c:v>Phase 4 Due</c:v>
-                </c:pt>
-              </c:strCache>
-            </c:strRef>
-          </c:cat>
-          <c:val>
-            <c:numRef>
-              <c:f>Sheet1!$C$5:$C$13</c:f>
-              <c:numCache>
-                <c:formatCode>m/d/yyyy</c:formatCode>
-                <c:ptCount val="9"/>
-                <c:pt idx="0">
-                  <c:v>45319</c:v>
-                </c:pt>
-                <c:pt idx="1">
-                  <c:v>45326</c:v>
-                </c:pt>
-                <c:pt idx="2">
-                  <c:v>45328</c:v>
-                </c:pt>
-                <c:pt idx="3">
-                  <c:v>45330</c:v>
-                </c:pt>
-                <c:pt idx="4">
-                  <c:v>45356</c:v>
-                </c:pt>
-                <c:pt idx="5">
-                  <c:v>45358</c:v>
-                </c:pt>
-                <c:pt idx="6">
-                  <c:v>45391</c:v>
-                </c:pt>
-                <c:pt idx="7">
-                  <c:v>45393</c:v>
-                </c:pt>
-                <c:pt idx="8">
-                  <c:v>45412</c:v>
-                </c:pt>
-              </c:numCache>
-            </c:numRef>
-          </c:val>
-          <c:extLst>
-            <c:ext xmlns:c16="http://schemas.microsoft.com/office/drawing/2014/chart" uri="{C3380CC4-5D6E-409C-BE32-E72D297353CC}">
-              <c16:uniqueId val="{00000000-2AF7-4A31-948B-2F40004294E9}"/>
-            </c:ext>
-          </c:extLst>
-        </c:ser>
-        <c:ser>
-          <c:idx val="1"/>
-          <c:order val="1"/>
-          <c:tx>
-            <c:strRef>
-              <c:f>Sheet1!$E$4</c:f>
-              <c:strCache>
-                <c:ptCount val="1"/>
-                <c:pt idx="0">
-                  <c:v>Duration (days)</c:v>
-                </c:pt>
-              </c:strCache>
-            </c:strRef>
-          </c:tx>
-          <c:invertIfNegative val="0"/>
-          <c:dPt>
-            <c:idx val="0"/>
-            <c:invertIfNegative val="0"/>
-            <c:bubble3D val="0"/>
-            <c:spPr>
-              <a:solidFill>
-                <a:srgbClr val="008000"/>
-              </a:solidFill>
-            </c:spPr>
-            <c:extLst>
-              <c:ext xmlns:c16="http://schemas.microsoft.com/office/drawing/2014/chart" uri="{C3380CC4-5D6E-409C-BE32-E72D297353CC}">
-                <c16:uniqueId val="{00000002-2AF7-4A31-948B-2F40004294E9}"/>
-              </c:ext>
-            </c:extLst>
-          </c:dPt>
-          <c:dPt>
-            <c:idx val="1"/>
-            <c:invertIfNegative val="0"/>
-            <c:bubble3D val="0"/>
-            <c:spPr>
-              <a:solidFill>
-                <a:srgbClr val="008000"/>
-              </a:solidFill>
-            </c:spPr>
-            <c:extLst>
-              <c:ext xmlns:c16="http://schemas.microsoft.com/office/drawing/2014/chart" uri="{C3380CC4-5D6E-409C-BE32-E72D297353CC}">
-                <c16:uniqueId val="{00000004-2AF7-4A31-948B-2F40004294E9}"/>
-              </c:ext>
-            </c:extLst>
-          </c:dPt>
-          <c:dPt>
-            <c:idx val="2"/>
-            <c:invertIfNegative val="0"/>
-            <c:bubble3D val="0"/>
-            <c:spPr>
-              <a:solidFill>
-                <a:srgbClr val="008000"/>
-              </a:solidFill>
-            </c:spPr>
-            <c:extLst>
-              <c:ext xmlns:c16="http://schemas.microsoft.com/office/drawing/2014/chart" uri="{C3380CC4-5D6E-409C-BE32-E72D297353CC}">
-                <c16:uniqueId val="{00000006-2AF7-4A31-948B-2F40004294E9}"/>
-              </c:ext>
-            </c:extLst>
-          </c:dPt>
-          <c:dPt>
-            <c:idx val="3"/>
-            <c:invertIfNegative val="0"/>
-            <c:bubble3D val="0"/>
-            <c:spPr>
-              <a:solidFill>
-                <a:srgbClr val="C00000"/>
-              </a:solidFill>
-            </c:spPr>
-            <c:extLst>
-              <c:ext xmlns:c16="http://schemas.microsoft.com/office/drawing/2014/chart" uri="{C3380CC4-5D6E-409C-BE32-E72D297353CC}">
-                <c16:uniqueId val="{00000008-2AF7-4A31-948B-2F40004294E9}"/>
-              </c:ext>
-            </c:extLst>
-          </c:dPt>
-          <c:dPt>
-            <c:idx val="4"/>
-            <c:invertIfNegative val="0"/>
-            <c:bubble3D val="0"/>
-            <c:spPr>
-              <a:solidFill>
-                <a:srgbClr val="C00000"/>
-              </a:solidFill>
-            </c:spPr>
-            <c:extLst>
-              <c:ext xmlns:c16="http://schemas.microsoft.com/office/drawing/2014/chart" uri="{C3380CC4-5D6E-409C-BE32-E72D297353CC}">
-                <c16:uniqueId val="{0000000A-2AF7-4A31-948B-2F40004294E9}"/>
-              </c:ext>
-            </c:extLst>
-          </c:dPt>
-          <c:dPt>
-            <c:idx val="5"/>
-            <c:invertIfNegative val="0"/>
-            <c:bubble3D val="0"/>
-            <c:spPr>
-              <a:solidFill>
-                <a:srgbClr val="3366FF"/>
-              </a:solidFill>
-            </c:spPr>
-            <c:extLst>
-              <c:ext xmlns:c16="http://schemas.microsoft.com/office/drawing/2014/chart" uri="{C3380CC4-5D6E-409C-BE32-E72D297353CC}">
-                <c16:uniqueId val="{0000000C-2AF7-4A31-948B-2F40004294E9}"/>
-              </c:ext>
-            </c:extLst>
-          </c:dPt>
-          <c:dPt>
-            <c:idx val="6"/>
-            <c:invertIfNegative val="0"/>
-            <c:bubble3D val="0"/>
-            <c:spPr>
-              <a:solidFill>
-                <a:srgbClr val="3366FF"/>
-              </a:solidFill>
-            </c:spPr>
-            <c:extLst>
-              <c:ext xmlns:c16="http://schemas.microsoft.com/office/drawing/2014/chart" uri="{C3380CC4-5D6E-409C-BE32-E72D297353CC}">
-                <c16:uniqueId val="{0000000E-2AF7-4A31-948B-2F40004294E9}"/>
-              </c:ext>
-            </c:extLst>
-          </c:dPt>
-          <c:dPt>
-            <c:idx val="7"/>
-            <c:invertIfNegative val="0"/>
-            <c:bubble3D val="0"/>
-            <c:spPr>
-              <a:solidFill>
-                <a:srgbClr val="7030A0"/>
-              </a:solidFill>
-            </c:spPr>
-            <c:extLst>
-              <c:ext xmlns:c16="http://schemas.microsoft.com/office/drawing/2014/chart" uri="{C3380CC4-5D6E-409C-BE32-E72D297353CC}">
-                <c16:uniqueId val="{00000010-2AF7-4A31-948B-2F40004294E9}"/>
-              </c:ext>
-            </c:extLst>
-          </c:dPt>
-          <c:dPt>
-            <c:idx val="8"/>
-            <c:invertIfNegative val="0"/>
-            <c:bubble3D val="0"/>
-            <c:spPr>
-              <a:solidFill>
-                <a:srgbClr val="7030A0"/>
-              </a:solidFill>
-            </c:spPr>
-            <c:extLst>
-              <c:ext xmlns:c16="http://schemas.microsoft.com/office/drawing/2014/chart" uri="{C3380CC4-5D6E-409C-BE32-E72D297353CC}">
-                <c16:uniqueId val="{00000012-2AF7-4A31-948B-2F40004294E9}"/>
-              </c:ext>
-            </c:extLst>
-          </c:dPt>
-          <c:dPt>
-            <c:idx val="9"/>
-            <c:invertIfNegative val="0"/>
-            <c:bubble3D val="0"/>
-            <c:spPr>
-              <a:solidFill>
-                <a:srgbClr val="FF0000"/>
-              </a:solidFill>
-            </c:spPr>
-            <c:extLst>
-              <c:ext xmlns:c16="http://schemas.microsoft.com/office/drawing/2014/chart" uri="{C3380CC4-5D6E-409C-BE32-E72D297353CC}">
-                <c16:uniqueId val="{00000014-2AF7-4A31-948B-2F40004294E9}"/>
-              </c:ext>
-            </c:extLst>
-          </c:dPt>
-          <c:dPt>
-            <c:idx val="10"/>
-            <c:invertIfNegative val="0"/>
-            <c:bubble3D val="0"/>
-            <c:spPr>
-              <a:solidFill>
-                <a:srgbClr val="FF0000"/>
-              </a:solidFill>
-            </c:spPr>
-            <c:extLst>
-              <c:ext xmlns:c16="http://schemas.microsoft.com/office/drawing/2014/chart" uri="{C3380CC4-5D6E-409C-BE32-E72D297353CC}">
-                <c16:uniqueId val="{00000016-2AF7-4A31-948B-2F40004294E9}"/>
-              </c:ext>
-            </c:extLst>
-          </c:dPt>
-          <c:dPt>
-            <c:idx val="11"/>
-            <c:invertIfNegative val="0"/>
-            <c:bubble3D val="0"/>
-            <c:spPr>
-              <a:solidFill>
-                <a:srgbClr val="FF0000"/>
-              </a:solidFill>
-            </c:spPr>
-            <c:extLst>
-              <c:ext xmlns:c16="http://schemas.microsoft.com/office/drawing/2014/chart" uri="{C3380CC4-5D6E-409C-BE32-E72D297353CC}">
-                <c16:uniqueId val="{00000018-2AF7-4A31-948B-2F40004294E9}"/>
-              </c:ext>
-            </c:extLst>
-          </c:dPt>
-          <c:dPt>
-            <c:idx val="12"/>
-            <c:invertIfNegative val="0"/>
-            <c:bubble3D val="0"/>
-            <c:spPr>
-              <a:solidFill>
-                <a:srgbClr val="FF0000"/>
-              </a:solidFill>
-            </c:spPr>
-            <c:extLst>
-              <c:ext xmlns:c16="http://schemas.microsoft.com/office/drawing/2014/chart" uri="{C3380CC4-5D6E-409C-BE32-E72D297353CC}">
-                <c16:uniqueId val="{0000001A-2AF7-4A31-948B-2F40004294E9}"/>
-              </c:ext>
-            </c:extLst>
-          </c:dPt>
-          <c:dPt>
-            <c:idx val="13"/>
-            <c:invertIfNegative val="0"/>
-            <c:bubble3D val="0"/>
-            <c:spPr>
-              <a:solidFill>
-                <a:srgbClr val="660066"/>
-              </a:solidFill>
-            </c:spPr>
-            <c:extLst>
-              <c:ext xmlns:c16="http://schemas.microsoft.com/office/drawing/2014/chart" uri="{C3380CC4-5D6E-409C-BE32-E72D297353CC}">
-                <c16:uniqueId val="{0000001C-2AF7-4A31-948B-2F40004294E9}"/>
-              </c:ext>
-            </c:extLst>
-          </c:dPt>
-          <c:dPt>
-            <c:idx val="14"/>
-            <c:invertIfNegative val="0"/>
-            <c:bubble3D val="0"/>
-            <c:spPr>
-              <a:solidFill>
-                <a:srgbClr val="660066"/>
-              </a:solidFill>
-            </c:spPr>
-            <c:extLst>
-              <c:ext xmlns:c16="http://schemas.microsoft.com/office/drawing/2014/chart" uri="{C3380CC4-5D6E-409C-BE32-E72D297353CC}">
-                <c16:uniqueId val="{0000001E-2AF7-4A31-948B-2F40004294E9}"/>
-              </c:ext>
-            </c:extLst>
-          </c:dPt>
-          <c:dPt>
-            <c:idx val="15"/>
-            <c:invertIfNegative val="0"/>
-            <c:bubble3D val="0"/>
-            <c:spPr>
-              <a:solidFill>
-                <a:srgbClr val="660066"/>
-              </a:solidFill>
-            </c:spPr>
-            <c:extLst>
-              <c:ext xmlns:c16="http://schemas.microsoft.com/office/drawing/2014/chart" uri="{C3380CC4-5D6E-409C-BE32-E72D297353CC}">
-                <c16:uniqueId val="{00000020-2AF7-4A31-948B-2F40004294E9}"/>
-              </c:ext>
-            </c:extLst>
-          </c:dPt>
-          <c:cat>
-            <c:strRef>
-              <c:f>Sheet1!$B$5:$B$13</c:f>
-              <c:strCache>
-                <c:ptCount val="9"/>
-                <c:pt idx="0">
-                  <c:v>Team assembled</c:v>
-                </c:pt>
-                <c:pt idx="1">
-                  <c:v>Ideas exchanged</c:v>
-                </c:pt>
-                <c:pt idx="2">
-                  <c:v>Phase 1 due</c:v>
-                </c:pt>
-                <c:pt idx="3">
-                  <c:v>Front End development</c:v>
-                </c:pt>
-                <c:pt idx="4">
-                  <c:v>Phase 2 due</c:v>
-                </c:pt>
-                <c:pt idx="5">
-                  <c:v>Back End development</c:v>
-                </c:pt>
-                <c:pt idx="6">
-                  <c:v>Phase 3 due</c:v>
-                </c:pt>
-                <c:pt idx="7">
-                  <c:v>Testing and adjustment</c:v>
-                </c:pt>
-                <c:pt idx="8">
-                  <c:v>Phase 4 Due</c:v>
-                </c:pt>
-              </c:strCache>
-            </c:strRef>
-          </c:cat>
-          <c:val>
-            <c:numRef>
-              <c:f>Sheet1!$E$5:$E$13</c:f>
-              <c:numCache>
-                <c:formatCode>General</c:formatCode>
-                <c:ptCount val="9"/>
-                <c:pt idx="0">
-                  <c:v>3</c:v>
-                </c:pt>
-                <c:pt idx="1">
-                  <c:v>2</c:v>
-                </c:pt>
-                <c:pt idx="2">
-                  <c:v>1</c:v>
-                </c:pt>
-                <c:pt idx="3">
-                  <c:v>26</c:v>
-                </c:pt>
-                <c:pt idx="4">
-                  <c:v>1</c:v>
-                </c:pt>
-                <c:pt idx="5">
-                  <c:v>33</c:v>
-                </c:pt>
-                <c:pt idx="6">
-                  <c:v>1</c:v>
-                </c:pt>
-                <c:pt idx="7">
-                  <c:v>19</c:v>
-                </c:pt>
-                <c:pt idx="8">
-                  <c:v>1</c:v>
-                </c:pt>
-              </c:numCache>
-            </c:numRef>
-          </c:val>
-          <c:extLst>
-            <c:ext xmlns:c16="http://schemas.microsoft.com/office/drawing/2014/chart" uri="{C3380CC4-5D6E-409C-BE32-E72D297353CC}">
-              <c16:uniqueId val="{00000021-2AF7-4A31-948B-2F40004294E9}"/>
-            </c:ext>
-          </c:extLst>
-        </c:ser>
-        <c:dLbls>
-          <c:showLegendKey val="0"/>
-          <c:showVal val="0"/>
-          <c:showCatName val="0"/>
-          <c:showSerName val="0"/>
-          <c:showPercent val="0"/>
-          <c:showBubbleSize val="0"/>
-        </c:dLbls>
-        <c:gapWidth val="100"/>
-        <c:overlap val="100"/>
-        <c:axId val="163390400"/>
-        <c:axId val="164523240"/>
-      </c:barChart>
-      <c:catAx>
-        <c:axId val="163390400"/>
-        <c:scaling>
-          <c:orientation val="maxMin"/>
-        </c:scaling>
-        <c:delete val="0"/>
-        <c:axPos val="l"/>
-        <c:numFmt formatCode="General" sourceLinked="0"/>
-        <c:majorTickMark val="out"/>
-        <c:minorTickMark val="none"/>
-        <c:tickLblPos val="nextTo"/>
-        <c:crossAx val="164523240"/>
-        <c:crosses val="autoZero"/>
-        <c:auto val="1"/>
-        <c:lblAlgn val="ctr"/>
-        <c:lblOffset val="100"/>
-        <c:noMultiLvlLbl val="0"/>
-      </c:catAx>
-      <c:valAx>
-        <c:axId val="164523240"/>
-        <c:scaling>
-          <c:orientation val="minMax"/>
-          <c:min val="45320"/>
-        </c:scaling>
-        <c:delete val="0"/>
-        <c:axPos val="t"/>
-        <c:majorGridlines/>
-        <c:numFmt formatCode="m/d/yyyy" sourceLinked="1"/>
-        <c:majorTickMark val="out"/>
-        <c:minorTickMark val="none"/>
-        <c:tickLblPos val="nextTo"/>
-        <c:crossAx val="163390400"/>
-        <c:crosses val="autoZero"/>
-        <c:crossBetween val="between"/>
-        <c:majorUnit val="10"/>
-      </c:valAx>
-      <c:spPr>
-        <a:noFill/>
-        <a:ln w="25400">
-          <a:noFill/>
-        </a:ln>
-      </c:spPr>
-    </c:plotArea>
-    <c:plotVisOnly val="1"/>
-    <c:dispBlanksAs val="gap"/>
-    <c:showDLblsOverMax val="0"/>
-  </c:chart>
-  <c:externalData r:id="rId1">
-    <c:autoUpdate val="0"/>
-  </c:externalData>
-</c:chartSpace>
-</file>
-
 <file path=ppt/handoutMasters/handoutMaster1.xml><?xml version="1.0" encoding="utf-8"?>
 <p:handoutMaster xmlns:a="http://schemas.openxmlformats.org/drawingml/2006/main" xmlns:r="http://schemas.openxmlformats.org/officeDocument/2006/relationships" xmlns:p="http://schemas.openxmlformats.org/presentationml/2006/main">
   <p:cSld>
@@ -912,240 +333,6 @@
   </p:cSld>
   <p:clrMap bg1="lt1" tx1="dk1" bg2="lt2" tx2="dk2" accent1="accent1" accent2="accent2" accent3="accent3" accent4="accent4" accent5="accent5" accent6="accent6" hlink="hlink" folHlink="folHlink"/>
 </p:handoutMaster>
-</file>
-
-<file path=ppt/ink/ink1.xml><?xml version="1.0" encoding="utf-8"?>
-<inkml:ink xmlns:inkml="http://www.w3.org/2003/InkML">
-  <inkml:definitions>
-    <inkml:context xml:id="ctx0">
-      <inkml:inkSource xml:id="inkSrc0">
-        <inkml:traceFormat>
-          <inkml:channel name="X" type="integer" min="-2.14748E9" max="2.14748E9" units="cm"/>
-          <inkml:channel name="Y" type="integer" min="-2.14748E9" max="2.14748E9" units="cm"/>
-        </inkml:traceFormat>
-        <inkml:channelProperties>
-          <inkml:channelProperty channel="X" name="resolution" value="1000" units="1/cm"/>
-          <inkml:channelProperty channel="Y" name="resolution" value="1000" units="1/cm"/>
-        </inkml:channelProperties>
-      </inkml:inkSource>
-      <inkml:timestamp xml:id="ts0" timeString="2024-02-29T10:37:20.980"/>
-    </inkml:context>
-    <inkml:brush xml:id="br0">
-      <inkml:brushProperty name="width" value="0.35" units="cm"/>
-      <inkml:brushProperty name="height" value="0.35" units="cm"/>
-      <inkml:brushProperty name="ignorePressure" value="1"/>
-    </inkml:brush>
-  </inkml:definitions>
-  <inkml:trace contextRef="#ctx0" brushRef="#br0">0 0,'2715'0,"-2621"0</inkml:trace>
-</inkml:ink>
-</file>
-
-<file path=ppt/ink/ink2.xml><?xml version="1.0" encoding="utf-8"?>
-<inkml:ink xmlns:inkml="http://www.w3.org/2003/InkML">
-  <inkml:definitions>
-    <inkml:context xml:id="ctx0">
-      <inkml:inkSource xml:id="inkSrc0">
-        <inkml:traceFormat>
-          <inkml:channel name="X" type="integer" min="-2.14748E9" max="2.14748E9" units="cm"/>
-          <inkml:channel name="Y" type="integer" min="-2.14748E9" max="2.14748E9" units="cm"/>
-        </inkml:traceFormat>
-        <inkml:channelProperties>
-          <inkml:channelProperty channel="X" name="resolution" value="1000" units="1/cm"/>
-          <inkml:channelProperty channel="Y" name="resolution" value="1000" units="1/cm"/>
-        </inkml:channelProperties>
-      </inkml:inkSource>
-      <inkml:timestamp xml:id="ts0" timeString="2024-02-29T10:37:30.486"/>
-    </inkml:context>
-    <inkml:brush xml:id="br0">
-      <inkml:brushProperty name="width" value="0.35" units="cm"/>
-      <inkml:brushProperty name="height" value="0.35" units="cm"/>
-      <inkml:brushProperty name="ignorePressure" value="1"/>
-    </inkml:brush>
-  </inkml:definitions>
-  <inkml:trace contextRef="#ctx0" brushRef="#br0">1 1,'1719'0,"-1685"0</inkml:trace>
-</inkml:ink>
-</file>
-
-<file path=ppt/ink/ink3.xml><?xml version="1.0" encoding="utf-8"?>
-<inkml:ink xmlns:inkml="http://www.w3.org/2003/InkML">
-  <inkml:definitions>
-    <inkml:context xml:id="ctx0">
-      <inkml:inkSource xml:id="inkSrc0">
-        <inkml:traceFormat>
-          <inkml:channel name="X" type="integer" min="-2.14748E9" max="2.14748E9" units="cm"/>
-          <inkml:channel name="Y" type="integer" min="-2.14748E9" max="2.14748E9" units="cm"/>
-        </inkml:traceFormat>
-        <inkml:channelProperties>
-          <inkml:channelProperty channel="X" name="resolution" value="1000" units="1/cm"/>
-          <inkml:channelProperty channel="Y" name="resolution" value="1000" units="1/cm"/>
-        </inkml:channelProperties>
-      </inkml:inkSource>
-      <inkml:timestamp xml:id="ts0" timeString="2024-02-29T10:37:45.324"/>
-    </inkml:context>
-    <inkml:brush xml:id="br0">
-      <inkml:brushProperty name="width" value="0.35" units="cm"/>
-      <inkml:brushProperty name="height" value="0.35" units="cm"/>
-      <inkml:brushProperty name="ignorePressure" value="1"/>
-    </inkml:brush>
-  </inkml:definitions>
-  <inkml:trace contextRef="#ctx0" brushRef="#br0">1 0,'3794'0,"-3760"0</inkml:trace>
-</inkml:ink>
-</file>
-
-<file path=ppt/ink/ink4.xml><?xml version="1.0" encoding="utf-8"?>
-<inkml:ink xmlns:inkml="http://www.w3.org/2003/InkML">
-  <inkml:definitions>
-    <inkml:context xml:id="ctx0">
-      <inkml:inkSource xml:id="inkSrc0">
-        <inkml:traceFormat>
-          <inkml:channel name="X" type="integer" min="-2.14748E9" max="2.14748E9" units="cm"/>
-          <inkml:channel name="Y" type="integer" min="-2.14748E9" max="2.14748E9" units="cm"/>
-        </inkml:traceFormat>
-        <inkml:channelProperties>
-          <inkml:channelProperty channel="X" name="resolution" value="1000" units="1/cm"/>
-          <inkml:channelProperty channel="Y" name="resolution" value="1000" units="1/cm"/>
-        </inkml:channelProperties>
-      </inkml:inkSource>
-      <inkml:timestamp xml:id="ts0" timeString="2024-02-29T10:37:49.604"/>
-    </inkml:context>
-    <inkml:brush xml:id="br0">
-      <inkml:brushProperty name="width" value="0.35" units="cm"/>
-      <inkml:brushProperty name="height" value="0.35" units="cm"/>
-      <inkml:brushProperty name="ignorePressure" value="1"/>
-    </inkml:brush>
-  </inkml:definitions>
-  <inkml:trace contextRef="#ctx0" brushRef="#br0">0 1,'4003'0,"-3957"0</inkml:trace>
-</inkml:ink>
-</file>
-
-<file path=ppt/ink/ink5.xml><?xml version="1.0" encoding="utf-8"?>
-<inkml:ink xmlns:inkml="http://www.w3.org/2003/InkML">
-  <inkml:definitions>
-    <inkml:context xml:id="ctx0">
-      <inkml:inkSource xml:id="inkSrc0">
-        <inkml:traceFormat>
-          <inkml:channel name="X" type="integer" min="-2.14748E9" max="2.14748E9" units="cm"/>
-          <inkml:channel name="Y" type="integer" min="-2.14748E9" max="2.14748E9" units="cm"/>
-        </inkml:traceFormat>
-        <inkml:channelProperties>
-          <inkml:channelProperty channel="X" name="resolution" value="1000" units="1/cm"/>
-          <inkml:channelProperty channel="Y" name="resolution" value="1000" units="1/cm"/>
-        </inkml:channelProperties>
-      </inkml:inkSource>
-      <inkml:timestamp xml:id="ts0" timeString="2024-02-29T10:37:38.993"/>
-    </inkml:context>
-    <inkml:brush xml:id="br0">
-      <inkml:brushProperty name="width" value="0.35" units="cm"/>
-      <inkml:brushProperty name="height" value="0.35" units="cm"/>
-      <inkml:brushProperty name="ignorePressure" value="1"/>
-    </inkml:brush>
-  </inkml:definitions>
-  <inkml:trace contextRef="#ctx0" brushRef="#br0">1 1,'0'0</inkml:trace>
-</inkml:ink>
-</file>
-
-<file path=ppt/ink/ink6.xml><?xml version="1.0" encoding="utf-8"?>
-<inkml:ink xmlns:inkml="http://www.w3.org/2003/InkML">
-  <inkml:definitions>
-    <inkml:context xml:id="ctx0">
-      <inkml:inkSource xml:id="inkSrc0">
-        <inkml:traceFormat>
-          <inkml:channel name="X" type="integer" min="-2.14748E9" max="2.14748E9" units="cm"/>
-          <inkml:channel name="Y" type="integer" min="-2.14748E9" max="2.14748E9" units="cm"/>
-        </inkml:traceFormat>
-        <inkml:channelProperties>
-          <inkml:channelProperty channel="X" name="resolution" value="1000" units="1/cm"/>
-          <inkml:channelProperty channel="Y" name="resolution" value="1000" units="1/cm"/>
-        </inkml:channelProperties>
-      </inkml:inkSource>
-      <inkml:timestamp xml:id="ts0" timeString="2024-02-29T10:37:41.492"/>
-    </inkml:context>
-    <inkml:brush xml:id="br0">
-      <inkml:brushProperty name="width" value="0.35" units="cm"/>
-      <inkml:brushProperty name="height" value="0.35" units="cm"/>
-      <inkml:brushProperty name="ignorePressure" value="1"/>
-    </inkml:brush>
-  </inkml:definitions>
-  <inkml:trace contextRef="#ctx0" brushRef="#br0">1 1,'3623'0,"-3578"0</inkml:trace>
-</inkml:ink>
-</file>
-
-<file path=ppt/ink/ink7.xml><?xml version="1.0" encoding="utf-8"?>
-<inkml:ink xmlns:inkml="http://www.w3.org/2003/InkML">
-  <inkml:definitions>
-    <inkml:context xml:id="ctx0">
-      <inkml:inkSource xml:id="inkSrc0">
-        <inkml:traceFormat>
-          <inkml:channel name="X" type="integer" min="-2.14748E9" max="2.14748E9" units="cm"/>
-          <inkml:channel name="Y" type="integer" min="-2.14748E9" max="2.14748E9" units="cm"/>
-        </inkml:traceFormat>
-        <inkml:channelProperties>
-          <inkml:channelProperty channel="X" name="resolution" value="1000" units="1/cm"/>
-          <inkml:channelProperty channel="Y" name="resolution" value="1000" units="1/cm"/>
-        </inkml:channelProperties>
-      </inkml:inkSource>
-      <inkml:timestamp xml:id="ts0" timeString="2024-02-29T10:37:55.195"/>
-    </inkml:context>
-    <inkml:brush xml:id="br0">
-      <inkml:brushProperty name="width" value="0.35" units="cm"/>
-      <inkml:brushProperty name="height" value="0.35" units="cm"/>
-      <inkml:brushProperty name="ignorePressure" value="1"/>
-    </inkml:brush>
-  </inkml:definitions>
-  <inkml:trace contextRef="#ctx0" brushRef="#br0">0 1,'4206'0,"-4182"0</inkml:trace>
-</inkml:ink>
-</file>
-
-<file path=ppt/ink/ink8.xml><?xml version="1.0" encoding="utf-8"?>
-<inkml:ink xmlns:inkml="http://www.w3.org/2003/InkML">
-  <inkml:definitions>
-    <inkml:context xml:id="ctx0">
-      <inkml:inkSource xml:id="inkSrc0">
-        <inkml:traceFormat>
-          <inkml:channel name="X" type="integer" min="-2.14748E9" max="2.14748E9" units="cm"/>
-          <inkml:channel name="Y" type="integer" min="-2.14748E9" max="2.14748E9" units="cm"/>
-        </inkml:traceFormat>
-        <inkml:channelProperties>
-          <inkml:channelProperty channel="X" name="resolution" value="1000" units="1/cm"/>
-          <inkml:channelProperty channel="Y" name="resolution" value="1000" units="1/cm"/>
-        </inkml:channelProperties>
-      </inkml:inkSource>
-      <inkml:timestamp xml:id="ts0" timeString="2024-02-29T10:38:01.860"/>
-    </inkml:context>
-    <inkml:brush xml:id="br0">
-      <inkml:brushProperty name="width" value="0.35" units="cm"/>
-      <inkml:brushProperty name="height" value="0.35" units="cm"/>
-      <inkml:brushProperty name="ignorePressure" value="1"/>
-    </inkml:brush>
-  </inkml:definitions>
-  <inkml:trace contextRef="#ctx0" brushRef="#br0">0 0,'4182'0,"-4148"0</inkml:trace>
-</inkml:ink>
-</file>
-
-<file path=ppt/ink/ink9.xml><?xml version="1.0" encoding="utf-8"?>
-<inkml:ink xmlns:inkml="http://www.w3.org/2003/InkML">
-  <inkml:definitions>
-    <inkml:context xml:id="ctx0">
-      <inkml:inkSource xml:id="inkSrc0">
-        <inkml:traceFormat>
-          <inkml:channel name="X" type="integer" min="-2.14748E9" max="2.14748E9" units="cm"/>
-          <inkml:channel name="Y" type="integer" min="-2.14748E9" max="2.14748E9" units="cm"/>
-        </inkml:traceFormat>
-        <inkml:channelProperties>
-          <inkml:channelProperty channel="X" name="resolution" value="1000" units="1/cm"/>
-          <inkml:channelProperty channel="Y" name="resolution" value="1000" units="1/cm"/>
-        </inkml:channelProperties>
-      </inkml:inkSource>
-      <inkml:timestamp xml:id="ts0" timeString="2024-02-29T10:38:09.447"/>
-    </inkml:context>
-    <inkml:brush xml:id="br0">
-      <inkml:brushProperty name="width" value="0.35" units="cm"/>
-      <inkml:brushProperty name="height" value="0.35" units="cm"/>
-      <inkml:brushProperty name="ignorePressure" value="1"/>
-    </inkml:brush>
-  </inkml:definitions>
-  <inkml:trace contextRef="#ctx0" brushRef="#br0">1 1,'2582'0,"-2549"0</inkml:trace>
-</inkml:ink>
 </file>
 
 <file path=ppt/notesMasters/notesMaster1.xml><?xml version="1.0" encoding="utf-8"?>
@@ -6105,10 +5292,9 @@
           <a:lstStyle/>
           <a:p>
             <a:r>
-              <a:rPr lang="en-US"/>
-              <a:t>3.6.2004</a:t>
-            </a:r>
-            <a:endParaRPr lang="en-US" dirty="0"/>
+              <a:rPr lang="en-US" dirty="0"/>
+              <a:t>4.10.2004</a:t>
+            </a:r>
           </a:p>
         </p:txBody>
       </p:sp>
@@ -6135,7 +5321,7 @@
           <a:p>
             <a:r>
               <a:rPr lang="en-US" dirty="0"/>
-              <a:t>PHASE two</a:t>
+              <a:t>PHASE three</a:t>
             </a:r>
           </a:p>
         </p:txBody>
@@ -6154,4065 +5340,6 @@
 </file>
 
 <file path=ppt/slides/slide10.xml><?xml version="1.0" encoding="utf-8"?>
-<p:sld xmlns:a="http://schemas.openxmlformats.org/drawingml/2006/main" xmlns:r="http://schemas.openxmlformats.org/officeDocument/2006/relationships" xmlns:p="http://schemas.openxmlformats.org/presentationml/2006/main">
-  <p:cSld>
-    <p:spTree>
-      <p:nvGrpSpPr>
-        <p:cNvPr id="1" name="">
-          <a:extLst>
-            <a:ext uri="{FF2B5EF4-FFF2-40B4-BE49-F238E27FC236}">
-              <a16:creationId xmlns:a16="http://schemas.microsoft.com/office/drawing/2014/main" id="{AFB7A949-189E-7DB6-E819-62A049CB474B}"/>
-            </a:ext>
-          </a:extLst>
-        </p:cNvPr>
-        <p:cNvGrpSpPr/>
-        <p:nvPr/>
-      </p:nvGrpSpPr>
-      <p:grpSpPr>
-        <a:xfrm>
-          <a:off x="0" y="0"/>
-          <a:ext cx="0" cy="0"/>
-          <a:chOff x="0" y="0"/>
-          <a:chExt cx="0" cy="0"/>
-        </a:xfrm>
-      </p:grpSpPr>
-      <p:pic>
-        <p:nvPicPr>
-          <p:cNvPr id="3" name="Picture Placeholder 2" descr="A computer screen shot of a computer screen&#10;&#10;Description automatically generated">
-            <a:extLst>
-              <a:ext uri="{FF2B5EF4-FFF2-40B4-BE49-F238E27FC236}">
-                <a16:creationId xmlns:a16="http://schemas.microsoft.com/office/drawing/2014/main" id="{357F7275-9335-5902-A322-7641D2F18812}"/>
-              </a:ext>
-            </a:extLst>
-          </p:cNvPr>
-          <p:cNvPicPr>
-            <a:picLocks noGrp="1" noChangeAspect="1"/>
-          </p:cNvPicPr>
-          <p:nvPr>
-            <p:ph type="pic" sz="quarter" idx="14"/>
-          </p:nvPr>
-        </p:nvPicPr>
-        <p:blipFill>
-          <a:blip r:embed="rId2"/>
-          <a:srcRect l="27786" r="27786"/>
-          <a:stretch>
-            <a:fillRect/>
-          </a:stretch>
-        </p:blipFill>
-        <p:spPr/>
-      </p:pic>
-      <p:sp>
-        <p:nvSpPr>
-          <p:cNvPr id="4" name="Slide Number Placeholder 3">
-            <a:extLst>
-              <a:ext uri="{FF2B5EF4-FFF2-40B4-BE49-F238E27FC236}">
-                <a16:creationId xmlns:a16="http://schemas.microsoft.com/office/drawing/2014/main" id="{88A6E483-AAF0-9221-4031-B831F9B5E91A}"/>
-              </a:ext>
-            </a:extLst>
-          </p:cNvPr>
-          <p:cNvSpPr>
-            <a:spLocks noGrp="1"/>
-          </p:cNvSpPr>
-          <p:nvPr>
-            <p:ph type="sldNum" sz="quarter" idx="4"/>
-          </p:nvPr>
-        </p:nvSpPr>
-        <p:spPr/>
-        <p:txBody>
-          <a:bodyPr/>
-          <a:lstStyle/>
-          <a:p>
-            <a:fld id="{819D3A82-D293-4907-9B25-3B6254918E46}" type="slidenum">
-              <a:rPr lang="en-US" smtClean="0"/>
-              <a:t>10</a:t>
-            </a:fld>
-            <a:endParaRPr lang="en-US"/>
-          </a:p>
-        </p:txBody>
-      </p:sp>
-      <p:sp>
-        <p:nvSpPr>
-          <p:cNvPr id="6" name="Content Placeholder 5">
-            <a:extLst>
-              <a:ext uri="{FF2B5EF4-FFF2-40B4-BE49-F238E27FC236}">
-                <a16:creationId xmlns:a16="http://schemas.microsoft.com/office/drawing/2014/main" id="{15EF89C1-58E9-143E-4516-6CE661231491}"/>
-              </a:ext>
-            </a:extLst>
-          </p:cNvPr>
-          <p:cNvSpPr>
-            <a:spLocks noGrp="1"/>
-          </p:cNvSpPr>
-          <p:nvPr>
-            <p:ph idx="1"/>
-          </p:nvPr>
-        </p:nvSpPr>
-        <p:spPr/>
-        <p:txBody>
-          <a:bodyPr/>
-          <a:lstStyle/>
-          <a:p>
-            <a:r>
-              <a:rPr lang="en-US" dirty="0"/>
-              <a:t>In order to receive pet name suggestions a user will need to login to their account</a:t>
-            </a:r>
-          </a:p>
-          <a:p>
-            <a:r>
-              <a:rPr lang="en-US" dirty="0"/>
-              <a:t>In order to save names, user must be logged in</a:t>
-            </a:r>
-          </a:p>
-          <a:p>
-            <a:r>
-              <a:rPr lang="en-US" dirty="0"/>
-              <a:t>Use either Google Account or create account credentials</a:t>
-            </a:r>
-          </a:p>
-          <a:p>
-            <a:endParaRPr lang="en-US" dirty="0"/>
-          </a:p>
-          <a:p>
-            <a:endParaRPr lang="en-US" dirty="0"/>
-          </a:p>
-        </p:txBody>
-      </p:sp>
-      <p:sp>
-        <p:nvSpPr>
-          <p:cNvPr id="5" name="Title 4">
-            <a:extLst>
-              <a:ext uri="{FF2B5EF4-FFF2-40B4-BE49-F238E27FC236}">
-                <a16:creationId xmlns:a16="http://schemas.microsoft.com/office/drawing/2014/main" id="{ED886450-E40D-103A-1652-65669FEF6EF7}"/>
-              </a:ext>
-            </a:extLst>
-          </p:cNvPr>
-          <p:cNvSpPr>
-            <a:spLocks noGrp="1"/>
-          </p:cNvSpPr>
-          <p:nvPr>
-            <p:ph type="title"/>
-          </p:nvPr>
-        </p:nvSpPr>
-        <p:spPr/>
-        <p:txBody>
-          <a:bodyPr/>
-          <a:lstStyle/>
-          <a:p>
-            <a:r>
-              <a:rPr lang="en-US" dirty="0"/>
-              <a:t>Login Page</a:t>
-            </a:r>
-          </a:p>
-        </p:txBody>
-      </p:sp>
-    </p:spTree>
-    <p:extLst>
-      <p:ext uri="{BB962C8B-B14F-4D97-AF65-F5344CB8AC3E}">
-        <p14:creationId xmlns:p14="http://schemas.microsoft.com/office/powerpoint/2010/main" val="916723500"/>
-      </p:ext>
-    </p:extLst>
-  </p:cSld>
-  <p:clrMapOvr>
-    <a:masterClrMapping/>
-  </p:clrMapOvr>
-</p:sld>
-</file>
-
-<file path=ppt/slides/slide11.xml><?xml version="1.0" encoding="utf-8"?>
-<p:sld xmlns:a="http://schemas.openxmlformats.org/drawingml/2006/main" xmlns:r="http://schemas.openxmlformats.org/officeDocument/2006/relationships" xmlns:p="http://schemas.openxmlformats.org/presentationml/2006/main">
-  <p:cSld>
-    <p:spTree>
-      <p:nvGrpSpPr>
-        <p:cNvPr id="1" name="">
-          <a:extLst>
-            <a:ext uri="{FF2B5EF4-FFF2-40B4-BE49-F238E27FC236}">
-              <a16:creationId xmlns:a16="http://schemas.microsoft.com/office/drawing/2014/main" id="{A32CD3AB-A521-2277-FA58-48F93D3EB467}"/>
-            </a:ext>
-          </a:extLst>
-        </p:cNvPr>
-        <p:cNvGrpSpPr/>
-        <p:nvPr/>
-      </p:nvGrpSpPr>
-      <p:grpSpPr>
-        <a:xfrm>
-          <a:off x="0" y="0"/>
-          <a:ext cx="0" cy="0"/>
-          <a:chOff x="0" y="0"/>
-          <a:chExt cx="0" cy="0"/>
-        </a:xfrm>
-      </p:grpSpPr>
-      <p:pic>
-        <p:nvPicPr>
-          <p:cNvPr id="3" name="Picture Placeholder 2" descr="A computer screen shot of a computer&#10;&#10;Description automatically generated">
-            <a:extLst>
-              <a:ext uri="{FF2B5EF4-FFF2-40B4-BE49-F238E27FC236}">
-                <a16:creationId xmlns:a16="http://schemas.microsoft.com/office/drawing/2014/main" id="{FADC1EAB-8470-28E6-D19F-1A7351C7637A}"/>
-              </a:ext>
-            </a:extLst>
-          </p:cNvPr>
-          <p:cNvPicPr>
-            <a:picLocks noGrp="1" noChangeAspect="1"/>
-          </p:cNvPicPr>
-          <p:nvPr>
-            <p:ph type="pic" sz="quarter" idx="14"/>
-          </p:nvPr>
-        </p:nvPicPr>
-        <p:blipFill>
-          <a:blip r:embed="rId2"/>
-          <a:srcRect l="27786" r="27786"/>
-          <a:stretch>
-            <a:fillRect/>
-          </a:stretch>
-        </p:blipFill>
-        <p:spPr/>
-      </p:pic>
-      <p:sp>
-        <p:nvSpPr>
-          <p:cNvPr id="4" name="Slide Number Placeholder 3">
-            <a:extLst>
-              <a:ext uri="{FF2B5EF4-FFF2-40B4-BE49-F238E27FC236}">
-                <a16:creationId xmlns:a16="http://schemas.microsoft.com/office/drawing/2014/main" id="{30F5338E-D570-BF54-7CAA-C4C70555E422}"/>
-              </a:ext>
-            </a:extLst>
-          </p:cNvPr>
-          <p:cNvSpPr>
-            <a:spLocks noGrp="1"/>
-          </p:cNvSpPr>
-          <p:nvPr>
-            <p:ph type="sldNum" sz="quarter" idx="4"/>
-          </p:nvPr>
-        </p:nvSpPr>
-        <p:spPr/>
-        <p:txBody>
-          <a:bodyPr/>
-          <a:lstStyle/>
-          <a:p>
-            <a:fld id="{819D3A82-D293-4907-9B25-3B6254918E46}" type="slidenum">
-              <a:rPr lang="en-US" smtClean="0"/>
-              <a:t>11</a:t>
-            </a:fld>
-            <a:endParaRPr lang="en-US"/>
-          </a:p>
-        </p:txBody>
-      </p:sp>
-      <p:sp>
-        <p:nvSpPr>
-          <p:cNvPr id="6" name="Content Placeholder 5">
-            <a:extLst>
-              <a:ext uri="{FF2B5EF4-FFF2-40B4-BE49-F238E27FC236}">
-                <a16:creationId xmlns:a16="http://schemas.microsoft.com/office/drawing/2014/main" id="{1406276E-A709-AB8D-7D6E-AA8AD4992916}"/>
-              </a:ext>
-            </a:extLst>
-          </p:cNvPr>
-          <p:cNvSpPr>
-            <a:spLocks noGrp="1"/>
-          </p:cNvSpPr>
-          <p:nvPr>
-            <p:ph idx="1"/>
-          </p:nvPr>
-        </p:nvSpPr>
-        <p:spPr/>
-        <p:txBody>
-          <a:bodyPr/>
-          <a:lstStyle/>
-          <a:p>
-            <a:r>
-              <a:rPr lang="en-US" dirty="0"/>
-              <a:t>Uses Django Authentication Form</a:t>
-            </a:r>
-          </a:p>
-          <a:p>
-            <a:r>
-              <a:rPr lang="en-US" dirty="0"/>
-              <a:t>Checks if username is in user, if password is valid, if passwords match</a:t>
-            </a:r>
-          </a:p>
-          <a:p>
-            <a:r>
-              <a:rPr lang="en-US" dirty="0"/>
-              <a:t>Redirects to login page upon successful creation</a:t>
-            </a:r>
-          </a:p>
-          <a:p>
-            <a:endParaRPr lang="en-US" dirty="0"/>
-          </a:p>
-        </p:txBody>
-      </p:sp>
-      <p:sp>
-        <p:nvSpPr>
-          <p:cNvPr id="5" name="Title 4">
-            <a:extLst>
-              <a:ext uri="{FF2B5EF4-FFF2-40B4-BE49-F238E27FC236}">
-                <a16:creationId xmlns:a16="http://schemas.microsoft.com/office/drawing/2014/main" id="{FEC88E3F-389F-44C0-4B16-5F4223065E86}"/>
-              </a:ext>
-            </a:extLst>
-          </p:cNvPr>
-          <p:cNvSpPr>
-            <a:spLocks noGrp="1"/>
-          </p:cNvSpPr>
-          <p:nvPr>
-            <p:ph type="title"/>
-          </p:nvPr>
-        </p:nvSpPr>
-        <p:spPr/>
-        <p:txBody>
-          <a:bodyPr/>
-          <a:lstStyle/>
-          <a:p>
-            <a:r>
-              <a:rPr lang="en-US" dirty="0"/>
-              <a:t>Signup Page</a:t>
-            </a:r>
-          </a:p>
-        </p:txBody>
-      </p:sp>
-    </p:spTree>
-    <p:extLst>
-      <p:ext uri="{BB962C8B-B14F-4D97-AF65-F5344CB8AC3E}">
-        <p14:creationId xmlns:p14="http://schemas.microsoft.com/office/powerpoint/2010/main" val="2369157316"/>
-      </p:ext>
-    </p:extLst>
-  </p:cSld>
-  <p:clrMapOvr>
-    <a:masterClrMapping/>
-  </p:clrMapOvr>
-</p:sld>
-</file>
-
-<file path=ppt/slides/slide12.xml><?xml version="1.0" encoding="utf-8"?>
-<p:sld xmlns:a="http://schemas.openxmlformats.org/drawingml/2006/main" xmlns:r="http://schemas.openxmlformats.org/officeDocument/2006/relationships" xmlns:p="http://schemas.openxmlformats.org/presentationml/2006/main">
-  <p:cSld>
-    <p:spTree>
-      <p:nvGrpSpPr>
-        <p:cNvPr id="1" name="">
-          <a:extLst>
-            <a:ext uri="{FF2B5EF4-FFF2-40B4-BE49-F238E27FC236}">
-              <a16:creationId xmlns:a16="http://schemas.microsoft.com/office/drawing/2014/main" id="{AD458DA5-560D-DBD2-FECA-EBE66AE03F11}"/>
-            </a:ext>
-          </a:extLst>
-        </p:cNvPr>
-        <p:cNvGrpSpPr/>
-        <p:nvPr/>
-      </p:nvGrpSpPr>
-      <p:grpSpPr>
-        <a:xfrm>
-          <a:off x="0" y="0"/>
-          <a:ext cx="0" cy="0"/>
-          <a:chOff x="0" y="0"/>
-          <a:chExt cx="0" cy="0"/>
-        </a:xfrm>
-      </p:grpSpPr>
-      <p:pic>
-        <p:nvPicPr>
-          <p:cNvPr id="3" name="Picture Placeholder 2">
-            <a:extLst>
-              <a:ext uri="{FF2B5EF4-FFF2-40B4-BE49-F238E27FC236}">
-                <a16:creationId xmlns:a16="http://schemas.microsoft.com/office/drawing/2014/main" id="{BB7D641B-1561-0418-4F14-6EF9F0152FDC}"/>
-              </a:ext>
-            </a:extLst>
-          </p:cNvPr>
-          <p:cNvPicPr>
-            <a:picLocks noGrp="1" noChangeAspect="1"/>
-          </p:cNvPicPr>
-          <p:nvPr>
-            <p:ph type="pic" sz="quarter" idx="14"/>
-          </p:nvPr>
-        </p:nvPicPr>
-        <p:blipFill rotWithShape="1">
-          <a:blip r:embed="rId2"/>
-          <a:srcRect l="19832" t="11122" r="19832"/>
-          <a:stretch/>
-        </p:blipFill>
-        <p:spPr>
-          <a:xfrm>
-            <a:off x="198783" y="337624"/>
-            <a:ext cx="5669280" cy="6182751"/>
-          </a:xfrm>
-          <a:prstGeom prst="rect">
-            <a:avLst/>
-          </a:prstGeom>
-        </p:spPr>
-      </p:pic>
-      <p:sp>
-        <p:nvSpPr>
-          <p:cNvPr id="4" name="Slide Number Placeholder 3">
-            <a:extLst>
-              <a:ext uri="{FF2B5EF4-FFF2-40B4-BE49-F238E27FC236}">
-                <a16:creationId xmlns:a16="http://schemas.microsoft.com/office/drawing/2014/main" id="{5D7FE657-8379-19C5-DACA-6DAF5B3F02BC}"/>
-              </a:ext>
-            </a:extLst>
-          </p:cNvPr>
-          <p:cNvSpPr>
-            <a:spLocks noGrp="1"/>
-          </p:cNvSpPr>
-          <p:nvPr>
-            <p:ph type="sldNum" sz="quarter" idx="4"/>
-          </p:nvPr>
-        </p:nvSpPr>
-        <p:spPr/>
-        <p:txBody>
-          <a:bodyPr/>
-          <a:lstStyle/>
-          <a:p>
-            <a:fld id="{819D3A82-D293-4907-9B25-3B6254918E46}" type="slidenum">
-              <a:rPr lang="en-US" smtClean="0"/>
-              <a:t>12</a:t>
-            </a:fld>
-            <a:endParaRPr lang="en-US"/>
-          </a:p>
-        </p:txBody>
-      </p:sp>
-      <p:sp>
-        <p:nvSpPr>
-          <p:cNvPr id="6" name="Content Placeholder 5">
-            <a:extLst>
-              <a:ext uri="{FF2B5EF4-FFF2-40B4-BE49-F238E27FC236}">
-                <a16:creationId xmlns:a16="http://schemas.microsoft.com/office/drawing/2014/main" id="{233A5E1A-139D-5C57-AAA8-4ED4AA98ACE8}"/>
-              </a:ext>
-            </a:extLst>
-          </p:cNvPr>
-          <p:cNvSpPr>
-            <a:spLocks noGrp="1"/>
-          </p:cNvSpPr>
-          <p:nvPr>
-            <p:ph idx="1"/>
-          </p:nvPr>
-        </p:nvSpPr>
-        <p:spPr/>
-        <p:txBody>
-          <a:bodyPr/>
-          <a:lstStyle/>
-          <a:p>
-            <a:r>
-              <a:rPr lang="en-US" dirty="0"/>
-              <a:t>Choose Google account to link to </a:t>
-            </a:r>
-            <a:r>
-              <a:rPr lang="en-US" dirty="0" err="1"/>
-              <a:t>PetNamer</a:t>
-            </a:r>
-            <a:r>
-              <a:rPr lang="en-US" dirty="0"/>
-              <a:t> app</a:t>
-            </a:r>
-          </a:p>
-          <a:p>
-            <a:r>
-              <a:rPr lang="en-US" dirty="0"/>
-              <a:t>Will use email and name to create account</a:t>
-            </a:r>
-          </a:p>
-          <a:p>
-            <a:endParaRPr lang="en-US" dirty="0"/>
-          </a:p>
-          <a:p>
-            <a:endParaRPr lang="en-US" dirty="0"/>
-          </a:p>
-        </p:txBody>
-      </p:sp>
-      <p:sp>
-        <p:nvSpPr>
-          <p:cNvPr id="5" name="Title 4">
-            <a:extLst>
-              <a:ext uri="{FF2B5EF4-FFF2-40B4-BE49-F238E27FC236}">
-                <a16:creationId xmlns:a16="http://schemas.microsoft.com/office/drawing/2014/main" id="{51413CEB-3B25-953C-286C-16A9902048C0}"/>
-              </a:ext>
-            </a:extLst>
-          </p:cNvPr>
-          <p:cNvSpPr>
-            <a:spLocks noGrp="1"/>
-          </p:cNvSpPr>
-          <p:nvPr>
-            <p:ph type="title"/>
-          </p:nvPr>
-        </p:nvSpPr>
-        <p:spPr>
-          <a:xfrm>
-            <a:off x="6000465" y="407320"/>
-            <a:ext cx="5897218" cy="884238"/>
-          </a:xfrm>
-        </p:spPr>
-        <p:txBody>
-          <a:bodyPr/>
-          <a:lstStyle/>
-          <a:p>
-            <a:r>
-              <a:rPr lang="en-US" dirty="0"/>
-              <a:t>Google Login</a:t>
-            </a:r>
-          </a:p>
-        </p:txBody>
-      </p:sp>
-      <mc:AlternateContent xmlns:mc="http://schemas.openxmlformats.org/markup-compatibility/2006" xmlns:p14="http://schemas.microsoft.com/office/powerpoint/2010/main">
-        <mc:Choice Requires="p14">
-          <p:contentPart p14:bwMode="auto" r:id="rId3">
-            <p14:nvContentPartPr>
-              <p14:cNvPr id="9" name="Ink 8">
-                <a:extLst>
-                  <a:ext uri="{FF2B5EF4-FFF2-40B4-BE49-F238E27FC236}">
-                    <a16:creationId xmlns:a16="http://schemas.microsoft.com/office/drawing/2014/main" id="{8AB6F95B-9B5D-ECF2-AFEA-78BC897B3F49}"/>
-                  </a:ext>
-                </a:extLst>
-              </p14:cNvPr>
-              <p14:cNvContentPartPr/>
-              <p14:nvPr/>
-            </p14:nvContentPartPr>
-            <p14:xfrm>
-              <a:off x="3362095" y="2958148"/>
-              <a:ext cx="1011600" cy="360"/>
-            </p14:xfrm>
-          </p:contentPart>
-        </mc:Choice>
-        <mc:Fallback xmlns="">
-          <p:pic>
-            <p:nvPicPr>
-              <p:cNvPr id="9" name="Ink 8">
-                <a:extLst>
-                  <a:ext uri="{FF2B5EF4-FFF2-40B4-BE49-F238E27FC236}">
-                    <a16:creationId xmlns:a16="http://schemas.microsoft.com/office/drawing/2014/main" id="{8AB6F95B-9B5D-ECF2-AFEA-78BC897B3F49}"/>
-                  </a:ext>
-                </a:extLst>
-              </p:cNvPr>
-              <p:cNvPicPr/>
-              <p:nvPr/>
-            </p:nvPicPr>
-            <p:blipFill>
-              <a:blip r:embed="rId4"/>
-              <a:stretch>
-                <a:fillRect/>
-              </a:stretch>
-            </p:blipFill>
-            <p:spPr>
-              <a:xfrm>
-                <a:off x="3299095" y="2895148"/>
-                <a:ext cx="1137240" cy="126000"/>
-              </a:xfrm>
-              <a:prstGeom prst="rect">
-                <a:avLst/>
-              </a:prstGeom>
-            </p:spPr>
-          </p:pic>
-        </mc:Fallback>
-      </mc:AlternateContent>
-      <mc:AlternateContent xmlns:mc="http://schemas.openxmlformats.org/markup-compatibility/2006" xmlns:p14="http://schemas.microsoft.com/office/powerpoint/2010/main">
-        <mc:Choice Requires="p14">
-          <p:contentPart p14:bwMode="auto" r:id="rId5">
-            <p14:nvContentPartPr>
-              <p14:cNvPr id="10" name="Ink 9">
-                <a:extLst>
-                  <a:ext uri="{FF2B5EF4-FFF2-40B4-BE49-F238E27FC236}">
-                    <a16:creationId xmlns:a16="http://schemas.microsoft.com/office/drawing/2014/main" id="{8236EFF7-CB2D-141E-D0B3-DABCC078268C}"/>
-                  </a:ext>
-                </a:extLst>
-              </p14:cNvPr>
-              <p14:cNvContentPartPr/>
-              <p14:nvPr/>
-            </p14:nvContentPartPr>
-            <p14:xfrm>
-              <a:off x="3348055" y="3422188"/>
-              <a:ext cx="631440" cy="360"/>
-            </p14:xfrm>
-          </p:contentPart>
-        </mc:Choice>
-        <mc:Fallback xmlns="">
-          <p:pic>
-            <p:nvPicPr>
-              <p:cNvPr id="10" name="Ink 9">
-                <a:extLst>
-                  <a:ext uri="{FF2B5EF4-FFF2-40B4-BE49-F238E27FC236}">
-                    <a16:creationId xmlns:a16="http://schemas.microsoft.com/office/drawing/2014/main" id="{8236EFF7-CB2D-141E-D0B3-DABCC078268C}"/>
-                  </a:ext>
-                </a:extLst>
-              </p:cNvPr>
-              <p:cNvPicPr/>
-              <p:nvPr/>
-            </p:nvPicPr>
-            <p:blipFill>
-              <a:blip r:embed="rId6"/>
-              <a:stretch>
-                <a:fillRect/>
-              </a:stretch>
-            </p:blipFill>
-            <p:spPr>
-              <a:xfrm>
-                <a:off x="3285415" y="3359548"/>
-                <a:ext cx="757080" cy="126000"/>
-              </a:xfrm>
-              <a:prstGeom prst="rect">
-                <a:avLst/>
-              </a:prstGeom>
-            </p:spPr>
-          </p:pic>
-        </mc:Fallback>
-      </mc:AlternateContent>
-      <mc:AlternateContent xmlns:mc="http://schemas.openxmlformats.org/markup-compatibility/2006" xmlns:p14="http://schemas.microsoft.com/office/powerpoint/2010/main">
-        <mc:Choice Requires="p14">
-          <p:contentPart p14:bwMode="auto" r:id="rId7">
-            <p14:nvContentPartPr>
-              <p14:cNvPr id="14" name="Ink 13">
-                <a:extLst>
-                  <a:ext uri="{FF2B5EF4-FFF2-40B4-BE49-F238E27FC236}">
-                    <a16:creationId xmlns:a16="http://schemas.microsoft.com/office/drawing/2014/main" id="{1A2CA15E-79C1-7DF0-6FB1-7326C327617F}"/>
-                  </a:ext>
-                </a:extLst>
-              </p14:cNvPr>
-              <p14:cNvContentPartPr/>
-              <p14:nvPr/>
-            </p14:nvContentPartPr>
-            <p14:xfrm>
-              <a:off x="3150775" y="2901988"/>
-              <a:ext cx="1378440" cy="360"/>
-            </p14:xfrm>
-          </p:contentPart>
-        </mc:Choice>
-        <mc:Fallback xmlns="">
-          <p:pic>
-            <p:nvPicPr>
-              <p:cNvPr id="14" name="Ink 13">
-                <a:extLst>
-                  <a:ext uri="{FF2B5EF4-FFF2-40B4-BE49-F238E27FC236}">
-                    <a16:creationId xmlns:a16="http://schemas.microsoft.com/office/drawing/2014/main" id="{1A2CA15E-79C1-7DF0-6FB1-7326C327617F}"/>
-                  </a:ext>
-                </a:extLst>
-              </p:cNvPr>
-              <p:cNvPicPr/>
-              <p:nvPr/>
-            </p:nvPicPr>
-            <p:blipFill>
-              <a:blip r:embed="rId8"/>
-              <a:stretch>
-                <a:fillRect/>
-              </a:stretch>
-            </p:blipFill>
-            <p:spPr>
-              <a:xfrm>
-                <a:off x="3088135" y="2838988"/>
-                <a:ext cx="1504080" cy="126000"/>
-              </a:xfrm>
-              <a:prstGeom prst="rect">
-                <a:avLst/>
-              </a:prstGeom>
-            </p:spPr>
-          </p:pic>
-        </mc:Fallback>
-      </mc:AlternateContent>
-      <mc:AlternateContent xmlns:mc="http://schemas.openxmlformats.org/markup-compatibility/2006" xmlns:p14="http://schemas.microsoft.com/office/powerpoint/2010/main">
-        <mc:Choice Requires="p14">
-          <p:contentPart p14:bwMode="auto" r:id="rId9">
-            <p14:nvContentPartPr>
-              <p14:cNvPr id="15" name="Ink 14">
-                <a:extLst>
-                  <a:ext uri="{FF2B5EF4-FFF2-40B4-BE49-F238E27FC236}">
-                    <a16:creationId xmlns:a16="http://schemas.microsoft.com/office/drawing/2014/main" id="{C0451767-FEA0-130C-59F4-7B7BA951F09D}"/>
-                  </a:ext>
-                </a:extLst>
-              </p14:cNvPr>
-              <p14:cNvContentPartPr/>
-              <p14:nvPr/>
-            </p14:nvContentPartPr>
-            <p14:xfrm>
-              <a:off x="3137095" y="2789308"/>
-              <a:ext cx="1457640" cy="360"/>
-            </p14:xfrm>
-          </p:contentPart>
-        </mc:Choice>
-        <mc:Fallback xmlns="">
-          <p:pic>
-            <p:nvPicPr>
-              <p:cNvPr id="15" name="Ink 14">
-                <a:extLst>
-                  <a:ext uri="{FF2B5EF4-FFF2-40B4-BE49-F238E27FC236}">
-                    <a16:creationId xmlns:a16="http://schemas.microsoft.com/office/drawing/2014/main" id="{C0451767-FEA0-130C-59F4-7B7BA951F09D}"/>
-                  </a:ext>
-                </a:extLst>
-              </p:cNvPr>
-              <p:cNvPicPr/>
-              <p:nvPr/>
-            </p:nvPicPr>
-            <p:blipFill>
-              <a:blip r:embed="rId10"/>
-              <a:stretch>
-                <a:fillRect/>
-              </a:stretch>
-            </p:blipFill>
-            <p:spPr>
-              <a:xfrm>
-                <a:off x="3074095" y="2726668"/>
-                <a:ext cx="1583280" cy="126000"/>
-              </a:xfrm>
-              <a:prstGeom prst="rect">
-                <a:avLst/>
-              </a:prstGeom>
-            </p:spPr>
-          </p:pic>
-        </mc:Fallback>
-      </mc:AlternateContent>
-      <p:grpSp>
-        <p:nvGrpSpPr>
-          <p:cNvPr id="17" name="Group 16">
-            <a:extLst>
-              <a:ext uri="{FF2B5EF4-FFF2-40B4-BE49-F238E27FC236}">
-                <a16:creationId xmlns:a16="http://schemas.microsoft.com/office/drawing/2014/main" id="{36FA8B52-1B56-C267-0523-74C8665D74B3}"/>
-              </a:ext>
-            </a:extLst>
-          </p:cNvPr>
-          <p:cNvGrpSpPr/>
-          <p:nvPr/>
-        </p:nvGrpSpPr>
-        <p:grpSpPr>
-          <a:xfrm>
-            <a:off x="3109015" y="2986228"/>
-            <a:ext cx="1523160" cy="42480"/>
-            <a:chOff x="3109015" y="2986228"/>
-            <a:chExt cx="1523160" cy="42480"/>
-          </a:xfrm>
-        </p:grpSpPr>
-        <mc:AlternateContent xmlns:mc="http://schemas.openxmlformats.org/markup-compatibility/2006" xmlns:p14="http://schemas.microsoft.com/office/powerpoint/2010/main">
-          <mc:Choice Requires="p14">
-            <p:contentPart p14:bwMode="auto" r:id="rId11">
-              <p14:nvContentPartPr>
-                <p14:cNvPr id="11" name="Ink 10">
-                  <a:extLst>
-                    <a:ext uri="{FF2B5EF4-FFF2-40B4-BE49-F238E27FC236}">
-                      <a16:creationId xmlns:a16="http://schemas.microsoft.com/office/drawing/2014/main" id="{E81B5462-A8A3-4DA2-B032-2FD607338990}"/>
-                    </a:ext>
-                  </a:extLst>
-                </p14:cNvPr>
-                <p14:cNvContentPartPr/>
-                <p14:nvPr/>
-              </p14:nvContentPartPr>
-              <p14:xfrm>
-                <a:off x="3165175" y="3028348"/>
-                <a:ext cx="360" cy="360"/>
-              </p14:xfrm>
-            </p:contentPart>
-          </mc:Choice>
-          <mc:Fallback xmlns="">
-            <p:pic>
-              <p:nvPicPr>
-                <p:cNvPr id="11" name="Ink 10">
-                  <a:extLst>
-                    <a:ext uri="{FF2B5EF4-FFF2-40B4-BE49-F238E27FC236}">
-                      <a16:creationId xmlns:a16="http://schemas.microsoft.com/office/drawing/2014/main" id="{E81B5462-A8A3-4DA2-B032-2FD607338990}"/>
-                    </a:ext>
-                  </a:extLst>
-                </p:cNvPr>
-                <p:cNvPicPr/>
-                <p:nvPr/>
-              </p:nvPicPr>
-              <p:blipFill>
-                <a:blip r:embed="rId12"/>
-                <a:stretch>
-                  <a:fillRect/>
-                </a:stretch>
-              </p:blipFill>
-              <p:spPr>
-                <a:xfrm>
-                  <a:off x="3102535" y="2965708"/>
-                  <a:ext cx="126000" cy="126000"/>
-                </a:xfrm>
-                <a:prstGeom prst="rect">
-                  <a:avLst/>
-                </a:prstGeom>
-              </p:spPr>
-            </p:pic>
-          </mc:Fallback>
-        </mc:AlternateContent>
-        <mc:AlternateContent xmlns:mc="http://schemas.openxmlformats.org/markup-compatibility/2006" xmlns:p14="http://schemas.microsoft.com/office/powerpoint/2010/main">
-          <mc:Choice Requires="p14">
-            <p:contentPart p14:bwMode="auto" r:id="rId13">
-              <p14:nvContentPartPr>
-                <p14:cNvPr id="12" name="Ink 11">
-                  <a:extLst>
-                    <a:ext uri="{FF2B5EF4-FFF2-40B4-BE49-F238E27FC236}">
-                      <a16:creationId xmlns:a16="http://schemas.microsoft.com/office/drawing/2014/main" id="{237249C2-0F8E-0B5B-E865-595E28F79401}"/>
-                    </a:ext>
-                  </a:extLst>
-                </p14:cNvPr>
-                <p14:cNvContentPartPr/>
-                <p14:nvPr/>
-              </p14:nvContentPartPr>
-              <p14:xfrm>
-                <a:off x="3178855" y="3028348"/>
-                <a:ext cx="1320840" cy="360"/>
-              </p14:xfrm>
-            </p:contentPart>
-          </mc:Choice>
-          <mc:Fallback xmlns="">
-            <p:pic>
-              <p:nvPicPr>
-                <p:cNvPr id="12" name="Ink 11">
-                  <a:extLst>
-                    <a:ext uri="{FF2B5EF4-FFF2-40B4-BE49-F238E27FC236}">
-                      <a16:creationId xmlns:a16="http://schemas.microsoft.com/office/drawing/2014/main" id="{237249C2-0F8E-0B5B-E865-595E28F79401}"/>
-                    </a:ext>
-                  </a:extLst>
-                </p:cNvPr>
-                <p:cNvPicPr/>
-                <p:nvPr/>
-              </p:nvPicPr>
-              <p:blipFill>
-                <a:blip r:embed="rId14"/>
-                <a:stretch>
-                  <a:fillRect/>
-                </a:stretch>
-              </p:blipFill>
-              <p:spPr>
-                <a:xfrm>
-                  <a:off x="3116215" y="2965708"/>
-                  <a:ext cx="1446480" cy="126000"/>
-                </a:xfrm>
-                <a:prstGeom prst="rect">
-                  <a:avLst/>
-                </a:prstGeom>
-              </p:spPr>
-            </p:pic>
-          </mc:Fallback>
-        </mc:AlternateContent>
-        <mc:AlternateContent xmlns:mc="http://schemas.openxmlformats.org/markup-compatibility/2006" xmlns:p14="http://schemas.microsoft.com/office/powerpoint/2010/main">
-          <mc:Choice Requires="p14">
-            <p:contentPart p14:bwMode="auto" r:id="rId15">
-              <p14:nvContentPartPr>
-                <p14:cNvPr id="16" name="Ink 15">
-                  <a:extLst>
-                    <a:ext uri="{FF2B5EF4-FFF2-40B4-BE49-F238E27FC236}">
-                      <a16:creationId xmlns:a16="http://schemas.microsoft.com/office/drawing/2014/main" id="{66A8DA5D-BE5D-94C1-DC45-FADFBDE02981}"/>
-                    </a:ext>
-                  </a:extLst>
-                </p14:cNvPr>
-                <p14:cNvContentPartPr/>
-                <p14:nvPr/>
-              </p14:nvContentPartPr>
-              <p14:xfrm>
-                <a:off x="3109015" y="2986228"/>
-                <a:ext cx="1523160" cy="360"/>
-              </p14:xfrm>
-            </p:contentPart>
-          </mc:Choice>
-          <mc:Fallback xmlns="">
-            <p:pic>
-              <p:nvPicPr>
-                <p:cNvPr id="16" name="Ink 15">
-                  <a:extLst>
-                    <a:ext uri="{FF2B5EF4-FFF2-40B4-BE49-F238E27FC236}">
-                      <a16:creationId xmlns:a16="http://schemas.microsoft.com/office/drawing/2014/main" id="{66A8DA5D-BE5D-94C1-DC45-FADFBDE02981}"/>
-                    </a:ext>
-                  </a:extLst>
-                </p:cNvPr>
-                <p:cNvPicPr/>
-                <p:nvPr/>
-              </p:nvPicPr>
-              <p:blipFill>
-                <a:blip r:embed="rId16"/>
-                <a:stretch>
-                  <a:fillRect/>
-                </a:stretch>
-              </p:blipFill>
-              <p:spPr>
-                <a:xfrm>
-                  <a:off x="3046015" y="2923588"/>
-                  <a:ext cx="1648800" cy="126000"/>
-                </a:xfrm>
-                <a:prstGeom prst="rect">
-                  <a:avLst/>
-                </a:prstGeom>
-              </p:spPr>
-            </p:pic>
-          </mc:Fallback>
-        </mc:AlternateContent>
-      </p:grpSp>
-      <mc:AlternateContent xmlns:mc="http://schemas.openxmlformats.org/markup-compatibility/2006" xmlns:p14="http://schemas.microsoft.com/office/powerpoint/2010/main">
-        <mc:Choice Requires="p14">
-          <p:contentPart p14:bwMode="auto" r:id="rId17">
-            <p14:nvContentPartPr>
-              <p14:cNvPr id="18" name="Ink 17">
-                <a:extLst>
-                  <a:ext uri="{FF2B5EF4-FFF2-40B4-BE49-F238E27FC236}">
-                    <a16:creationId xmlns:a16="http://schemas.microsoft.com/office/drawing/2014/main" id="{9E22F79A-1701-0AEF-8D84-E0FB208B7205}"/>
-                  </a:ext>
-                </a:extLst>
-              </p14:cNvPr>
-              <p14:cNvContentPartPr/>
-              <p14:nvPr/>
-            </p14:nvContentPartPr>
-            <p14:xfrm>
-              <a:off x="3109015" y="2887948"/>
-              <a:ext cx="1517760" cy="360"/>
-            </p14:xfrm>
-          </p:contentPart>
-        </mc:Choice>
-        <mc:Fallback xmlns="">
-          <p:pic>
-            <p:nvPicPr>
-              <p:cNvPr id="18" name="Ink 17">
-                <a:extLst>
-                  <a:ext uri="{FF2B5EF4-FFF2-40B4-BE49-F238E27FC236}">
-                    <a16:creationId xmlns:a16="http://schemas.microsoft.com/office/drawing/2014/main" id="{9E22F79A-1701-0AEF-8D84-E0FB208B7205}"/>
-                  </a:ext>
-                </a:extLst>
-              </p:cNvPr>
-              <p:cNvPicPr/>
-              <p:nvPr/>
-            </p:nvPicPr>
-            <p:blipFill>
-              <a:blip r:embed="rId18"/>
-              <a:stretch>
-                <a:fillRect/>
-              </a:stretch>
-            </p:blipFill>
-            <p:spPr>
-              <a:xfrm>
-                <a:off x="3046015" y="2824948"/>
-                <a:ext cx="1643400" cy="126000"/>
-              </a:xfrm>
-              <a:prstGeom prst="rect">
-                <a:avLst/>
-              </a:prstGeom>
-            </p:spPr>
-          </p:pic>
-        </mc:Fallback>
-      </mc:AlternateContent>
-      <mc:AlternateContent xmlns:mc="http://schemas.openxmlformats.org/markup-compatibility/2006" xmlns:p14="http://schemas.microsoft.com/office/powerpoint/2010/main">
-        <mc:Choice Requires="p14">
-          <p:contentPart p14:bwMode="auto" r:id="rId19">
-            <p14:nvContentPartPr>
-              <p14:cNvPr id="19" name="Ink 18">
-                <a:extLst>
-                  <a:ext uri="{FF2B5EF4-FFF2-40B4-BE49-F238E27FC236}">
-                    <a16:creationId xmlns:a16="http://schemas.microsoft.com/office/drawing/2014/main" id="{C347B492-78E1-11B1-C1B5-1F7C76345EDE}"/>
-                  </a:ext>
-                </a:extLst>
-              </p14:cNvPr>
-              <p14:cNvContentPartPr/>
-              <p14:nvPr/>
-            </p14:nvContentPartPr>
-            <p14:xfrm>
-              <a:off x="3333655" y="3900628"/>
-              <a:ext cx="941760" cy="360"/>
-            </p14:xfrm>
-          </p:contentPart>
-        </mc:Choice>
-        <mc:Fallback xmlns="">
-          <p:pic>
-            <p:nvPicPr>
-              <p:cNvPr id="19" name="Ink 18">
-                <a:extLst>
-                  <a:ext uri="{FF2B5EF4-FFF2-40B4-BE49-F238E27FC236}">
-                    <a16:creationId xmlns:a16="http://schemas.microsoft.com/office/drawing/2014/main" id="{C347B492-78E1-11B1-C1B5-1F7C76345EDE}"/>
-                  </a:ext>
-                </a:extLst>
-              </p:cNvPr>
-              <p:cNvPicPr/>
-              <p:nvPr/>
-            </p:nvPicPr>
-            <p:blipFill>
-              <a:blip r:embed="rId20"/>
-              <a:stretch>
-                <a:fillRect/>
-              </a:stretch>
-            </p:blipFill>
-            <p:spPr>
-              <a:xfrm>
-                <a:off x="3271015" y="3837988"/>
-                <a:ext cx="1067400" cy="126000"/>
-              </a:xfrm>
-              <a:prstGeom prst="rect">
-                <a:avLst/>
-              </a:prstGeom>
-            </p:spPr>
-          </p:pic>
-        </mc:Fallback>
-      </mc:AlternateContent>
-    </p:spTree>
-    <p:extLst>
-      <p:ext uri="{BB962C8B-B14F-4D97-AF65-F5344CB8AC3E}">
-        <p14:creationId xmlns:p14="http://schemas.microsoft.com/office/powerpoint/2010/main" val="1312085451"/>
-      </p:ext>
-    </p:extLst>
-  </p:cSld>
-  <p:clrMapOvr>
-    <a:masterClrMapping/>
-  </p:clrMapOvr>
-</p:sld>
-</file>
-
-<file path=ppt/slides/slide13.xml><?xml version="1.0" encoding="utf-8"?>
-<p:sld xmlns:a="http://schemas.openxmlformats.org/drawingml/2006/main" xmlns:r="http://schemas.openxmlformats.org/officeDocument/2006/relationships" xmlns:p="http://schemas.openxmlformats.org/presentationml/2006/main">
-  <p:cSld>
-    <p:spTree>
-      <p:nvGrpSpPr>
-        <p:cNvPr id="1" name="">
-          <a:extLst>
-            <a:ext uri="{FF2B5EF4-FFF2-40B4-BE49-F238E27FC236}">
-              <a16:creationId xmlns:a16="http://schemas.microsoft.com/office/drawing/2014/main" id="{B985BD57-F3EB-28BD-65C8-04BCFC9F83AE}"/>
-            </a:ext>
-          </a:extLst>
-        </p:cNvPr>
-        <p:cNvGrpSpPr/>
-        <p:nvPr/>
-      </p:nvGrpSpPr>
-      <p:grpSpPr>
-        <a:xfrm>
-          <a:off x="0" y="0"/>
-          <a:ext cx="0" cy="0"/>
-          <a:chOff x="0" y="0"/>
-          <a:chExt cx="0" cy="0"/>
-        </a:xfrm>
-      </p:grpSpPr>
-      <p:pic>
-        <p:nvPicPr>
-          <p:cNvPr id="3" name="Picture Placeholder 2">
-            <a:extLst>
-              <a:ext uri="{FF2B5EF4-FFF2-40B4-BE49-F238E27FC236}">
-                <a16:creationId xmlns:a16="http://schemas.microsoft.com/office/drawing/2014/main" id="{3A310403-C338-B3EA-47A9-8964B7741E48}"/>
-              </a:ext>
-            </a:extLst>
-          </p:cNvPr>
-          <p:cNvPicPr>
-            <a:picLocks noGrp="1" noChangeAspect="1"/>
-          </p:cNvPicPr>
-          <p:nvPr>
-            <p:ph type="pic" sz="quarter" idx="14"/>
-          </p:nvPr>
-        </p:nvPicPr>
-        <p:blipFill rotWithShape="1">
-          <a:blip r:embed="rId2"/>
-          <a:srcRect l="8488" t="10257" r="17782"/>
-          <a:stretch/>
-        </p:blipFill>
-        <p:spPr>
-          <a:xfrm>
-            <a:off x="0" y="0"/>
-            <a:ext cx="5416550" cy="6858000"/>
-          </a:xfrm>
-        </p:spPr>
-      </p:pic>
-      <p:sp>
-        <p:nvSpPr>
-          <p:cNvPr id="4" name="Slide Number Placeholder 3">
-            <a:extLst>
-              <a:ext uri="{FF2B5EF4-FFF2-40B4-BE49-F238E27FC236}">
-                <a16:creationId xmlns:a16="http://schemas.microsoft.com/office/drawing/2014/main" id="{4778571F-E358-6D86-4C9C-AF8D01C793C1}"/>
-              </a:ext>
-            </a:extLst>
-          </p:cNvPr>
-          <p:cNvSpPr>
-            <a:spLocks noGrp="1"/>
-          </p:cNvSpPr>
-          <p:nvPr>
-            <p:ph type="sldNum" sz="quarter" idx="4"/>
-          </p:nvPr>
-        </p:nvSpPr>
-        <p:spPr/>
-        <p:txBody>
-          <a:bodyPr/>
-          <a:lstStyle/>
-          <a:p>
-            <a:fld id="{819D3A82-D293-4907-9B25-3B6254918E46}" type="slidenum">
-              <a:rPr lang="en-US" smtClean="0"/>
-              <a:t>13</a:t>
-            </a:fld>
-            <a:endParaRPr lang="en-US"/>
-          </a:p>
-        </p:txBody>
-      </p:sp>
-      <p:sp>
-        <p:nvSpPr>
-          <p:cNvPr id="6" name="Content Placeholder 5">
-            <a:extLst>
-              <a:ext uri="{FF2B5EF4-FFF2-40B4-BE49-F238E27FC236}">
-                <a16:creationId xmlns:a16="http://schemas.microsoft.com/office/drawing/2014/main" id="{E8C9D08E-7AF8-9086-0B73-AEC1BEAFFCD4}"/>
-              </a:ext>
-            </a:extLst>
-          </p:cNvPr>
-          <p:cNvSpPr>
-            <a:spLocks noGrp="1"/>
-          </p:cNvSpPr>
-          <p:nvPr>
-            <p:ph idx="1"/>
-          </p:nvPr>
-        </p:nvSpPr>
-        <p:spPr/>
-        <p:txBody>
-          <a:bodyPr/>
-          <a:lstStyle/>
-          <a:p>
-            <a:r>
-              <a:rPr lang="en-US" dirty="0"/>
-              <a:t>Different links for the different functions users can do</a:t>
-            </a:r>
-          </a:p>
-          <a:p>
-            <a:pPr lvl="1"/>
-            <a:r>
-              <a:rPr lang="en-US" dirty="0"/>
-              <a:t>Upload a picture to be recognized</a:t>
-            </a:r>
-          </a:p>
-          <a:p>
-            <a:pPr lvl="1"/>
-            <a:r>
-              <a:rPr lang="en-US" dirty="0"/>
-              <a:t>View names that the user has saved as favorites</a:t>
-            </a:r>
-          </a:p>
-          <a:p>
-            <a:pPr lvl="1"/>
-            <a:r>
-              <a:rPr lang="en-US" dirty="0"/>
-              <a:t>Delete and Update Account</a:t>
-            </a:r>
-          </a:p>
-          <a:p>
-            <a:pPr marL="0" indent="0">
-              <a:buNone/>
-            </a:pPr>
-            <a:endParaRPr lang="en-US" dirty="0"/>
-          </a:p>
-          <a:p>
-            <a:endParaRPr lang="en-US" dirty="0"/>
-          </a:p>
-        </p:txBody>
-      </p:sp>
-      <p:sp>
-        <p:nvSpPr>
-          <p:cNvPr id="5" name="Title 4">
-            <a:extLst>
-              <a:ext uri="{FF2B5EF4-FFF2-40B4-BE49-F238E27FC236}">
-                <a16:creationId xmlns:a16="http://schemas.microsoft.com/office/drawing/2014/main" id="{AA7980AD-D949-FA12-91E4-3105A4E6A465}"/>
-              </a:ext>
-            </a:extLst>
-          </p:cNvPr>
-          <p:cNvSpPr>
-            <a:spLocks noGrp="1"/>
-          </p:cNvSpPr>
-          <p:nvPr>
-            <p:ph type="title"/>
-          </p:nvPr>
-        </p:nvSpPr>
-        <p:spPr/>
-        <p:txBody>
-          <a:bodyPr/>
-          <a:lstStyle/>
-          <a:p>
-            <a:r>
-              <a:rPr lang="en-US" dirty="0"/>
-              <a:t>Authenticated Home </a:t>
-            </a:r>
-          </a:p>
-        </p:txBody>
-      </p:sp>
-    </p:spTree>
-    <p:extLst>
-      <p:ext uri="{BB962C8B-B14F-4D97-AF65-F5344CB8AC3E}">
-        <p14:creationId xmlns:p14="http://schemas.microsoft.com/office/powerpoint/2010/main" val="2894545000"/>
-      </p:ext>
-    </p:extLst>
-  </p:cSld>
-  <p:clrMapOvr>
-    <a:masterClrMapping/>
-  </p:clrMapOvr>
-</p:sld>
-</file>
-
-<file path=ppt/slides/slide14.xml><?xml version="1.0" encoding="utf-8"?>
-<p:sld xmlns:a="http://schemas.openxmlformats.org/drawingml/2006/main" xmlns:r="http://schemas.openxmlformats.org/officeDocument/2006/relationships" xmlns:p="http://schemas.openxmlformats.org/presentationml/2006/main">
-  <p:cSld>
-    <p:spTree>
-      <p:nvGrpSpPr>
-        <p:cNvPr id="1" name=""/>
-        <p:cNvGrpSpPr/>
-        <p:nvPr/>
-      </p:nvGrpSpPr>
-      <p:grpSpPr>
-        <a:xfrm>
-          <a:off x="0" y="0"/>
-          <a:ext cx="0" cy="0"/>
-          <a:chOff x="0" y="0"/>
-          <a:chExt cx="0" cy="0"/>
-        </a:xfrm>
-      </p:grpSpPr>
-      <p:pic>
-        <p:nvPicPr>
-          <p:cNvPr id="9" name="Picture Placeholder 7" descr="abstract image">
-            <a:extLst>
-              <a:ext uri="{FF2B5EF4-FFF2-40B4-BE49-F238E27FC236}">
-                <a16:creationId xmlns:a16="http://schemas.microsoft.com/office/drawing/2014/main" id="{10C261F5-27E5-A8D9-57BF-8DCB0A00F6B1}"/>
-              </a:ext>
-            </a:extLst>
-          </p:cNvPr>
-          <p:cNvPicPr>
-            <a:picLocks noChangeAspect="1"/>
-          </p:cNvPicPr>
-          <p:nvPr/>
-        </p:nvPicPr>
-        <p:blipFill rotWithShape="1">
-          <a:blip r:embed="rId2">
-            <a:alphaModFix/>
-            <a:extLst>
-              <a:ext uri="{BEBA8EAE-BF5A-486C-A8C5-ECC9F3942E4B}">
-                <a14:imgProps xmlns:a14="http://schemas.microsoft.com/office/drawing/2010/main">
-                  <a14:imgLayer r:embed="rId3">
-                    <a14:imgEffect>
-                      <a14:saturation sat="0"/>
-                    </a14:imgEffect>
-                  </a14:imgLayer>
-                </a14:imgProps>
-              </a:ext>
-            </a:extLst>
-          </a:blip>
-          <a:srcRect l="54869" r="205"/>
-          <a:stretch/>
-        </p:blipFill>
-        <p:spPr>
-          <a:xfrm>
-            <a:off x="-1" y="0"/>
-            <a:ext cx="5477523" cy="6858000"/>
-          </a:xfrm>
-          <a:prstGeom prst="rect">
-            <a:avLst/>
-          </a:prstGeom>
-        </p:spPr>
-      </p:pic>
-      <p:sp>
-        <p:nvSpPr>
-          <p:cNvPr id="3" name="Title 2">
-            <a:extLst>
-              <a:ext uri="{FF2B5EF4-FFF2-40B4-BE49-F238E27FC236}">
-                <a16:creationId xmlns:a16="http://schemas.microsoft.com/office/drawing/2014/main" id="{1D24B42B-925B-494C-A986-BD85E8117E1E}"/>
-              </a:ext>
-            </a:extLst>
-          </p:cNvPr>
-          <p:cNvSpPr>
-            <a:spLocks noGrp="1"/>
-          </p:cNvSpPr>
-          <p:nvPr>
-            <p:ph type="title"/>
-          </p:nvPr>
-        </p:nvSpPr>
-        <p:spPr>
-          <a:xfrm>
-            <a:off x="6362330" y="411225"/>
-            <a:ext cx="5251450" cy="956373"/>
-          </a:xfrm>
-        </p:spPr>
-        <p:txBody>
-          <a:bodyPr anchor="t">
-            <a:normAutofit/>
-          </a:bodyPr>
-          <a:lstStyle/>
-          <a:p>
-            <a:r>
-              <a:rPr lang="en-US" sz="4800" dirty="0"/>
-              <a:t>Technology</a:t>
-            </a:r>
-          </a:p>
-        </p:txBody>
-      </p:sp>
-      <p:sp>
-        <p:nvSpPr>
-          <p:cNvPr id="5" name="Text Placeholder 4">
-            <a:extLst>
-              <a:ext uri="{FF2B5EF4-FFF2-40B4-BE49-F238E27FC236}">
-                <a16:creationId xmlns:a16="http://schemas.microsoft.com/office/drawing/2014/main" id="{AF9B872F-6332-408E-9135-B871F0C90C00}"/>
-              </a:ext>
-            </a:extLst>
-          </p:cNvPr>
-          <p:cNvSpPr>
-            <a:spLocks noGrp="1"/>
-          </p:cNvSpPr>
-          <p:nvPr>
-            <p:ph type="body" idx="1"/>
-          </p:nvPr>
-        </p:nvSpPr>
-        <p:spPr>
-          <a:xfrm>
-            <a:off x="6362330" y="2025552"/>
-            <a:ext cx="5829669" cy="365125"/>
-          </a:xfrm>
-        </p:spPr>
-        <p:txBody>
-          <a:bodyPr/>
-          <a:lstStyle/>
-          <a:p>
-            <a:r>
-              <a:rPr lang="en-US" spc="300" dirty="0"/>
-              <a:t> </a:t>
-            </a:r>
-          </a:p>
-        </p:txBody>
-      </p:sp>
-      <p:sp>
-        <p:nvSpPr>
-          <p:cNvPr id="2" name="Slide Number Placeholder 1">
-            <a:extLst>
-              <a:ext uri="{FF2B5EF4-FFF2-40B4-BE49-F238E27FC236}">
-                <a16:creationId xmlns:a16="http://schemas.microsoft.com/office/drawing/2014/main" id="{948DD8A0-BD53-4DBF-949B-0D64D12DADA9}"/>
-              </a:ext>
-            </a:extLst>
-          </p:cNvPr>
-          <p:cNvSpPr>
-            <a:spLocks noGrp="1"/>
-          </p:cNvSpPr>
-          <p:nvPr>
-            <p:ph type="sldNum" sz="quarter" idx="12"/>
-          </p:nvPr>
-        </p:nvSpPr>
-        <p:spPr/>
-        <p:txBody>
-          <a:bodyPr/>
-          <a:lstStyle/>
-          <a:p>
-            <a:fld id="{8C2E478F-E849-4A8C-AF1F-CBCC78A7CBFA}" type="slidenum">
-              <a:rPr lang="en-US" smtClean="0"/>
-              <a:t>14</a:t>
-            </a:fld>
-            <a:endParaRPr lang="en-US" dirty="0"/>
-          </a:p>
-        </p:txBody>
-      </p:sp>
-      <p:sp>
-        <p:nvSpPr>
-          <p:cNvPr id="6" name="Content Placeholder 8">
-            <a:extLst>
-              <a:ext uri="{FF2B5EF4-FFF2-40B4-BE49-F238E27FC236}">
-                <a16:creationId xmlns:a16="http://schemas.microsoft.com/office/drawing/2014/main" id="{3B4F2E0F-78BC-2FE8-4808-2A26179B55EA}"/>
-              </a:ext>
-            </a:extLst>
-          </p:cNvPr>
-          <p:cNvSpPr txBox="1">
-            <a:spLocks/>
-          </p:cNvSpPr>
-          <p:nvPr/>
-        </p:nvSpPr>
-        <p:spPr>
-          <a:xfrm>
-            <a:off x="6362330" y="2574543"/>
-            <a:ext cx="4646246" cy="3038482"/>
-          </a:xfrm>
-          <a:prstGeom prst="rect">
-            <a:avLst/>
-          </a:prstGeom>
-          <a:noFill/>
-        </p:spPr>
-        <p:txBody>
-          <a:bodyPr vert="horz" lIns="91440" tIns="45720" rIns="91440" bIns="45720" rtlCol="0" anchor="t">
-            <a:normAutofit/>
-          </a:bodyPr>
-          <a:lstStyle>
-            <a:defPPr>
-              <a:defRPr lang="en-US"/>
-            </a:defPPr>
-            <a:lvl1pPr indent="0">
-              <a:lnSpc>
-                <a:spcPct val="120000"/>
-              </a:lnSpc>
-              <a:spcBef>
-                <a:spcPts val="0"/>
-              </a:spcBef>
-              <a:buFont typeface="Arial" panose="020B0604020202020204" pitchFamily="34" charset="0"/>
-              <a:buNone/>
-              <a:defRPr sz="2400" cap="none" spc="0" baseline="0">
-                <a:solidFill>
-                  <a:sysClr val="windowText" lastClr="000000"/>
-                </a:solidFill>
-                <a:effectLst/>
-              </a:defRPr>
-            </a:lvl1pPr>
-            <a:lvl2pPr indent="0">
-              <a:lnSpc>
-                <a:spcPct val="150000"/>
-              </a:lnSpc>
-              <a:spcBef>
-                <a:spcPts val="500"/>
-              </a:spcBef>
-              <a:buFont typeface="Arial" panose="020B0604020202020204" pitchFamily="34" charset="0"/>
-              <a:buNone/>
-              <a:defRPr sz="2000">
-                <a:solidFill>
-                  <a:schemeClr val="tx1">
-                    <a:tint val="75000"/>
-                  </a:schemeClr>
-                </a:solidFill>
-              </a:defRPr>
-            </a:lvl2pPr>
-            <a:lvl3pPr indent="0">
-              <a:lnSpc>
-                <a:spcPct val="150000"/>
-              </a:lnSpc>
-              <a:spcBef>
-                <a:spcPts val="500"/>
-              </a:spcBef>
-              <a:buFont typeface="Arial" panose="020B0604020202020204" pitchFamily="34" charset="0"/>
-              <a:buNone/>
-              <a:defRPr>
-                <a:solidFill>
-                  <a:schemeClr val="tx1">
-                    <a:tint val="75000"/>
-                  </a:schemeClr>
-                </a:solidFill>
-              </a:defRPr>
-            </a:lvl3pPr>
-            <a:lvl4pPr indent="0">
-              <a:lnSpc>
-                <a:spcPct val="150000"/>
-              </a:lnSpc>
-              <a:spcBef>
-                <a:spcPts val="500"/>
-              </a:spcBef>
-              <a:buFont typeface="Arial" panose="020B0604020202020204" pitchFamily="34" charset="0"/>
-              <a:buNone/>
-              <a:defRPr sz="1600">
-                <a:solidFill>
-                  <a:schemeClr val="tx1">
-                    <a:tint val="75000"/>
-                  </a:schemeClr>
-                </a:solidFill>
-              </a:defRPr>
-            </a:lvl4pPr>
-            <a:lvl5pPr indent="0">
-              <a:lnSpc>
-                <a:spcPct val="150000"/>
-              </a:lnSpc>
-              <a:spcBef>
-                <a:spcPts val="500"/>
-              </a:spcBef>
-              <a:buFont typeface="Arial" panose="020B0604020202020204" pitchFamily="34" charset="0"/>
-              <a:buNone/>
-              <a:defRPr sz="1600">
-                <a:solidFill>
-                  <a:schemeClr val="tx1">
-                    <a:tint val="75000"/>
-                  </a:schemeClr>
-                </a:solidFill>
-              </a:defRPr>
-            </a:lvl5pPr>
-            <a:lvl6pPr indent="0">
-              <a:lnSpc>
-                <a:spcPct val="90000"/>
-              </a:lnSpc>
-              <a:spcBef>
-                <a:spcPts val="500"/>
-              </a:spcBef>
-              <a:buFont typeface="Arial" panose="020B0604020202020204" pitchFamily="34" charset="0"/>
-              <a:buNone/>
-              <a:defRPr sz="1600">
-                <a:solidFill>
-                  <a:schemeClr val="tx1">
-                    <a:tint val="75000"/>
-                  </a:schemeClr>
-                </a:solidFill>
-              </a:defRPr>
-            </a:lvl6pPr>
-            <a:lvl7pPr indent="0">
-              <a:lnSpc>
-                <a:spcPct val="90000"/>
-              </a:lnSpc>
-              <a:spcBef>
-                <a:spcPts val="500"/>
-              </a:spcBef>
-              <a:buFont typeface="Arial" panose="020B0604020202020204" pitchFamily="34" charset="0"/>
-              <a:buNone/>
-              <a:defRPr sz="1600">
-                <a:solidFill>
-                  <a:schemeClr val="tx1">
-                    <a:tint val="75000"/>
-                  </a:schemeClr>
-                </a:solidFill>
-              </a:defRPr>
-            </a:lvl7pPr>
-            <a:lvl8pPr indent="0">
-              <a:lnSpc>
-                <a:spcPct val="90000"/>
-              </a:lnSpc>
-              <a:spcBef>
-                <a:spcPts val="500"/>
-              </a:spcBef>
-              <a:buFont typeface="Arial" panose="020B0604020202020204" pitchFamily="34" charset="0"/>
-              <a:buNone/>
-              <a:defRPr sz="1600">
-                <a:solidFill>
-                  <a:schemeClr val="tx1">
-                    <a:tint val="75000"/>
-                  </a:schemeClr>
-                </a:solidFill>
-              </a:defRPr>
-            </a:lvl8pPr>
-            <a:lvl9pPr indent="0">
-              <a:lnSpc>
-                <a:spcPct val="90000"/>
-              </a:lnSpc>
-              <a:spcBef>
-                <a:spcPts val="500"/>
-              </a:spcBef>
-              <a:buFont typeface="Arial" panose="020B0604020202020204" pitchFamily="34" charset="0"/>
-              <a:buNone/>
-              <a:defRPr sz="1600">
-                <a:solidFill>
-                  <a:schemeClr val="tx1">
-                    <a:tint val="75000"/>
-                  </a:schemeClr>
-                </a:solidFill>
-              </a:defRPr>
-            </a:lvl9pPr>
-          </a:lstStyle>
-          <a:p>
-            <a:pPr marL="342900" indent="-342900">
-              <a:buFont typeface="Arial" panose="020B0604020202020204" pitchFamily="34" charset="0"/>
-              <a:buChar char="•"/>
-            </a:pPr>
-            <a:r>
-              <a:rPr lang="en-US" dirty="0" err="1"/>
-              <a:t>VSCode</a:t>
-            </a:r>
-            <a:r>
-              <a:rPr lang="en-US" dirty="0"/>
-              <a:t> IDE</a:t>
-            </a:r>
-          </a:p>
-          <a:p>
-            <a:pPr marL="342900" indent="-342900">
-              <a:buFont typeface="Arial" panose="020B0604020202020204" pitchFamily="34" charset="0"/>
-              <a:buChar char="•"/>
-            </a:pPr>
-            <a:r>
-              <a:rPr lang="en-US" dirty="0"/>
-              <a:t>Python 3.11.8</a:t>
-            </a:r>
-          </a:p>
-          <a:p>
-            <a:pPr marL="342900" indent="-342900">
-              <a:buFont typeface="Arial" panose="020B0604020202020204" pitchFamily="34" charset="0"/>
-              <a:buChar char="•"/>
-            </a:pPr>
-            <a:r>
-              <a:rPr lang="en-US" dirty="0"/>
-              <a:t>Django</a:t>
-            </a:r>
-          </a:p>
-          <a:p>
-            <a:pPr marL="342900" indent="-342900">
-              <a:buFont typeface="Arial" panose="020B0604020202020204" pitchFamily="34" charset="0"/>
-              <a:buChar char="•"/>
-            </a:pPr>
-            <a:r>
-              <a:rPr lang="en-US" b="0" i="0" dirty="0">
-                <a:solidFill>
-                  <a:srgbClr val="1D1C1D"/>
-                </a:solidFill>
-                <a:effectLst/>
-                <a:latin typeface="Slack-Lato"/>
-              </a:rPr>
-              <a:t>SQLite</a:t>
-            </a:r>
-          </a:p>
-          <a:p>
-            <a:pPr marL="342900" indent="-342900">
-              <a:buFont typeface="Arial" panose="020B0604020202020204" pitchFamily="34" charset="0"/>
-              <a:buChar char="•"/>
-            </a:pPr>
-            <a:r>
-              <a:rPr lang="en-US" dirty="0" err="1">
-                <a:solidFill>
-                  <a:srgbClr val="1D1C1D"/>
-                </a:solidFill>
-                <a:latin typeface="Slack-Lato"/>
-              </a:rPr>
-              <a:t>Dbeaver</a:t>
-            </a:r>
-            <a:r>
-              <a:rPr lang="en-US" dirty="0">
-                <a:solidFill>
-                  <a:srgbClr val="1D1C1D"/>
-                </a:solidFill>
-                <a:latin typeface="Slack-Lato"/>
-              </a:rPr>
-              <a:t> (for viewing database tables) </a:t>
-            </a:r>
-            <a:endParaRPr lang="en-US" dirty="0"/>
-          </a:p>
-        </p:txBody>
-      </p:sp>
-    </p:spTree>
-    <p:extLst>
-      <p:ext uri="{BB962C8B-B14F-4D97-AF65-F5344CB8AC3E}">
-        <p14:creationId xmlns:p14="http://schemas.microsoft.com/office/powerpoint/2010/main" val="2441627795"/>
-      </p:ext>
-    </p:extLst>
-  </p:cSld>
-  <p:clrMapOvr>
-    <a:masterClrMapping/>
-  </p:clrMapOvr>
-</p:sld>
-</file>
-
-<file path=ppt/slides/slide15.xml><?xml version="1.0" encoding="utf-8"?>
-<p:sld xmlns:a="http://schemas.openxmlformats.org/drawingml/2006/main" xmlns:r="http://schemas.openxmlformats.org/officeDocument/2006/relationships" xmlns:p="http://schemas.openxmlformats.org/presentationml/2006/main">
-  <p:cSld>
-    <p:spTree>
-      <p:nvGrpSpPr>
-        <p:cNvPr id="1" name="">
-          <a:extLst>
-            <a:ext uri="{FF2B5EF4-FFF2-40B4-BE49-F238E27FC236}">
-              <a16:creationId xmlns:a16="http://schemas.microsoft.com/office/drawing/2014/main" id="{896357A5-30E7-CACA-2709-93DCF9540AF7}"/>
-            </a:ext>
-          </a:extLst>
-        </p:cNvPr>
-        <p:cNvGrpSpPr/>
-        <p:nvPr/>
-      </p:nvGrpSpPr>
-      <p:grpSpPr>
-        <a:xfrm>
-          <a:off x="0" y="0"/>
-          <a:ext cx="0" cy="0"/>
-          <a:chOff x="0" y="0"/>
-          <a:chExt cx="0" cy="0"/>
-        </a:xfrm>
-      </p:grpSpPr>
-      <p:pic>
-        <p:nvPicPr>
-          <p:cNvPr id="9" name="Picture Placeholder 7" descr="abstract image">
-            <a:extLst>
-              <a:ext uri="{FF2B5EF4-FFF2-40B4-BE49-F238E27FC236}">
-                <a16:creationId xmlns:a16="http://schemas.microsoft.com/office/drawing/2014/main" id="{5C3FB363-C41E-01DF-5DF7-4C7B1F8A89FC}"/>
-              </a:ext>
-            </a:extLst>
-          </p:cNvPr>
-          <p:cNvPicPr>
-            <a:picLocks noChangeAspect="1"/>
-          </p:cNvPicPr>
-          <p:nvPr/>
-        </p:nvPicPr>
-        <p:blipFill rotWithShape="1">
-          <a:blip r:embed="rId2">
-            <a:alphaModFix/>
-            <a:extLst>
-              <a:ext uri="{BEBA8EAE-BF5A-486C-A8C5-ECC9F3942E4B}">
-                <a14:imgProps xmlns:a14="http://schemas.microsoft.com/office/drawing/2010/main">
-                  <a14:imgLayer r:embed="rId3">
-                    <a14:imgEffect>
-                      <a14:saturation sat="0"/>
-                    </a14:imgEffect>
-                  </a14:imgLayer>
-                </a14:imgProps>
-              </a:ext>
-            </a:extLst>
-          </a:blip>
-          <a:srcRect l="18261" r="36813"/>
-          <a:stretch/>
-        </p:blipFill>
-        <p:spPr>
-          <a:xfrm>
-            <a:off x="-1" y="0"/>
-            <a:ext cx="5477523" cy="6858000"/>
-          </a:xfrm>
-          <a:prstGeom prst="rect">
-            <a:avLst/>
-          </a:prstGeom>
-        </p:spPr>
-      </p:pic>
-      <p:sp>
-        <p:nvSpPr>
-          <p:cNvPr id="3" name="Title 2">
-            <a:extLst>
-              <a:ext uri="{FF2B5EF4-FFF2-40B4-BE49-F238E27FC236}">
-                <a16:creationId xmlns:a16="http://schemas.microsoft.com/office/drawing/2014/main" id="{AF5B7F56-DA07-310F-2F5E-594FAE5F324D}"/>
-              </a:ext>
-            </a:extLst>
-          </p:cNvPr>
-          <p:cNvSpPr>
-            <a:spLocks noGrp="1"/>
-          </p:cNvSpPr>
-          <p:nvPr>
-            <p:ph type="title"/>
-          </p:nvPr>
-        </p:nvSpPr>
-        <p:spPr>
-          <a:xfrm>
-            <a:off x="6362330" y="411225"/>
-            <a:ext cx="5251450" cy="956373"/>
-          </a:xfrm>
-        </p:spPr>
-        <p:txBody>
-          <a:bodyPr anchor="t">
-            <a:normAutofit fontScale="90000"/>
-          </a:bodyPr>
-          <a:lstStyle/>
-          <a:p>
-            <a:r>
-              <a:rPr lang="en-US" sz="4800" dirty="0"/>
-              <a:t>Implemented Queries</a:t>
-            </a:r>
-          </a:p>
-        </p:txBody>
-      </p:sp>
-      <p:sp>
-        <p:nvSpPr>
-          <p:cNvPr id="5" name="Text Placeholder 4">
-            <a:extLst>
-              <a:ext uri="{FF2B5EF4-FFF2-40B4-BE49-F238E27FC236}">
-                <a16:creationId xmlns:a16="http://schemas.microsoft.com/office/drawing/2014/main" id="{AEBF041D-D309-7AB4-AF34-B9636AF39DDF}"/>
-              </a:ext>
-            </a:extLst>
-          </p:cNvPr>
-          <p:cNvSpPr>
-            <a:spLocks noGrp="1"/>
-          </p:cNvSpPr>
-          <p:nvPr>
-            <p:ph type="body" idx="1"/>
-          </p:nvPr>
-        </p:nvSpPr>
-        <p:spPr>
-          <a:xfrm>
-            <a:off x="6362330" y="2025552"/>
-            <a:ext cx="5829669" cy="365125"/>
-          </a:xfrm>
-        </p:spPr>
-        <p:txBody>
-          <a:bodyPr/>
-          <a:lstStyle/>
-          <a:p>
-            <a:r>
-              <a:rPr lang="en-US" spc="300" dirty="0"/>
-              <a:t> </a:t>
-            </a:r>
-          </a:p>
-        </p:txBody>
-      </p:sp>
-      <p:sp>
-        <p:nvSpPr>
-          <p:cNvPr id="2" name="Slide Number Placeholder 1">
-            <a:extLst>
-              <a:ext uri="{FF2B5EF4-FFF2-40B4-BE49-F238E27FC236}">
-                <a16:creationId xmlns:a16="http://schemas.microsoft.com/office/drawing/2014/main" id="{AA91C46B-0405-BC26-B64A-218461638CE6}"/>
-              </a:ext>
-            </a:extLst>
-          </p:cNvPr>
-          <p:cNvSpPr>
-            <a:spLocks noGrp="1"/>
-          </p:cNvSpPr>
-          <p:nvPr>
-            <p:ph type="sldNum" sz="quarter" idx="12"/>
-          </p:nvPr>
-        </p:nvSpPr>
-        <p:spPr/>
-        <p:txBody>
-          <a:bodyPr/>
-          <a:lstStyle/>
-          <a:p>
-            <a:fld id="{8C2E478F-E849-4A8C-AF1F-CBCC78A7CBFA}" type="slidenum">
-              <a:rPr lang="en-US" smtClean="0"/>
-              <a:t>15</a:t>
-            </a:fld>
-            <a:endParaRPr lang="en-US" dirty="0"/>
-          </a:p>
-        </p:txBody>
-      </p:sp>
-      <p:sp>
-        <p:nvSpPr>
-          <p:cNvPr id="6" name="Content Placeholder 8">
-            <a:extLst>
-              <a:ext uri="{FF2B5EF4-FFF2-40B4-BE49-F238E27FC236}">
-                <a16:creationId xmlns:a16="http://schemas.microsoft.com/office/drawing/2014/main" id="{BDEA54F7-AC68-3AA7-82ED-71F2213BDAB1}"/>
-              </a:ext>
-            </a:extLst>
-          </p:cNvPr>
-          <p:cNvSpPr txBox="1">
-            <a:spLocks/>
-          </p:cNvSpPr>
-          <p:nvPr/>
-        </p:nvSpPr>
-        <p:spPr>
-          <a:xfrm>
-            <a:off x="6362330" y="2574543"/>
-            <a:ext cx="4646246" cy="3893760"/>
-          </a:xfrm>
-          <a:prstGeom prst="rect">
-            <a:avLst/>
-          </a:prstGeom>
-          <a:noFill/>
-        </p:spPr>
-        <p:txBody>
-          <a:bodyPr vert="horz" lIns="91440" tIns="45720" rIns="91440" bIns="45720" rtlCol="0" anchor="t">
-            <a:normAutofit fontScale="70000" lnSpcReduction="20000"/>
-          </a:bodyPr>
-          <a:lstStyle>
-            <a:defPPr>
-              <a:defRPr lang="en-US"/>
-            </a:defPPr>
-            <a:lvl1pPr indent="0">
-              <a:lnSpc>
-                <a:spcPct val="120000"/>
-              </a:lnSpc>
-              <a:spcBef>
-                <a:spcPts val="0"/>
-              </a:spcBef>
-              <a:buFont typeface="Arial" panose="020B0604020202020204" pitchFamily="34" charset="0"/>
-              <a:buNone/>
-              <a:defRPr sz="2400" cap="none" spc="0" baseline="0">
-                <a:solidFill>
-                  <a:sysClr val="windowText" lastClr="000000"/>
-                </a:solidFill>
-                <a:effectLst/>
-              </a:defRPr>
-            </a:lvl1pPr>
-            <a:lvl2pPr indent="0">
-              <a:lnSpc>
-                <a:spcPct val="150000"/>
-              </a:lnSpc>
-              <a:spcBef>
-                <a:spcPts val="500"/>
-              </a:spcBef>
-              <a:buFont typeface="Arial" panose="020B0604020202020204" pitchFamily="34" charset="0"/>
-              <a:buNone/>
-              <a:defRPr sz="2000">
-                <a:solidFill>
-                  <a:schemeClr val="tx1">
-                    <a:tint val="75000"/>
-                  </a:schemeClr>
-                </a:solidFill>
-              </a:defRPr>
-            </a:lvl2pPr>
-            <a:lvl3pPr indent="0">
-              <a:lnSpc>
-                <a:spcPct val="150000"/>
-              </a:lnSpc>
-              <a:spcBef>
-                <a:spcPts val="500"/>
-              </a:spcBef>
-              <a:buFont typeface="Arial" panose="020B0604020202020204" pitchFamily="34" charset="0"/>
-              <a:buNone/>
-              <a:defRPr>
-                <a:solidFill>
-                  <a:schemeClr val="tx1">
-                    <a:tint val="75000"/>
-                  </a:schemeClr>
-                </a:solidFill>
-              </a:defRPr>
-            </a:lvl3pPr>
-            <a:lvl4pPr indent="0">
-              <a:lnSpc>
-                <a:spcPct val="150000"/>
-              </a:lnSpc>
-              <a:spcBef>
-                <a:spcPts val="500"/>
-              </a:spcBef>
-              <a:buFont typeface="Arial" panose="020B0604020202020204" pitchFamily="34" charset="0"/>
-              <a:buNone/>
-              <a:defRPr sz="1600">
-                <a:solidFill>
-                  <a:schemeClr val="tx1">
-                    <a:tint val="75000"/>
-                  </a:schemeClr>
-                </a:solidFill>
-              </a:defRPr>
-            </a:lvl4pPr>
-            <a:lvl5pPr indent="0">
-              <a:lnSpc>
-                <a:spcPct val="150000"/>
-              </a:lnSpc>
-              <a:spcBef>
-                <a:spcPts val="500"/>
-              </a:spcBef>
-              <a:buFont typeface="Arial" panose="020B0604020202020204" pitchFamily="34" charset="0"/>
-              <a:buNone/>
-              <a:defRPr sz="1600">
-                <a:solidFill>
-                  <a:schemeClr val="tx1">
-                    <a:tint val="75000"/>
-                  </a:schemeClr>
-                </a:solidFill>
-              </a:defRPr>
-            </a:lvl5pPr>
-            <a:lvl6pPr indent="0">
-              <a:lnSpc>
-                <a:spcPct val="90000"/>
-              </a:lnSpc>
-              <a:spcBef>
-                <a:spcPts val="500"/>
-              </a:spcBef>
-              <a:buFont typeface="Arial" panose="020B0604020202020204" pitchFamily="34" charset="0"/>
-              <a:buNone/>
-              <a:defRPr sz="1600">
-                <a:solidFill>
-                  <a:schemeClr val="tx1">
-                    <a:tint val="75000"/>
-                  </a:schemeClr>
-                </a:solidFill>
-              </a:defRPr>
-            </a:lvl6pPr>
-            <a:lvl7pPr indent="0">
-              <a:lnSpc>
-                <a:spcPct val="90000"/>
-              </a:lnSpc>
-              <a:spcBef>
-                <a:spcPts val="500"/>
-              </a:spcBef>
-              <a:buFont typeface="Arial" panose="020B0604020202020204" pitchFamily="34" charset="0"/>
-              <a:buNone/>
-              <a:defRPr sz="1600">
-                <a:solidFill>
-                  <a:schemeClr val="tx1">
-                    <a:tint val="75000"/>
-                  </a:schemeClr>
-                </a:solidFill>
-              </a:defRPr>
-            </a:lvl7pPr>
-            <a:lvl8pPr indent="0">
-              <a:lnSpc>
-                <a:spcPct val="90000"/>
-              </a:lnSpc>
-              <a:spcBef>
-                <a:spcPts val="500"/>
-              </a:spcBef>
-              <a:buFont typeface="Arial" panose="020B0604020202020204" pitchFamily="34" charset="0"/>
-              <a:buNone/>
-              <a:defRPr sz="1600">
-                <a:solidFill>
-                  <a:schemeClr val="tx1">
-                    <a:tint val="75000"/>
-                  </a:schemeClr>
-                </a:solidFill>
-              </a:defRPr>
-            </a:lvl8pPr>
-            <a:lvl9pPr indent="0">
-              <a:lnSpc>
-                <a:spcPct val="90000"/>
-              </a:lnSpc>
-              <a:spcBef>
-                <a:spcPts val="500"/>
-              </a:spcBef>
-              <a:buFont typeface="Arial" panose="020B0604020202020204" pitchFamily="34" charset="0"/>
-              <a:buNone/>
-              <a:defRPr sz="1600">
-                <a:solidFill>
-                  <a:schemeClr val="tx1">
-                    <a:tint val="75000"/>
-                  </a:schemeClr>
-                </a:solidFill>
-              </a:defRPr>
-            </a:lvl9pPr>
-          </a:lstStyle>
-          <a:p>
-            <a:pPr marL="342900" indent="-342900">
-              <a:buFont typeface="Arial" panose="020B0604020202020204" pitchFamily="34" charset="0"/>
-              <a:buChar char="•"/>
-            </a:pPr>
-            <a:r>
-              <a:rPr lang="en-US" dirty="0"/>
-              <a:t>Django’s authentication library</a:t>
-            </a:r>
-          </a:p>
-          <a:p>
-            <a:pPr marL="800100" lvl="1" indent="-342900">
-              <a:buFont typeface="Arial" panose="020B0604020202020204" pitchFamily="34" charset="0"/>
-              <a:buChar char="•"/>
-            </a:pPr>
-            <a:r>
-              <a:rPr lang="en-US" dirty="0"/>
-              <a:t>Retrieves user from database</a:t>
-            </a:r>
-          </a:p>
-          <a:p>
-            <a:pPr marL="800100" lvl="1" indent="-342900">
-              <a:buFont typeface="Arial" panose="020B0604020202020204" pitchFamily="34" charset="0"/>
-              <a:buChar char="•"/>
-            </a:pPr>
-            <a:r>
-              <a:rPr lang="en-US" dirty="0"/>
-              <a:t>Verifies password is correct</a:t>
-            </a:r>
-          </a:p>
-          <a:p>
-            <a:pPr marL="800100" lvl="1" indent="-342900">
-              <a:buFont typeface="Arial" panose="020B0604020202020204" pitchFamily="34" charset="0"/>
-              <a:buChar char="•"/>
-            </a:pPr>
-            <a:r>
-              <a:rPr lang="en-US" dirty="0"/>
-              <a:t>Return user from database </a:t>
-            </a:r>
-          </a:p>
-          <a:p>
-            <a:pPr marL="342900" indent="-342900">
-              <a:buFont typeface="Arial" panose="020B0604020202020204" pitchFamily="34" charset="0"/>
-              <a:buChar char="•"/>
-            </a:pPr>
-            <a:r>
-              <a:rPr lang="en-US" dirty="0"/>
-              <a:t> Google Authentication Queries</a:t>
-            </a:r>
-          </a:p>
-          <a:p>
-            <a:pPr marL="800100" lvl="1" indent="-342900">
-              <a:buFont typeface="Arial" panose="020B0604020202020204" pitchFamily="34" charset="0"/>
-              <a:buChar char="•"/>
-            </a:pPr>
-            <a:r>
-              <a:rPr lang="en-US" dirty="0"/>
-              <a:t>Start by Django sending request to Google server</a:t>
-            </a:r>
-          </a:p>
-          <a:p>
-            <a:pPr marL="800100" lvl="1" indent="-342900">
-              <a:buFont typeface="Arial" panose="020B0604020202020204" pitchFamily="34" charset="0"/>
-              <a:buChar char="•"/>
-            </a:pPr>
-            <a:r>
-              <a:rPr lang="en-US" dirty="0"/>
-              <a:t>Google generates authentication token, which is validated by Django</a:t>
-            </a:r>
-          </a:p>
-          <a:p>
-            <a:pPr marL="800100" lvl="1" indent="-342900">
-              <a:buFont typeface="Arial" panose="020B0604020202020204" pitchFamily="34" charset="0"/>
-              <a:buChar char="•"/>
-            </a:pPr>
-            <a:r>
-              <a:rPr lang="en-US" dirty="0"/>
-              <a:t>Once verified, Django sends request for user information</a:t>
-            </a:r>
-          </a:p>
-          <a:p>
-            <a:pPr marL="342900" indent="-342900">
-              <a:buFont typeface="Arial" panose="020B0604020202020204" pitchFamily="34" charset="0"/>
-              <a:buChar char="•"/>
-            </a:pPr>
-            <a:endParaRPr lang="en-US" dirty="0"/>
-          </a:p>
-        </p:txBody>
-      </p:sp>
-    </p:spTree>
-    <p:extLst>
-      <p:ext uri="{BB962C8B-B14F-4D97-AF65-F5344CB8AC3E}">
-        <p14:creationId xmlns:p14="http://schemas.microsoft.com/office/powerpoint/2010/main" val="2790229447"/>
-      </p:ext>
-    </p:extLst>
-  </p:cSld>
-  <p:clrMapOvr>
-    <a:masterClrMapping/>
-  </p:clrMapOvr>
-</p:sld>
-</file>
-
-<file path=ppt/slides/slide16.xml><?xml version="1.0" encoding="utf-8"?>
-<p:sld xmlns:a="http://schemas.openxmlformats.org/drawingml/2006/main" xmlns:r="http://schemas.openxmlformats.org/officeDocument/2006/relationships" xmlns:p="http://schemas.openxmlformats.org/presentationml/2006/main">
-  <p:cSld>
-    <p:spTree>
-      <p:nvGrpSpPr>
-        <p:cNvPr id="1" name="">
-          <a:extLst>
-            <a:ext uri="{FF2B5EF4-FFF2-40B4-BE49-F238E27FC236}">
-              <a16:creationId xmlns:a16="http://schemas.microsoft.com/office/drawing/2014/main" id="{C9B2A81C-D788-C998-192F-A41C724B6A67}"/>
-            </a:ext>
-          </a:extLst>
-        </p:cNvPr>
-        <p:cNvGrpSpPr/>
-        <p:nvPr/>
-      </p:nvGrpSpPr>
-      <p:grpSpPr>
-        <a:xfrm>
-          <a:off x="0" y="0"/>
-          <a:ext cx="0" cy="0"/>
-          <a:chOff x="0" y="0"/>
-          <a:chExt cx="0" cy="0"/>
-        </a:xfrm>
-      </p:grpSpPr>
-      <p:pic>
-        <p:nvPicPr>
-          <p:cNvPr id="9" name="Picture Placeholder 7" descr="abstract image">
-            <a:extLst>
-              <a:ext uri="{FF2B5EF4-FFF2-40B4-BE49-F238E27FC236}">
-                <a16:creationId xmlns:a16="http://schemas.microsoft.com/office/drawing/2014/main" id="{C17AFBF1-09E9-E506-28F0-063FCE5485AC}"/>
-              </a:ext>
-            </a:extLst>
-          </p:cNvPr>
-          <p:cNvPicPr>
-            <a:picLocks noChangeAspect="1"/>
-          </p:cNvPicPr>
-          <p:nvPr/>
-        </p:nvPicPr>
-        <p:blipFill rotWithShape="1">
-          <a:blip r:embed="rId2">
-            <a:alphaModFix/>
-            <a:extLst>
-              <a:ext uri="{BEBA8EAE-BF5A-486C-A8C5-ECC9F3942E4B}">
-                <a14:imgProps xmlns:a14="http://schemas.microsoft.com/office/drawing/2010/main">
-                  <a14:imgLayer r:embed="rId3">
-                    <a14:imgEffect>
-                      <a14:saturation sat="0"/>
-                    </a14:imgEffect>
-                  </a14:imgLayer>
-                </a14:imgProps>
-              </a:ext>
-            </a:extLst>
-          </a:blip>
-          <a:srcRect l="18261" r="36813"/>
-          <a:stretch/>
-        </p:blipFill>
-        <p:spPr>
-          <a:xfrm>
-            <a:off x="-1" y="0"/>
-            <a:ext cx="5477523" cy="6858000"/>
-          </a:xfrm>
-          <a:prstGeom prst="rect">
-            <a:avLst/>
-          </a:prstGeom>
-        </p:spPr>
-      </p:pic>
-      <p:sp>
-        <p:nvSpPr>
-          <p:cNvPr id="3" name="Title 2">
-            <a:extLst>
-              <a:ext uri="{FF2B5EF4-FFF2-40B4-BE49-F238E27FC236}">
-                <a16:creationId xmlns:a16="http://schemas.microsoft.com/office/drawing/2014/main" id="{10B9BBDD-D331-85ED-463F-3F4621836CD7}"/>
-              </a:ext>
-            </a:extLst>
-          </p:cNvPr>
-          <p:cNvSpPr>
-            <a:spLocks noGrp="1"/>
-          </p:cNvSpPr>
-          <p:nvPr>
-            <p:ph type="title"/>
-          </p:nvPr>
-        </p:nvSpPr>
-        <p:spPr>
-          <a:xfrm>
-            <a:off x="6362330" y="411225"/>
-            <a:ext cx="5251450" cy="956373"/>
-          </a:xfrm>
-        </p:spPr>
-        <p:txBody>
-          <a:bodyPr anchor="t">
-            <a:normAutofit/>
-          </a:bodyPr>
-          <a:lstStyle/>
-          <a:p>
-            <a:r>
-              <a:rPr lang="en-US" sz="4800" dirty="0"/>
-              <a:t>Future Queries</a:t>
-            </a:r>
-          </a:p>
-        </p:txBody>
-      </p:sp>
-      <p:sp>
-        <p:nvSpPr>
-          <p:cNvPr id="5" name="Text Placeholder 4">
-            <a:extLst>
-              <a:ext uri="{FF2B5EF4-FFF2-40B4-BE49-F238E27FC236}">
-                <a16:creationId xmlns:a16="http://schemas.microsoft.com/office/drawing/2014/main" id="{695C81AB-CBB5-D778-A045-9AEE956D1B30}"/>
-              </a:ext>
-            </a:extLst>
-          </p:cNvPr>
-          <p:cNvSpPr>
-            <a:spLocks noGrp="1"/>
-          </p:cNvSpPr>
-          <p:nvPr>
-            <p:ph type="body" idx="1"/>
-          </p:nvPr>
-        </p:nvSpPr>
-        <p:spPr>
-          <a:xfrm>
-            <a:off x="6362330" y="2025552"/>
-            <a:ext cx="5829669" cy="365125"/>
-          </a:xfrm>
-        </p:spPr>
-        <p:txBody>
-          <a:bodyPr/>
-          <a:lstStyle/>
-          <a:p>
-            <a:r>
-              <a:rPr lang="en-US" spc="300" dirty="0"/>
-              <a:t> </a:t>
-            </a:r>
-          </a:p>
-        </p:txBody>
-      </p:sp>
-      <p:sp>
-        <p:nvSpPr>
-          <p:cNvPr id="2" name="Slide Number Placeholder 1">
-            <a:extLst>
-              <a:ext uri="{FF2B5EF4-FFF2-40B4-BE49-F238E27FC236}">
-                <a16:creationId xmlns:a16="http://schemas.microsoft.com/office/drawing/2014/main" id="{A935E9FD-7EEB-4447-F64D-1F1FA53F6076}"/>
-              </a:ext>
-            </a:extLst>
-          </p:cNvPr>
-          <p:cNvSpPr>
-            <a:spLocks noGrp="1"/>
-          </p:cNvSpPr>
-          <p:nvPr>
-            <p:ph type="sldNum" sz="quarter" idx="12"/>
-          </p:nvPr>
-        </p:nvSpPr>
-        <p:spPr/>
-        <p:txBody>
-          <a:bodyPr/>
-          <a:lstStyle/>
-          <a:p>
-            <a:fld id="{8C2E478F-E849-4A8C-AF1F-CBCC78A7CBFA}" type="slidenum">
-              <a:rPr lang="en-US" smtClean="0"/>
-              <a:t>16</a:t>
-            </a:fld>
-            <a:endParaRPr lang="en-US" dirty="0"/>
-          </a:p>
-        </p:txBody>
-      </p:sp>
-      <p:sp>
-        <p:nvSpPr>
-          <p:cNvPr id="6" name="Content Placeholder 8">
-            <a:extLst>
-              <a:ext uri="{FF2B5EF4-FFF2-40B4-BE49-F238E27FC236}">
-                <a16:creationId xmlns:a16="http://schemas.microsoft.com/office/drawing/2014/main" id="{2C4FFE33-5032-FC7C-2B9D-D3529A288765}"/>
-              </a:ext>
-            </a:extLst>
-          </p:cNvPr>
-          <p:cNvSpPr txBox="1">
-            <a:spLocks/>
-          </p:cNvSpPr>
-          <p:nvPr/>
-        </p:nvSpPr>
-        <p:spPr>
-          <a:xfrm>
-            <a:off x="6362330" y="2574543"/>
-            <a:ext cx="4646246" cy="3893760"/>
-          </a:xfrm>
-          <a:prstGeom prst="rect">
-            <a:avLst/>
-          </a:prstGeom>
-          <a:noFill/>
-        </p:spPr>
-        <p:txBody>
-          <a:bodyPr vert="horz" lIns="91440" tIns="45720" rIns="91440" bIns="45720" rtlCol="0" anchor="t">
-            <a:normAutofit/>
-          </a:bodyPr>
-          <a:lstStyle>
-            <a:defPPr>
-              <a:defRPr lang="en-US"/>
-            </a:defPPr>
-            <a:lvl1pPr indent="0">
-              <a:lnSpc>
-                <a:spcPct val="120000"/>
-              </a:lnSpc>
-              <a:spcBef>
-                <a:spcPts val="0"/>
-              </a:spcBef>
-              <a:buFont typeface="Arial" panose="020B0604020202020204" pitchFamily="34" charset="0"/>
-              <a:buNone/>
-              <a:defRPr sz="2400" cap="none" spc="0" baseline="0">
-                <a:solidFill>
-                  <a:sysClr val="windowText" lastClr="000000"/>
-                </a:solidFill>
-                <a:effectLst/>
-              </a:defRPr>
-            </a:lvl1pPr>
-            <a:lvl2pPr indent="0">
-              <a:lnSpc>
-                <a:spcPct val="150000"/>
-              </a:lnSpc>
-              <a:spcBef>
-                <a:spcPts val="500"/>
-              </a:spcBef>
-              <a:buFont typeface="Arial" panose="020B0604020202020204" pitchFamily="34" charset="0"/>
-              <a:buNone/>
-              <a:defRPr sz="2000">
-                <a:solidFill>
-                  <a:schemeClr val="tx1">
-                    <a:tint val="75000"/>
-                  </a:schemeClr>
-                </a:solidFill>
-              </a:defRPr>
-            </a:lvl2pPr>
-            <a:lvl3pPr indent="0">
-              <a:lnSpc>
-                <a:spcPct val="150000"/>
-              </a:lnSpc>
-              <a:spcBef>
-                <a:spcPts val="500"/>
-              </a:spcBef>
-              <a:buFont typeface="Arial" panose="020B0604020202020204" pitchFamily="34" charset="0"/>
-              <a:buNone/>
-              <a:defRPr>
-                <a:solidFill>
-                  <a:schemeClr val="tx1">
-                    <a:tint val="75000"/>
-                  </a:schemeClr>
-                </a:solidFill>
-              </a:defRPr>
-            </a:lvl3pPr>
-            <a:lvl4pPr indent="0">
-              <a:lnSpc>
-                <a:spcPct val="150000"/>
-              </a:lnSpc>
-              <a:spcBef>
-                <a:spcPts val="500"/>
-              </a:spcBef>
-              <a:buFont typeface="Arial" panose="020B0604020202020204" pitchFamily="34" charset="0"/>
-              <a:buNone/>
-              <a:defRPr sz="1600">
-                <a:solidFill>
-                  <a:schemeClr val="tx1">
-                    <a:tint val="75000"/>
-                  </a:schemeClr>
-                </a:solidFill>
-              </a:defRPr>
-            </a:lvl4pPr>
-            <a:lvl5pPr indent="0">
-              <a:lnSpc>
-                <a:spcPct val="150000"/>
-              </a:lnSpc>
-              <a:spcBef>
-                <a:spcPts val="500"/>
-              </a:spcBef>
-              <a:buFont typeface="Arial" panose="020B0604020202020204" pitchFamily="34" charset="0"/>
-              <a:buNone/>
-              <a:defRPr sz="1600">
-                <a:solidFill>
-                  <a:schemeClr val="tx1">
-                    <a:tint val="75000"/>
-                  </a:schemeClr>
-                </a:solidFill>
-              </a:defRPr>
-            </a:lvl5pPr>
-            <a:lvl6pPr indent="0">
-              <a:lnSpc>
-                <a:spcPct val="90000"/>
-              </a:lnSpc>
-              <a:spcBef>
-                <a:spcPts val="500"/>
-              </a:spcBef>
-              <a:buFont typeface="Arial" panose="020B0604020202020204" pitchFamily="34" charset="0"/>
-              <a:buNone/>
-              <a:defRPr sz="1600">
-                <a:solidFill>
-                  <a:schemeClr val="tx1">
-                    <a:tint val="75000"/>
-                  </a:schemeClr>
-                </a:solidFill>
-              </a:defRPr>
-            </a:lvl6pPr>
-            <a:lvl7pPr indent="0">
-              <a:lnSpc>
-                <a:spcPct val="90000"/>
-              </a:lnSpc>
-              <a:spcBef>
-                <a:spcPts val="500"/>
-              </a:spcBef>
-              <a:buFont typeface="Arial" panose="020B0604020202020204" pitchFamily="34" charset="0"/>
-              <a:buNone/>
-              <a:defRPr sz="1600">
-                <a:solidFill>
-                  <a:schemeClr val="tx1">
-                    <a:tint val="75000"/>
-                  </a:schemeClr>
-                </a:solidFill>
-              </a:defRPr>
-            </a:lvl7pPr>
-            <a:lvl8pPr indent="0">
-              <a:lnSpc>
-                <a:spcPct val="90000"/>
-              </a:lnSpc>
-              <a:spcBef>
-                <a:spcPts val="500"/>
-              </a:spcBef>
-              <a:buFont typeface="Arial" panose="020B0604020202020204" pitchFamily="34" charset="0"/>
-              <a:buNone/>
-              <a:defRPr sz="1600">
-                <a:solidFill>
-                  <a:schemeClr val="tx1">
-                    <a:tint val="75000"/>
-                  </a:schemeClr>
-                </a:solidFill>
-              </a:defRPr>
-            </a:lvl8pPr>
-            <a:lvl9pPr indent="0">
-              <a:lnSpc>
-                <a:spcPct val="90000"/>
-              </a:lnSpc>
-              <a:spcBef>
-                <a:spcPts val="500"/>
-              </a:spcBef>
-              <a:buFont typeface="Arial" panose="020B0604020202020204" pitchFamily="34" charset="0"/>
-              <a:buNone/>
-              <a:defRPr sz="1600">
-                <a:solidFill>
-                  <a:schemeClr val="tx1">
-                    <a:tint val="75000"/>
-                  </a:schemeClr>
-                </a:solidFill>
-              </a:defRPr>
-            </a:lvl9pPr>
-          </a:lstStyle>
-          <a:p>
-            <a:pPr marL="342900" indent="-342900">
-              <a:buFont typeface="Arial" panose="020B0604020202020204" pitchFamily="34" charset="0"/>
-              <a:buChar char="•"/>
-            </a:pPr>
-            <a:r>
-              <a:rPr lang="en-US" dirty="0"/>
-              <a:t>Django provides Object-Relational-Mapping system</a:t>
-            </a:r>
-          </a:p>
-          <a:p>
-            <a:pPr marL="800100" lvl="1" indent="-342900">
-              <a:buFont typeface="Arial" panose="020B0604020202020204" pitchFamily="34" charset="0"/>
-              <a:buChar char="•"/>
-            </a:pPr>
-            <a:r>
-              <a:rPr lang="en-US" dirty="0"/>
-              <a:t>Use CRUD operations to interact with database</a:t>
-            </a:r>
-          </a:p>
-          <a:p>
-            <a:pPr marL="800100" lvl="1" indent="-342900">
-              <a:buFont typeface="Arial" panose="020B0604020202020204" pitchFamily="34" charset="0"/>
-              <a:buChar char="•"/>
-            </a:pPr>
-            <a:r>
-              <a:rPr lang="en-US" dirty="0"/>
-              <a:t>Retrieving animal names, filtering names based on attributes, creating a list of favorited names</a:t>
-            </a:r>
-          </a:p>
-        </p:txBody>
-      </p:sp>
-    </p:spTree>
-    <p:extLst>
-      <p:ext uri="{BB962C8B-B14F-4D97-AF65-F5344CB8AC3E}">
-        <p14:creationId xmlns:p14="http://schemas.microsoft.com/office/powerpoint/2010/main" val="2816746736"/>
-      </p:ext>
-    </p:extLst>
-  </p:cSld>
-  <p:clrMapOvr>
-    <a:masterClrMapping/>
-  </p:clrMapOvr>
-</p:sld>
-</file>
-
-<file path=ppt/slides/slide17.xml><?xml version="1.0" encoding="utf-8"?>
-<p:sld xmlns:a="http://schemas.openxmlformats.org/drawingml/2006/main" xmlns:r="http://schemas.openxmlformats.org/officeDocument/2006/relationships" xmlns:p="http://schemas.openxmlformats.org/presentationml/2006/main">
-  <p:cSld>
-    <p:spTree>
-      <p:nvGrpSpPr>
-        <p:cNvPr id="1" name=""/>
-        <p:cNvGrpSpPr/>
-        <p:nvPr/>
-      </p:nvGrpSpPr>
-      <p:grpSpPr>
-        <a:xfrm>
-          <a:off x="0" y="0"/>
-          <a:ext cx="0" cy="0"/>
-          <a:chOff x="0" y="0"/>
-          <a:chExt cx="0" cy="0"/>
-        </a:xfrm>
-      </p:grpSpPr>
-      <p:sp>
-        <p:nvSpPr>
-          <p:cNvPr id="5" name="Text Placeholder 4">
-            <a:extLst>
-              <a:ext uri="{FF2B5EF4-FFF2-40B4-BE49-F238E27FC236}">
-                <a16:creationId xmlns:a16="http://schemas.microsoft.com/office/drawing/2014/main" id="{AF9B872F-6332-408E-9135-B871F0C90C00}"/>
-              </a:ext>
-            </a:extLst>
-          </p:cNvPr>
-          <p:cNvSpPr>
-            <a:spLocks noGrp="1"/>
-          </p:cNvSpPr>
-          <p:nvPr>
-            <p:ph type="body" idx="1"/>
-          </p:nvPr>
-        </p:nvSpPr>
-        <p:spPr>
-          <a:xfrm>
-            <a:off x="6169980" y="5940605"/>
-            <a:ext cx="6022019" cy="365125"/>
-          </a:xfrm>
-        </p:spPr>
-        <p:txBody>
-          <a:bodyPr/>
-          <a:lstStyle/>
-          <a:p>
-            <a:r>
-              <a:rPr lang="en-US" spc="300" dirty="0"/>
-              <a:t> </a:t>
-            </a:r>
-          </a:p>
-        </p:txBody>
-      </p:sp>
-      <p:sp>
-        <p:nvSpPr>
-          <p:cNvPr id="2" name="Slide Number Placeholder 1">
-            <a:extLst>
-              <a:ext uri="{FF2B5EF4-FFF2-40B4-BE49-F238E27FC236}">
-                <a16:creationId xmlns:a16="http://schemas.microsoft.com/office/drawing/2014/main" id="{948DD8A0-BD53-4DBF-949B-0D64D12DADA9}"/>
-              </a:ext>
-            </a:extLst>
-          </p:cNvPr>
-          <p:cNvSpPr>
-            <a:spLocks noGrp="1"/>
-          </p:cNvSpPr>
-          <p:nvPr>
-            <p:ph type="sldNum" sz="quarter" idx="12"/>
-          </p:nvPr>
-        </p:nvSpPr>
-        <p:spPr/>
-        <p:txBody>
-          <a:bodyPr/>
-          <a:lstStyle/>
-          <a:p>
-            <a:fld id="{8C2E478F-E849-4A8C-AF1F-CBCC78A7CBFA}" type="slidenum">
-              <a:rPr lang="en-US" smtClean="0"/>
-              <a:t>17</a:t>
-            </a:fld>
-            <a:endParaRPr lang="en-US" dirty="0"/>
-          </a:p>
-        </p:txBody>
-      </p:sp>
-      <p:pic>
-        <p:nvPicPr>
-          <p:cNvPr id="4" name="Picture Placeholder 5" descr="person staring at blueprints on a brick wall">
-            <a:extLst>
-              <a:ext uri="{FF2B5EF4-FFF2-40B4-BE49-F238E27FC236}">
-                <a16:creationId xmlns:a16="http://schemas.microsoft.com/office/drawing/2014/main" id="{A290E82F-CF8E-78AC-4042-A00C42CC919A}"/>
-              </a:ext>
-            </a:extLst>
-          </p:cNvPr>
-          <p:cNvPicPr>
-            <a:picLocks noChangeAspect="1"/>
-          </p:cNvPicPr>
-          <p:nvPr/>
-        </p:nvPicPr>
-        <p:blipFill rotWithShape="1">
-          <a:blip r:embed="rId2">
-            <a:extLst>
-              <a:ext uri="{BEBA8EAE-BF5A-486C-A8C5-ECC9F3942E4B}">
-                <a14:imgProps xmlns:a14="http://schemas.microsoft.com/office/drawing/2010/main">
-                  <a14:imgLayer r:embed="rId3">
-                    <a14:imgEffect>
-                      <a14:saturation sat="0"/>
-                    </a14:imgEffect>
-                  </a14:imgLayer>
-                </a14:imgProps>
-              </a:ext>
-            </a:extLst>
-          </a:blip>
-          <a:srcRect l="23552" t="1" r="23880" b="327"/>
-          <a:stretch/>
-        </p:blipFill>
-        <p:spPr>
-          <a:xfrm>
-            <a:off x="0" y="0"/>
-            <a:ext cx="5416550" cy="6858000"/>
-          </a:xfrm>
-          <a:prstGeom prst="rect">
-            <a:avLst/>
-          </a:prstGeom>
-        </p:spPr>
-      </p:pic>
-      <p:sp>
-        <p:nvSpPr>
-          <p:cNvPr id="10" name="Title 1">
-            <a:extLst>
-              <a:ext uri="{FF2B5EF4-FFF2-40B4-BE49-F238E27FC236}">
-                <a16:creationId xmlns:a16="http://schemas.microsoft.com/office/drawing/2014/main" id="{9A2FAB6D-1E67-AD6D-D1AB-C04147A1D343}"/>
-              </a:ext>
-            </a:extLst>
-          </p:cNvPr>
-          <p:cNvSpPr>
-            <a:spLocks noGrp="1"/>
-          </p:cNvSpPr>
-          <p:nvPr>
-            <p:ph type="title"/>
-          </p:nvPr>
-        </p:nvSpPr>
-        <p:spPr>
-          <a:xfrm>
-            <a:off x="6095999" y="612037"/>
-            <a:ext cx="5897218" cy="884238"/>
-          </a:xfrm>
-        </p:spPr>
-        <p:txBody>
-          <a:bodyPr/>
-          <a:lstStyle/>
-          <a:p>
-            <a:pPr>
-              <a:lnSpc>
-                <a:spcPct val="100000"/>
-              </a:lnSpc>
-              <a:spcBef>
-                <a:spcPts val="0"/>
-              </a:spcBef>
-            </a:pPr>
-            <a:r>
-              <a:rPr lang="en-US" sz="3600" dirty="0"/>
-              <a:t>CURRENTLY RESEARCHING</a:t>
-            </a:r>
-          </a:p>
-        </p:txBody>
-      </p:sp>
-      <p:sp>
-        <p:nvSpPr>
-          <p:cNvPr id="11" name="Content Placeholder 13">
-            <a:extLst>
-              <a:ext uri="{FF2B5EF4-FFF2-40B4-BE49-F238E27FC236}">
-                <a16:creationId xmlns:a16="http://schemas.microsoft.com/office/drawing/2014/main" id="{5D13124E-A576-A643-0305-072644813EB5}"/>
-              </a:ext>
-            </a:extLst>
-          </p:cNvPr>
-          <p:cNvSpPr txBox="1">
-            <a:spLocks/>
-          </p:cNvSpPr>
-          <p:nvPr/>
-        </p:nvSpPr>
-        <p:spPr>
-          <a:xfrm>
-            <a:off x="6169980" y="1660945"/>
-            <a:ext cx="5595299" cy="4208346"/>
-          </a:xfrm>
-          <a:prstGeom prst="rect">
-            <a:avLst/>
-          </a:prstGeom>
-        </p:spPr>
-        <p:txBody>
-          <a:bodyPr vert="horz" lIns="91440" tIns="45720" rIns="91440" bIns="45720" rtlCol="0">
-            <a:normAutofit/>
-          </a:bodyPr>
-          <a:lstStyle>
-            <a:lvl1pPr marR="0" lvl="0" indent="0" fontAlgn="auto">
-              <a:lnSpc>
-                <a:spcPct val="100000"/>
-              </a:lnSpc>
-              <a:spcBef>
-                <a:spcPts val="1000"/>
-              </a:spcBef>
-              <a:spcAft>
-                <a:spcPts val="0"/>
-              </a:spcAft>
-              <a:buClrTx/>
-              <a:buSzTx/>
-              <a:buFont typeface="Arial" panose="020B0604020202020204" pitchFamily="34" charset="0"/>
-              <a:buNone/>
-              <a:tabLst/>
-              <a:defRPr sz="2000" spc="300">
-                <a:cs typeface="Biome Light" panose="020B0303030204020804" pitchFamily="34" charset="0"/>
-              </a:defRPr>
-            </a:lvl1pPr>
-            <a:lvl2pPr marL="685800" lvl="1" indent="-228600">
-              <a:lnSpc>
-                <a:spcPct val="150000"/>
-              </a:lnSpc>
-              <a:spcBef>
-                <a:spcPts val="500"/>
-              </a:spcBef>
-              <a:buFont typeface="Arial" panose="020B0604020202020204" pitchFamily="34" charset="0"/>
-              <a:buChar char="•"/>
-              <a:defRPr sz="2000"/>
-            </a:lvl2pPr>
-            <a:lvl3pPr marL="1143000" indent="-228600">
-              <a:lnSpc>
-                <a:spcPct val="150000"/>
-              </a:lnSpc>
-              <a:spcBef>
-                <a:spcPts val="500"/>
-              </a:spcBef>
-              <a:buFont typeface="Arial" panose="020B0604020202020204" pitchFamily="34" charset="0"/>
-              <a:buChar char="•"/>
-              <a:defRPr sz="1400"/>
-            </a:lvl3pPr>
-            <a:lvl4pPr marL="1600200" indent="-228600">
-              <a:lnSpc>
-                <a:spcPct val="150000"/>
-              </a:lnSpc>
-              <a:spcBef>
-                <a:spcPts val="500"/>
-              </a:spcBef>
-              <a:buFont typeface="Arial" panose="020B0604020202020204" pitchFamily="34" charset="0"/>
-              <a:buChar char="•"/>
-              <a:defRPr sz="1200"/>
-            </a:lvl4pPr>
-            <a:lvl5pPr marL="2057400" indent="-228600">
-              <a:lnSpc>
-                <a:spcPct val="150000"/>
-              </a:lnSpc>
-              <a:spcBef>
-                <a:spcPts val="500"/>
-              </a:spcBef>
-              <a:buFont typeface="Arial" panose="020B0604020202020204" pitchFamily="34" charset="0"/>
-              <a:buChar char="•"/>
-              <a:defRPr sz="1200"/>
-            </a:lvl5pPr>
-            <a:lvl6pPr marL="2514600" indent="-228600">
-              <a:lnSpc>
-                <a:spcPct val="90000"/>
-              </a:lnSpc>
-              <a:spcBef>
-                <a:spcPts val="500"/>
-              </a:spcBef>
-              <a:buFont typeface="Arial" panose="020B0604020202020204" pitchFamily="34" charset="0"/>
-              <a:buChar char="•"/>
-            </a:lvl6pPr>
-            <a:lvl7pPr marL="2971800" indent="-228600">
-              <a:lnSpc>
-                <a:spcPct val="90000"/>
-              </a:lnSpc>
-              <a:spcBef>
-                <a:spcPts val="500"/>
-              </a:spcBef>
-              <a:buFont typeface="Arial" panose="020B0604020202020204" pitchFamily="34" charset="0"/>
-              <a:buChar char="•"/>
-            </a:lvl7pPr>
-            <a:lvl8pPr marL="3429000" indent="-228600">
-              <a:lnSpc>
-                <a:spcPct val="90000"/>
-              </a:lnSpc>
-              <a:spcBef>
-                <a:spcPts val="500"/>
-              </a:spcBef>
-              <a:buFont typeface="Arial" panose="020B0604020202020204" pitchFamily="34" charset="0"/>
-              <a:buChar char="•"/>
-            </a:lvl8pPr>
-            <a:lvl9pPr marL="3886200" indent="-228600">
-              <a:lnSpc>
-                <a:spcPct val="90000"/>
-              </a:lnSpc>
-              <a:spcBef>
-                <a:spcPts val="500"/>
-              </a:spcBef>
-              <a:buFont typeface="Arial" panose="020B0604020202020204" pitchFamily="34" charset="0"/>
-              <a:buChar char="•"/>
-            </a:lvl9pPr>
-          </a:lstStyle>
-          <a:p>
-            <a:pPr>
-              <a:lnSpc>
-                <a:spcPct val="150000"/>
-              </a:lnSpc>
-            </a:pPr>
-            <a:r>
-              <a:rPr lang="en-US" spc="0" dirty="0">
-                <a:cs typeface="+mn-cs"/>
-              </a:rPr>
-              <a:t>We need an API for animal photo recognition, here’s what we are looking at possibly implementing:</a:t>
-            </a:r>
-          </a:p>
-          <a:p>
-            <a:pPr lvl="1"/>
-            <a:r>
-              <a:rPr lang="en-US" dirty="0"/>
-              <a:t>Microsoft Azure AI API</a:t>
-            </a:r>
-          </a:p>
-          <a:p>
-            <a:pPr lvl="2"/>
-            <a:r>
-              <a:rPr lang="en-US" dirty="0"/>
-              <a:t>Uses Microsoft Azure AI to recognize image and return tag</a:t>
-            </a:r>
-          </a:p>
-          <a:p>
-            <a:endParaRPr lang="en-US" spc="0" dirty="0"/>
-          </a:p>
-        </p:txBody>
-      </p:sp>
-    </p:spTree>
-    <p:extLst>
-      <p:ext uri="{BB962C8B-B14F-4D97-AF65-F5344CB8AC3E}">
-        <p14:creationId xmlns:p14="http://schemas.microsoft.com/office/powerpoint/2010/main" val="440829756"/>
-      </p:ext>
-    </p:extLst>
-  </p:cSld>
-  <p:clrMapOvr>
-    <a:masterClrMapping/>
-  </p:clrMapOvr>
-</p:sld>
-</file>
-
-<file path=ppt/slides/slide18.xml><?xml version="1.0" encoding="utf-8"?>
-<p:sld xmlns:a="http://schemas.openxmlformats.org/drawingml/2006/main" xmlns:r="http://schemas.openxmlformats.org/officeDocument/2006/relationships" xmlns:p="http://schemas.openxmlformats.org/presentationml/2006/main">
-  <p:cSld>
-    <p:spTree>
-      <p:nvGrpSpPr>
-        <p:cNvPr id="1" name=""/>
-        <p:cNvGrpSpPr/>
-        <p:nvPr/>
-      </p:nvGrpSpPr>
-      <p:grpSpPr>
-        <a:xfrm>
-          <a:off x="0" y="0"/>
-          <a:ext cx="0" cy="0"/>
-          <a:chOff x="0" y="0"/>
-          <a:chExt cx="0" cy="0"/>
-        </a:xfrm>
-      </p:grpSpPr>
-      <p:sp>
-        <p:nvSpPr>
-          <p:cNvPr id="9" name="Rectangle 8">
-            <a:extLst>
-              <a:ext uri="{FF2B5EF4-FFF2-40B4-BE49-F238E27FC236}">
-                <a16:creationId xmlns:a16="http://schemas.microsoft.com/office/drawing/2014/main" id="{7A457865-6CE4-48F7-9DE8-065695261810}"/>
-              </a:ext>
-              <a:ext uri="{C183D7F6-B498-43B3-948B-1728B52AA6E4}">
-                <adec:decorative xmlns:adec="http://schemas.microsoft.com/office/drawing/2017/decorative" val="1"/>
-              </a:ext>
-            </a:extLst>
-          </p:cNvPr>
-          <p:cNvSpPr/>
-          <p:nvPr/>
-        </p:nvSpPr>
-        <p:spPr>
-          <a:xfrm>
-            <a:off x="593725" y="2417615"/>
-            <a:ext cx="11002961" cy="557784"/>
-          </a:xfrm>
-          <a:prstGeom prst="rect">
-            <a:avLst/>
-          </a:prstGeom>
-          <a:gradFill flip="none" rotWithShape="1">
-            <a:gsLst>
-              <a:gs pos="0">
-                <a:schemeClr val="accent5"/>
-              </a:gs>
-              <a:gs pos="100000">
-                <a:schemeClr val="accent2">
-                  <a:lumMod val="98000"/>
-                  <a:lumOff val="2000"/>
-                </a:schemeClr>
-              </a:gs>
-              <a:gs pos="50000">
-                <a:schemeClr val="accent1"/>
-              </a:gs>
-            </a:gsLst>
-            <a:path path="circle">
-              <a:fillToRect l="100000" t="100000"/>
-            </a:path>
-            <a:tileRect r="-100000" b="-100000"/>
-          </a:gradFill>
-          <a:ln>
-            <a:noFill/>
-          </a:ln>
-        </p:spPr>
-        <p:style>
-          <a:lnRef idx="2">
-            <a:schemeClr val="accent1">
-              <a:shade val="50000"/>
-            </a:schemeClr>
-          </a:lnRef>
-          <a:fillRef idx="1">
-            <a:schemeClr val="accent1"/>
-          </a:fillRef>
-          <a:effectRef idx="0">
-            <a:schemeClr val="accent1"/>
-          </a:effectRef>
-          <a:fontRef idx="minor">
-            <a:schemeClr val="lt1"/>
-          </a:fontRef>
-        </p:style>
-        <p:txBody>
-          <a:bodyPr rtlCol="0" anchor="ctr"/>
-          <a:lstStyle/>
-          <a:p>
-            <a:pPr algn="ctr"/>
-            <a:endParaRPr lang="en-US" dirty="0"/>
-          </a:p>
-        </p:txBody>
-      </p:sp>
-      <p:sp>
-        <p:nvSpPr>
-          <p:cNvPr id="4" name="Title 3">
-            <a:extLst>
-              <a:ext uri="{FF2B5EF4-FFF2-40B4-BE49-F238E27FC236}">
-                <a16:creationId xmlns:a16="http://schemas.microsoft.com/office/drawing/2014/main" id="{16300B5C-7AD0-42EE-A289-DB61F249073A}"/>
-              </a:ext>
-            </a:extLst>
-          </p:cNvPr>
-          <p:cNvSpPr>
-            <a:spLocks noGrp="1"/>
-          </p:cNvSpPr>
-          <p:nvPr>
-            <p:ph type="title"/>
-          </p:nvPr>
-        </p:nvSpPr>
-        <p:spPr/>
-        <p:txBody>
-          <a:bodyPr>
-            <a:normAutofit/>
-          </a:bodyPr>
-          <a:lstStyle/>
-          <a:p>
-            <a:r>
-              <a:rPr lang="en-US" sz="4800" dirty="0"/>
-              <a:t>Timeline &amp; milestones</a:t>
-            </a:r>
-          </a:p>
-        </p:txBody>
-      </p:sp>
-      <p:graphicFrame>
-        <p:nvGraphicFramePr>
-          <p:cNvPr id="7" name="Table 7">
-            <a:extLst>
-              <a:ext uri="{FF2B5EF4-FFF2-40B4-BE49-F238E27FC236}">
-                <a16:creationId xmlns:a16="http://schemas.microsoft.com/office/drawing/2014/main" id="{B1897641-C811-4117-B9B9-5EE41B5A3203}"/>
-              </a:ext>
-            </a:extLst>
-          </p:cNvPr>
-          <p:cNvGraphicFramePr>
-            <a:graphicFrameLocks noGrp="1"/>
-          </p:cNvGraphicFramePr>
-          <p:nvPr>
-            <p:extLst>
-              <p:ext uri="{D42A27DB-BD31-4B8C-83A1-F6EECF244321}">
-                <p14:modId xmlns:p14="http://schemas.microsoft.com/office/powerpoint/2010/main" val="1607371159"/>
-              </p:ext>
-            </p:extLst>
-          </p:nvPr>
-        </p:nvGraphicFramePr>
-        <p:xfrm>
-          <a:off x="681249" y="2400407"/>
-          <a:ext cx="10827912" cy="2871216"/>
-        </p:xfrm>
-        <a:graphic>
-          <a:graphicData uri="http://schemas.openxmlformats.org/drawingml/2006/table">
-            <a:tbl>
-              <a:tblPr firstRow="1" bandRow="1">
-                <a:tableStyleId>{5C22544A-7EE6-4342-B048-85BDC9FD1C3A}</a:tableStyleId>
-              </a:tblPr>
-              <a:tblGrid>
-                <a:gridCol w="2706978">
-                  <a:extLst>
-                    <a:ext uri="{9D8B030D-6E8A-4147-A177-3AD203B41FA5}">
-                      <a16:colId xmlns:a16="http://schemas.microsoft.com/office/drawing/2014/main" val="711439747"/>
-                    </a:ext>
-                  </a:extLst>
-                </a:gridCol>
-                <a:gridCol w="2706978">
-                  <a:extLst>
-                    <a:ext uri="{9D8B030D-6E8A-4147-A177-3AD203B41FA5}">
-                      <a16:colId xmlns:a16="http://schemas.microsoft.com/office/drawing/2014/main" val="1769144258"/>
-                    </a:ext>
-                  </a:extLst>
-                </a:gridCol>
-                <a:gridCol w="2706978">
-                  <a:extLst>
-                    <a:ext uri="{9D8B030D-6E8A-4147-A177-3AD203B41FA5}">
-                      <a16:colId xmlns:a16="http://schemas.microsoft.com/office/drawing/2014/main" val="1217148694"/>
-                    </a:ext>
-                  </a:extLst>
-                </a:gridCol>
-                <a:gridCol w="2706978">
-                  <a:extLst>
-                    <a:ext uri="{9D8B030D-6E8A-4147-A177-3AD203B41FA5}">
-                      <a16:colId xmlns:a16="http://schemas.microsoft.com/office/drawing/2014/main" val="3587985154"/>
-                    </a:ext>
-                  </a:extLst>
-                </a:gridCol>
-              </a:tblGrid>
-              <a:tr h="585216">
-                <a:tc>
-                  <a:txBody>
-                    <a:bodyPr/>
-                    <a:lstStyle/>
-                    <a:p>
-                      <a:pPr algn="ctr"/>
-                      <a:r>
-                        <a:rPr lang="en-US" sz="1800" b="1" dirty="0">
-                          <a:latin typeface="+mn-lt"/>
-                          <a:cs typeface="Biome Light" panose="020B0303030204020804" pitchFamily="34" charset="0"/>
-                        </a:rPr>
-                        <a:t>Phase </a:t>
-                      </a:r>
-                      <a:r>
-                        <a:rPr lang="en-US" b="1" dirty="0"/>
-                        <a:t>1</a:t>
-                      </a:r>
-                    </a:p>
-                  </a:txBody>
-                  <a:tcPr anchor="ctr">
-                    <a:lnL w="12700" cmpd="sng">
-                      <a:noFill/>
-                    </a:lnL>
-                    <a:lnR w="12700" cmpd="sng">
-                      <a:noFill/>
-                    </a:lnR>
-                    <a:lnT w="12700" cmpd="sng">
-                      <a:noFill/>
-                    </a:lnT>
-                    <a:lnB w="38100" cmpd="sng">
-                      <a:noFill/>
-                    </a:lnB>
-                    <a:lnTlToBr w="12700" cmpd="sng">
-                      <a:noFill/>
-                      <a:prstDash val="solid"/>
-                    </a:lnTlToBr>
-                    <a:lnBlToTr w="12700" cmpd="sng">
-                      <a:noFill/>
-                      <a:prstDash val="solid"/>
-                    </a:lnBlToTr>
-                    <a:noFill/>
-                  </a:tcPr>
-                </a:tc>
-                <a:tc>
-                  <a:txBody>
-                    <a:bodyPr/>
-                    <a:lstStyle/>
-                    <a:p>
-                      <a:pPr algn="ctr"/>
-                      <a:r>
-                        <a:rPr lang="en-US" sz="1800" b="1" dirty="0">
-                          <a:latin typeface="+mn-lt"/>
-                          <a:cs typeface="Biome Light" panose="020B0303030204020804" pitchFamily="34" charset="0"/>
-                        </a:rPr>
-                        <a:t>Phase </a:t>
-                      </a:r>
-                      <a:r>
-                        <a:rPr lang="en-US" b="1" dirty="0"/>
-                        <a:t>2</a:t>
-                      </a:r>
-                    </a:p>
-                  </a:txBody>
-                  <a:tcPr anchor="ctr">
-                    <a:lnL w="12700" cmpd="sng">
-                      <a:noFill/>
-                    </a:lnL>
-                    <a:lnR w="12700" cmpd="sng">
-                      <a:noFill/>
-                    </a:lnR>
-                    <a:lnT w="12700" cmpd="sng">
-                      <a:noFill/>
-                    </a:lnT>
-                    <a:lnB w="38100" cmpd="sng">
-                      <a:noFill/>
-                    </a:lnB>
-                    <a:lnTlToBr w="12700" cmpd="sng">
-                      <a:noFill/>
-                      <a:prstDash val="solid"/>
-                    </a:lnTlToBr>
-                    <a:lnBlToTr w="12700" cmpd="sng">
-                      <a:noFill/>
-                      <a:prstDash val="solid"/>
-                    </a:lnBlToTr>
-                    <a:noFill/>
-                  </a:tcPr>
-                </a:tc>
-                <a:tc>
-                  <a:txBody>
-                    <a:bodyPr/>
-                    <a:lstStyle/>
-                    <a:p>
-                      <a:pPr algn="ctr"/>
-                      <a:r>
-                        <a:rPr lang="en-US" sz="1800" b="1" dirty="0">
-                          <a:latin typeface="+mn-lt"/>
-                          <a:cs typeface="Biome Light" panose="020B0303030204020804" pitchFamily="34" charset="0"/>
-                        </a:rPr>
-                        <a:t>Phase </a:t>
-                      </a:r>
-                      <a:r>
-                        <a:rPr lang="en-US" b="1" dirty="0"/>
-                        <a:t>3</a:t>
-                      </a:r>
-                    </a:p>
-                  </a:txBody>
-                  <a:tcPr anchor="ctr">
-                    <a:lnL w="12700" cmpd="sng">
-                      <a:noFill/>
-                    </a:lnL>
-                    <a:lnR w="12700" cmpd="sng">
-                      <a:noFill/>
-                    </a:lnR>
-                    <a:lnT w="12700" cmpd="sng">
-                      <a:noFill/>
-                    </a:lnT>
-                    <a:lnB w="38100" cmpd="sng">
-                      <a:noFill/>
-                    </a:lnB>
-                    <a:lnTlToBr w="12700" cmpd="sng">
-                      <a:noFill/>
-                      <a:prstDash val="solid"/>
-                    </a:lnTlToBr>
-                    <a:lnBlToTr w="12700" cmpd="sng">
-                      <a:noFill/>
-                      <a:prstDash val="solid"/>
-                    </a:lnBlToTr>
-                    <a:noFill/>
-                  </a:tcPr>
-                </a:tc>
-                <a:tc>
-                  <a:txBody>
-                    <a:bodyPr/>
-                    <a:lstStyle/>
-                    <a:p>
-                      <a:pPr algn="ctr"/>
-                      <a:r>
-                        <a:rPr lang="en-US" sz="1800" b="1" dirty="0">
-                          <a:latin typeface="+mn-lt"/>
-                          <a:cs typeface="Biome Light" panose="020B0303030204020804" pitchFamily="34" charset="0"/>
-                        </a:rPr>
-                        <a:t>Phase </a:t>
-                      </a:r>
-                      <a:r>
-                        <a:rPr lang="en-US" b="1" dirty="0"/>
-                        <a:t>4</a:t>
-                      </a:r>
-                    </a:p>
-                  </a:txBody>
-                  <a:tcPr anchor="ctr">
-                    <a:lnL w="12700" cmpd="sng">
-                      <a:noFill/>
-                    </a:lnL>
-                    <a:lnR w="12700" cmpd="sng">
-                      <a:noFill/>
-                    </a:lnR>
-                    <a:lnT w="12700" cmpd="sng">
-                      <a:noFill/>
-                    </a:lnT>
-                    <a:lnB w="38100" cmpd="sng">
-                      <a:noFill/>
-                    </a:lnB>
-                    <a:lnTlToBr w="12700" cmpd="sng">
-                      <a:noFill/>
-                      <a:prstDash val="solid"/>
-                    </a:lnTlToBr>
-                    <a:lnBlToTr w="12700" cmpd="sng">
-                      <a:noFill/>
-                      <a:prstDash val="solid"/>
-                    </a:lnBlToTr>
-                    <a:noFill/>
-                  </a:tcPr>
-                </a:tc>
-                <a:extLst>
-                  <a:ext uri="{0D108BD9-81ED-4DB2-BD59-A6C34878D82A}">
-                    <a16:rowId xmlns:a16="http://schemas.microsoft.com/office/drawing/2014/main" val="3925291448"/>
-                  </a:ext>
-                </a:extLst>
-              </a:tr>
-              <a:tr h="640080">
-                <a:tc>
-                  <a:txBody>
-                    <a:bodyPr/>
-                    <a:lstStyle/>
-                    <a:p>
-                      <a:pPr algn="ctr"/>
-                      <a:r>
-                        <a:rPr lang="en-US" sz="1800" spc="300" dirty="0">
-                          <a:solidFill>
-                            <a:schemeClr val="tx1"/>
-                          </a:solidFill>
-                        </a:rPr>
-                        <a:t>February 7</a:t>
-                      </a:r>
-                    </a:p>
-                  </a:txBody>
-                  <a:tcPr anchor="ctr">
-                    <a:lnL w="12700" cmpd="sng">
-                      <a:noFill/>
-                    </a:lnL>
-                    <a:lnR w="3175" cap="flat" cmpd="sng" algn="ctr">
-                      <a:solidFill>
-                        <a:schemeClr val="bg2">
-                          <a:lumMod val="50000"/>
-                        </a:schemeClr>
-                      </a:solidFill>
-                      <a:prstDash val="solid"/>
-                      <a:round/>
-                      <a:headEnd type="none" w="med" len="med"/>
-                      <a:tailEnd type="none" w="med" len="med"/>
-                    </a:lnR>
-                    <a:lnT w="38100" cmpd="sng">
-                      <a:noFill/>
-                    </a:lnT>
-                    <a:lnB w="3175" cap="flat" cmpd="sng" algn="ctr">
-                      <a:solidFill>
-                        <a:schemeClr val="bg2">
-                          <a:lumMod val="50000"/>
-                        </a:schemeClr>
-                      </a:solidFill>
-                      <a:prstDash val="solid"/>
-                      <a:round/>
-                      <a:headEnd type="none" w="med" len="med"/>
-                      <a:tailEnd type="none" w="med" len="med"/>
-                    </a:lnB>
-                    <a:lnTlToBr w="12700" cmpd="sng">
-                      <a:noFill/>
-                      <a:prstDash val="solid"/>
-                    </a:lnTlToBr>
-                    <a:lnBlToTr w="12700" cmpd="sng">
-                      <a:noFill/>
-                      <a:prstDash val="solid"/>
-                    </a:lnBlToTr>
-                    <a:noFill/>
-                  </a:tcPr>
-                </a:tc>
-                <a:tc>
-                  <a:txBody>
-                    <a:bodyPr/>
-                    <a:lstStyle/>
-                    <a:p>
-                      <a:pPr algn="ctr"/>
-                      <a:r>
-                        <a:rPr lang="en-US" sz="1800" spc="300" dirty="0">
-                          <a:solidFill>
-                            <a:schemeClr val="tx1"/>
-                          </a:solidFill>
-                        </a:rPr>
-                        <a:t>March 6</a:t>
-                      </a:r>
-                    </a:p>
-                  </a:txBody>
-                  <a:tcPr anchor="ctr">
-                    <a:lnL w="3175" cap="flat" cmpd="sng" algn="ctr">
-                      <a:solidFill>
-                        <a:schemeClr val="bg2">
-                          <a:lumMod val="50000"/>
-                        </a:schemeClr>
-                      </a:solidFill>
-                      <a:prstDash val="solid"/>
-                      <a:round/>
-                      <a:headEnd type="none" w="med" len="med"/>
-                      <a:tailEnd type="none" w="med" len="med"/>
-                    </a:lnL>
-                    <a:lnR w="3175" cap="flat" cmpd="sng" algn="ctr">
-                      <a:solidFill>
-                        <a:schemeClr val="bg2">
-                          <a:lumMod val="50000"/>
-                        </a:schemeClr>
-                      </a:solidFill>
-                      <a:prstDash val="solid"/>
-                      <a:round/>
-                      <a:headEnd type="none" w="med" len="med"/>
-                      <a:tailEnd type="none" w="med" len="med"/>
-                    </a:lnR>
-                    <a:lnT w="38100" cmpd="sng">
-                      <a:noFill/>
-                    </a:lnT>
-                    <a:lnB w="3175" cap="flat" cmpd="sng" algn="ctr">
-                      <a:solidFill>
-                        <a:schemeClr val="bg2">
-                          <a:lumMod val="50000"/>
-                        </a:schemeClr>
-                      </a:solidFill>
-                      <a:prstDash val="solid"/>
-                      <a:round/>
-                      <a:headEnd type="none" w="med" len="med"/>
-                      <a:tailEnd type="none" w="med" len="med"/>
-                    </a:lnB>
-                    <a:lnTlToBr w="12700" cmpd="sng">
-                      <a:noFill/>
-                      <a:prstDash val="solid"/>
-                    </a:lnTlToBr>
-                    <a:lnBlToTr w="12700" cmpd="sng">
-                      <a:noFill/>
-                      <a:prstDash val="solid"/>
-                    </a:lnBlToTr>
-                    <a:noFill/>
-                  </a:tcPr>
-                </a:tc>
-                <a:tc>
-                  <a:txBody>
-                    <a:bodyPr/>
-                    <a:lstStyle/>
-                    <a:p>
-                      <a:pPr algn="ctr"/>
-                      <a:r>
-                        <a:rPr lang="en-US" sz="1800" spc="300" dirty="0">
-                          <a:solidFill>
-                            <a:schemeClr val="tx1"/>
-                          </a:solidFill>
-                        </a:rPr>
-                        <a:t>April 10</a:t>
-                      </a:r>
-                    </a:p>
-                  </a:txBody>
-                  <a:tcPr anchor="ctr">
-                    <a:lnL w="3175" cap="flat" cmpd="sng" algn="ctr">
-                      <a:solidFill>
-                        <a:schemeClr val="bg2">
-                          <a:lumMod val="50000"/>
-                        </a:schemeClr>
-                      </a:solidFill>
-                      <a:prstDash val="solid"/>
-                      <a:round/>
-                      <a:headEnd type="none" w="med" len="med"/>
-                      <a:tailEnd type="none" w="med" len="med"/>
-                    </a:lnL>
-                    <a:lnR w="3175" cap="flat" cmpd="sng" algn="ctr">
-                      <a:solidFill>
-                        <a:schemeClr val="bg2">
-                          <a:lumMod val="50000"/>
-                        </a:schemeClr>
-                      </a:solidFill>
-                      <a:prstDash val="solid"/>
-                      <a:round/>
-                      <a:headEnd type="none" w="med" len="med"/>
-                      <a:tailEnd type="none" w="med" len="med"/>
-                    </a:lnR>
-                    <a:lnT w="38100" cmpd="sng">
-                      <a:noFill/>
-                    </a:lnT>
-                    <a:lnB w="3175" cap="flat" cmpd="sng" algn="ctr">
-                      <a:solidFill>
-                        <a:schemeClr val="bg2">
-                          <a:lumMod val="50000"/>
-                        </a:schemeClr>
-                      </a:solidFill>
-                      <a:prstDash val="solid"/>
-                      <a:round/>
-                      <a:headEnd type="none" w="med" len="med"/>
-                      <a:tailEnd type="none" w="med" len="med"/>
-                    </a:lnB>
-                    <a:lnTlToBr w="12700" cmpd="sng">
-                      <a:noFill/>
-                      <a:prstDash val="solid"/>
-                    </a:lnTlToBr>
-                    <a:lnBlToTr w="12700" cmpd="sng">
-                      <a:noFill/>
-                      <a:prstDash val="solid"/>
-                    </a:lnBlToTr>
-                    <a:noFill/>
-                  </a:tcPr>
-                </a:tc>
-                <a:tc>
-                  <a:txBody>
-                    <a:bodyPr/>
-                    <a:lstStyle/>
-                    <a:p>
-                      <a:pPr algn="ctr"/>
-                      <a:r>
-                        <a:rPr lang="en-US" sz="1800" spc="300" dirty="0">
-                          <a:solidFill>
-                            <a:schemeClr val="tx1"/>
-                          </a:solidFill>
-                        </a:rPr>
-                        <a:t>May 1</a:t>
-                      </a:r>
-                    </a:p>
-                  </a:txBody>
-                  <a:tcPr anchor="ctr">
-                    <a:lnL w="3175" cap="flat" cmpd="sng" algn="ctr">
-                      <a:solidFill>
-                        <a:schemeClr val="bg2">
-                          <a:lumMod val="50000"/>
-                        </a:schemeClr>
-                      </a:solidFill>
-                      <a:prstDash val="solid"/>
-                      <a:round/>
-                      <a:headEnd type="none" w="med" len="med"/>
-                      <a:tailEnd type="none" w="med" len="med"/>
-                    </a:lnL>
-                    <a:lnR w="12700" cmpd="sng">
-                      <a:noFill/>
-                    </a:lnR>
-                    <a:lnT w="38100" cmpd="sng">
-                      <a:noFill/>
-                    </a:lnT>
-                    <a:lnB w="3175" cap="flat" cmpd="sng" algn="ctr">
-                      <a:solidFill>
-                        <a:schemeClr val="bg2">
-                          <a:lumMod val="50000"/>
-                        </a:schemeClr>
-                      </a:solidFill>
-                      <a:prstDash val="solid"/>
-                      <a:round/>
-                      <a:headEnd type="none" w="med" len="med"/>
-                      <a:tailEnd type="none" w="med" len="med"/>
-                    </a:lnB>
-                    <a:lnTlToBr w="12700" cmpd="sng">
-                      <a:noFill/>
-                      <a:prstDash val="solid"/>
-                    </a:lnTlToBr>
-                    <a:lnBlToTr w="12700" cmpd="sng">
-                      <a:noFill/>
-                      <a:prstDash val="solid"/>
-                    </a:lnBlToTr>
-                    <a:noFill/>
-                  </a:tcPr>
-                </a:tc>
-                <a:extLst>
-                  <a:ext uri="{0D108BD9-81ED-4DB2-BD59-A6C34878D82A}">
-                    <a16:rowId xmlns:a16="http://schemas.microsoft.com/office/drawing/2014/main" val="939761096"/>
-                  </a:ext>
-                </a:extLst>
-              </a:tr>
-              <a:tr h="1645920">
-                <a:tc>
-                  <a:txBody>
-                    <a:bodyPr/>
-                    <a:lstStyle/>
-                    <a:p>
-                      <a:pPr algn="ctr">
-                        <a:lnSpc>
-                          <a:spcPct val="150000"/>
-                        </a:lnSpc>
-                      </a:pPr>
-                      <a:r>
-                        <a:rPr lang="en-US" sz="1600" spc="300" dirty="0">
-                          <a:solidFill>
-                            <a:schemeClr val="tx1"/>
-                          </a:solidFill>
-                          <a:cs typeface="Biome Light" panose="020B0303030204020804" pitchFamily="34" charset="0"/>
-                        </a:rPr>
-                        <a:t>PROJECT</a:t>
-                      </a:r>
-                    </a:p>
-                    <a:p>
-                      <a:pPr algn="ctr">
-                        <a:lnSpc>
-                          <a:spcPct val="150000"/>
-                        </a:lnSpc>
-                      </a:pPr>
-                      <a:r>
-                        <a:rPr lang="en-US" sz="1600" spc="300" dirty="0">
-                          <a:solidFill>
-                            <a:schemeClr val="tx1"/>
-                          </a:solidFill>
-                          <a:cs typeface="Biome Light" panose="020B0303030204020804" pitchFamily="34" charset="0"/>
-                        </a:rPr>
-                        <a:t>SELECTED</a:t>
-                      </a:r>
-                    </a:p>
-                  </a:txBody>
-                  <a:tcPr anchor="ctr">
-                    <a:lnL w="12700" cmpd="sng">
-                      <a:noFill/>
-                    </a:lnL>
-                    <a:lnR w="3175" cap="flat" cmpd="sng" algn="ctr">
-                      <a:solidFill>
-                        <a:schemeClr val="bg2">
-                          <a:lumMod val="50000"/>
-                        </a:schemeClr>
-                      </a:solidFill>
-                      <a:prstDash val="solid"/>
-                      <a:round/>
-                      <a:headEnd type="none" w="med" len="med"/>
-                      <a:tailEnd type="none" w="med" len="med"/>
-                    </a:lnR>
-                    <a:lnT w="3175" cap="flat" cmpd="sng" algn="ctr">
-                      <a:solidFill>
-                        <a:schemeClr val="bg2">
-                          <a:lumMod val="50000"/>
-                        </a:schemeClr>
-                      </a:solidFill>
-                      <a:prstDash val="solid"/>
-                      <a:round/>
-                      <a:headEnd type="none" w="med" len="med"/>
-                      <a:tailEnd type="none" w="med" len="med"/>
-                    </a:lnT>
-                    <a:lnB w="12700" cmpd="sng">
-                      <a:noFill/>
-                    </a:lnB>
-                    <a:lnTlToBr w="12700" cmpd="sng">
-                      <a:noFill/>
-                      <a:prstDash val="solid"/>
-                    </a:lnTlToBr>
-                    <a:lnBlToTr w="12700" cmpd="sng">
-                      <a:noFill/>
-                      <a:prstDash val="solid"/>
-                    </a:lnBlToTr>
-                    <a:noFill/>
-                  </a:tcPr>
-                </a:tc>
-                <a:tc>
-                  <a:txBody>
-                    <a:bodyPr/>
-                    <a:lstStyle/>
-                    <a:p>
-                      <a:pPr algn="ctr">
-                        <a:lnSpc>
-                          <a:spcPct val="150000"/>
-                        </a:lnSpc>
-                      </a:pPr>
-                      <a:r>
-                        <a:rPr lang="en-US" sz="1600" spc="300" dirty="0">
-                          <a:solidFill>
-                            <a:schemeClr val="tx1"/>
-                          </a:solidFill>
-                          <a:cs typeface="Biome Light" panose="020B0303030204020804" pitchFamily="34" charset="0"/>
-                        </a:rPr>
-                        <a:t>FRONTEND DEVELOPMENT</a:t>
-                      </a:r>
-                      <a:endParaRPr lang="en-US" sz="1400" dirty="0">
-                        <a:solidFill>
-                          <a:schemeClr val="tx1"/>
-                        </a:solidFill>
-                        <a:cs typeface="Biome Light" panose="020B0303030204020804" pitchFamily="34" charset="0"/>
-                      </a:endParaRPr>
-                    </a:p>
-                  </a:txBody>
-                  <a:tcPr anchor="ctr">
-                    <a:lnL w="3175" cap="flat" cmpd="sng" algn="ctr">
-                      <a:solidFill>
-                        <a:schemeClr val="bg2">
-                          <a:lumMod val="50000"/>
-                        </a:schemeClr>
-                      </a:solidFill>
-                      <a:prstDash val="solid"/>
-                      <a:round/>
-                      <a:headEnd type="none" w="med" len="med"/>
-                      <a:tailEnd type="none" w="med" len="med"/>
-                    </a:lnL>
-                    <a:lnR w="3175" cap="flat" cmpd="sng" algn="ctr">
-                      <a:solidFill>
-                        <a:schemeClr val="bg2">
-                          <a:lumMod val="50000"/>
-                        </a:schemeClr>
-                      </a:solidFill>
-                      <a:prstDash val="solid"/>
-                      <a:round/>
-                      <a:headEnd type="none" w="med" len="med"/>
-                      <a:tailEnd type="none" w="med" len="med"/>
-                    </a:lnR>
-                    <a:lnT w="3175" cap="flat" cmpd="sng" algn="ctr">
-                      <a:solidFill>
-                        <a:schemeClr val="bg2">
-                          <a:lumMod val="50000"/>
-                        </a:schemeClr>
-                      </a:solidFill>
-                      <a:prstDash val="solid"/>
-                      <a:round/>
-                      <a:headEnd type="none" w="med" len="med"/>
-                      <a:tailEnd type="none" w="med" len="med"/>
-                    </a:lnT>
-                    <a:lnB w="12700" cmpd="sng">
-                      <a:noFill/>
-                    </a:lnB>
-                    <a:lnTlToBr w="12700" cmpd="sng">
-                      <a:noFill/>
-                      <a:prstDash val="solid"/>
-                    </a:lnTlToBr>
-                    <a:lnBlToTr w="12700" cmpd="sng">
-                      <a:noFill/>
-                      <a:prstDash val="solid"/>
-                    </a:lnBlToTr>
-                    <a:noFill/>
-                  </a:tcPr>
-                </a:tc>
-                <a:tc>
-                  <a:txBody>
-                    <a:bodyPr/>
-                    <a:lstStyle/>
-                    <a:p>
-                      <a:pPr algn="ctr">
-                        <a:lnSpc>
-                          <a:spcPct val="150000"/>
-                        </a:lnSpc>
-                      </a:pPr>
-                      <a:r>
-                        <a:rPr lang="en-US" sz="1600" spc="300" dirty="0">
-                          <a:solidFill>
-                            <a:schemeClr val="tx1"/>
-                          </a:solidFill>
-                          <a:cs typeface="Biome Light" panose="020B0303030204020804" pitchFamily="34" charset="0"/>
-                        </a:rPr>
-                        <a:t>BACKEND</a:t>
-                      </a:r>
-                      <a:br>
-                        <a:rPr lang="en-US" sz="1600" spc="300" dirty="0">
-                          <a:solidFill>
-                            <a:schemeClr val="tx1"/>
-                          </a:solidFill>
-                          <a:cs typeface="Biome Light" panose="020B0303030204020804" pitchFamily="34" charset="0"/>
-                        </a:rPr>
-                      </a:br>
-                      <a:r>
-                        <a:rPr lang="en-US" sz="1600" spc="300" dirty="0">
-                          <a:solidFill>
-                            <a:schemeClr val="tx1"/>
-                          </a:solidFill>
-                          <a:cs typeface="Biome Light" panose="020B0303030204020804" pitchFamily="34" charset="0"/>
-                        </a:rPr>
-                        <a:t>DEVELOPMENT</a:t>
-                      </a:r>
-                      <a:endParaRPr lang="en-US" sz="1400" dirty="0">
-                        <a:solidFill>
-                          <a:schemeClr val="tx1"/>
-                        </a:solidFill>
-                        <a:cs typeface="Biome Light" panose="020B0303030204020804" pitchFamily="34" charset="0"/>
-                      </a:endParaRPr>
-                    </a:p>
-                  </a:txBody>
-                  <a:tcPr anchor="ctr">
-                    <a:lnL w="3175" cap="flat" cmpd="sng" algn="ctr">
-                      <a:solidFill>
-                        <a:schemeClr val="bg2">
-                          <a:lumMod val="50000"/>
-                        </a:schemeClr>
-                      </a:solidFill>
-                      <a:prstDash val="solid"/>
-                      <a:round/>
-                      <a:headEnd type="none" w="med" len="med"/>
-                      <a:tailEnd type="none" w="med" len="med"/>
-                    </a:lnL>
-                    <a:lnR w="3175" cap="flat" cmpd="sng" algn="ctr">
-                      <a:solidFill>
-                        <a:schemeClr val="bg2">
-                          <a:lumMod val="50000"/>
-                        </a:schemeClr>
-                      </a:solidFill>
-                      <a:prstDash val="solid"/>
-                      <a:round/>
-                      <a:headEnd type="none" w="med" len="med"/>
-                      <a:tailEnd type="none" w="med" len="med"/>
-                    </a:lnR>
-                    <a:lnT w="3175" cap="flat" cmpd="sng" algn="ctr">
-                      <a:solidFill>
-                        <a:schemeClr val="bg2">
-                          <a:lumMod val="50000"/>
-                        </a:schemeClr>
-                      </a:solidFill>
-                      <a:prstDash val="solid"/>
-                      <a:round/>
-                      <a:headEnd type="none" w="med" len="med"/>
-                      <a:tailEnd type="none" w="med" len="med"/>
-                    </a:lnT>
-                    <a:lnB w="12700" cmpd="sng">
-                      <a:noFill/>
-                    </a:lnB>
-                    <a:lnTlToBr w="12700" cmpd="sng">
-                      <a:noFill/>
-                      <a:prstDash val="solid"/>
-                    </a:lnTlToBr>
-                    <a:lnBlToTr w="12700" cmpd="sng">
-                      <a:noFill/>
-                      <a:prstDash val="solid"/>
-                    </a:lnBlToTr>
-                    <a:noFill/>
-                  </a:tcPr>
-                </a:tc>
-                <a:tc>
-                  <a:txBody>
-                    <a:bodyPr/>
-                    <a:lstStyle/>
-                    <a:p>
-                      <a:pPr algn="ctr">
-                        <a:lnSpc>
-                          <a:spcPct val="150000"/>
-                        </a:lnSpc>
-                      </a:pPr>
-                      <a:r>
-                        <a:rPr lang="en-US" sz="1600" spc="300" dirty="0">
-                          <a:solidFill>
-                            <a:schemeClr val="tx1"/>
-                          </a:solidFill>
-                          <a:cs typeface="Biome Light" panose="020B0303030204020804" pitchFamily="34" charset="0"/>
-                        </a:rPr>
-                        <a:t>TESTING  </a:t>
-                      </a:r>
-                      <a:r>
-                        <a:rPr lang="en-US" sz="1600" spc="300">
-                          <a:solidFill>
-                            <a:schemeClr val="tx1"/>
-                          </a:solidFill>
-                          <a:cs typeface="Biome Light" panose="020B0303030204020804" pitchFamily="34" charset="0"/>
-                        </a:rPr>
-                        <a:t>&amp; ADJUSTMENT</a:t>
-                      </a:r>
-                      <a:endParaRPr lang="en-US" sz="1400" dirty="0">
-                        <a:solidFill>
-                          <a:schemeClr val="tx1"/>
-                        </a:solidFill>
-                        <a:cs typeface="Biome Light" panose="020B0303030204020804" pitchFamily="34" charset="0"/>
-                      </a:endParaRPr>
-                    </a:p>
-                  </a:txBody>
-                  <a:tcPr anchor="ctr">
-                    <a:lnL w="3175" cap="flat" cmpd="sng" algn="ctr">
-                      <a:solidFill>
-                        <a:schemeClr val="bg2">
-                          <a:lumMod val="50000"/>
-                        </a:schemeClr>
-                      </a:solidFill>
-                      <a:prstDash val="solid"/>
-                      <a:round/>
-                      <a:headEnd type="none" w="med" len="med"/>
-                      <a:tailEnd type="none" w="med" len="med"/>
-                    </a:lnL>
-                    <a:lnR w="12700" cmpd="sng">
-                      <a:noFill/>
-                    </a:lnR>
-                    <a:lnT w="3175" cap="flat" cmpd="sng" algn="ctr">
-                      <a:solidFill>
-                        <a:schemeClr val="bg2">
-                          <a:lumMod val="50000"/>
-                        </a:schemeClr>
-                      </a:solidFill>
-                      <a:prstDash val="solid"/>
-                      <a:round/>
-                      <a:headEnd type="none" w="med" len="med"/>
-                      <a:tailEnd type="none" w="med" len="med"/>
-                    </a:lnT>
-                    <a:lnB w="12700" cmpd="sng">
-                      <a:noFill/>
-                    </a:lnB>
-                    <a:lnTlToBr w="12700" cmpd="sng">
-                      <a:noFill/>
-                      <a:prstDash val="solid"/>
-                    </a:lnTlToBr>
-                    <a:lnBlToTr w="12700" cmpd="sng">
-                      <a:noFill/>
-                      <a:prstDash val="solid"/>
-                    </a:lnBlToTr>
-                    <a:noFill/>
-                  </a:tcPr>
-                </a:tc>
-                <a:extLst>
-                  <a:ext uri="{0D108BD9-81ED-4DB2-BD59-A6C34878D82A}">
-                    <a16:rowId xmlns:a16="http://schemas.microsoft.com/office/drawing/2014/main" val="50372063"/>
-                  </a:ext>
-                </a:extLst>
-              </a:tr>
-            </a:tbl>
-          </a:graphicData>
-        </a:graphic>
-      </p:graphicFrame>
-      <p:sp>
-        <p:nvSpPr>
-          <p:cNvPr id="6" name="Slide Number Placeholder 5">
-            <a:extLst>
-              <a:ext uri="{FF2B5EF4-FFF2-40B4-BE49-F238E27FC236}">
-                <a16:creationId xmlns:a16="http://schemas.microsoft.com/office/drawing/2014/main" id="{762668FB-51EF-473B-89E5-AB8206BF498C}"/>
-              </a:ext>
-            </a:extLst>
-          </p:cNvPr>
-          <p:cNvSpPr>
-            <a:spLocks noGrp="1"/>
-          </p:cNvSpPr>
-          <p:nvPr>
-            <p:ph type="sldNum" sz="quarter" idx="11"/>
-          </p:nvPr>
-        </p:nvSpPr>
-        <p:spPr/>
-        <p:txBody>
-          <a:bodyPr/>
-          <a:lstStyle/>
-          <a:p>
-            <a:fld id="{8C2E478F-E849-4A8C-AF1F-CBCC78A7CBFA}" type="slidenum">
-              <a:rPr lang="en-US" smtClean="0"/>
-              <a:t>18</a:t>
-            </a:fld>
-            <a:endParaRPr lang="en-US" dirty="0"/>
-          </a:p>
-        </p:txBody>
-      </p:sp>
-    </p:spTree>
-    <p:extLst>
-      <p:ext uri="{BB962C8B-B14F-4D97-AF65-F5344CB8AC3E}">
-        <p14:creationId xmlns:p14="http://schemas.microsoft.com/office/powerpoint/2010/main" val="2129108354"/>
-      </p:ext>
-    </p:extLst>
-  </p:cSld>
-  <p:clrMapOvr>
-    <a:masterClrMapping/>
-  </p:clrMapOvr>
-</p:sld>
-</file>
-
-<file path=ppt/slides/slide19.xml><?xml version="1.0" encoding="utf-8"?>
-<p:sld xmlns:a="http://schemas.openxmlformats.org/drawingml/2006/main" xmlns:r="http://schemas.openxmlformats.org/officeDocument/2006/relationships" xmlns:p="http://schemas.openxmlformats.org/presentationml/2006/main">
-  <p:cSld>
-    <p:spTree>
-      <p:nvGrpSpPr>
-        <p:cNvPr id="1" name=""/>
-        <p:cNvGrpSpPr/>
-        <p:nvPr/>
-      </p:nvGrpSpPr>
-      <p:grpSpPr>
-        <a:xfrm>
-          <a:off x="0" y="0"/>
-          <a:ext cx="0" cy="0"/>
-          <a:chOff x="0" y="0"/>
-          <a:chExt cx="0" cy="0"/>
-        </a:xfrm>
-      </p:grpSpPr>
-      <p:sp>
-        <p:nvSpPr>
-          <p:cNvPr id="3" name="Slide Number Placeholder 2">
-            <a:extLst>
-              <a:ext uri="{FF2B5EF4-FFF2-40B4-BE49-F238E27FC236}">
-                <a16:creationId xmlns:a16="http://schemas.microsoft.com/office/drawing/2014/main" id="{7047F152-9C69-D2E1-7D70-567B845DF878}"/>
-              </a:ext>
-            </a:extLst>
-          </p:cNvPr>
-          <p:cNvSpPr>
-            <a:spLocks noGrp="1"/>
-          </p:cNvSpPr>
-          <p:nvPr>
-            <p:ph type="sldNum" sz="quarter" idx="11"/>
-          </p:nvPr>
-        </p:nvSpPr>
-        <p:spPr/>
-        <p:txBody>
-          <a:bodyPr/>
-          <a:lstStyle/>
-          <a:p>
-            <a:fld id="{8C2E478F-E849-4A8C-AF1F-CBCC78A7CBFA}" type="slidenum">
-              <a:rPr lang="en-US" smtClean="0"/>
-              <a:t>19</a:t>
-            </a:fld>
-            <a:endParaRPr lang="en-US" dirty="0"/>
-          </a:p>
-        </p:txBody>
-      </p:sp>
-      <p:graphicFrame>
-        <p:nvGraphicFramePr>
-          <p:cNvPr id="4" name="Chart 3">
-            <a:extLst>
-              <a:ext uri="{FF2B5EF4-FFF2-40B4-BE49-F238E27FC236}">
-                <a16:creationId xmlns:a16="http://schemas.microsoft.com/office/drawing/2014/main" id="{00000000-0008-0000-0000-000003000000}"/>
-              </a:ext>
-            </a:extLst>
-          </p:cNvPr>
-          <p:cNvGraphicFramePr>
-            <a:graphicFrameLocks/>
-          </p:cNvGraphicFramePr>
-          <p:nvPr/>
-        </p:nvGraphicFramePr>
-        <p:xfrm>
-          <a:off x="1412613" y="1044239"/>
-          <a:ext cx="9366773" cy="4769522"/>
-        </p:xfrm>
-        <a:graphic>
-          <a:graphicData uri="http://schemas.openxmlformats.org/drawingml/2006/chart">
-            <c:chart xmlns:c="http://schemas.openxmlformats.org/drawingml/2006/chart" xmlns:r="http://schemas.openxmlformats.org/officeDocument/2006/relationships" r:id="rId2"/>
-          </a:graphicData>
-        </a:graphic>
-      </p:graphicFrame>
-    </p:spTree>
-    <p:extLst>
-      <p:ext uri="{BB962C8B-B14F-4D97-AF65-F5344CB8AC3E}">
-        <p14:creationId xmlns:p14="http://schemas.microsoft.com/office/powerpoint/2010/main" val="4233392628"/>
-      </p:ext>
-    </p:extLst>
-  </p:cSld>
-  <p:clrMapOvr>
-    <a:masterClrMapping/>
-  </p:clrMapOvr>
-</p:sld>
-</file>
-
-<file path=ppt/slides/slide2.xml><?xml version="1.0" encoding="utf-8"?>
-<p:sld xmlns:a="http://schemas.openxmlformats.org/drawingml/2006/main" xmlns:r="http://schemas.openxmlformats.org/officeDocument/2006/relationships" xmlns:p="http://schemas.openxmlformats.org/presentationml/2006/main">
-  <p:cSld>
-    <p:spTree>
-      <p:nvGrpSpPr>
-        <p:cNvPr id="1" name=""/>
-        <p:cNvGrpSpPr/>
-        <p:nvPr/>
-      </p:nvGrpSpPr>
-      <p:grpSpPr>
-        <a:xfrm>
-          <a:off x="0" y="0"/>
-          <a:ext cx="0" cy="0"/>
-          <a:chOff x="0" y="0"/>
-          <a:chExt cx="0" cy="0"/>
-        </a:xfrm>
-      </p:grpSpPr>
-      <p:sp>
-        <p:nvSpPr>
-          <p:cNvPr id="8" name="Title 7">
-            <a:extLst>
-              <a:ext uri="{FF2B5EF4-FFF2-40B4-BE49-F238E27FC236}">
-                <a16:creationId xmlns:a16="http://schemas.microsoft.com/office/drawing/2014/main" id="{103950CF-5BF2-4FB0-A36C-48C194F39E12}"/>
-              </a:ext>
-            </a:extLst>
-          </p:cNvPr>
-          <p:cNvSpPr>
-            <a:spLocks noGrp="1"/>
-          </p:cNvSpPr>
-          <p:nvPr>
-            <p:ph type="title"/>
-          </p:nvPr>
-        </p:nvSpPr>
-        <p:spPr>
-          <a:xfrm>
-            <a:off x="6415596" y="341643"/>
-            <a:ext cx="5251450" cy="1661297"/>
-          </a:xfrm>
-        </p:spPr>
-        <p:txBody>
-          <a:bodyPr/>
-          <a:lstStyle/>
-          <a:p>
-            <a:pPr>
-              <a:lnSpc>
-                <a:spcPct val="100000"/>
-              </a:lnSpc>
-              <a:spcBef>
-                <a:spcPts val="0"/>
-              </a:spcBef>
-            </a:pPr>
-            <a:r>
-              <a:rPr lang="en-US" sz="4000" dirty="0"/>
-              <a:t>“We’re not to blame for your pet’s bad name”</a:t>
-            </a:r>
-          </a:p>
-        </p:txBody>
-      </p:sp>
-      <p:sp>
-        <p:nvSpPr>
-          <p:cNvPr id="10" name="Text Placeholder 9">
-            <a:extLst>
-              <a:ext uri="{FF2B5EF4-FFF2-40B4-BE49-F238E27FC236}">
-                <a16:creationId xmlns:a16="http://schemas.microsoft.com/office/drawing/2014/main" id="{255FA470-23EB-4512-8FFB-28DDAB08B002}"/>
-              </a:ext>
-            </a:extLst>
-          </p:cNvPr>
-          <p:cNvSpPr>
-            <a:spLocks noGrp="1"/>
-          </p:cNvSpPr>
-          <p:nvPr>
-            <p:ph type="body" idx="1"/>
-          </p:nvPr>
-        </p:nvSpPr>
-        <p:spPr>
-          <a:xfrm>
-            <a:off x="6297819" y="2240305"/>
-            <a:ext cx="5251450" cy="365125"/>
-          </a:xfrm>
-        </p:spPr>
-        <p:txBody>
-          <a:bodyPr/>
-          <a:lstStyle/>
-          <a:p>
-            <a:r>
-              <a:rPr lang="en-US" sz="2400" dirty="0"/>
-              <a:t>PET NAMER</a:t>
-            </a:r>
-          </a:p>
-        </p:txBody>
-      </p:sp>
-      <p:sp>
-        <p:nvSpPr>
-          <p:cNvPr id="4" name="Slide Number Placeholder 3">
-            <a:extLst>
-              <a:ext uri="{FF2B5EF4-FFF2-40B4-BE49-F238E27FC236}">
-                <a16:creationId xmlns:a16="http://schemas.microsoft.com/office/drawing/2014/main" id="{A4BADA18-8F0E-4249-A144-6CB8259BA65B}"/>
-              </a:ext>
-            </a:extLst>
-          </p:cNvPr>
-          <p:cNvSpPr>
-            <a:spLocks noGrp="1"/>
-          </p:cNvSpPr>
-          <p:nvPr>
-            <p:ph type="sldNum" sz="quarter" idx="12"/>
-          </p:nvPr>
-        </p:nvSpPr>
-        <p:spPr/>
-        <p:txBody>
-          <a:bodyPr/>
-          <a:lstStyle/>
-          <a:p>
-            <a:fld id="{8C2E478F-E849-4A8C-AF1F-CBCC78A7CBFA}" type="slidenum">
-              <a:rPr lang="en-US" smtClean="0"/>
-              <a:t>2</a:t>
-            </a:fld>
-            <a:endParaRPr lang="en-US" dirty="0"/>
-          </a:p>
-        </p:txBody>
-      </p:sp>
-      <p:sp>
-        <p:nvSpPr>
-          <p:cNvPr id="9" name="Content Placeholder 8">
-            <a:extLst>
-              <a:ext uri="{FF2B5EF4-FFF2-40B4-BE49-F238E27FC236}">
-                <a16:creationId xmlns:a16="http://schemas.microsoft.com/office/drawing/2014/main" id="{256319DF-036A-473B-95D3-C5F6FF849FD4}"/>
-              </a:ext>
-            </a:extLst>
-          </p:cNvPr>
-          <p:cNvSpPr>
-            <a:spLocks noGrp="1"/>
-          </p:cNvSpPr>
-          <p:nvPr>
-            <p:ph idx="4294967295"/>
-          </p:nvPr>
-        </p:nvSpPr>
-        <p:spPr>
-          <a:xfrm>
-            <a:off x="6297817" y="2842795"/>
-            <a:ext cx="5251451" cy="3388143"/>
-          </a:xfrm>
-        </p:spPr>
-        <p:txBody>
-          <a:bodyPr>
-            <a:normAutofit fontScale="92500" lnSpcReduction="10000"/>
-          </a:bodyPr>
-          <a:lstStyle/>
-          <a:p>
-            <a:pPr marL="0" indent="0">
-              <a:lnSpc>
-                <a:spcPct val="160000"/>
-              </a:lnSpc>
-              <a:buNone/>
-            </a:pPr>
-            <a:r>
-              <a:rPr lang="en-US" sz="2800" cap="small" spc="50" dirty="0">
-                <a:cs typeface="Biome Light" panose="020B0303030204020804" pitchFamily="34" charset="0"/>
-              </a:rPr>
-              <a:t>Would you like help picking a name for your pet? </a:t>
-            </a:r>
-          </a:p>
-          <a:p>
-            <a:pPr marL="0" indent="0">
-              <a:lnSpc>
-                <a:spcPct val="160000"/>
-              </a:lnSpc>
-              <a:buNone/>
-            </a:pPr>
-            <a:r>
-              <a:rPr lang="en-US" sz="2800" cap="small" spc="50" dirty="0">
-                <a:cs typeface="Biome Light" panose="020B0303030204020804" pitchFamily="34" charset="0"/>
-              </a:rPr>
-              <a:t>Simply upload a picture and we’ll recommend a few different names for you!</a:t>
-            </a:r>
-          </a:p>
-          <a:p>
-            <a:pPr marL="0" indent="0">
-              <a:buNone/>
-            </a:pPr>
-            <a:endParaRPr lang="en-US" sz="2800" cap="small" spc="50" dirty="0"/>
-          </a:p>
-          <a:p>
-            <a:pPr marL="0" indent="0">
-              <a:buNone/>
-            </a:pPr>
-            <a:endParaRPr lang="en-US" sz="2800" cap="small" spc="50" dirty="0"/>
-          </a:p>
-        </p:txBody>
-      </p:sp>
-      <p:pic>
-        <p:nvPicPr>
-          <p:cNvPr id="22" name="Picture Placeholder 21">
-            <a:extLst>
-              <a:ext uri="{FF2B5EF4-FFF2-40B4-BE49-F238E27FC236}">
-                <a16:creationId xmlns:a16="http://schemas.microsoft.com/office/drawing/2014/main" id="{D9C80755-2787-0578-1231-F139AB30B8DC}"/>
-              </a:ext>
-            </a:extLst>
-          </p:cNvPr>
-          <p:cNvPicPr>
-            <a:picLocks noGrp="1" noChangeAspect="1"/>
-          </p:cNvPicPr>
-          <p:nvPr>
-            <p:ph type="pic" sz="quarter" idx="13"/>
-          </p:nvPr>
-        </p:nvPicPr>
-        <p:blipFill>
-          <a:blip r:embed="rId3"/>
-          <a:srcRect l="5617" r="5617"/>
-          <a:stretch>
-            <a:fillRect/>
-          </a:stretch>
-        </p:blipFill>
-        <p:spPr/>
-      </p:pic>
-    </p:spTree>
-    <p:extLst>
-      <p:ext uri="{BB962C8B-B14F-4D97-AF65-F5344CB8AC3E}">
-        <p14:creationId xmlns:p14="http://schemas.microsoft.com/office/powerpoint/2010/main" val="1325373587"/>
-      </p:ext>
-    </p:extLst>
-  </p:cSld>
-  <p:clrMapOvr>
-    <a:masterClrMapping/>
-  </p:clrMapOvr>
-</p:sld>
-</file>
-
-<file path=ppt/slides/slide20.xml><?xml version="1.0" encoding="utf-8"?>
 <p:sld xmlns:a="http://schemas.openxmlformats.org/drawingml/2006/main" xmlns:r="http://schemas.openxmlformats.org/officeDocument/2006/relationships" xmlns:p="http://schemas.openxmlformats.org/presentationml/2006/main">
   <p:cSld>
     <p:bg>
@@ -10310,7 +5437,7 @@
           <a:p>
             <a:r>
               <a:rPr lang="en-US" sz="4000" spc="300" dirty="0"/>
-              <a:t>THANK YOU</a:t>
+              <a:t>LIVE presentation</a:t>
             </a:r>
           </a:p>
         </p:txBody>
@@ -10343,7 +5470,7 @@
           <a:p>
             <a:r>
               <a:rPr lang="en-US" dirty="0"/>
-              <a:t>Team 1: Phase Two</a:t>
+              <a:t>Team 1: Phase Three</a:t>
             </a:r>
           </a:p>
         </p:txBody>
@@ -10352,6 +5479,233 @@
     <p:extLst>
       <p:ext uri="{BB962C8B-B14F-4D97-AF65-F5344CB8AC3E}">
         <p14:creationId xmlns:p14="http://schemas.microsoft.com/office/powerpoint/2010/main" val="927727573"/>
+      </p:ext>
+    </p:extLst>
+  </p:cSld>
+  <p:clrMapOvr>
+    <a:masterClrMapping/>
+  </p:clrMapOvr>
+</p:sld>
+</file>
+
+<file path=ppt/slides/slide2.xml><?xml version="1.0" encoding="utf-8"?>
+<p:sld xmlns:a="http://schemas.openxmlformats.org/drawingml/2006/main" xmlns:r="http://schemas.openxmlformats.org/officeDocument/2006/relationships" xmlns:p="http://schemas.openxmlformats.org/presentationml/2006/main">
+  <p:cSld>
+    <p:spTree>
+      <p:nvGrpSpPr>
+        <p:cNvPr id="1" name=""/>
+        <p:cNvGrpSpPr/>
+        <p:nvPr/>
+      </p:nvGrpSpPr>
+      <p:grpSpPr>
+        <a:xfrm>
+          <a:off x="0" y="0"/>
+          <a:ext cx="0" cy="0"/>
+          <a:chOff x="0" y="0"/>
+          <a:chExt cx="0" cy="0"/>
+        </a:xfrm>
+      </p:grpSpPr>
+      <p:sp>
+        <p:nvSpPr>
+          <p:cNvPr id="8" name="Title 7">
+            <a:extLst>
+              <a:ext uri="{FF2B5EF4-FFF2-40B4-BE49-F238E27FC236}">
+                <a16:creationId xmlns:a16="http://schemas.microsoft.com/office/drawing/2014/main" id="{103950CF-5BF2-4FB0-A36C-48C194F39E12}"/>
+              </a:ext>
+            </a:extLst>
+          </p:cNvPr>
+          <p:cNvSpPr>
+            <a:spLocks noGrp="1"/>
+          </p:cNvSpPr>
+          <p:nvPr>
+            <p:ph type="title"/>
+          </p:nvPr>
+        </p:nvSpPr>
+        <p:spPr>
+          <a:xfrm>
+            <a:off x="6415596" y="341643"/>
+            <a:ext cx="5251450" cy="1661297"/>
+          </a:xfrm>
+        </p:spPr>
+        <p:txBody>
+          <a:bodyPr/>
+          <a:lstStyle/>
+          <a:p>
+            <a:pPr>
+              <a:lnSpc>
+                <a:spcPct val="100000"/>
+              </a:lnSpc>
+              <a:spcBef>
+                <a:spcPts val="0"/>
+              </a:spcBef>
+            </a:pPr>
+            <a:r>
+              <a:rPr lang="en-US" sz="4000" dirty="0"/>
+              <a:t>“We’re not to blame for your pet’s bad name”</a:t>
+            </a:r>
+          </a:p>
+        </p:txBody>
+      </p:sp>
+      <p:sp>
+        <p:nvSpPr>
+          <p:cNvPr id="10" name="Text Placeholder 9">
+            <a:extLst>
+              <a:ext uri="{FF2B5EF4-FFF2-40B4-BE49-F238E27FC236}">
+                <a16:creationId xmlns:a16="http://schemas.microsoft.com/office/drawing/2014/main" id="{255FA470-23EB-4512-8FFB-28DDAB08B002}"/>
+              </a:ext>
+            </a:extLst>
+          </p:cNvPr>
+          <p:cNvSpPr>
+            <a:spLocks noGrp="1"/>
+          </p:cNvSpPr>
+          <p:nvPr>
+            <p:ph type="body" idx="1"/>
+          </p:nvPr>
+        </p:nvSpPr>
+        <p:spPr>
+          <a:xfrm>
+            <a:off x="6297819" y="2240305"/>
+            <a:ext cx="5251450" cy="602490"/>
+          </a:xfrm>
+        </p:spPr>
+        <p:txBody>
+          <a:bodyPr/>
+          <a:lstStyle/>
+          <a:p>
+            <a:r>
+              <a:rPr lang="en-US" sz="3600" b="1" dirty="0"/>
+              <a:t>PET NAMER</a:t>
+            </a:r>
+          </a:p>
+        </p:txBody>
+      </p:sp>
+      <p:sp>
+        <p:nvSpPr>
+          <p:cNvPr id="4" name="Slide Number Placeholder 3">
+            <a:extLst>
+              <a:ext uri="{FF2B5EF4-FFF2-40B4-BE49-F238E27FC236}">
+                <a16:creationId xmlns:a16="http://schemas.microsoft.com/office/drawing/2014/main" id="{A4BADA18-8F0E-4249-A144-6CB8259BA65B}"/>
+              </a:ext>
+            </a:extLst>
+          </p:cNvPr>
+          <p:cNvSpPr>
+            <a:spLocks noGrp="1"/>
+          </p:cNvSpPr>
+          <p:nvPr>
+            <p:ph type="sldNum" sz="quarter" idx="12"/>
+          </p:nvPr>
+        </p:nvSpPr>
+        <p:spPr/>
+        <p:txBody>
+          <a:bodyPr/>
+          <a:lstStyle/>
+          <a:p>
+            <a:fld id="{8C2E478F-E849-4A8C-AF1F-CBCC78A7CBFA}" type="slidenum">
+              <a:rPr lang="en-US" smtClean="0"/>
+              <a:t>2</a:t>
+            </a:fld>
+            <a:endParaRPr lang="en-US" dirty="0"/>
+          </a:p>
+        </p:txBody>
+      </p:sp>
+      <p:sp>
+        <p:nvSpPr>
+          <p:cNvPr id="9" name="Content Placeholder 8">
+            <a:extLst>
+              <a:ext uri="{FF2B5EF4-FFF2-40B4-BE49-F238E27FC236}">
+                <a16:creationId xmlns:a16="http://schemas.microsoft.com/office/drawing/2014/main" id="{256319DF-036A-473B-95D3-C5F6FF849FD4}"/>
+              </a:ext>
+            </a:extLst>
+          </p:cNvPr>
+          <p:cNvSpPr>
+            <a:spLocks noGrp="1"/>
+          </p:cNvSpPr>
+          <p:nvPr>
+            <p:ph idx="4294967295"/>
+          </p:nvPr>
+        </p:nvSpPr>
+        <p:spPr>
+          <a:xfrm>
+            <a:off x="6297817" y="2927460"/>
+            <a:ext cx="5251451" cy="3388143"/>
+          </a:xfrm>
+        </p:spPr>
+        <p:txBody>
+          <a:bodyPr>
+            <a:normAutofit fontScale="92500" lnSpcReduction="10000"/>
+          </a:bodyPr>
+          <a:lstStyle/>
+          <a:p>
+            <a:pPr marL="0" indent="0">
+              <a:lnSpc>
+                <a:spcPct val="160000"/>
+              </a:lnSpc>
+              <a:buNone/>
+            </a:pPr>
+            <a:r>
+              <a:rPr lang="en-US" sz="2800" cap="small" spc="50" dirty="0">
+                <a:cs typeface="Biome Light" panose="020B0303030204020804" pitchFamily="34" charset="0"/>
+              </a:rPr>
+              <a:t>Would you like help picking a name for your pet? </a:t>
+            </a:r>
+          </a:p>
+          <a:p>
+            <a:pPr marL="0" indent="0">
+              <a:lnSpc>
+                <a:spcPct val="160000"/>
+              </a:lnSpc>
+              <a:buNone/>
+            </a:pPr>
+            <a:r>
+              <a:rPr lang="en-US" sz="2800" cap="small" spc="50" dirty="0">
+                <a:cs typeface="Biome Light" panose="020B0303030204020804" pitchFamily="34" charset="0"/>
+              </a:rPr>
+              <a:t>Simply upload a picture and we’ll recommend a few different names for you!</a:t>
+            </a:r>
+          </a:p>
+          <a:p>
+            <a:pPr marL="0" indent="0">
+              <a:buNone/>
+            </a:pPr>
+            <a:endParaRPr lang="en-US" sz="2800" cap="small" spc="50" dirty="0"/>
+          </a:p>
+          <a:p>
+            <a:pPr marL="0" indent="0">
+              <a:buNone/>
+            </a:pPr>
+            <a:endParaRPr lang="en-US" sz="2800" cap="small" spc="50" dirty="0"/>
+          </a:p>
+        </p:txBody>
+      </p:sp>
+      <p:pic>
+        <p:nvPicPr>
+          <p:cNvPr id="22" name="Picture Placeholder 21">
+            <a:extLst>
+              <a:ext uri="{FF2B5EF4-FFF2-40B4-BE49-F238E27FC236}">
+                <a16:creationId xmlns:a16="http://schemas.microsoft.com/office/drawing/2014/main" id="{D9C80755-2787-0578-1231-F139AB30B8DC}"/>
+              </a:ext>
+            </a:extLst>
+          </p:cNvPr>
+          <p:cNvPicPr>
+            <a:picLocks noGrp="1" noChangeAspect="1"/>
+          </p:cNvPicPr>
+          <p:nvPr>
+            <p:ph type="pic" sz="quarter" idx="13"/>
+          </p:nvPr>
+        </p:nvPicPr>
+        <p:blipFill>
+          <a:blip r:embed="rId3"/>
+          <a:srcRect l="5617" r="5617"/>
+          <a:stretch>
+            <a:fillRect/>
+          </a:stretch>
+        </p:blipFill>
+        <p:spPr/>
+      </p:pic>
+    </p:spTree>
+    <p:extLst>
+      <p:ext uri="{BB962C8B-B14F-4D97-AF65-F5344CB8AC3E}">
+        <p14:creationId xmlns:p14="http://schemas.microsoft.com/office/powerpoint/2010/main" val="1325373587"/>
       </p:ext>
     </p:extLst>
   </p:cSld>
@@ -10366,13 +5720,7 @@
   <p:cSld>
     <p:spTree>
       <p:nvGrpSpPr>
-        <p:cNvPr id="1" name="">
-          <a:extLst>
-            <a:ext uri="{FF2B5EF4-FFF2-40B4-BE49-F238E27FC236}">
-              <a16:creationId xmlns:a16="http://schemas.microsoft.com/office/drawing/2014/main" id="{C5F00FA0-CE09-82DB-0E84-8CB701D36D0B}"/>
-            </a:ext>
-          </a:extLst>
-        </p:cNvPr>
+        <p:cNvPr id="1" name=""/>
         <p:cNvGrpSpPr/>
         <p:nvPr/>
       </p:nvGrpSpPr>
@@ -10384,12 +5732,89 @@
           <a:chExt cx="0" cy="0"/>
         </a:xfrm>
       </p:grpSpPr>
+      <p:pic>
+        <p:nvPicPr>
+          <p:cNvPr id="9" name="Picture Placeholder 7" descr="abstract image">
+            <a:extLst>
+              <a:ext uri="{FF2B5EF4-FFF2-40B4-BE49-F238E27FC236}">
+                <a16:creationId xmlns:a16="http://schemas.microsoft.com/office/drawing/2014/main" id="{10C261F5-27E5-A8D9-57BF-8DCB0A00F6B1}"/>
+              </a:ext>
+            </a:extLst>
+          </p:cNvPr>
+          <p:cNvPicPr>
+            <a:picLocks noChangeAspect="1"/>
+          </p:cNvPicPr>
+          <p:nvPr/>
+        </p:nvPicPr>
+        <p:blipFill rotWithShape="1">
+          <a:blip r:embed="rId2">
+            <a:alphaModFix/>
+            <a:extLst>
+              <a:ext uri="{BEBA8EAE-BF5A-486C-A8C5-ECC9F3942E4B}">
+                <a14:imgProps xmlns:a14="http://schemas.microsoft.com/office/drawing/2010/main">
+                  <a14:imgLayer r:embed="rId3">
+                    <a14:imgEffect>
+                      <a14:saturation sat="0"/>
+                    </a14:imgEffect>
+                  </a14:imgLayer>
+                </a14:imgProps>
+              </a:ext>
+            </a:extLst>
+          </a:blip>
+          <a:srcRect l="54869" r="205"/>
+          <a:stretch/>
+        </p:blipFill>
+        <p:spPr>
+          <a:xfrm>
+            <a:off x="-1" y="0"/>
+            <a:ext cx="5477523" cy="6858000"/>
+          </a:xfrm>
+          <a:prstGeom prst="rect">
+            <a:avLst/>
+          </a:prstGeom>
+        </p:spPr>
+      </p:pic>
+      <p:sp>
+        <p:nvSpPr>
+          <p:cNvPr id="3" name="Title 2">
+            <a:extLst>
+              <a:ext uri="{FF2B5EF4-FFF2-40B4-BE49-F238E27FC236}">
+                <a16:creationId xmlns:a16="http://schemas.microsoft.com/office/drawing/2014/main" id="{1D24B42B-925B-494C-A986-BD85E8117E1E}"/>
+              </a:ext>
+            </a:extLst>
+          </p:cNvPr>
+          <p:cNvSpPr>
+            <a:spLocks noGrp="1"/>
+          </p:cNvSpPr>
+          <p:nvPr>
+            <p:ph type="title"/>
+          </p:nvPr>
+        </p:nvSpPr>
+        <p:spPr>
+          <a:xfrm>
+            <a:off x="6362330" y="411225"/>
+            <a:ext cx="5251450" cy="956373"/>
+          </a:xfrm>
+        </p:spPr>
+        <p:txBody>
+          <a:bodyPr anchor="t">
+            <a:normAutofit/>
+          </a:bodyPr>
+          <a:lstStyle/>
+          <a:p>
+            <a:r>
+              <a:rPr lang="en-US" sz="4800" dirty="0"/>
+              <a:t>Technology</a:t>
+            </a:r>
+          </a:p>
+        </p:txBody>
+      </p:sp>
       <p:sp>
         <p:nvSpPr>
           <p:cNvPr id="5" name="Text Placeholder 4">
             <a:extLst>
               <a:ext uri="{FF2B5EF4-FFF2-40B4-BE49-F238E27FC236}">
-                <a16:creationId xmlns:a16="http://schemas.microsoft.com/office/drawing/2014/main" id="{1244510D-2A24-56C7-72E5-5AF8CE5C6AA4}"/>
+                <a16:creationId xmlns:a16="http://schemas.microsoft.com/office/drawing/2014/main" id="{AF9B872F-6332-408E-9135-B871F0C90C00}"/>
               </a:ext>
             </a:extLst>
           </p:cNvPr>
@@ -10402,8 +5827,8 @@
         </p:nvSpPr>
         <p:spPr>
           <a:xfrm>
-            <a:off x="7854043" y="2025552"/>
-            <a:ext cx="4337956" cy="365125"/>
+            <a:off x="6362330" y="2025552"/>
+            <a:ext cx="5829669" cy="365125"/>
           </a:xfrm>
         </p:spPr>
         <p:txBody>
@@ -10422,7 +5847,7 @@
           <p:cNvPr id="2" name="Slide Number Placeholder 1">
             <a:extLst>
               <a:ext uri="{FF2B5EF4-FFF2-40B4-BE49-F238E27FC236}">
-                <a16:creationId xmlns:a16="http://schemas.microsoft.com/office/drawing/2014/main" id="{03ABC444-5746-6521-B1B2-E817C1C43FA3}"/>
+                <a16:creationId xmlns:a16="http://schemas.microsoft.com/office/drawing/2014/main" id="{948DD8A0-BD53-4DBF-949B-0D64D12DADA9}"/>
               </a:ext>
             </a:extLst>
           </p:cNvPr>
@@ -10451,7 +5876,7 @@
           <p:cNvPr id="6" name="Content Placeholder 8">
             <a:extLst>
               <a:ext uri="{FF2B5EF4-FFF2-40B4-BE49-F238E27FC236}">
-                <a16:creationId xmlns:a16="http://schemas.microsoft.com/office/drawing/2014/main" id="{5FC7A675-593D-8903-B510-BEAAC666B4DA}"/>
+                <a16:creationId xmlns:a16="http://schemas.microsoft.com/office/drawing/2014/main" id="{3B4F2E0F-78BC-2FE8-4808-2A26179B55EA}"/>
               </a:ext>
             </a:extLst>
           </p:cNvPr>
@@ -10462,8 +5887,8 @@
         </p:nvSpPr>
         <p:spPr>
           <a:xfrm>
-            <a:off x="8124389" y="2710543"/>
-            <a:ext cx="3154533" cy="3098425"/>
+            <a:off x="6362330" y="2574543"/>
+            <a:ext cx="4646246" cy="3038482"/>
           </a:xfrm>
           <a:prstGeom prst="rect">
             <a:avLst/>
@@ -10637,16 +6062,42 @@
               <a:buChar char="•"/>
             </a:pPr>
             <a:r>
+              <a:rPr lang="en-US" dirty="0" err="1"/>
+              <a:t>VSCode</a:t>
+            </a:r>
+            <a:r>
               <a:rPr lang="en-US" dirty="0"/>
-              <a:t>Same as phase 2 with the Azure AI </a:t>
-            </a:r>
-            <a:r>
-              <a:rPr lang="en-US" dirty="0" err="1"/>
-              <a:t>api</a:t>
-            </a:r>
+              <a:t> IDE</a:t>
+            </a:r>
+          </a:p>
+          <a:p>
+            <a:pPr marL="342900" indent="-342900">
+              <a:buFont typeface="Arial" panose="020B0604020202020204" pitchFamily="34" charset="0"/>
+              <a:buChar char="•"/>
+            </a:pPr>
             <a:r>
               <a:rPr lang="en-US" dirty="0"/>
-              <a:t> functionality</a:t>
+              <a:t>Python 3.11.8</a:t>
+            </a:r>
+          </a:p>
+          <a:p>
+            <a:pPr marL="342900" indent="-342900">
+              <a:buFont typeface="Arial" panose="020B0604020202020204" pitchFamily="34" charset="0"/>
+              <a:buChar char="•"/>
+            </a:pPr>
+            <a:r>
+              <a:rPr lang="en-US" dirty="0"/>
+              <a:t>Django</a:t>
+            </a:r>
+          </a:p>
+          <a:p>
+            <a:pPr marL="342900" indent="-342900">
+              <a:buFont typeface="Arial" panose="020B0604020202020204" pitchFamily="34" charset="0"/>
+              <a:buChar char="•"/>
+            </a:pPr>
+            <a:r>
+              <a:rPr lang="en-US" dirty="0"/>
+              <a:t>Azure AI API</a:t>
             </a:r>
           </a:p>
           <a:p>
@@ -10661,7 +6112,7 @@
     </p:spTree>
     <p:extLst>
       <p:ext uri="{BB962C8B-B14F-4D97-AF65-F5344CB8AC3E}">
-        <p14:creationId xmlns:p14="http://schemas.microsoft.com/office/powerpoint/2010/main" val="263783346"/>
+        <p14:creationId xmlns:p14="http://schemas.microsoft.com/office/powerpoint/2010/main" val="2441627795"/>
       </p:ext>
     </p:extLst>
   </p:cSld>
@@ -10679,233 +6130,7 @@
         <p:cNvPr id="1" name="">
           <a:extLst>
             <a:ext uri="{FF2B5EF4-FFF2-40B4-BE49-F238E27FC236}">
-              <a16:creationId xmlns:a16="http://schemas.microsoft.com/office/drawing/2014/main" id="{AFB7A949-189E-7DB6-E819-62A049CB474B}"/>
-            </a:ext>
-          </a:extLst>
-        </p:cNvPr>
-        <p:cNvGrpSpPr/>
-        <p:nvPr/>
-      </p:nvGrpSpPr>
-      <p:grpSpPr>
-        <a:xfrm>
-          <a:off x="0" y="0"/>
-          <a:ext cx="0" cy="0"/>
-          <a:chOff x="0" y="0"/>
-          <a:chExt cx="0" cy="0"/>
-        </a:xfrm>
-      </p:grpSpPr>
-      <p:sp>
-        <p:nvSpPr>
-          <p:cNvPr id="4" name="Slide Number Placeholder 3">
-            <a:extLst>
-              <a:ext uri="{FF2B5EF4-FFF2-40B4-BE49-F238E27FC236}">
-                <a16:creationId xmlns:a16="http://schemas.microsoft.com/office/drawing/2014/main" id="{88A6E483-AAF0-9221-4031-B831F9B5E91A}"/>
-              </a:ext>
-            </a:extLst>
-          </p:cNvPr>
-          <p:cNvSpPr>
-            <a:spLocks noGrp="1"/>
-          </p:cNvSpPr>
-          <p:nvPr>
-            <p:ph type="sldNum" sz="quarter" idx="4"/>
-          </p:nvPr>
-        </p:nvSpPr>
-        <p:spPr/>
-        <p:txBody>
-          <a:bodyPr/>
-          <a:lstStyle/>
-          <a:p>
-            <a:fld id="{819D3A82-D293-4907-9B25-3B6254918E46}" type="slidenum">
-              <a:rPr lang="en-US" smtClean="0"/>
-              <a:t>4</a:t>
-            </a:fld>
-            <a:endParaRPr lang="en-US"/>
-          </a:p>
-        </p:txBody>
-      </p:sp>
-      <p:sp>
-        <p:nvSpPr>
-          <p:cNvPr id="6" name="Content Placeholder 5">
-            <a:extLst>
-              <a:ext uri="{FF2B5EF4-FFF2-40B4-BE49-F238E27FC236}">
-                <a16:creationId xmlns:a16="http://schemas.microsoft.com/office/drawing/2014/main" id="{15EF89C1-58E9-143E-4516-6CE661231491}"/>
-              </a:ext>
-            </a:extLst>
-          </p:cNvPr>
-          <p:cNvSpPr>
-            <a:spLocks noGrp="1"/>
-          </p:cNvSpPr>
-          <p:nvPr>
-            <p:ph idx="1"/>
-          </p:nvPr>
-        </p:nvSpPr>
-        <p:spPr>
-          <a:xfrm>
-            <a:off x="1439333" y="5384800"/>
-            <a:ext cx="3797484" cy="1448628"/>
-          </a:xfrm>
-        </p:spPr>
-        <p:txBody>
-          <a:bodyPr/>
-          <a:lstStyle/>
-          <a:p>
-            <a:r>
-              <a:rPr lang="en-US" sz="1800" dirty="0"/>
-              <a:t>Same as phase 2 with the Azure AI </a:t>
-            </a:r>
-            <a:r>
-              <a:rPr lang="en-US" sz="1800" dirty="0" err="1"/>
-              <a:t>api</a:t>
-            </a:r>
-            <a:r>
-              <a:rPr lang="en-US" sz="1800" dirty="0"/>
-              <a:t> functionality included</a:t>
-            </a:r>
-          </a:p>
-          <a:p>
-            <a:endParaRPr lang="en-US" sz="1800" dirty="0"/>
-          </a:p>
-          <a:p>
-            <a:endParaRPr lang="en-US" sz="1800" dirty="0"/>
-          </a:p>
-        </p:txBody>
-      </p:sp>
-      <p:pic>
-        <p:nvPicPr>
-          <p:cNvPr id="8" name="Picture 7">
-            <a:extLst>
-              <a:ext uri="{FF2B5EF4-FFF2-40B4-BE49-F238E27FC236}">
-                <a16:creationId xmlns:a16="http://schemas.microsoft.com/office/drawing/2014/main" id="{152A2369-15FD-29BA-AFF7-3EDF3CFD293E}"/>
-              </a:ext>
-            </a:extLst>
-          </p:cNvPr>
-          <p:cNvPicPr>
-            <a:picLocks noChangeAspect="1"/>
-          </p:cNvPicPr>
-          <p:nvPr/>
-        </p:nvPicPr>
-        <p:blipFill>
-          <a:blip r:embed="rId2"/>
-          <a:stretch>
-            <a:fillRect/>
-          </a:stretch>
-        </p:blipFill>
-        <p:spPr>
-          <a:xfrm>
-            <a:off x="1049867" y="863598"/>
-            <a:ext cx="5046467" cy="4016807"/>
-          </a:xfrm>
-          <a:prstGeom prst="rect">
-            <a:avLst/>
-          </a:prstGeom>
-        </p:spPr>
-      </p:pic>
-      <p:sp>
-        <p:nvSpPr>
-          <p:cNvPr id="9" name="Title 2">
-            <a:extLst>
-              <a:ext uri="{FF2B5EF4-FFF2-40B4-BE49-F238E27FC236}">
-                <a16:creationId xmlns:a16="http://schemas.microsoft.com/office/drawing/2014/main" id="{E01A69BC-07A2-0CF1-85EC-F5A48B575F66}"/>
-              </a:ext>
-            </a:extLst>
-          </p:cNvPr>
-          <p:cNvSpPr txBox="1">
-            <a:spLocks/>
-          </p:cNvSpPr>
-          <p:nvPr/>
-        </p:nvSpPr>
-        <p:spPr>
-          <a:xfrm>
-            <a:off x="389467" y="0"/>
-            <a:ext cx="4847350" cy="605828"/>
-          </a:xfrm>
-          <a:prstGeom prst="rect">
-            <a:avLst/>
-          </a:prstGeom>
-        </p:spPr>
-        <p:txBody>
-          <a:bodyPr vert="horz" lIns="91440" tIns="45720" rIns="91440" bIns="45720" rtlCol="0" anchor="t">
-            <a:noAutofit/>
-          </a:bodyPr>
-          <a:lstStyle>
-            <a:lvl1pPr algn="l" defTabSz="914400" rtl="0" eaLnBrk="1" latinLnBrk="0" hangingPunct="1">
-              <a:lnSpc>
-                <a:spcPct val="150000"/>
-              </a:lnSpc>
-              <a:spcBef>
-                <a:spcPts val="1000"/>
-              </a:spcBef>
-              <a:buNone/>
-              <a:defRPr sz="3200" kern="1200" cap="all" baseline="0">
-                <a:solidFill>
-                  <a:schemeClr val="tx1"/>
-                </a:solidFill>
-                <a:latin typeface="+mj-lt"/>
-                <a:ea typeface="+mj-ea"/>
-                <a:cs typeface="+mj-cs"/>
-              </a:defRPr>
-            </a:lvl1pPr>
-          </a:lstStyle>
-          <a:p>
-            <a:r>
-              <a:rPr lang="en-US" sz="3600" dirty="0"/>
-              <a:t>Data Flow Diagram</a:t>
-            </a:r>
-          </a:p>
-        </p:txBody>
-      </p:sp>
-      <p:pic>
-        <p:nvPicPr>
-          <p:cNvPr id="13" name="Picture 12">
-            <a:extLst>
-              <a:ext uri="{FF2B5EF4-FFF2-40B4-BE49-F238E27FC236}">
-                <a16:creationId xmlns:a16="http://schemas.microsoft.com/office/drawing/2014/main" id="{FD5380E7-D3CF-0AA7-185C-CE120D35B320}"/>
-              </a:ext>
-            </a:extLst>
-          </p:cNvPr>
-          <p:cNvPicPr>
-            <a:picLocks noChangeAspect="1"/>
-          </p:cNvPicPr>
-          <p:nvPr/>
-        </p:nvPicPr>
-        <p:blipFill>
-          <a:blip r:embed="rId3"/>
-          <a:stretch>
-            <a:fillRect/>
-          </a:stretch>
-        </p:blipFill>
-        <p:spPr>
-          <a:xfrm>
-            <a:off x="7145867" y="152400"/>
-            <a:ext cx="4847350" cy="6100035"/>
-          </a:xfrm>
-          <a:prstGeom prst="rect">
-            <a:avLst/>
-          </a:prstGeom>
-        </p:spPr>
-      </p:pic>
-    </p:spTree>
-    <p:extLst>
-      <p:ext uri="{BB962C8B-B14F-4D97-AF65-F5344CB8AC3E}">
-        <p14:creationId xmlns:p14="http://schemas.microsoft.com/office/powerpoint/2010/main" val="1957036992"/>
-      </p:ext>
-    </p:extLst>
-  </p:cSld>
-  <p:clrMapOvr>
-    <a:masterClrMapping/>
-  </p:clrMapOvr>
-</p:sld>
-</file>
-
-<file path=ppt/slides/slide5.xml><?xml version="1.0" encoding="utf-8"?>
-<p:sld xmlns:a="http://schemas.openxmlformats.org/drawingml/2006/main" xmlns:r="http://schemas.openxmlformats.org/officeDocument/2006/relationships" xmlns:p="http://schemas.openxmlformats.org/presentationml/2006/main">
-  <p:cSld>
-    <p:spTree>
-      <p:nvGrpSpPr>
-        <p:cNvPr id="1" name="">
-          <a:extLst>
-            <a:ext uri="{FF2B5EF4-FFF2-40B4-BE49-F238E27FC236}">
-              <a16:creationId xmlns:a16="http://schemas.microsoft.com/office/drawing/2014/main" id="{AFB7A949-189E-7DB6-E819-62A049CB474B}"/>
+              <a16:creationId xmlns:a16="http://schemas.microsoft.com/office/drawing/2014/main" id="{896357A5-30E7-CACA-2709-93DCF9540AF7}"/>
             </a:ext>
           </a:extLst>
         </p:cNvPr>
@@ -10922,72 +6147,128 @@
       </p:grpSpPr>
       <p:pic>
         <p:nvPicPr>
-          <p:cNvPr id="3" name="Picture Placeholder 2" descr="A computer screen shot of a computer screen&#10;&#10;Description automatically generated">
-            <a:extLst>
-              <a:ext uri="{FF2B5EF4-FFF2-40B4-BE49-F238E27FC236}">
-                <a16:creationId xmlns:a16="http://schemas.microsoft.com/office/drawing/2014/main" id="{357F7275-9335-5902-A322-7641D2F18812}"/>
+          <p:cNvPr id="9" name="Picture Placeholder 7" descr="abstract image">
+            <a:extLst>
+              <a:ext uri="{FF2B5EF4-FFF2-40B4-BE49-F238E27FC236}">
+                <a16:creationId xmlns:a16="http://schemas.microsoft.com/office/drawing/2014/main" id="{5C3FB363-C41E-01DF-5DF7-4C7B1F8A89FC}"/>
               </a:ext>
             </a:extLst>
           </p:cNvPr>
           <p:cNvPicPr>
-            <a:picLocks noGrp="1" noChangeAspect="1"/>
+            <a:picLocks noChangeAspect="1"/>
           </p:cNvPicPr>
-          <p:nvPr>
-            <p:ph type="pic" sz="quarter" idx="14"/>
-          </p:nvPr>
+          <p:nvPr/>
         </p:nvPicPr>
-        <p:blipFill>
-          <a:blip r:embed="rId2"/>
-          <a:srcRect l="27786" r="27786"/>
-          <a:stretch>
-            <a:fillRect/>
-          </a:stretch>
+        <p:blipFill rotWithShape="1">
+          <a:blip r:embed="rId2">
+            <a:alphaModFix/>
+            <a:extLst>
+              <a:ext uri="{BEBA8EAE-BF5A-486C-A8C5-ECC9F3942E4B}">
+                <a14:imgProps xmlns:a14="http://schemas.microsoft.com/office/drawing/2010/main">
+                  <a14:imgLayer r:embed="rId3">
+                    <a14:imgEffect>
+                      <a14:saturation sat="0"/>
+                    </a14:imgEffect>
+                  </a14:imgLayer>
+                </a14:imgProps>
+              </a:ext>
+            </a:extLst>
+          </a:blip>
+          <a:srcRect l="18261" r="36813"/>
+          <a:stretch/>
         </p:blipFill>
-        <p:spPr/>
+        <p:spPr>
+          <a:xfrm>
+            <a:off x="-1" y="0"/>
+            <a:ext cx="5477523" cy="6858000"/>
+          </a:xfrm>
+          <a:prstGeom prst="rect">
+            <a:avLst/>
+          </a:prstGeom>
+        </p:spPr>
       </p:pic>
       <p:sp>
         <p:nvSpPr>
-          <p:cNvPr id="4" name="Slide Number Placeholder 3">
-            <a:extLst>
-              <a:ext uri="{FF2B5EF4-FFF2-40B4-BE49-F238E27FC236}">
-                <a16:creationId xmlns:a16="http://schemas.microsoft.com/office/drawing/2014/main" id="{88A6E483-AAF0-9221-4031-B831F9B5E91A}"/>
-              </a:ext>
-            </a:extLst>
-          </p:cNvPr>
-          <p:cNvSpPr>
-            <a:spLocks noGrp="1"/>
-          </p:cNvSpPr>
-          <p:nvPr>
-            <p:ph type="sldNum" sz="quarter" idx="4"/>
-          </p:nvPr>
-        </p:nvSpPr>
-        <p:spPr/>
+          <p:cNvPr id="3" name="Title 2">
+            <a:extLst>
+              <a:ext uri="{FF2B5EF4-FFF2-40B4-BE49-F238E27FC236}">
+                <a16:creationId xmlns:a16="http://schemas.microsoft.com/office/drawing/2014/main" id="{AF5B7F56-DA07-310F-2F5E-594FAE5F324D}"/>
+              </a:ext>
+            </a:extLst>
+          </p:cNvPr>
+          <p:cNvSpPr>
+            <a:spLocks noGrp="1"/>
+          </p:cNvSpPr>
+          <p:nvPr>
+            <p:ph type="title"/>
+          </p:nvPr>
+        </p:nvSpPr>
+        <p:spPr>
+          <a:xfrm>
+            <a:off x="6362330" y="411225"/>
+            <a:ext cx="5251450" cy="956373"/>
+          </a:xfrm>
+        </p:spPr>
+        <p:txBody>
+          <a:bodyPr anchor="t">
+            <a:normAutofit/>
+          </a:bodyPr>
+          <a:lstStyle/>
+          <a:p>
+            <a:r>
+              <a:rPr lang="en-US" sz="4800" dirty="0"/>
+              <a:t>Phase 3 updates</a:t>
+            </a:r>
+          </a:p>
+        </p:txBody>
+      </p:sp>
+      <p:sp>
+        <p:nvSpPr>
+          <p:cNvPr id="5" name="Text Placeholder 4">
+            <a:extLst>
+              <a:ext uri="{FF2B5EF4-FFF2-40B4-BE49-F238E27FC236}">
+                <a16:creationId xmlns:a16="http://schemas.microsoft.com/office/drawing/2014/main" id="{AEBF041D-D309-7AB4-AF34-B9636AF39DDF}"/>
+              </a:ext>
+            </a:extLst>
+          </p:cNvPr>
+          <p:cNvSpPr>
+            <a:spLocks noGrp="1"/>
+          </p:cNvSpPr>
+          <p:nvPr>
+            <p:ph type="body" idx="1"/>
+          </p:nvPr>
+        </p:nvSpPr>
+        <p:spPr>
+          <a:xfrm>
+            <a:off x="6362330" y="2025552"/>
+            <a:ext cx="5829669" cy="365125"/>
+          </a:xfrm>
+        </p:spPr>
         <p:txBody>
           <a:bodyPr/>
           <a:lstStyle/>
           <a:p>
-            <a:fld id="{819D3A82-D293-4907-9B25-3B6254918E46}" type="slidenum">
-              <a:rPr lang="en-US" smtClean="0"/>
-              <a:t>5</a:t>
-            </a:fld>
-            <a:endParaRPr lang="en-US"/>
-          </a:p>
-        </p:txBody>
-      </p:sp>
-      <p:sp>
-        <p:nvSpPr>
-          <p:cNvPr id="6" name="Content Placeholder 5">
-            <a:extLst>
-              <a:ext uri="{FF2B5EF4-FFF2-40B4-BE49-F238E27FC236}">
-                <a16:creationId xmlns:a16="http://schemas.microsoft.com/office/drawing/2014/main" id="{15EF89C1-58E9-143E-4516-6CE661231491}"/>
-              </a:ext>
-            </a:extLst>
-          </p:cNvPr>
-          <p:cNvSpPr>
-            <a:spLocks noGrp="1"/>
-          </p:cNvSpPr>
-          <p:nvPr>
-            <p:ph idx="1"/>
+            <a:r>
+              <a:rPr lang="en-US" spc="300" dirty="0"/>
+              <a:t> </a:t>
+            </a:r>
+          </a:p>
+        </p:txBody>
+      </p:sp>
+      <p:sp>
+        <p:nvSpPr>
+          <p:cNvPr id="2" name="Slide Number Placeholder 1">
+            <a:extLst>
+              <a:ext uri="{FF2B5EF4-FFF2-40B4-BE49-F238E27FC236}">
+                <a16:creationId xmlns:a16="http://schemas.microsoft.com/office/drawing/2014/main" id="{AA91C46B-0405-BC26-B64A-218461638CE6}"/>
+              </a:ext>
+            </a:extLst>
+          </p:cNvPr>
+          <p:cNvSpPr>
+            <a:spLocks noGrp="1"/>
+          </p:cNvSpPr>
+          <p:nvPr>
+            <p:ph type="sldNum" sz="quarter" idx="12"/>
           </p:nvPr>
         </p:nvSpPr>
         <p:spPr/>
@@ -10995,55 +6276,255 @@
           <a:bodyPr/>
           <a:lstStyle/>
           <a:p>
-            <a:r>
-              <a:rPr lang="en-US" dirty="0"/>
-              <a:t>In order to receive pet name suggestions a user will need to login to their account</a:t>
-            </a:r>
-          </a:p>
-          <a:p>
-            <a:r>
-              <a:rPr lang="en-US" dirty="0"/>
-              <a:t>In order to save names, user must be logged in</a:t>
-            </a:r>
-          </a:p>
-          <a:p>
-            <a:r>
-              <a:rPr lang="en-US" dirty="0"/>
-              <a:t>Use either Google Account or create account credentials</a:t>
-            </a:r>
-          </a:p>
-          <a:p>
+            <a:fld id="{8C2E478F-E849-4A8C-AF1F-CBCC78A7CBFA}" type="slidenum">
+              <a:rPr lang="en-US" smtClean="0"/>
+              <a:t>4</a:t>
+            </a:fld>
             <a:endParaRPr lang="en-US" dirty="0"/>
           </a:p>
-          <a:p>
-            <a:endParaRPr lang="en-US" dirty="0"/>
-          </a:p>
-        </p:txBody>
-      </p:sp>
-      <p:sp>
-        <p:nvSpPr>
-          <p:cNvPr id="5" name="Title 4">
-            <a:extLst>
-              <a:ext uri="{FF2B5EF4-FFF2-40B4-BE49-F238E27FC236}">
-                <a16:creationId xmlns:a16="http://schemas.microsoft.com/office/drawing/2014/main" id="{ED886450-E40D-103A-1652-65669FEF6EF7}"/>
-              </a:ext>
-            </a:extLst>
-          </p:cNvPr>
-          <p:cNvSpPr>
-            <a:spLocks noGrp="1"/>
-          </p:cNvSpPr>
-          <p:nvPr>
-            <p:ph type="title"/>
-          </p:nvPr>
-        </p:nvSpPr>
-        <p:spPr/>
-        <p:txBody>
-          <a:bodyPr/>
-          <a:lstStyle/>
-          <a:p>
-            <a:r>
-              <a:rPr lang="en-US" dirty="0"/>
-              <a:t>Login Page</a:t>
+        </p:txBody>
+      </p:sp>
+      <p:sp>
+        <p:nvSpPr>
+          <p:cNvPr id="6" name="Content Placeholder 8">
+            <a:extLst>
+              <a:ext uri="{FF2B5EF4-FFF2-40B4-BE49-F238E27FC236}">
+                <a16:creationId xmlns:a16="http://schemas.microsoft.com/office/drawing/2014/main" id="{BDEA54F7-AC68-3AA7-82ED-71F2213BDAB1}"/>
+              </a:ext>
+            </a:extLst>
+          </p:cNvPr>
+          <p:cNvSpPr txBox="1">
+            <a:spLocks/>
+          </p:cNvSpPr>
+          <p:nvPr/>
+        </p:nvSpPr>
+        <p:spPr>
+          <a:xfrm>
+            <a:off x="6362329" y="2390677"/>
+            <a:ext cx="5477523" cy="4077626"/>
+          </a:xfrm>
+          <a:prstGeom prst="rect">
+            <a:avLst/>
+          </a:prstGeom>
+          <a:noFill/>
+        </p:spPr>
+        <p:txBody>
+          <a:bodyPr vert="horz" lIns="91440" tIns="45720" rIns="91440" bIns="45720" rtlCol="0" anchor="t">
+            <a:normAutofit lnSpcReduction="10000"/>
+          </a:bodyPr>
+          <a:lstStyle>
+            <a:defPPr>
+              <a:defRPr lang="en-US"/>
+            </a:defPPr>
+            <a:lvl1pPr indent="0">
+              <a:lnSpc>
+                <a:spcPct val="120000"/>
+              </a:lnSpc>
+              <a:spcBef>
+                <a:spcPts val="0"/>
+              </a:spcBef>
+              <a:buFont typeface="Arial" panose="020B0604020202020204" pitchFamily="34" charset="0"/>
+              <a:buNone/>
+              <a:defRPr sz="2400" cap="none" spc="0" baseline="0">
+                <a:solidFill>
+                  <a:sysClr val="windowText" lastClr="000000"/>
+                </a:solidFill>
+                <a:effectLst/>
+              </a:defRPr>
+            </a:lvl1pPr>
+            <a:lvl2pPr indent="0">
+              <a:lnSpc>
+                <a:spcPct val="150000"/>
+              </a:lnSpc>
+              <a:spcBef>
+                <a:spcPts val="500"/>
+              </a:spcBef>
+              <a:buFont typeface="Arial" panose="020B0604020202020204" pitchFamily="34" charset="0"/>
+              <a:buNone/>
+              <a:defRPr sz="2000">
+                <a:solidFill>
+                  <a:schemeClr val="tx1">
+                    <a:tint val="75000"/>
+                  </a:schemeClr>
+                </a:solidFill>
+              </a:defRPr>
+            </a:lvl2pPr>
+            <a:lvl3pPr indent="0">
+              <a:lnSpc>
+                <a:spcPct val="150000"/>
+              </a:lnSpc>
+              <a:spcBef>
+                <a:spcPts val="500"/>
+              </a:spcBef>
+              <a:buFont typeface="Arial" panose="020B0604020202020204" pitchFamily="34" charset="0"/>
+              <a:buNone/>
+              <a:defRPr>
+                <a:solidFill>
+                  <a:schemeClr val="tx1">
+                    <a:tint val="75000"/>
+                  </a:schemeClr>
+                </a:solidFill>
+              </a:defRPr>
+            </a:lvl3pPr>
+            <a:lvl4pPr indent="0">
+              <a:lnSpc>
+                <a:spcPct val="150000"/>
+              </a:lnSpc>
+              <a:spcBef>
+                <a:spcPts val="500"/>
+              </a:spcBef>
+              <a:buFont typeface="Arial" panose="020B0604020202020204" pitchFamily="34" charset="0"/>
+              <a:buNone/>
+              <a:defRPr sz="1600">
+                <a:solidFill>
+                  <a:schemeClr val="tx1">
+                    <a:tint val="75000"/>
+                  </a:schemeClr>
+                </a:solidFill>
+              </a:defRPr>
+            </a:lvl4pPr>
+            <a:lvl5pPr indent="0">
+              <a:lnSpc>
+                <a:spcPct val="150000"/>
+              </a:lnSpc>
+              <a:spcBef>
+                <a:spcPts val="500"/>
+              </a:spcBef>
+              <a:buFont typeface="Arial" panose="020B0604020202020204" pitchFamily="34" charset="0"/>
+              <a:buNone/>
+              <a:defRPr sz="1600">
+                <a:solidFill>
+                  <a:schemeClr val="tx1">
+                    <a:tint val="75000"/>
+                  </a:schemeClr>
+                </a:solidFill>
+              </a:defRPr>
+            </a:lvl5pPr>
+            <a:lvl6pPr indent="0">
+              <a:lnSpc>
+                <a:spcPct val="90000"/>
+              </a:lnSpc>
+              <a:spcBef>
+                <a:spcPts val="500"/>
+              </a:spcBef>
+              <a:buFont typeface="Arial" panose="020B0604020202020204" pitchFamily="34" charset="0"/>
+              <a:buNone/>
+              <a:defRPr sz="1600">
+                <a:solidFill>
+                  <a:schemeClr val="tx1">
+                    <a:tint val="75000"/>
+                  </a:schemeClr>
+                </a:solidFill>
+              </a:defRPr>
+            </a:lvl6pPr>
+            <a:lvl7pPr indent="0">
+              <a:lnSpc>
+                <a:spcPct val="90000"/>
+              </a:lnSpc>
+              <a:spcBef>
+                <a:spcPts val="500"/>
+              </a:spcBef>
+              <a:buFont typeface="Arial" panose="020B0604020202020204" pitchFamily="34" charset="0"/>
+              <a:buNone/>
+              <a:defRPr sz="1600">
+                <a:solidFill>
+                  <a:schemeClr val="tx1">
+                    <a:tint val="75000"/>
+                  </a:schemeClr>
+                </a:solidFill>
+              </a:defRPr>
+            </a:lvl7pPr>
+            <a:lvl8pPr indent="0">
+              <a:lnSpc>
+                <a:spcPct val="90000"/>
+              </a:lnSpc>
+              <a:spcBef>
+                <a:spcPts val="500"/>
+              </a:spcBef>
+              <a:buFont typeface="Arial" panose="020B0604020202020204" pitchFamily="34" charset="0"/>
+              <a:buNone/>
+              <a:defRPr sz="1600">
+                <a:solidFill>
+                  <a:schemeClr val="tx1">
+                    <a:tint val="75000"/>
+                  </a:schemeClr>
+                </a:solidFill>
+              </a:defRPr>
+            </a:lvl8pPr>
+            <a:lvl9pPr indent="0">
+              <a:lnSpc>
+                <a:spcPct val="90000"/>
+              </a:lnSpc>
+              <a:spcBef>
+                <a:spcPts val="500"/>
+              </a:spcBef>
+              <a:buFont typeface="Arial" panose="020B0604020202020204" pitchFamily="34" charset="0"/>
+              <a:buNone/>
+              <a:defRPr sz="1600">
+                <a:solidFill>
+                  <a:schemeClr val="tx1">
+                    <a:tint val="75000"/>
+                  </a:schemeClr>
+                </a:solidFill>
+              </a:defRPr>
+            </a:lvl9pPr>
+          </a:lstStyle>
+          <a:p>
+            <a:pPr>
+              <a:spcAft>
+                <a:spcPts val="1200"/>
+              </a:spcAft>
+            </a:pPr>
+            <a:r>
+              <a:rPr lang="en-US" sz="2000" dirty="0"/>
+              <a:t>We worked on:</a:t>
+            </a:r>
+          </a:p>
+          <a:p>
+            <a:pPr marL="342900" indent="-342900">
+              <a:spcAft>
+                <a:spcPts val="1200"/>
+              </a:spcAft>
+              <a:buFont typeface="Arial" panose="020B0604020202020204" pitchFamily="34" charset="0"/>
+              <a:buChar char="•"/>
+            </a:pPr>
+            <a:r>
+              <a:rPr lang="en-US" sz="2000" dirty="0"/>
+              <a:t>Understanding how Django and Python work together</a:t>
+            </a:r>
+          </a:p>
+          <a:p>
+            <a:pPr marL="342900" indent="-342900">
+              <a:spcAft>
+                <a:spcPts val="1200"/>
+              </a:spcAft>
+              <a:buFont typeface="Arial" panose="020B0604020202020204" pitchFamily="34" charset="0"/>
+              <a:buChar char="•"/>
+            </a:pPr>
+            <a:r>
+              <a:rPr lang="en-US" sz="2000" dirty="0"/>
+              <a:t>Learned that the implementation of the Django/Python combo to our IDE, </a:t>
+            </a:r>
+            <a:r>
+              <a:rPr lang="en-US" sz="2000" dirty="0" err="1"/>
+              <a:t>VSCode</a:t>
+            </a:r>
+            <a:r>
+              <a:rPr lang="en-US" sz="2000" dirty="0"/>
+              <a:t>, has a built in SQL database that we can access through the website admin page instead of needing to use a separate SQL application</a:t>
+            </a:r>
+          </a:p>
+          <a:p>
+            <a:pPr marL="342900" indent="-342900">
+              <a:spcAft>
+                <a:spcPts val="1200"/>
+              </a:spcAft>
+              <a:buFont typeface="Arial" panose="020B0604020202020204" pitchFamily="34" charset="0"/>
+              <a:buChar char="•"/>
+            </a:pPr>
+            <a:r>
+              <a:rPr lang="en-US" sz="2000" dirty="0"/>
+              <a:t>How to integrate and implement the Azure AI image recognition API</a:t>
             </a:r>
           </a:p>
         </p:txBody>
@@ -11051,7 +6532,7 @@
     </p:spTree>
     <p:extLst>
       <p:ext uri="{BB962C8B-B14F-4D97-AF65-F5344CB8AC3E}">
-        <p14:creationId xmlns:p14="http://schemas.microsoft.com/office/powerpoint/2010/main" val="3808885948"/>
+        <p14:creationId xmlns:p14="http://schemas.microsoft.com/office/powerpoint/2010/main" val="2790229447"/>
       </p:ext>
     </p:extLst>
   </p:cSld>
@@ -11061,7 +6542,7 @@
 </p:sld>
 </file>
 
-<file path=ppt/slides/slide6.xml><?xml version="1.0" encoding="utf-8"?>
+<file path=ppt/slides/slide5.xml><?xml version="1.0" encoding="utf-8"?>
 <p:sld xmlns:a="http://schemas.openxmlformats.org/drawingml/2006/main" xmlns:r="http://schemas.openxmlformats.org/officeDocument/2006/relationships" xmlns:p="http://schemas.openxmlformats.org/presentationml/2006/main">
   <p:cSld>
     <p:spTree>
@@ -11169,7 +6650,7 @@
           <a:p>
             <a:fld id="{8C2E478F-E849-4A8C-AF1F-CBCC78A7CBFA}" type="slidenum">
               <a:rPr lang="en-US" smtClean="0"/>
-              <a:t>6</a:t>
+              <a:t>5</a:t>
             </a:fld>
             <a:endParaRPr lang="en-US" dirty="0"/>
           </a:p>
@@ -11370,7 +6851,7 @@
             </a:pPr>
             <a:r>
               <a:rPr lang="en-US" dirty="0"/>
-              <a:t>Landing page with account creation</a:t>
+              <a:t>Landing page </a:t>
             </a:r>
           </a:p>
           <a:p>
@@ -11383,7 +6864,7 @@
             </a:pPr>
             <a:r>
               <a:rPr lang="en-US" dirty="0"/>
-              <a:t>Picture upload screen</a:t>
+              <a:t>Login screen with account creation</a:t>
             </a:r>
           </a:p>
           <a:p>
@@ -11396,7 +6877,7 @@
             </a:pPr>
             <a:r>
               <a:rPr lang="en-US" dirty="0"/>
-              <a:t>Picture recognition response</a:t>
+              <a:t>Picture upload screen</a:t>
             </a:r>
           </a:p>
           <a:p>
@@ -11409,7 +6890,7 @@
             </a:pPr>
             <a:r>
               <a:rPr lang="en-US" dirty="0"/>
-              <a:t>Name suggestions from designated databases based on the animal</a:t>
+              <a:t>Picture recognition response with name suggestions from designated databases based on the animal recognized</a:t>
             </a:r>
           </a:p>
         </p:txBody>
@@ -11540,6 +7021,367 @@
 </p:sld>
 </file>
 
+<file path=ppt/slides/slide6.xml><?xml version="1.0" encoding="utf-8"?>
+<p:sld xmlns:a="http://schemas.openxmlformats.org/drawingml/2006/main" xmlns:r="http://schemas.openxmlformats.org/officeDocument/2006/relationships" xmlns:p="http://schemas.openxmlformats.org/presentationml/2006/main">
+  <p:cSld>
+    <p:spTree>
+      <p:nvGrpSpPr>
+        <p:cNvPr id="1" name=""/>
+        <p:cNvGrpSpPr/>
+        <p:nvPr/>
+      </p:nvGrpSpPr>
+      <p:grpSpPr>
+        <a:xfrm>
+          <a:off x="0" y="0"/>
+          <a:ext cx="0" cy="0"/>
+          <a:chOff x="0" y="0"/>
+          <a:chExt cx="0" cy="0"/>
+        </a:xfrm>
+      </p:grpSpPr>
+      <p:sp>
+        <p:nvSpPr>
+          <p:cNvPr id="3" name="Title 2">
+            <a:extLst>
+              <a:ext uri="{FF2B5EF4-FFF2-40B4-BE49-F238E27FC236}">
+                <a16:creationId xmlns:a16="http://schemas.microsoft.com/office/drawing/2014/main" id="{1D24B42B-925B-494C-A986-BD85E8117E1E}"/>
+              </a:ext>
+            </a:extLst>
+          </p:cNvPr>
+          <p:cNvSpPr>
+            <a:spLocks noGrp="1"/>
+          </p:cNvSpPr>
+          <p:nvPr>
+            <p:ph type="title"/>
+          </p:nvPr>
+        </p:nvSpPr>
+        <p:spPr>
+          <a:xfrm>
+            <a:off x="6362330" y="411225"/>
+            <a:ext cx="5251450" cy="956373"/>
+          </a:xfrm>
+        </p:spPr>
+        <p:txBody>
+          <a:bodyPr anchor="t">
+            <a:normAutofit/>
+          </a:bodyPr>
+          <a:lstStyle/>
+          <a:p>
+            <a:r>
+              <a:rPr lang="en-US" sz="4800" dirty="0"/>
+              <a:t>Landing page</a:t>
+            </a:r>
+          </a:p>
+        </p:txBody>
+      </p:sp>
+      <p:sp>
+        <p:nvSpPr>
+          <p:cNvPr id="5" name="Text Placeholder 4">
+            <a:extLst>
+              <a:ext uri="{FF2B5EF4-FFF2-40B4-BE49-F238E27FC236}">
+                <a16:creationId xmlns:a16="http://schemas.microsoft.com/office/drawing/2014/main" id="{AF9B872F-6332-408E-9135-B871F0C90C00}"/>
+              </a:ext>
+            </a:extLst>
+          </p:cNvPr>
+          <p:cNvSpPr>
+            <a:spLocks noGrp="1"/>
+          </p:cNvSpPr>
+          <p:nvPr>
+            <p:ph type="body" idx="1"/>
+          </p:nvPr>
+        </p:nvSpPr>
+        <p:spPr>
+          <a:xfrm>
+            <a:off x="6362330" y="2025552"/>
+            <a:ext cx="5829669" cy="365125"/>
+          </a:xfrm>
+        </p:spPr>
+        <p:txBody>
+          <a:bodyPr/>
+          <a:lstStyle/>
+          <a:p>
+            <a:r>
+              <a:rPr lang="en-US" spc="300" dirty="0"/>
+              <a:t> </a:t>
+            </a:r>
+          </a:p>
+        </p:txBody>
+      </p:sp>
+      <p:sp>
+        <p:nvSpPr>
+          <p:cNvPr id="2" name="Slide Number Placeholder 1">
+            <a:extLst>
+              <a:ext uri="{FF2B5EF4-FFF2-40B4-BE49-F238E27FC236}">
+                <a16:creationId xmlns:a16="http://schemas.microsoft.com/office/drawing/2014/main" id="{948DD8A0-BD53-4DBF-949B-0D64D12DADA9}"/>
+              </a:ext>
+            </a:extLst>
+          </p:cNvPr>
+          <p:cNvSpPr>
+            <a:spLocks noGrp="1"/>
+          </p:cNvSpPr>
+          <p:nvPr>
+            <p:ph type="sldNum" sz="quarter" idx="12"/>
+          </p:nvPr>
+        </p:nvSpPr>
+        <p:spPr/>
+        <p:txBody>
+          <a:bodyPr/>
+          <a:lstStyle/>
+          <a:p>
+            <a:fld id="{8C2E478F-E849-4A8C-AF1F-CBCC78A7CBFA}" type="slidenum">
+              <a:rPr lang="en-US" smtClean="0"/>
+              <a:t>6</a:t>
+            </a:fld>
+            <a:endParaRPr lang="en-US" dirty="0"/>
+          </a:p>
+        </p:txBody>
+      </p:sp>
+      <p:sp>
+        <p:nvSpPr>
+          <p:cNvPr id="6" name="Content Placeholder 8">
+            <a:extLst>
+              <a:ext uri="{FF2B5EF4-FFF2-40B4-BE49-F238E27FC236}">
+                <a16:creationId xmlns:a16="http://schemas.microsoft.com/office/drawing/2014/main" id="{3B4F2E0F-78BC-2FE8-4808-2A26179B55EA}"/>
+              </a:ext>
+            </a:extLst>
+          </p:cNvPr>
+          <p:cNvSpPr txBox="1">
+            <a:spLocks/>
+          </p:cNvSpPr>
+          <p:nvPr/>
+        </p:nvSpPr>
+        <p:spPr>
+          <a:xfrm>
+            <a:off x="6362330" y="2574543"/>
+            <a:ext cx="4646246" cy="3038482"/>
+          </a:xfrm>
+          <a:prstGeom prst="rect">
+            <a:avLst/>
+          </a:prstGeom>
+          <a:noFill/>
+        </p:spPr>
+        <p:txBody>
+          <a:bodyPr vert="horz" lIns="91440" tIns="45720" rIns="91440" bIns="45720" rtlCol="0" anchor="t">
+            <a:normAutofit/>
+          </a:bodyPr>
+          <a:lstStyle>
+            <a:defPPr>
+              <a:defRPr lang="en-US"/>
+            </a:defPPr>
+            <a:lvl1pPr indent="0">
+              <a:lnSpc>
+                <a:spcPct val="120000"/>
+              </a:lnSpc>
+              <a:spcBef>
+                <a:spcPts val="0"/>
+              </a:spcBef>
+              <a:buFont typeface="Arial" panose="020B0604020202020204" pitchFamily="34" charset="0"/>
+              <a:buNone/>
+              <a:defRPr sz="2400" cap="none" spc="0" baseline="0">
+                <a:solidFill>
+                  <a:sysClr val="windowText" lastClr="000000"/>
+                </a:solidFill>
+                <a:effectLst/>
+              </a:defRPr>
+            </a:lvl1pPr>
+            <a:lvl2pPr indent="0">
+              <a:lnSpc>
+                <a:spcPct val="150000"/>
+              </a:lnSpc>
+              <a:spcBef>
+                <a:spcPts val="500"/>
+              </a:spcBef>
+              <a:buFont typeface="Arial" panose="020B0604020202020204" pitchFamily="34" charset="0"/>
+              <a:buNone/>
+              <a:defRPr sz="2000">
+                <a:solidFill>
+                  <a:schemeClr val="tx1">
+                    <a:tint val="75000"/>
+                  </a:schemeClr>
+                </a:solidFill>
+              </a:defRPr>
+            </a:lvl2pPr>
+            <a:lvl3pPr indent="0">
+              <a:lnSpc>
+                <a:spcPct val="150000"/>
+              </a:lnSpc>
+              <a:spcBef>
+                <a:spcPts val="500"/>
+              </a:spcBef>
+              <a:buFont typeface="Arial" panose="020B0604020202020204" pitchFamily="34" charset="0"/>
+              <a:buNone/>
+              <a:defRPr>
+                <a:solidFill>
+                  <a:schemeClr val="tx1">
+                    <a:tint val="75000"/>
+                  </a:schemeClr>
+                </a:solidFill>
+              </a:defRPr>
+            </a:lvl3pPr>
+            <a:lvl4pPr indent="0">
+              <a:lnSpc>
+                <a:spcPct val="150000"/>
+              </a:lnSpc>
+              <a:spcBef>
+                <a:spcPts val="500"/>
+              </a:spcBef>
+              <a:buFont typeface="Arial" panose="020B0604020202020204" pitchFamily="34" charset="0"/>
+              <a:buNone/>
+              <a:defRPr sz="1600">
+                <a:solidFill>
+                  <a:schemeClr val="tx1">
+                    <a:tint val="75000"/>
+                  </a:schemeClr>
+                </a:solidFill>
+              </a:defRPr>
+            </a:lvl4pPr>
+            <a:lvl5pPr indent="0">
+              <a:lnSpc>
+                <a:spcPct val="150000"/>
+              </a:lnSpc>
+              <a:spcBef>
+                <a:spcPts val="500"/>
+              </a:spcBef>
+              <a:buFont typeface="Arial" panose="020B0604020202020204" pitchFamily="34" charset="0"/>
+              <a:buNone/>
+              <a:defRPr sz="1600">
+                <a:solidFill>
+                  <a:schemeClr val="tx1">
+                    <a:tint val="75000"/>
+                  </a:schemeClr>
+                </a:solidFill>
+              </a:defRPr>
+            </a:lvl5pPr>
+            <a:lvl6pPr indent="0">
+              <a:lnSpc>
+                <a:spcPct val="90000"/>
+              </a:lnSpc>
+              <a:spcBef>
+                <a:spcPts val="500"/>
+              </a:spcBef>
+              <a:buFont typeface="Arial" panose="020B0604020202020204" pitchFamily="34" charset="0"/>
+              <a:buNone/>
+              <a:defRPr sz="1600">
+                <a:solidFill>
+                  <a:schemeClr val="tx1">
+                    <a:tint val="75000"/>
+                  </a:schemeClr>
+                </a:solidFill>
+              </a:defRPr>
+            </a:lvl6pPr>
+            <a:lvl7pPr indent="0">
+              <a:lnSpc>
+                <a:spcPct val="90000"/>
+              </a:lnSpc>
+              <a:spcBef>
+                <a:spcPts val="500"/>
+              </a:spcBef>
+              <a:buFont typeface="Arial" panose="020B0604020202020204" pitchFamily="34" charset="0"/>
+              <a:buNone/>
+              <a:defRPr sz="1600">
+                <a:solidFill>
+                  <a:schemeClr val="tx1">
+                    <a:tint val="75000"/>
+                  </a:schemeClr>
+                </a:solidFill>
+              </a:defRPr>
+            </a:lvl7pPr>
+            <a:lvl8pPr indent="0">
+              <a:lnSpc>
+                <a:spcPct val="90000"/>
+              </a:lnSpc>
+              <a:spcBef>
+                <a:spcPts val="500"/>
+              </a:spcBef>
+              <a:buFont typeface="Arial" panose="020B0604020202020204" pitchFamily="34" charset="0"/>
+              <a:buNone/>
+              <a:defRPr sz="1600">
+                <a:solidFill>
+                  <a:schemeClr val="tx1">
+                    <a:tint val="75000"/>
+                  </a:schemeClr>
+                </a:solidFill>
+              </a:defRPr>
+            </a:lvl8pPr>
+            <a:lvl9pPr indent="0">
+              <a:lnSpc>
+                <a:spcPct val="90000"/>
+              </a:lnSpc>
+              <a:spcBef>
+                <a:spcPts val="500"/>
+              </a:spcBef>
+              <a:buFont typeface="Arial" panose="020B0604020202020204" pitchFamily="34" charset="0"/>
+              <a:buNone/>
+              <a:defRPr sz="1600">
+                <a:solidFill>
+                  <a:schemeClr val="tx1">
+                    <a:tint val="75000"/>
+                  </a:schemeClr>
+                </a:solidFill>
+              </a:defRPr>
+            </a:lvl9pPr>
+          </a:lstStyle>
+          <a:p>
+            <a:pPr marL="342900" indent="-342900">
+              <a:spcAft>
+                <a:spcPts val="1200"/>
+              </a:spcAft>
+              <a:buFont typeface="Arial" panose="020B0604020202020204" pitchFamily="34" charset="0"/>
+              <a:buChar char="•"/>
+            </a:pPr>
+            <a:r>
+              <a:rPr lang="en-US" dirty="0"/>
+              <a:t>The first page seen if the domain was www.petnamer.com</a:t>
+            </a:r>
+          </a:p>
+          <a:p>
+            <a:pPr marL="342900" indent="-342900">
+              <a:spcAft>
+                <a:spcPts val="1200"/>
+              </a:spcAft>
+              <a:buFont typeface="Arial" panose="020B0604020202020204" pitchFamily="34" charset="0"/>
+              <a:buChar char="•"/>
+            </a:pPr>
+            <a:r>
+              <a:rPr lang="en-US" dirty="0"/>
+              <a:t>Greeted by adorable animals</a:t>
+            </a:r>
+          </a:p>
+          <a:p>
+            <a:pPr marL="342900" indent="-342900">
+              <a:spcAft>
+                <a:spcPts val="1200"/>
+              </a:spcAft>
+              <a:buFont typeface="Arial" panose="020B0604020202020204" pitchFamily="34" charset="0"/>
+              <a:buChar char="•"/>
+            </a:pPr>
+            <a:r>
+              <a:rPr lang="en-US" dirty="0">
+                <a:solidFill>
+                  <a:srgbClr val="FF0000"/>
+                </a:solidFill>
+              </a:rPr>
+              <a:t>Get started </a:t>
+            </a:r>
+            <a:r>
+              <a:rPr lang="en-US" dirty="0"/>
+              <a:t>takes you to the login/account creation screen</a:t>
+            </a:r>
+          </a:p>
+        </p:txBody>
+      </p:sp>
+    </p:spTree>
+    <p:extLst>
+      <p:ext uri="{BB962C8B-B14F-4D97-AF65-F5344CB8AC3E}">
+        <p14:creationId xmlns:p14="http://schemas.microsoft.com/office/powerpoint/2010/main" val="1709041580"/>
+      </p:ext>
+    </p:extLst>
+  </p:cSld>
+  <p:clrMapOvr>
+    <a:masterClrMapping/>
+  </p:clrMapOvr>
+</p:sld>
+</file>
+
 <file path=ppt/slides/slide7.xml><?xml version="1.0" encoding="utf-8"?>
 <p:sld xmlns:a="http://schemas.openxmlformats.org/drawingml/2006/main" xmlns:r="http://schemas.openxmlformats.org/officeDocument/2006/relationships" xmlns:p="http://schemas.openxmlformats.org/presentationml/2006/main">
   <p:cSld>
@@ -11575,19 +7417,26 @@
         </p:nvSpPr>
         <p:spPr>
           <a:xfrm>
-            <a:off x="6362330" y="411225"/>
-            <a:ext cx="5251450" cy="956373"/>
+            <a:off x="6439542" y="499060"/>
+            <a:ext cx="5675243" cy="956373"/>
           </a:xfrm>
         </p:spPr>
         <p:txBody>
           <a:bodyPr anchor="t">
-            <a:normAutofit/>
+            <a:noAutofit/>
           </a:bodyPr>
           <a:lstStyle/>
           <a:p>
             <a:r>
-              <a:rPr lang="en-US" sz="4800" dirty="0"/>
-              <a:t>Landing page</a:t>
+              <a:rPr lang="en-US" sz="4600" dirty="0"/>
+              <a:t>LOGIN page/</a:t>
+            </a:r>
+            <a:br>
+              <a:rPr lang="en-US" sz="4600" dirty="0"/>
+            </a:br>
+            <a:r>
+              <a:rPr lang="en-US" sz="4600" dirty="0"/>
+              <a:t>account creation</a:t>
             </a:r>
           </a:p>
         </p:txBody>
@@ -11680,7 +7529,7 @@
         </p:spPr>
         <p:txBody>
           <a:bodyPr vert="horz" lIns="91440" tIns="45720" rIns="91440" bIns="45720" rtlCol="0" anchor="t">
-            <a:normAutofit/>
+            <a:normAutofit fontScale="92500"/>
           </a:bodyPr>
           <a:lstStyle>
             <a:defPPr>
@@ -11841,6 +7690,9 @@
           </a:lstStyle>
           <a:p>
             <a:pPr marL="342900" indent="-342900">
+              <a:spcBef>
+                <a:spcPts val="0"/>
+              </a:spcBef>
               <a:spcAft>
                 <a:spcPts val="1200"/>
               </a:spcAft>
@@ -11848,12 +7700,23 @@
               <a:buChar char="•"/>
             </a:pPr>
             <a:r>
-              <a:rPr lang="en-US" dirty="0"/>
-              <a:t>The first page seen if the domain was www.petnamer.com</a:t>
+              <a:rPr lang="en-US" sz="2400" dirty="0"/>
+              <a:t>In order to receive pet name suggestions a pet owner will need to create an </a:t>
+            </a:r>
+            <a:r>
+              <a:rPr lang="en-US" sz="2600" dirty="0"/>
+              <a:t>account</a:t>
+            </a:r>
+            <a:r>
+              <a:rPr lang="en-US" sz="2400" dirty="0"/>
+              <a:t> and log in</a:t>
             </a:r>
           </a:p>
           <a:p>
             <a:pPr marL="342900" indent="-342900">
+              <a:spcBef>
+                <a:spcPts val="0"/>
+              </a:spcBef>
               <a:spcAft>
                 <a:spcPts val="1200"/>
               </a:spcAft>
@@ -11861,37 +7724,60 @@
               <a:buChar char="•"/>
             </a:pPr>
             <a:r>
-              <a:rPr lang="en-US" dirty="0"/>
-              <a:t>Greeted by adorable animals</a:t>
-            </a:r>
-          </a:p>
-          <a:p>
-            <a:pPr marL="342900" indent="-342900">
-              <a:spcAft>
-                <a:spcPts val="1200"/>
-              </a:spcAft>
-              <a:buFont typeface="Arial" panose="020B0604020202020204" pitchFamily="34" charset="0"/>
-              <a:buChar char="•"/>
-            </a:pPr>
-            <a:r>
-              <a:rPr lang="en-US" dirty="0">
-                <a:solidFill>
-                  <a:srgbClr val="FF0000"/>
-                </a:solidFill>
-              </a:rPr>
-              <a:t>Get started </a:t>
-            </a:r>
-            <a:r>
-              <a:rPr lang="en-US" dirty="0"/>
-              <a:t>takes you to the login/account creation screen</a:t>
-            </a:r>
-          </a:p>
-        </p:txBody>
-      </p:sp>
+              <a:rPr lang="en-US" sz="2400" dirty="0"/>
+              <a:t>A Google account is required to create an account to use </a:t>
+            </a:r>
+            <a:r>
+              <a:rPr lang="en-US" sz="2400" dirty="0" err="1"/>
+              <a:t>PetNamer</a:t>
+            </a:r>
+            <a:endParaRPr lang="en-US" sz="2400" dirty="0"/>
+          </a:p>
+        </p:txBody>
+      </p:sp>
+      <p:pic>
+        <p:nvPicPr>
+          <p:cNvPr id="4" name="Picture Placeholder 2" descr="A computer screen shot of a computer screen&#10;&#10;Description automatically generated">
+            <a:extLst>
+              <a:ext uri="{FF2B5EF4-FFF2-40B4-BE49-F238E27FC236}">
+                <a16:creationId xmlns:a16="http://schemas.microsoft.com/office/drawing/2014/main" id="{23120B7D-A1BE-B450-47CD-859375CA1CB2}"/>
+              </a:ext>
+            </a:extLst>
+          </p:cNvPr>
+          <p:cNvPicPr>
+            <a:picLocks noChangeAspect="1"/>
+          </p:cNvPicPr>
+          <p:nvPr/>
+        </p:nvPicPr>
+        <p:blipFill>
+          <a:blip r:embed="rId2">
+            <a:duotone>
+              <a:prstClr val="black"/>
+              <a:schemeClr val="accent1">
+                <a:tint val="45000"/>
+                <a:satMod val="400000"/>
+              </a:schemeClr>
+            </a:duotone>
+          </a:blip>
+          <a:srcRect l="27786" r="27786"/>
+          <a:stretch>
+            <a:fillRect/>
+          </a:stretch>
+        </p:blipFill>
+        <p:spPr>
+          <a:xfrm>
+            <a:off x="0" y="0"/>
+            <a:ext cx="5416550" cy="6858000"/>
+          </a:xfrm>
+          <a:prstGeom prst="rect">
+            <a:avLst/>
+          </a:prstGeom>
+        </p:spPr>
+      </p:pic>
     </p:spTree>
     <p:extLst>
       <p:ext uri="{BB962C8B-B14F-4D97-AF65-F5344CB8AC3E}">
-        <p14:creationId xmlns:p14="http://schemas.microsoft.com/office/powerpoint/2010/main" val="1709041580"/>
+        <p14:creationId xmlns:p14="http://schemas.microsoft.com/office/powerpoint/2010/main" val="3777066757"/>
       </p:ext>
     </p:extLst>
   </p:cSld>
@@ -11942,20 +7828,13 @@
         </p:spPr>
         <p:txBody>
           <a:bodyPr anchor="t">
-            <a:normAutofit fontScale="90000"/>
+            <a:noAutofit/>
           </a:bodyPr>
           <a:lstStyle/>
           <a:p>
             <a:r>
-              <a:rPr lang="en-US" sz="4800" dirty="0"/>
-              <a:t>Login/</a:t>
-            </a:r>
-            <a:br>
-              <a:rPr lang="en-US" sz="4800" dirty="0"/>
-            </a:br>
-            <a:r>
-              <a:rPr lang="en-US" sz="4800" dirty="0"/>
-              <a:t>account creation</a:t>
+              <a:rPr lang="en-US" sz="4600" dirty="0"/>
+              <a:t>Upload a picture of your pet</a:t>
             </a:r>
           </a:p>
         </p:txBody>
@@ -12217,7 +8096,7 @@
             </a:pPr>
             <a:r>
               <a:rPr lang="en-US" dirty="0"/>
-              <a:t>In order to receive pet name suggestions a user will need to login to their account</a:t>
+              <a:t>The pet owner will click on choose file</a:t>
             </a:r>
           </a:p>
           <a:p>
@@ -12230,7 +8109,7 @@
             </a:pPr>
             <a:r>
               <a:rPr lang="en-US" dirty="0"/>
-              <a:t>In order to save names, user must be logged in</a:t>
+              <a:t>They will then need to upload a picture they have already taken and saved</a:t>
             </a:r>
           </a:p>
           <a:p>
@@ -12243,15 +8122,45 @@
             </a:pPr>
             <a:r>
               <a:rPr lang="en-US" dirty="0"/>
-              <a:t>Use either Google Account or create account credentials</a:t>
-            </a:r>
-          </a:p>
-        </p:txBody>
-      </p:sp>
+              <a:t>In this screen shot Adria has uploaded a picture of her cat</a:t>
+            </a:r>
+          </a:p>
+        </p:txBody>
+      </p:sp>
+      <p:pic>
+        <p:nvPicPr>
+          <p:cNvPr id="11" name="Picture 10">
+            <a:extLst>
+              <a:ext uri="{FF2B5EF4-FFF2-40B4-BE49-F238E27FC236}">
+                <a16:creationId xmlns:a16="http://schemas.microsoft.com/office/drawing/2014/main" id="{797F0AB9-DBE7-9855-21AC-660317A4D50C}"/>
+              </a:ext>
+            </a:extLst>
+          </p:cNvPr>
+          <p:cNvPicPr>
+            <a:picLocks noChangeAspect="1"/>
+          </p:cNvPicPr>
+          <p:nvPr/>
+        </p:nvPicPr>
+        <p:blipFill>
+          <a:blip r:embed="rId2"/>
+          <a:stretch>
+            <a:fillRect/>
+          </a:stretch>
+        </p:blipFill>
+        <p:spPr>
+          <a:xfrm>
+            <a:off x="-1" y="-1"/>
+            <a:ext cx="4927601" cy="6863047"/>
+          </a:xfrm>
+          <a:prstGeom prst="rect">
+            <a:avLst/>
+          </a:prstGeom>
+        </p:spPr>
+      </p:pic>
     </p:spTree>
     <p:extLst>
       <p:ext uri="{BB962C8B-B14F-4D97-AF65-F5344CB8AC3E}">
-        <p14:creationId xmlns:p14="http://schemas.microsoft.com/office/powerpoint/2010/main" val="2281850531"/>
+        <p14:creationId xmlns:p14="http://schemas.microsoft.com/office/powerpoint/2010/main" val="2433774987"/>
       </p:ext>
     </p:extLst>
   </p:cSld>
@@ -12302,17 +8211,13 @@
         </p:spPr>
         <p:txBody>
           <a:bodyPr anchor="t">
-            <a:normAutofit/>
+            <a:normAutofit fontScale="90000"/>
           </a:bodyPr>
           <a:lstStyle/>
           <a:p>
             <a:r>
-              <a:rPr lang="en-US" sz="4800" dirty="0" err="1"/>
-              <a:t>SuBmit</a:t>
-            </a:r>
-            <a:r>
               <a:rPr lang="en-US" sz="4800" dirty="0"/>
-              <a:t> an image</a:t>
+              <a:t>Image Recognition</a:t>
             </a:r>
           </a:p>
         </p:txBody>
@@ -12395,8 +8300,8 @@
         </p:nvSpPr>
         <p:spPr>
           <a:xfrm>
-            <a:off x="6362330" y="2574543"/>
-            <a:ext cx="4646246" cy="3038482"/>
+            <a:off x="5249333" y="2658533"/>
+            <a:ext cx="5621867" cy="4174894"/>
           </a:xfrm>
           <a:prstGeom prst="rect">
             <a:avLst/>
@@ -12405,7 +8310,7 @@
         </p:spPr>
         <p:txBody>
           <a:bodyPr vert="horz" lIns="91440" tIns="45720" rIns="91440" bIns="45720" rtlCol="0" anchor="t">
-            <a:normAutofit fontScale="92500" lnSpcReduction="10000"/>
+            <a:normAutofit/>
           </a:bodyPr>
           <a:lstStyle>
             <a:defPPr>
@@ -12565,46 +8470,238 @@
             </a:lvl9pPr>
           </a:lstStyle>
           <a:p>
-            <a:pPr marL="342900" indent="-342900">
+            <a:pPr algn="ctr">
               <a:spcAft>
                 <a:spcPts val="1200"/>
               </a:spcAft>
-              <a:buFont typeface="Arial" panose="020B0604020202020204" pitchFamily="34" charset="0"/>
-              <a:buChar char="•"/>
             </a:pPr>
             <a:r>
               <a:rPr lang="en-US" dirty="0"/>
-              <a:t>In order to receive pet name suggestions a user will need to login to their account</a:t>
-            </a:r>
-          </a:p>
-          <a:p>
-            <a:pPr marL="342900" indent="-342900">
+              <a:t>Azure backend recognition response:</a:t>
+            </a:r>
+          </a:p>
+          <a:p>
+            <a:pPr algn="ctr">
               <a:spcAft>
                 <a:spcPts val="1200"/>
               </a:spcAft>
-              <a:buFont typeface="Arial" panose="020B0604020202020204" pitchFamily="34" charset="0"/>
-              <a:buChar char="•"/>
             </a:pPr>
-            <a:r>
-              <a:rPr lang="en-US" dirty="0"/>
-              <a:t>In order to save names, user must be logged in</a:t>
-            </a:r>
-          </a:p>
-          <a:p>
-            <a:pPr marL="342900" indent="-342900">
+            <a:endParaRPr lang="en-US" dirty="0"/>
+          </a:p>
+          <a:p>
+            <a:pPr algn="ctr">
               <a:spcAft>
                 <a:spcPts val="1200"/>
               </a:spcAft>
-              <a:buFont typeface="Arial" panose="020B0604020202020204" pitchFamily="34" charset="0"/>
-              <a:buChar char="•"/>
             </a:pPr>
+            <a:endParaRPr lang="en-US" dirty="0"/>
+          </a:p>
+          <a:p>
+            <a:pPr algn="ctr">
+              <a:spcAft>
+                <a:spcPts val="1200"/>
+              </a:spcAft>
+            </a:pPr>
+            <a:endParaRPr lang="en-US" dirty="0"/>
+          </a:p>
+          <a:p>
+            <a:pPr algn="ctr">
+              <a:spcAft>
+                <a:spcPts val="1200"/>
+              </a:spcAft>
+            </a:pPr>
+            <a:endParaRPr lang="en-US" dirty="0"/>
+          </a:p>
+          <a:p>
+            <a:pPr>
+              <a:spcAft>
+                <a:spcPts val="1200"/>
+              </a:spcAft>
+            </a:pPr>
             <a:r>
               <a:rPr lang="en-US" dirty="0"/>
-              <a:t>Use either Google Account or create account credentials</a:t>
-            </a:r>
-          </a:p>
-        </p:txBody>
-      </p:sp>
+              <a:t>      ‘cat’ was sent to our database </a:t>
+            </a:r>
+          </a:p>
+          <a:p>
+            <a:pPr algn="ctr">
+              <a:spcAft>
+                <a:spcPts val="1200"/>
+              </a:spcAft>
+            </a:pPr>
+            <a:r>
+              <a:rPr lang="en-US" dirty="0"/>
+              <a:t>and the name suggestions were returned</a:t>
+            </a:r>
+          </a:p>
+        </p:txBody>
+      </p:sp>
+      <p:pic>
+        <p:nvPicPr>
+          <p:cNvPr id="7" name="Picture 6">
+            <a:extLst>
+              <a:ext uri="{FF2B5EF4-FFF2-40B4-BE49-F238E27FC236}">
+                <a16:creationId xmlns:a16="http://schemas.microsoft.com/office/drawing/2014/main" id="{D2F95D9E-F2EB-24CB-45B0-3198A9E46115}"/>
+              </a:ext>
+            </a:extLst>
+          </p:cNvPr>
+          <p:cNvPicPr>
+            <a:picLocks noChangeAspect="1"/>
+          </p:cNvPicPr>
+          <p:nvPr/>
+        </p:nvPicPr>
+        <p:blipFill>
+          <a:blip r:embed="rId2"/>
+          <a:stretch>
+            <a:fillRect/>
+          </a:stretch>
+        </p:blipFill>
+        <p:spPr>
+          <a:xfrm>
+            <a:off x="0" y="-1"/>
+            <a:ext cx="4646246" cy="6874035"/>
+          </a:xfrm>
+          <a:prstGeom prst="rect">
+            <a:avLst/>
+          </a:prstGeom>
+        </p:spPr>
+      </p:pic>
+      <p:pic>
+        <p:nvPicPr>
+          <p:cNvPr id="9" name="Picture 8">
+            <a:extLst>
+              <a:ext uri="{FF2B5EF4-FFF2-40B4-BE49-F238E27FC236}">
+                <a16:creationId xmlns:a16="http://schemas.microsoft.com/office/drawing/2014/main" id="{BE460E51-84F4-59CB-9B68-F8A1939C0E63}"/>
+              </a:ext>
+            </a:extLst>
+          </p:cNvPr>
+          <p:cNvPicPr>
+            <a:picLocks noChangeAspect="1"/>
+          </p:cNvPicPr>
+          <p:nvPr/>
+        </p:nvPicPr>
+        <p:blipFill>
+          <a:blip r:embed="rId3"/>
+          <a:stretch>
+            <a:fillRect/>
+          </a:stretch>
+        </p:blipFill>
+        <p:spPr>
+          <a:xfrm>
+            <a:off x="4671457" y="3260586"/>
+            <a:ext cx="7498080" cy="2319226"/>
+          </a:xfrm>
+          <a:prstGeom prst="rect">
+            <a:avLst/>
+          </a:prstGeom>
+        </p:spPr>
+      </p:pic>
+      <p:sp>
+        <p:nvSpPr>
+          <p:cNvPr id="10" name="Arrow: Curved Right 9">
+            <a:extLst>
+              <a:ext uri="{FF2B5EF4-FFF2-40B4-BE49-F238E27FC236}">
+                <a16:creationId xmlns:a16="http://schemas.microsoft.com/office/drawing/2014/main" id="{AC885B01-D672-FAF5-336A-A7234D2CED95}"/>
+              </a:ext>
+            </a:extLst>
+          </p:cNvPr>
+          <p:cNvSpPr/>
+          <p:nvPr/>
+        </p:nvSpPr>
+        <p:spPr>
+          <a:xfrm rot="20112804" flipV="1">
+            <a:off x="3448220" y="3766431"/>
+            <a:ext cx="1786658" cy="2639493"/>
+          </a:xfrm>
+          <a:prstGeom prst="curvedRightArrow">
+            <a:avLst>
+              <a:gd name="adj1" fmla="val 2299"/>
+              <a:gd name="adj2" fmla="val 29443"/>
+              <a:gd name="adj3" fmla="val 25000"/>
+            </a:avLst>
+          </a:prstGeom>
+          <a:solidFill>
+            <a:srgbClr val="FF0000"/>
+          </a:solidFill>
+          <a:ln>
+            <a:solidFill>
+              <a:srgbClr val="FF0000"/>
+            </a:solidFill>
+          </a:ln>
+        </p:spPr>
+        <p:style>
+          <a:lnRef idx="2">
+            <a:schemeClr val="accent1">
+              <a:shade val="15000"/>
+            </a:schemeClr>
+          </a:lnRef>
+          <a:fillRef idx="1">
+            <a:schemeClr val="accent1"/>
+          </a:fillRef>
+          <a:effectRef idx="0">
+            <a:schemeClr val="accent1"/>
+          </a:effectRef>
+          <a:fontRef idx="minor">
+            <a:schemeClr val="lt1"/>
+          </a:fontRef>
+        </p:style>
+        <p:txBody>
+          <a:bodyPr rtlCol="0" anchor="ctr"/>
+          <a:lstStyle/>
+          <a:p>
+            <a:pPr algn="ctr"/>
+            <a:endParaRPr lang="en-US">
+              <a:solidFill>
+                <a:schemeClr val="tx1"/>
+              </a:solidFill>
+            </a:endParaRPr>
+          </a:p>
+        </p:txBody>
+      </p:sp>
+      <p:cxnSp>
+        <p:nvCxnSpPr>
+          <p:cNvPr id="12" name="Straight Arrow Connector 11">
+            <a:extLst>
+              <a:ext uri="{FF2B5EF4-FFF2-40B4-BE49-F238E27FC236}">
+                <a16:creationId xmlns:a16="http://schemas.microsoft.com/office/drawing/2014/main" id="{9288CC5E-F2D4-48FE-C914-1B2951B28EFD}"/>
+              </a:ext>
+            </a:extLst>
+          </p:cNvPr>
+          <p:cNvCxnSpPr>
+            <a:cxnSpLocks/>
+          </p:cNvCxnSpPr>
+          <p:nvPr/>
+        </p:nvCxnSpPr>
+        <p:spPr>
+          <a:xfrm flipH="1" flipV="1">
+            <a:off x="3352800" y="6045200"/>
+            <a:ext cx="2048933" cy="423103"/>
+          </a:xfrm>
+          <a:prstGeom prst="straightConnector1">
+            <a:avLst/>
+          </a:prstGeom>
+          <a:ln w="57150">
+            <a:solidFill>
+              <a:srgbClr val="FF0000"/>
+            </a:solidFill>
+            <a:tailEnd type="triangle"/>
+          </a:ln>
+        </p:spPr>
+        <p:style>
+          <a:lnRef idx="1">
+            <a:schemeClr val="accent1"/>
+          </a:lnRef>
+          <a:fillRef idx="0">
+            <a:schemeClr val="accent1"/>
+          </a:fillRef>
+          <a:effectRef idx="0">
+            <a:schemeClr val="accent1"/>
+          </a:effectRef>
+          <a:fontRef idx="minor">
+            <a:schemeClr val="tx1"/>
+          </a:fontRef>
+        </p:style>
+      </p:cxnSp>
     </p:spTree>
     <p:extLst>
       <p:ext uri="{BB962C8B-B14F-4D97-AF65-F5344CB8AC3E}">

--- a/Phase 3 Docs/Phase 3 - Presentation.pptx
+++ b/Phase 3 Docs/Phase 3 - Presentation.pptx
@@ -6105,6 +6105,16 @@
               <a:buFont typeface="Arial" panose="020B0604020202020204" pitchFamily="34" charset="0"/>
               <a:buChar char="•"/>
             </a:pPr>
+            <a:r>
+              <a:rPr lang="en-US" dirty="0"/>
+              <a:t>SQLite3</a:t>
+            </a:r>
+          </a:p>
+          <a:p>
+            <a:pPr marL="342900" indent="-342900">
+              <a:buFont typeface="Arial" panose="020B0604020202020204" pitchFamily="34" charset="0"/>
+              <a:buChar char="•"/>
+            </a:pPr>
             <a:endParaRPr lang="en-US" dirty="0"/>
           </a:p>
         </p:txBody>
@@ -7161,7 +7171,7 @@
         </p:spPr>
         <p:txBody>
           <a:bodyPr vert="horz" lIns="91440" tIns="45720" rIns="91440" bIns="45720" rtlCol="0" anchor="t">
-            <a:normAutofit/>
+            <a:normAutofit lnSpcReduction="10000"/>
           </a:bodyPr>
           <a:lstStyle>
             <a:defPPr>
@@ -7365,6 +7375,19 @@
             <a:r>
               <a:rPr lang="en-US" dirty="0"/>
               <a:t>takes you to the login/account creation screen</a:t>
+            </a:r>
+          </a:p>
+          <a:p>
+            <a:pPr marL="342900" indent="-342900">
+              <a:spcAft>
+                <a:spcPts val="1200"/>
+              </a:spcAft>
+              <a:buFont typeface="Arial" panose="020B0604020202020204" pitchFamily="34" charset="0"/>
+              <a:buChar char="•"/>
+            </a:pPr>
+            <a:r>
+              <a:rPr lang="en-US" dirty="0"/>
+              <a:t>Logo created by Carl</a:t>
             </a:r>
           </a:p>
         </p:txBody>
@@ -7529,7 +7552,7 @@
         </p:spPr>
         <p:txBody>
           <a:bodyPr vert="horz" lIns="91440" tIns="45720" rIns="91440" bIns="45720" rtlCol="0" anchor="t">
-            <a:normAutofit fontScale="92500"/>
+            <a:normAutofit/>
           </a:bodyPr>
           <a:lstStyle>
             <a:defPPr>
@@ -7724,14 +7747,26 @@
               <a:buChar char="•"/>
             </a:pPr>
             <a:r>
-              <a:rPr lang="en-US" sz="2400" dirty="0"/>
-              <a:t>A Google account is required to create an account to use </a:t>
-            </a:r>
-            <a:r>
-              <a:rPr lang="en-US" sz="2400" dirty="0" err="1"/>
+              <a:rPr lang="en-US" sz="2400" dirty="0">
+                <a:solidFill>
+                  <a:srgbClr val="FF0000"/>
+                </a:solidFill>
+              </a:rPr>
+              <a:t>An account is required to create an account to use </a:t>
+            </a:r>
+            <a:r>
+              <a:rPr lang="en-US" sz="2400" dirty="0" err="1">
+                <a:solidFill>
+                  <a:srgbClr val="FF0000"/>
+                </a:solidFill>
+              </a:rPr>
               <a:t>PetNamer</a:t>
             </a:r>
-            <a:endParaRPr lang="en-US" sz="2400" dirty="0"/>
+            <a:endParaRPr lang="en-US" sz="2400" dirty="0">
+              <a:solidFill>
+                <a:srgbClr val="FF0000"/>
+              </a:solidFill>
+            </a:endParaRPr>
           </a:p>
         </p:txBody>
       </p:sp>
@@ -9601,12 +9636,23 @@
 </file>
 
 <file path=customXml/item1.xml><?xml version="1.0" encoding="utf-8"?>
-<?mso-contentType ?>
-<FormTemplates xmlns="http://schemas.microsoft.com/sharepoint/v3/contenttype/forms">
-  <Display>DocumentLibraryForm</Display>
-  <Edit>DocumentLibraryForm</Edit>
-  <New>DocumentLibraryForm</New>
-</FormTemplates>
+<p:properties xmlns:p="http://schemas.microsoft.com/office/2006/metadata/properties" xmlns:xsi="http://www.w3.org/2001/XMLSchema-instance" xmlns:pc="http://schemas.microsoft.com/office/infopath/2007/PartnerControls">
+  <documentManagement>
+    <Status xmlns="71af3243-3dd4-4a8d-8c0d-dd76da1f02a5">Not started</Status>
+    <MediaServiceKeyPoints xmlns="71af3243-3dd4-4a8d-8c0d-dd76da1f02a5" xsi:nil="true"/>
+    <_ip_UnifiedCompliancePolicyUIAction xmlns="http://schemas.microsoft.com/sharepoint/v3" xsi:nil="true"/>
+    <Image xmlns="71af3243-3dd4-4a8d-8c0d-dd76da1f02a5">
+      <Url xsi:nil="true"/>
+      <Description xsi:nil="true"/>
+    </Image>
+    <Background xmlns="71af3243-3dd4-4a8d-8c0d-dd76da1f02a5">false</Background>
+    <_ip_UnifiedCompliancePolicyProperties xmlns="http://schemas.microsoft.com/sharepoint/v3" xsi:nil="true"/>
+    <ImageTagsTaxHTField xmlns="71af3243-3dd4-4a8d-8c0d-dd76da1f02a5">
+      <Terms xmlns="http://schemas.microsoft.com/office/infopath/2007/PartnerControls"/>
+    </ImageTagsTaxHTField>
+    <TaxCatchAll xmlns="230e9df3-be65-4c73-a93b-d1236ebd677e" xsi:nil="true"/>
+  </documentManagement>
+</p:properties>
 </file>
 
 <file path=customXml/item2.xml><?xml version="1.0" encoding="utf-8"?>
@@ -9922,29 +9968,22 @@
 </file>
 
 <file path=customXml/item3.xml><?xml version="1.0" encoding="utf-8"?>
-<p:properties xmlns:p="http://schemas.microsoft.com/office/2006/metadata/properties" xmlns:xsi="http://www.w3.org/2001/XMLSchema-instance" xmlns:pc="http://schemas.microsoft.com/office/infopath/2007/PartnerControls">
-  <documentManagement>
-    <Status xmlns="71af3243-3dd4-4a8d-8c0d-dd76da1f02a5">Not started</Status>
-    <MediaServiceKeyPoints xmlns="71af3243-3dd4-4a8d-8c0d-dd76da1f02a5" xsi:nil="true"/>
-    <_ip_UnifiedCompliancePolicyUIAction xmlns="http://schemas.microsoft.com/sharepoint/v3" xsi:nil="true"/>
-    <Image xmlns="71af3243-3dd4-4a8d-8c0d-dd76da1f02a5">
-      <Url xsi:nil="true"/>
-      <Description xsi:nil="true"/>
-    </Image>
-    <Background xmlns="71af3243-3dd4-4a8d-8c0d-dd76da1f02a5">false</Background>
-    <_ip_UnifiedCompliancePolicyProperties xmlns="http://schemas.microsoft.com/sharepoint/v3" xsi:nil="true"/>
-    <ImageTagsTaxHTField xmlns="71af3243-3dd4-4a8d-8c0d-dd76da1f02a5">
-      <Terms xmlns="http://schemas.microsoft.com/office/infopath/2007/PartnerControls"/>
-    </ImageTagsTaxHTField>
-    <TaxCatchAll xmlns="230e9df3-be65-4c73-a93b-d1236ebd677e" xsi:nil="true"/>
-  </documentManagement>
-</p:properties>
+<?mso-contentType ?>
+<FormTemplates xmlns="http://schemas.microsoft.com/sharepoint/v3/contenttype/forms">
+  <Display>DocumentLibraryForm</Display>
+  <Edit>DocumentLibraryForm</Edit>
+  <New>DocumentLibraryForm</New>
+</FormTemplates>
 </file>
 
 <file path=customXml/itemProps1.xml><?xml version="1.0" encoding="utf-8"?>
-<ds:datastoreItem xmlns:ds="http://schemas.openxmlformats.org/officeDocument/2006/customXml" ds:itemID="{99E4EAC9-33DC-4CF0-BA31-C98F61CE4785}">
+<ds:datastoreItem xmlns:ds="http://schemas.openxmlformats.org/officeDocument/2006/customXml" ds:itemID="{8002A8ED-1331-4C1D-8649-743D7BE164DD}">
   <ds:schemaRefs>
-    <ds:schemaRef ds:uri="http://schemas.microsoft.com/sharepoint/v3/contenttype/forms"/>
+    <ds:schemaRef ds:uri="http://schemas.microsoft.com/office/2006/metadata/properties"/>
+    <ds:schemaRef ds:uri="http://schemas.microsoft.com/office/infopath/2007/PartnerControls"/>
+    <ds:schemaRef ds:uri="71af3243-3dd4-4a8d-8c0d-dd76da1f02a5"/>
+    <ds:schemaRef ds:uri="http://schemas.microsoft.com/sharepoint/v3"/>
+    <ds:schemaRef ds:uri="230e9df3-be65-4c73-a93b-d1236ebd677e"/>
   </ds:schemaRefs>
 </ds:datastoreItem>
 </file>
@@ -9971,13 +10010,9 @@
 </file>
 
 <file path=customXml/itemProps3.xml><?xml version="1.0" encoding="utf-8"?>
-<ds:datastoreItem xmlns:ds="http://schemas.openxmlformats.org/officeDocument/2006/customXml" ds:itemID="{8002A8ED-1331-4C1D-8649-743D7BE164DD}">
+<ds:datastoreItem xmlns:ds="http://schemas.openxmlformats.org/officeDocument/2006/customXml" ds:itemID="{99E4EAC9-33DC-4CF0-BA31-C98F61CE4785}">
   <ds:schemaRefs>
-    <ds:schemaRef ds:uri="http://schemas.microsoft.com/office/2006/metadata/properties"/>
-    <ds:schemaRef ds:uri="http://schemas.microsoft.com/office/infopath/2007/PartnerControls"/>
-    <ds:schemaRef ds:uri="71af3243-3dd4-4a8d-8c0d-dd76da1f02a5"/>
-    <ds:schemaRef ds:uri="http://schemas.microsoft.com/sharepoint/v3"/>
-    <ds:schemaRef ds:uri="230e9df3-be65-4c73-a93b-d1236ebd677e"/>
+    <ds:schemaRef ds:uri="http://schemas.microsoft.com/sharepoint/v3/contenttype/forms"/>
   </ds:schemaRefs>
 </ds:datastoreItem>
 </file>

--- a/Phase 3 Docs/Phase 3 - Presentation.pptx
+++ b/Phase 3 Docs/Phase 3 - Presentation.pptx
@@ -240,7 +240,7 @@
           <a:p>
             <a:fld id="{966D5B4E-BF3E-3B45-A4BA-D6C3B92870D7}" type="datetimeFigureOut">
               <a:rPr lang="en-US" smtClean="0"/>
-              <a:t>4/9/2024</a:t>
+              <a:t>4/30/2024</a:t>
             </a:fld>
             <a:endParaRPr lang="en-US" dirty="0"/>
           </a:p>
@@ -417,7 +417,7 @@
           <a:p>
             <a:fld id="{F5A8621B-8C8E-49BA-8772-41D0FE75A082}" type="datetimeFigureOut">
               <a:rPr lang="en-US" smtClean="0"/>
-              <a:t>4/9/2024</a:t>
+              <a:t>4/30/2024</a:t>
             </a:fld>
             <a:endParaRPr lang="en-US" dirty="0"/>
           </a:p>
@@ -5293,7 +5293,7 @@
           <a:p>
             <a:r>
               <a:rPr lang="en-US" dirty="0"/>
-              <a:t>4.10.2004</a:t>
+              <a:t>4.10.2024</a:t>
             </a:r>
           </a:p>
         </p:txBody>
@@ -7367,7 +7367,7 @@
             <a:r>
               <a:rPr lang="en-US" dirty="0">
                 <a:solidFill>
-                  <a:srgbClr val="FF0000"/>
+                  <a:schemeClr val="tx1"/>
                 </a:solidFill>
               </a:rPr>
               <a:t>Get started </a:t>
@@ -7392,6 +7392,36 @@
           </a:p>
         </p:txBody>
       </p:sp>
+      <p:pic>
+        <p:nvPicPr>
+          <p:cNvPr id="7" name="Picture 6">
+            <a:extLst>
+              <a:ext uri="{FF2B5EF4-FFF2-40B4-BE49-F238E27FC236}">
+                <a16:creationId xmlns:a16="http://schemas.microsoft.com/office/drawing/2014/main" id="{9341716F-4B9E-4CC4-B792-453BCDA49109}"/>
+              </a:ext>
+            </a:extLst>
+          </p:cNvPr>
+          <p:cNvPicPr>
+            <a:picLocks noChangeAspect="1"/>
+          </p:cNvPicPr>
+          <p:nvPr/>
+        </p:nvPicPr>
+        <p:blipFill>
+          <a:blip r:embed="rId2"/>
+          <a:stretch>
+            <a:fillRect/>
+          </a:stretch>
+        </p:blipFill>
+        <p:spPr>
+          <a:xfrm>
+            <a:off x="-1" y="0"/>
+            <a:ext cx="4630615" cy="6858000"/>
+          </a:xfrm>
+          <a:prstGeom prst="rect">
+            <a:avLst/>
+          </a:prstGeom>
+        </p:spPr>
+      </p:pic>
     </p:spTree>
     <p:extLst>
       <p:ext uri="{BB962C8B-B14F-4D97-AF65-F5344CB8AC3E}">
@@ -7734,34 +7764,6 @@
               <a:rPr lang="en-US" sz="2400" dirty="0"/>
               <a:t> and log in</a:t>
             </a:r>
-          </a:p>
-          <a:p>
-            <a:pPr marL="342900" indent="-342900">
-              <a:spcBef>
-                <a:spcPts val="0"/>
-              </a:spcBef>
-              <a:spcAft>
-                <a:spcPts val="1200"/>
-              </a:spcAft>
-              <a:buFont typeface="Arial" panose="020B0604020202020204" pitchFamily="34" charset="0"/>
-              <a:buChar char="•"/>
-            </a:pPr>
-            <a:r>
-              <a:rPr lang="en-US" sz="2400" dirty="0">
-                <a:solidFill>
-                  <a:srgbClr val="FF0000"/>
-                </a:solidFill>
-              </a:rPr>
-              <a:t>An account is required to create an account to use </a:t>
-            </a:r>
-            <a:r>
-              <a:rPr lang="en-US" sz="2400" dirty="0" err="1">
-                <a:solidFill>
-                  <a:srgbClr val="FF0000"/>
-                </a:solidFill>
-              </a:rPr>
-              <a:t>PetNamer</a:t>
-            </a:r>
             <a:endParaRPr lang="en-US" sz="2400" dirty="0">
               <a:solidFill>
                 <a:srgbClr val="FF0000"/>
@@ -7772,10 +7774,10 @@
       </p:sp>
       <p:pic>
         <p:nvPicPr>
-          <p:cNvPr id="4" name="Picture Placeholder 2" descr="A computer screen shot of a computer screen&#10;&#10;Description automatically generated">
-            <a:extLst>
-              <a:ext uri="{FF2B5EF4-FFF2-40B4-BE49-F238E27FC236}">
-                <a16:creationId xmlns:a16="http://schemas.microsoft.com/office/drawing/2014/main" id="{23120B7D-A1BE-B450-47CD-859375CA1CB2}"/>
+          <p:cNvPr id="8" name="Picture 7">
+            <a:extLst>
+              <a:ext uri="{FF2B5EF4-FFF2-40B4-BE49-F238E27FC236}">
+                <a16:creationId xmlns:a16="http://schemas.microsoft.com/office/drawing/2014/main" id="{8CC1A832-9EF6-06C8-2262-33CD8298AB31}"/>
               </a:ext>
             </a:extLst>
           </p:cNvPr>
@@ -7785,24 +7787,15 @@
           <p:nvPr/>
         </p:nvPicPr>
         <p:blipFill>
-          <a:blip r:embed="rId2">
-            <a:duotone>
-              <a:prstClr val="black"/>
-              <a:schemeClr val="accent1">
-                <a:tint val="45000"/>
-                <a:satMod val="400000"/>
-              </a:schemeClr>
-            </a:duotone>
-          </a:blip>
-          <a:srcRect l="27786" r="27786"/>
+          <a:blip r:embed="rId2"/>
           <a:stretch>
             <a:fillRect/>
           </a:stretch>
         </p:blipFill>
         <p:spPr>
           <a:xfrm>
-            <a:off x="0" y="0"/>
-            <a:ext cx="5416550" cy="6858000"/>
+            <a:off x="-1" y="-1"/>
+            <a:ext cx="4065973" cy="6875713"/>
           </a:xfrm>
           <a:prstGeom prst="rect">
             <a:avLst/>
@@ -9656,6 +9649,15 @@
 </file>
 
 <file path=customXml/item2.xml><?xml version="1.0" encoding="utf-8"?>
+<?mso-contentType ?>
+<FormTemplates xmlns="http://schemas.microsoft.com/sharepoint/v3/contenttype/forms">
+  <Display>DocumentLibraryForm</Display>
+  <Edit>DocumentLibraryForm</Edit>
+  <New>DocumentLibraryForm</New>
+</FormTemplates>
+</file>
+
+<file path=customXml/item3.xml><?xml version="1.0" encoding="utf-8"?>
 <ct:contentTypeSchema xmlns:ct="http://schemas.microsoft.com/office/2006/metadata/contentType" xmlns:ma="http://schemas.microsoft.com/office/2006/metadata/properties/metaAttributes" ct:_="" ma:_="" ma:contentTypeName="Document" ma:contentTypeID="0x01010079F111ED35F8CC479449609E8A0923A6" ma:contentTypeVersion="28" ma:contentTypeDescription="Create a new document." ma:contentTypeScope="" ma:versionID="60f5a4f2d2b0abadcf532d48ebf9cb71">
   <xsd:schema xmlns:xsd="http://www.w3.org/2001/XMLSchema" xmlns:xs="http://www.w3.org/2001/XMLSchema" xmlns:p="http://schemas.microsoft.com/office/2006/metadata/properties" xmlns:ns1="http://schemas.microsoft.com/sharepoint/v3" xmlns:ns2="71af3243-3dd4-4a8d-8c0d-dd76da1f02a5" xmlns:ns3="16c05727-aa75-4e4a-9b5f-8a80a1165891" xmlns:ns4="230e9df3-be65-4c73-a93b-d1236ebd677e" targetNamespace="http://schemas.microsoft.com/office/2006/metadata/properties" ma:root="true" ma:fieldsID="7dd78129e6a1811f84807ad11c651531" ns1:_="" ns2:_="" ns3:_="" ns4:_="">
     <xsd:import namespace="http://schemas.microsoft.com/sharepoint/v3"/>
@@ -9967,15 +9969,6 @@
 </ct:contentTypeSchema>
 </file>
 
-<file path=customXml/item3.xml><?xml version="1.0" encoding="utf-8"?>
-<?mso-contentType ?>
-<FormTemplates xmlns="http://schemas.microsoft.com/sharepoint/v3/contenttype/forms">
-  <Display>DocumentLibraryForm</Display>
-  <Edit>DocumentLibraryForm</Edit>
-  <New>DocumentLibraryForm</New>
-</FormTemplates>
-</file>
-
 <file path=customXml/itemProps1.xml><?xml version="1.0" encoding="utf-8"?>
 <ds:datastoreItem xmlns:ds="http://schemas.openxmlformats.org/officeDocument/2006/customXml" ds:itemID="{8002A8ED-1331-4C1D-8649-743D7BE164DD}">
   <ds:schemaRefs>
@@ -9989,6 +9982,14 @@
 </file>
 
 <file path=customXml/itemProps2.xml><?xml version="1.0" encoding="utf-8"?>
+<ds:datastoreItem xmlns:ds="http://schemas.openxmlformats.org/officeDocument/2006/customXml" ds:itemID="{99E4EAC9-33DC-4CF0-BA31-C98F61CE4785}">
+  <ds:schemaRefs>
+    <ds:schemaRef ds:uri="http://schemas.microsoft.com/sharepoint/v3/contenttype/forms"/>
+  </ds:schemaRefs>
+</ds:datastoreItem>
+</file>
+
+<file path=customXml/itemProps3.xml><?xml version="1.0" encoding="utf-8"?>
 <ds:datastoreItem xmlns:ds="http://schemas.openxmlformats.org/officeDocument/2006/customXml" ds:itemID="{A3D5DB56-3A71-4638-9571-EE877FD66E96}">
   <ds:schemaRefs>
     <ds:schemaRef ds:uri="http://schemas.microsoft.com/office/2006/metadata/contentType"/>
@@ -10009,14 +10010,6 @@
 </ds:datastoreItem>
 </file>
 
-<file path=customXml/itemProps3.xml><?xml version="1.0" encoding="utf-8"?>
-<ds:datastoreItem xmlns:ds="http://schemas.openxmlformats.org/officeDocument/2006/customXml" ds:itemID="{99E4EAC9-33DC-4CF0-BA31-C98F61CE4785}">
-  <ds:schemaRefs>
-    <ds:schemaRef ds:uri="http://schemas.microsoft.com/sharepoint/v3/contenttype/forms"/>
-  </ds:schemaRefs>
-</ds:datastoreItem>
-</file>
-
 <file path=docMetadata/LabelInfo.xml><?xml version="1.0" encoding="utf-8"?>
 <clbl:labelList xmlns:clbl="http://schemas.microsoft.com/office/2020/mipLabelMetadata"/>
 </file>
--- a/Phase 3 Docs/Phase 3 - Presentation.pptx
+++ b/Phase 3 Docs/Phase 3 - Presentation.pptx
@@ -240,7 +240,7 @@
           <a:p>
             <a:fld id="{966D5B4E-BF3E-3B45-A4BA-D6C3B92870D7}" type="datetimeFigureOut">
               <a:rPr lang="en-US" smtClean="0"/>
-              <a:t>4/30/2024</a:t>
+              <a:t>5/6/2024</a:t>
             </a:fld>
             <a:endParaRPr lang="en-US" dirty="0"/>
           </a:p>
@@ -417,7 +417,7 @@
           <a:p>
             <a:fld id="{F5A8621B-8C8E-49BA-8772-41D0FE75A082}" type="datetimeFigureOut">
               <a:rPr lang="en-US" smtClean="0"/>
-              <a:t>4/30/2024</a:t>
+              <a:t>5/6/2024</a:t>
             </a:fld>
             <a:endParaRPr lang="en-US" dirty="0"/>
           </a:p>
@@ -6115,6 +6115,16 @@
               <a:buFont typeface="Arial" panose="020B0604020202020204" pitchFamily="34" charset="0"/>
               <a:buChar char="•"/>
             </a:pPr>
+            <a:r>
+              <a:rPr lang="en-US" dirty="0"/>
+              <a:t>Google authentication</a:t>
+            </a:r>
+          </a:p>
+          <a:p>
+            <a:pPr marL="342900" indent="-342900">
+              <a:buFont typeface="Arial" panose="020B0604020202020204" pitchFamily="34" charset="0"/>
+              <a:buChar char="•"/>
+            </a:pPr>
             <a:endParaRPr lang="en-US" dirty="0"/>
           </a:p>
         </p:txBody>
@@ -7161,8 +7171,8 @@
         </p:nvSpPr>
         <p:spPr>
           <a:xfrm>
-            <a:off x="6362330" y="2574543"/>
-            <a:ext cx="4646246" cy="3038482"/>
+            <a:off x="6362329" y="2574543"/>
+            <a:ext cx="5251449" cy="3487590"/>
           </a:xfrm>
           <a:prstGeom prst="rect">
             <a:avLst/>
@@ -7171,7 +7181,7 @@
         </p:spPr>
         <p:txBody>
           <a:bodyPr vert="horz" lIns="91440" tIns="45720" rIns="91440" bIns="45720" rtlCol="0" anchor="t">
-            <a:normAutofit lnSpcReduction="10000"/>
+            <a:normAutofit fontScale="92500" lnSpcReduction="10000"/>
           </a:bodyPr>
           <a:lstStyle>
             <a:defPPr>
@@ -7353,7 +7363,7 @@
             </a:pPr>
             <a:r>
               <a:rPr lang="en-US" dirty="0"/>
-              <a:t>Greeted by adorable animals</a:t>
+              <a:t>Greeted by adorable animals that we have name databases for: dogs, cats, birds, snakes, cows, and hamsters.</a:t>
             </a:r>
           </a:p>
           <a:p>
@@ -7572,8 +7582,8 @@
         </p:nvSpPr>
         <p:spPr>
           <a:xfrm>
-            <a:off x="6362330" y="2574543"/>
-            <a:ext cx="4646246" cy="3038482"/>
+            <a:off x="6362329" y="2574543"/>
+            <a:ext cx="4949137" cy="3038482"/>
           </a:xfrm>
           <a:prstGeom prst="rect">
             <a:avLst/>
@@ -7582,7 +7592,7 @@
         </p:spPr>
         <p:txBody>
           <a:bodyPr vert="horz" lIns="91440" tIns="45720" rIns="91440" bIns="45720" rtlCol="0" anchor="t">
-            <a:normAutofit/>
+            <a:normAutofit fontScale="92500"/>
           </a:bodyPr>
           <a:lstStyle>
             <a:defPPr>
@@ -7764,6 +7774,48 @@
               <a:rPr lang="en-US" sz="2400" dirty="0"/>
               <a:t> and log in</a:t>
             </a:r>
+          </a:p>
+          <a:p>
+            <a:pPr marL="342900" indent="-342900">
+              <a:spcAft>
+                <a:spcPts val="1200"/>
+              </a:spcAft>
+              <a:buFont typeface="Arial" panose="020B0604020202020204" pitchFamily="34" charset="0"/>
+              <a:buChar char="•"/>
+            </a:pPr>
+            <a:r>
+              <a:rPr lang="en-US" sz="2400" dirty="0">
+                <a:solidFill>
+                  <a:schemeClr val="tx1"/>
+                </a:solidFill>
+              </a:rPr>
+              <a:t>The pet owner will have the option to use their Googl</a:t>
+            </a:r>
+            <a:r>
+              <a:rPr lang="en-US" dirty="0">
+                <a:solidFill>
+                  <a:schemeClr val="tx1"/>
+                </a:solidFill>
+              </a:rPr>
+              <a:t>e account or create a local account on the website</a:t>
+            </a:r>
+            <a:endParaRPr lang="en-US" sz="2400" dirty="0">
+              <a:solidFill>
+                <a:schemeClr val="tx1"/>
+              </a:solidFill>
+            </a:endParaRPr>
+          </a:p>
+          <a:p>
+            <a:pPr marL="342900" indent="-342900">
+              <a:spcBef>
+                <a:spcPts val="0"/>
+              </a:spcBef>
+              <a:spcAft>
+                <a:spcPts val="1200"/>
+              </a:spcAft>
+              <a:buFont typeface="Arial" panose="020B0604020202020204" pitchFamily="34" charset="0"/>
+              <a:buChar char="•"/>
+            </a:pPr>
             <a:endParaRPr lang="en-US" sz="2400" dirty="0">
               <a:solidFill>
                 <a:srgbClr val="FF0000"/>
@@ -9629,35 +9681,6 @@
 </file>
 
 <file path=customXml/item1.xml><?xml version="1.0" encoding="utf-8"?>
-<p:properties xmlns:p="http://schemas.microsoft.com/office/2006/metadata/properties" xmlns:xsi="http://www.w3.org/2001/XMLSchema-instance" xmlns:pc="http://schemas.microsoft.com/office/infopath/2007/PartnerControls">
-  <documentManagement>
-    <Status xmlns="71af3243-3dd4-4a8d-8c0d-dd76da1f02a5">Not started</Status>
-    <MediaServiceKeyPoints xmlns="71af3243-3dd4-4a8d-8c0d-dd76da1f02a5" xsi:nil="true"/>
-    <_ip_UnifiedCompliancePolicyUIAction xmlns="http://schemas.microsoft.com/sharepoint/v3" xsi:nil="true"/>
-    <Image xmlns="71af3243-3dd4-4a8d-8c0d-dd76da1f02a5">
-      <Url xsi:nil="true"/>
-      <Description xsi:nil="true"/>
-    </Image>
-    <Background xmlns="71af3243-3dd4-4a8d-8c0d-dd76da1f02a5">false</Background>
-    <_ip_UnifiedCompliancePolicyProperties xmlns="http://schemas.microsoft.com/sharepoint/v3" xsi:nil="true"/>
-    <ImageTagsTaxHTField xmlns="71af3243-3dd4-4a8d-8c0d-dd76da1f02a5">
-      <Terms xmlns="http://schemas.microsoft.com/office/infopath/2007/PartnerControls"/>
-    </ImageTagsTaxHTField>
-    <TaxCatchAll xmlns="230e9df3-be65-4c73-a93b-d1236ebd677e" xsi:nil="true"/>
-  </documentManagement>
-</p:properties>
-</file>
-
-<file path=customXml/item2.xml><?xml version="1.0" encoding="utf-8"?>
-<?mso-contentType ?>
-<FormTemplates xmlns="http://schemas.microsoft.com/sharepoint/v3/contenttype/forms">
-  <Display>DocumentLibraryForm</Display>
-  <Edit>DocumentLibraryForm</Edit>
-  <New>DocumentLibraryForm</New>
-</FormTemplates>
-</file>
-
-<file path=customXml/item3.xml><?xml version="1.0" encoding="utf-8"?>
 <ct:contentTypeSchema xmlns:ct="http://schemas.microsoft.com/office/2006/metadata/contentType" xmlns:ma="http://schemas.microsoft.com/office/2006/metadata/properties/metaAttributes" ct:_="" ma:_="" ma:contentTypeName="Document" ma:contentTypeID="0x01010079F111ED35F8CC479449609E8A0923A6" ma:contentTypeVersion="28" ma:contentTypeDescription="Create a new document." ma:contentTypeScope="" ma:versionID="60f5a4f2d2b0abadcf532d48ebf9cb71">
   <xsd:schema xmlns:xsd="http://www.w3.org/2001/XMLSchema" xmlns:xs="http://www.w3.org/2001/XMLSchema" xmlns:p="http://schemas.microsoft.com/office/2006/metadata/properties" xmlns:ns1="http://schemas.microsoft.com/sharepoint/v3" xmlns:ns2="71af3243-3dd4-4a8d-8c0d-dd76da1f02a5" xmlns:ns3="16c05727-aa75-4e4a-9b5f-8a80a1165891" xmlns:ns4="230e9df3-be65-4c73-a93b-d1236ebd677e" targetNamespace="http://schemas.microsoft.com/office/2006/metadata/properties" ma:root="true" ma:fieldsID="7dd78129e6a1811f84807ad11c651531" ns1:_="" ns2:_="" ns3:_="" ns4:_="">
     <xsd:import namespace="http://schemas.microsoft.com/sharepoint/v3"/>
@@ -9969,27 +9992,36 @@
 </ct:contentTypeSchema>
 </file>
 
-<file path=customXml/itemProps1.xml><?xml version="1.0" encoding="utf-8"?>
-<ds:datastoreItem xmlns:ds="http://schemas.openxmlformats.org/officeDocument/2006/customXml" ds:itemID="{8002A8ED-1331-4C1D-8649-743D7BE164DD}">
-  <ds:schemaRefs>
-    <ds:schemaRef ds:uri="http://schemas.microsoft.com/office/2006/metadata/properties"/>
-    <ds:schemaRef ds:uri="http://schemas.microsoft.com/office/infopath/2007/PartnerControls"/>
-    <ds:schemaRef ds:uri="71af3243-3dd4-4a8d-8c0d-dd76da1f02a5"/>
-    <ds:schemaRef ds:uri="http://schemas.microsoft.com/sharepoint/v3"/>
-    <ds:schemaRef ds:uri="230e9df3-be65-4c73-a93b-d1236ebd677e"/>
-  </ds:schemaRefs>
-</ds:datastoreItem>
+<file path=customXml/item2.xml><?xml version="1.0" encoding="utf-8"?>
+<?mso-contentType ?>
+<FormTemplates xmlns="http://schemas.microsoft.com/sharepoint/v3/contenttype/forms">
+  <Display>DocumentLibraryForm</Display>
+  <Edit>DocumentLibraryForm</Edit>
+  <New>DocumentLibraryForm</New>
+</FormTemplates>
 </file>
 
-<file path=customXml/itemProps2.xml><?xml version="1.0" encoding="utf-8"?>
-<ds:datastoreItem xmlns:ds="http://schemas.openxmlformats.org/officeDocument/2006/customXml" ds:itemID="{99E4EAC9-33DC-4CF0-BA31-C98F61CE4785}">
-  <ds:schemaRefs>
-    <ds:schemaRef ds:uri="http://schemas.microsoft.com/sharepoint/v3/contenttype/forms"/>
-  </ds:schemaRefs>
-</ds:datastoreItem>
+<file path=customXml/item3.xml><?xml version="1.0" encoding="utf-8"?>
+<p:properties xmlns:p="http://schemas.microsoft.com/office/2006/metadata/properties" xmlns:xsi="http://www.w3.org/2001/XMLSchema-instance" xmlns:pc="http://schemas.microsoft.com/office/infopath/2007/PartnerControls">
+  <documentManagement>
+    <Status xmlns="71af3243-3dd4-4a8d-8c0d-dd76da1f02a5">Not started</Status>
+    <MediaServiceKeyPoints xmlns="71af3243-3dd4-4a8d-8c0d-dd76da1f02a5" xsi:nil="true"/>
+    <_ip_UnifiedCompliancePolicyUIAction xmlns="http://schemas.microsoft.com/sharepoint/v3" xsi:nil="true"/>
+    <Image xmlns="71af3243-3dd4-4a8d-8c0d-dd76da1f02a5">
+      <Url xsi:nil="true"/>
+      <Description xsi:nil="true"/>
+    </Image>
+    <Background xmlns="71af3243-3dd4-4a8d-8c0d-dd76da1f02a5">false</Background>
+    <_ip_UnifiedCompliancePolicyProperties xmlns="http://schemas.microsoft.com/sharepoint/v3" xsi:nil="true"/>
+    <ImageTagsTaxHTField xmlns="71af3243-3dd4-4a8d-8c0d-dd76da1f02a5">
+      <Terms xmlns="http://schemas.microsoft.com/office/infopath/2007/PartnerControls"/>
+    </ImageTagsTaxHTField>
+    <TaxCatchAll xmlns="230e9df3-be65-4c73-a93b-d1236ebd677e" xsi:nil="true"/>
+  </documentManagement>
+</p:properties>
 </file>
 
-<file path=customXml/itemProps3.xml><?xml version="1.0" encoding="utf-8"?>
+<file path=customXml/itemProps1.xml><?xml version="1.0" encoding="utf-8"?>
 <ds:datastoreItem xmlns:ds="http://schemas.openxmlformats.org/officeDocument/2006/customXml" ds:itemID="{A3D5DB56-3A71-4638-9571-EE877FD66E96}">
   <ds:schemaRefs>
     <ds:schemaRef ds:uri="http://schemas.microsoft.com/office/2006/metadata/contentType"/>
@@ -10010,6 +10042,26 @@
 </ds:datastoreItem>
 </file>
 
+<file path=customXml/itemProps2.xml><?xml version="1.0" encoding="utf-8"?>
+<ds:datastoreItem xmlns:ds="http://schemas.openxmlformats.org/officeDocument/2006/customXml" ds:itemID="{99E4EAC9-33DC-4CF0-BA31-C98F61CE4785}">
+  <ds:schemaRefs>
+    <ds:schemaRef ds:uri="http://schemas.microsoft.com/sharepoint/v3/contenttype/forms"/>
+  </ds:schemaRefs>
+</ds:datastoreItem>
+</file>
+
+<file path=customXml/itemProps3.xml><?xml version="1.0" encoding="utf-8"?>
+<ds:datastoreItem xmlns:ds="http://schemas.openxmlformats.org/officeDocument/2006/customXml" ds:itemID="{8002A8ED-1331-4C1D-8649-743D7BE164DD}">
+  <ds:schemaRefs>
+    <ds:schemaRef ds:uri="http://schemas.microsoft.com/office/2006/metadata/properties"/>
+    <ds:schemaRef ds:uri="http://schemas.microsoft.com/office/infopath/2007/PartnerControls"/>
+    <ds:schemaRef ds:uri="71af3243-3dd4-4a8d-8c0d-dd76da1f02a5"/>
+    <ds:schemaRef ds:uri="http://schemas.microsoft.com/sharepoint/v3"/>
+    <ds:schemaRef ds:uri="230e9df3-be65-4c73-a93b-d1236ebd677e"/>
+  </ds:schemaRefs>
+</ds:datastoreItem>
+</file>
+
 <file path=docMetadata/LabelInfo.xml><?xml version="1.0" encoding="utf-8"?>
 <clbl:labelList xmlns:clbl="http://schemas.microsoft.com/office/2020/mipLabelMetadata"/>
 </file>
--- a/Phase 3 Docs/Phase 3 - Presentation.pptx
+++ b/Phase 3 Docs/Phase 3 - Presentation.pptx
@@ -240,7 +240,7 @@
           <a:p>
             <a:fld id="{966D5B4E-BF3E-3B45-A4BA-D6C3B92870D7}" type="datetimeFigureOut">
               <a:rPr lang="en-US" smtClean="0"/>
-              <a:t>5/6/2024</a:t>
+              <a:t>5/8/2024</a:t>
             </a:fld>
             <a:endParaRPr lang="en-US" dirty="0"/>
           </a:p>
@@ -417,7 +417,7 @@
           <a:p>
             <a:fld id="{F5A8621B-8C8E-49BA-8772-41D0FE75A082}" type="datetimeFigureOut">
               <a:rPr lang="en-US" smtClean="0"/>
-              <a:t>5/6/2024</a:t>
+              <a:t>5/8/2024</a:t>
             </a:fld>
             <a:endParaRPr lang="en-US" dirty="0"/>
           </a:p>
@@ -6910,7 +6910,7 @@
             </a:pPr>
             <a:r>
               <a:rPr lang="en-US" dirty="0"/>
-              <a:t>Picture recognition response with name suggestions from designated databases based on the animal recognized</a:t>
+              <a:t>Picture recognition response with name suggestions from designated databases based on the animal species recognized</a:t>
             </a:r>
           </a:p>
         </p:txBody>
@@ -8176,7 +8176,7 @@
             </a:pPr>
             <a:r>
               <a:rPr lang="en-US" dirty="0"/>
-              <a:t>The pet owner will click on choose file</a:t>
+              <a:t>The pet owner will click on Choose File</a:t>
             </a:r>
           </a:p>
           <a:p>
@@ -8189,7 +8189,7 @@
             </a:pPr>
             <a:r>
               <a:rPr lang="en-US" dirty="0"/>
-              <a:t>They will then need to upload a picture they have already taken and saved</a:t>
+              <a:t>They will then need to upload a picture they have already taken and saved to their local device</a:t>
             </a:r>
           </a:p>
           <a:p>
@@ -9681,6 +9681,35 @@
 </file>
 
 <file path=customXml/item1.xml><?xml version="1.0" encoding="utf-8"?>
+<p:properties xmlns:p="http://schemas.microsoft.com/office/2006/metadata/properties" xmlns:xsi="http://www.w3.org/2001/XMLSchema-instance" xmlns:pc="http://schemas.microsoft.com/office/infopath/2007/PartnerControls">
+  <documentManagement>
+    <Status xmlns="71af3243-3dd4-4a8d-8c0d-dd76da1f02a5">Not started</Status>
+    <MediaServiceKeyPoints xmlns="71af3243-3dd4-4a8d-8c0d-dd76da1f02a5" xsi:nil="true"/>
+    <_ip_UnifiedCompliancePolicyUIAction xmlns="http://schemas.microsoft.com/sharepoint/v3" xsi:nil="true"/>
+    <Image xmlns="71af3243-3dd4-4a8d-8c0d-dd76da1f02a5">
+      <Url xsi:nil="true"/>
+      <Description xsi:nil="true"/>
+    </Image>
+    <Background xmlns="71af3243-3dd4-4a8d-8c0d-dd76da1f02a5">false</Background>
+    <_ip_UnifiedCompliancePolicyProperties xmlns="http://schemas.microsoft.com/sharepoint/v3" xsi:nil="true"/>
+    <ImageTagsTaxHTField xmlns="71af3243-3dd4-4a8d-8c0d-dd76da1f02a5">
+      <Terms xmlns="http://schemas.microsoft.com/office/infopath/2007/PartnerControls"/>
+    </ImageTagsTaxHTField>
+    <TaxCatchAll xmlns="230e9df3-be65-4c73-a93b-d1236ebd677e" xsi:nil="true"/>
+  </documentManagement>
+</p:properties>
+</file>
+
+<file path=customXml/item2.xml><?xml version="1.0" encoding="utf-8"?>
+<?mso-contentType ?>
+<FormTemplates xmlns="http://schemas.microsoft.com/sharepoint/v3/contenttype/forms">
+  <Display>DocumentLibraryForm</Display>
+  <Edit>DocumentLibraryForm</Edit>
+  <New>DocumentLibraryForm</New>
+</FormTemplates>
+</file>
+
+<file path=customXml/item3.xml><?xml version="1.0" encoding="utf-8"?>
 <ct:contentTypeSchema xmlns:ct="http://schemas.microsoft.com/office/2006/metadata/contentType" xmlns:ma="http://schemas.microsoft.com/office/2006/metadata/properties/metaAttributes" ct:_="" ma:_="" ma:contentTypeName="Document" ma:contentTypeID="0x01010079F111ED35F8CC479449609E8A0923A6" ma:contentTypeVersion="28" ma:contentTypeDescription="Create a new document." ma:contentTypeScope="" ma:versionID="60f5a4f2d2b0abadcf532d48ebf9cb71">
   <xsd:schema xmlns:xsd="http://www.w3.org/2001/XMLSchema" xmlns:xs="http://www.w3.org/2001/XMLSchema" xmlns:p="http://schemas.microsoft.com/office/2006/metadata/properties" xmlns:ns1="http://schemas.microsoft.com/sharepoint/v3" xmlns:ns2="71af3243-3dd4-4a8d-8c0d-dd76da1f02a5" xmlns:ns3="16c05727-aa75-4e4a-9b5f-8a80a1165891" xmlns:ns4="230e9df3-be65-4c73-a93b-d1236ebd677e" targetNamespace="http://schemas.microsoft.com/office/2006/metadata/properties" ma:root="true" ma:fieldsID="7dd78129e6a1811f84807ad11c651531" ns1:_="" ns2:_="" ns3:_="" ns4:_="">
     <xsd:import namespace="http://schemas.microsoft.com/sharepoint/v3"/>
@@ -9992,36 +10021,27 @@
 </ct:contentTypeSchema>
 </file>
 
-<file path=customXml/item2.xml><?xml version="1.0" encoding="utf-8"?>
-<?mso-contentType ?>
-<FormTemplates xmlns="http://schemas.microsoft.com/sharepoint/v3/contenttype/forms">
-  <Display>DocumentLibraryForm</Display>
-  <Edit>DocumentLibraryForm</Edit>
-  <New>DocumentLibraryForm</New>
-</FormTemplates>
+<file path=customXml/itemProps1.xml><?xml version="1.0" encoding="utf-8"?>
+<ds:datastoreItem xmlns:ds="http://schemas.openxmlformats.org/officeDocument/2006/customXml" ds:itemID="{8002A8ED-1331-4C1D-8649-743D7BE164DD}">
+  <ds:schemaRefs>
+    <ds:schemaRef ds:uri="http://schemas.microsoft.com/office/2006/metadata/properties"/>
+    <ds:schemaRef ds:uri="http://schemas.microsoft.com/office/infopath/2007/PartnerControls"/>
+    <ds:schemaRef ds:uri="71af3243-3dd4-4a8d-8c0d-dd76da1f02a5"/>
+    <ds:schemaRef ds:uri="http://schemas.microsoft.com/sharepoint/v3"/>
+    <ds:schemaRef ds:uri="230e9df3-be65-4c73-a93b-d1236ebd677e"/>
+  </ds:schemaRefs>
+</ds:datastoreItem>
 </file>
 
-<file path=customXml/item3.xml><?xml version="1.0" encoding="utf-8"?>
-<p:properties xmlns:p="http://schemas.microsoft.com/office/2006/metadata/properties" xmlns:xsi="http://www.w3.org/2001/XMLSchema-instance" xmlns:pc="http://schemas.microsoft.com/office/infopath/2007/PartnerControls">
-  <documentManagement>
-    <Status xmlns="71af3243-3dd4-4a8d-8c0d-dd76da1f02a5">Not started</Status>
-    <MediaServiceKeyPoints xmlns="71af3243-3dd4-4a8d-8c0d-dd76da1f02a5" xsi:nil="true"/>
-    <_ip_UnifiedCompliancePolicyUIAction xmlns="http://schemas.microsoft.com/sharepoint/v3" xsi:nil="true"/>
-    <Image xmlns="71af3243-3dd4-4a8d-8c0d-dd76da1f02a5">
-      <Url xsi:nil="true"/>
-      <Description xsi:nil="true"/>
-    </Image>
-    <Background xmlns="71af3243-3dd4-4a8d-8c0d-dd76da1f02a5">false</Background>
-    <_ip_UnifiedCompliancePolicyProperties xmlns="http://schemas.microsoft.com/sharepoint/v3" xsi:nil="true"/>
-    <ImageTagsTaxHTField xmlns="71af3243-3dd4-4a8d-8c0d-dd76da1f02a5">
-      <Terms xmlns="http://schemas.microsoft.com/office/infopath/2007/PartnerControls"/>
-    </ImageTagsTaxHTField>
-    <TaxCatchAll xmlns="230e9df3-be65-4c73-a93b-d1236ebd677e" xsi:nil="true"/>
-  </documentManagement>
-</p:properties>
+<file path=customXml/itemProps2.xml><?xml version="1.0" encoding="utf-8"?>
+<ds:datastoreItem xmlns:ds="http://schemas.openxmlformats.org/officeDocument/2006/customXml" ds:itemID="{99E4EAC9-33DC-4CF0-BA31-C98F61CE4785}">
+  <ds:schemaRefs>
+    <ds:schemaRef ds:uri="http://schemas.microsoft.com/sharepoint/v3/contenttype/forms"/>
+  </ds:schemaRefs>
+</ds:datastoreItem>
 </file>
 
-<file path=customXml/itemProps1.xml><?xml version="1.0" encoding="utf-8"?>
+<file path=customXml/itemProps3.xml><?xml version="1.0" encoding="utf-8"?>
 <ds:datastoreItem xmlns:ds="http://schemas.openxmlformats.org/officeDocument/2006/customXml" ds:itemID="{A3D5DB56-3A71-4638-9571-EE877FD66E96}">
   <ds:schemaRefs>
     <ds:schemaRef ds:uri="http://schemas.microsoft.com/office/2006/metadata/contentType"/>
@@ -10042,26 +10062,6 @@
 </ds:datastoreItem>
 </file>
 
-<file path=customXml/itemProps2.xml><?xml version="1.0" encoding="utf-8"?>
-<ds:datastoreItem xmlns:ds="http://schemas.openxmlformats.org/officeDocument/2006/customXml" ds:itemID="{99E4EAC9-33DC-4CF0-BA31-C98F61CE4785}">
-  <ds:schemaRefs>
-    <ds:schemaRef ds:uri="http://schemas.microsoft.com/sharepoint/v3/contenttype/forms"/>
-  </ds:schemaRefs>
-</ds:datastoreItem>
-</file>
-
-<file path=customXml/itemProps3.xml><?xml version="1.0" encoding="utf-8"?>
-<ds:datastoreItem xmlns:ds="http://schemas.openxmlformats.org/officeDocument/2006/customXml" ds:itemID="{8002A8ED-1331-4C1D-8649-743D7BE164DD}">
-  <ds:schemaRefs>
-    <ds:schemaRef ds:uri="http://schemas.microsoft.com/office/2006/metadata/properties"/>
-    <ds:schemaRef ds:uri="http://schemas.microsoft.com/office/infopath/2007/PartnerControls"/>
-    <ds:schemaRef ds:uri="71af3243-3dd4-4a8d-8c0d-dd76da1f02a5"/>
-    <ds:schemaRef ds:uri="http://schemas.microsoft.com/sharepoint/v3"/>
-    <ds:schemaRef ds:uri="230e9df3-be65-4c73-a93b-d1236ebd677e"/>
-  </ds:schemaRefs>
-</ds:datastoreItem>
-</file>
-
 <file path=docMetadata/LabelInfo.xml><?xml version="1.0" encoding="utf-8"?>
 <clbl:labelList xmlns:clbl="http://schemas.microsoft.com/office/2020/mipLabelMetadata"/>
 </file>